--- a/Presentazioni/TEDxLearn_part3.pptx
+++ b/Presentazioni/TEDxLearn_part3.pptx
@@ -121,6 +121,30 @@
 
 <file path=ppt/changesInfos/changesInfo1.xml><?xml version="1.0" encoding="utf-8"?>
 <pc:chgInfo xmlns:a="http://schemas.openxmlformats.org/drawingml/2006/main" xmlns:r="http://schemas.openxmlformats.org/officeDocument/2006/relationships" xmlns:ac="http://schemas.microsoft.com/office/drawing/2013/main/command" xmlns:pc="http://schemas.microsoft.com/office/powerpoint/2013/main/command">
+  <pc:docChgLst>
+    <pc:chgData name="FEDERICO CARRARA" userId="e93417db-f703-4389-ad82-be8964ade4b4" providerId="ADAL" clId="{E2414911-D0EA-43B6-A341-7D52769E6AA7}"/>
+    <pc:docChg chg="modSld">
+      <pc:chgData name="FEDERICO CARRARA" userId="e93417db-f703-4389-ad82-be8964ade4b4" providerId="ADAL" clId="{E2414911-D0EA-43B6-A341-7D52769E6AA7}" dt="2024-06-18T10:18:23.400" v="2" actId="115"/>
+      <pc:docMkLst>
+        <pc:docMk/>
+      </pc:docMkLst>
+      <pc:sldChg chg="modSp mod">
+        <pc:chgData name="FEDERICO CARRARA" userId="e93417db-f703-4389-ad82-be8964ade4b4" providerId="ADAL" clId="{E2414911-D0EA-43B6-A341-7D52769E6AA7}" dt="2024-06-18T10:18:23.400" v="2" actId="115"/>
+        <pc:sldMkLst>
+          <pc:docMk/>
+          <pc:sldMk cId="235306207" sldId="257"/>
+        </pc:sldMkLst>
+        <pc:spChg chg="mod">
+          <ac:chgData name="FEDERICO CARRARA" userId="e93417db-f703-4389-ad82-be8964ade4b4" providerId="ADAL" clId="{E2414911-D0EA-43B6-A341-7D52769E6AA7}" dt="2024-06-18T10:18:23.400" v="2" actId="115"/>
+          <ac:spMkLst>
+            <pc:docMk/>
+            <pc:sldMk cId="235306207" sldId="257"/>
+            <ac:spMk id="2" creationId="{BB2FCF09-B988-24C6-3880-5EDE2D735210}"/>
+          </ac:spMkLst>
+        </pc:spChg>
+      </pc:sldChg>
+    </pc:docChg>
+  </pc:docChgLst>
   <pc:docChgLst>
     <pc:chgData name="FEDERICO CARRARA" userId="e93417db-f703-4389-ad82-be8964ade4b4" providerId="ADAL" clId="{0309C4B6-76EA-4E16-A834-3D75629C819D}"/>
     <pc:docChg chg="undo custSel addSld modSld">
@@ -311,7 +335,7 @@
           <a:noFill/>
           <a:extLst>
             <a:ext uri="{909E8E84-426E-40dd-AFC4-6F175D3DCCD1}">
-              <a14:hiddenFill xmlns="" xmlns:a14="http://schemas.microsoft.com/office/drawing/2010/main">
+              <a14:hiddenFill xmlns:a14="http://schemas.microsoft.com/office/drawing/2010/main" xmlns="">
                 <a:solidFill>
                   <a:srgbClr val="FFFFFF"/>
                 </a:solidFill>
@@ -370,7 +394,7 @@
             </a:ln>
             <a:extLst>
               <a:ext uri="{91240B29-F687-4f45-9708-019B960494DF}">
-                <a14:hiddenLine xmlns="" xmlns:a14="http://schemas.microsoft.com/office/drawing/2010/main" w="9525">
+                <a14:hiddenLine xmlns:a14="http://schemas.microsoft.com/office/drawing/2010/main" xmlns="" w="9525">
                   <a:solidFill>
                     <a:srgbClr val="000000"/>
                   </a:solidFill>
@@ -460,7 +484,7 @@
             </a:ln>
             <a:extLst>
               <a:ext uri="{91240B29-F687-4f45-9708-019B960494DF}">
-                <a14:hiddenLine xmlns="" xmlns:a14="http://schemas.microsoft.com/office/drawing/2010/main" w="9525">
+                <a14:hiddenLine xmlns:a14="http://schemas.microsoft.com/office/drawing/2010/main" xmlns="" w="9525">
                   <a:solidFill>
                     <a:srgbClr val="000000"/>
                   </a:solidFill>
@@ -550,7 +574,7 @@
             </a:ln>
             <a:extLst>
               <a:ext uri="{91240B29-F687-4f45-9708-019B960494DF}">
-                <a14:hiddenLine xmlns="" xmlns:a14="http://schemas.microsoft.com/office/drawing/2010/main" w="9525">
+                <a14:hiddenLine xmlns:a14="http://schemas.microsoft.com/office/drawing/2010/main" xmlns="" w="9525">
                   <a:solidFill>
                     <a:srgbClr val="000000"/>
                   </a:solidFill>
@@ -584,7 +608,7 @@
             </a:ln>
             <a:extLst>
               <a:ext uri="{91240B29-F687-4f45-9708-019B960494DF}">
-                <a14:hiddenLine xmlns="" xmlns:a14="http://schemas.microsoft.com/office/drawing/2010/main" w="9525">
+                <a14:hiddenLine xmlns:a14="http://schemas.microsoft.com/office/drawing/2010/main" xmlns="" w="9525">
                   <a:solidFill>
                     <a:srgbClr val="000000"/>
                   </a:solidFill>
@@ -674,7 +698,7 @@
             </a:ln>
             <a:extLst>
               <a:ext uri="{91240B29-F687-4f45-9708-019B960494DF}">
-                <a14:hiddenLine xmlns="" xmlns:a14="http://schemas.microsoft.com/office/drawing/2010/main" w="9525">
+                <a14:hiddenLine xmlns:a14="http://schemas.microsoft.com/office/drawing/2010/main" xmlns="" w="9525">
                   <a:solidFill>
                     <a:srgbClr val="000000"/>
                   </a:solidFill>
@@ -736,7 +760,7 @@
             </a:ln>
             <a:extLst>
               <a:ext uri="{91240B29-F687-4f45-9708-019B960494DF}">
-                <a14:hiddenLine xmlns="" xmlns:a14="http://schemas.microsoft.com/office/drawing/2010/main" w="9525">
+                <a14:hiddenLine xmlns:a14="http://schemas.microsoft.com/office/drawing/2010/main" xmlns="" w="9525">
                   <a:solidFill>
                     <a:srgbClr val="000000"/>
                   </a:solidFill>
@@ -798,7 +822,7 @@
             </a:ln>
             <a:extLst>
               <a:ext uri="{91240B29-F687-4f45-9708-019B960494DF}">
-                <a14:hiddenLine xmlns="" xmlns:a14="http://schemas.microsoft.com/office/drawing/2010/main" w="9525">
+                <a14:hiddenLine xmlns:a14="http://schemas.microsoft.com/office/drawing/2010/main" xmlns="" w="9525">
                   <a:solidFill>
                     <a:srgbClr val="000000"/>
                   </a:solidFill>
@@ -888,7 +912,7 @@
             </a:ln>
             <a:extLst>
               <a:ext uri="{91240B29-F687-4f45-9708-019B960494DF}">
-                <a14:hiddenLine xmlns="" xmlns:a14="http://schemas.microsoft.com/office/drawing/2010/main" w="9525">
+                <a14:hiddenLine xmlns:a14="http://schemas.microsoft.com/office/drawing/2010/main" xmlns="" w="9525">
                   <a:solidFill>
                     <a:srgbClr val="000000"/>
                   </a:solidFill>
@@ -950,7 +974,7 @@
             </a:ln>
             <a:extLst>
               <a:ext uri="{91240B29-F687-4f45-9708-019B960494DF}">
-                <a14:hiddenLine xmlns="" xmlns:a14="http://schemas.microsoft.com/office/drawing/2010/main" w="9525">
+                <a14:hiddenLine xmlns:a14="http://schemas.microsoft.com/office/drawing/2010/main" xmlns="" w="9525">
                   <a:solidFill>
                     <a:srgbClr val="000000"/>
                   </a:solidFill>
@@ -1012,7 +1036,7 @@
             </a:ln>
             <a:extLst>
               <a:ext uri="{91240B29-F687-4f45-9708-019B960494DF}">
-                <a14:hiddenLine xmlns="" xmlns:a14="http://schemas.microsoft.com/office/drawing/2010/main" w="9525">
+                <a14:hiddenLine xmlns:a14="http://schemas.microsoft.com/office/drawing/2010/main" xmlns="" w="9525">
                   <a:solidFill>
                     <a:srgbClr val="000000"/>
                   </a:solidFill>
@@ -1102,7 +1126,7 @@
             </a:ln>
             <a:extLst>
               <a:ext uri="{91240B29-F687-4f45-9708-019B960494DF}">
-                <a14:hiddenLine xmlns="" xmlns:a14="http://schemas.microsoft.com/office/drawing/2010/main" w="9525">
+                <a14:hiddenLine xmlns:a14="http://schemas.microsoft.com/office/drawing/2010/main" xmlns="" w="9525">
                   <a:solidFill>
                     <a:srgbClr val="000000"/>
                   </a:solidFill>
@@ -1192,7 +1216,7 @@
             </a:ln>
             <a:extLst>
               <a:ext uri="{91240B29-F687-4f45-9708-019B960494DF}">
-                <a14:hiddenLine xmlns="" xmlns:a14="http://schemas.microsoft.com/office/drawing/2010/main" w="9525">
+                <a14:hiddenLine xmlns:a14="http://schemas.microsoft.com/office/drawing/2010/main" xmlns="" w="9525">
                   <a:solidFill>
                     <a:srgbClr val="000000"/>
                   </a:solidFill>
@@ -1254,7 +1278,7 @@
             </a:ln>
             <a:extLst>
               <a:ext uri="{91240B29-F687-4f45-9708-019B960494DF}">
-                <a14:hiddenLine xmlns="" xmlns:a14="http://schemas.microsoft.com/office/drawing/2010/main" w="9525">
+                <a14:hiddenLine xmlns:a14="http://schemas.microsoft.com/office/drawing/2010/main" xmlns="" w="9525">
                   <a:solidFill>
                     <a:srgbClr val="000000"/>
                   </a:solidFill>
@@ -1364,7 +1388,7 @@
             </a:ln>
             <a:extLst>
               <a:ext uri="{91240B29-F687-4f45-9708-019B960494DF}">
-                <a14:hiddenLine xmlns="" xmlns:a14="http://schemas.microsoft.com/office/drawing/2010/main" w="9525">
+                <a14:hiddenLine xmlns:a14="http://schemas.microsoft.com/office/drawing/2010/main" xmlns="" w="9525">
                   <a:solidFill>
                     <a:srgbClr val="000000"/>
                   </a:solidFill>
@@ -1426,7 +1450,7 @@
             </a:ln>
             <a:extLst>
               <a:ext uri="{91240B29-F687-4f45-9708-019B960494DF}">
-                <a14:hiddenLine xmlns="" xmlns:a14="http://schemas.microsoft.com/office/drawing/2010/main" w="9525">
+                <a14:hiddenLine xmlns:a14="http://schemas.microsoft.com/office/drawing/2010/main" xmlns="" w="9525">
                   <a:solidFill>
                     <a:srgbClr val="000000"/>
                   </a:solidFill>
@@ -1516,7 +1540,7 @@
             </a:ln>
             <a:extLst>
               <a:ext uri="{91240B29-F687-4f45-9708-019B960494DF}">
-                <a14:hiddenLine xmlns="" xmlns:a14="http://schemas.microsoft.com/office/drawing/2010/main" w="9525">
+                <a14:hiddenLine xmlns:a14="http://schemas.microsoft.com/office/drawing/2010/main" xmlns="" w="9525">
                   <a:solidFill>
                     <a:srgbClr val="000000"/>
                   </a:solidFill>
@@ -1606,7 +1630,7 @@
             </a:ln>
             <a:extLst>
               <a:ext uri="{91240B29-F687-4f45-9708-019B960494DF}">
-                <a14:hiddenLine xmlns="" xmlns:a14="http://schemas.microsoft.com/office/drawing/2010/main" w="9525">
+                <a14:hiddenLine xmlns:a14="http://schemas.microsoft.com/office/drawing/2010/main" xmlns="" w="9525">
                   <a:solidFill>
                     <a:srgbClr val="000000"/>
                   </a:solidFill>
@@ -1668,7 +1692,7 @@
             </a:ln>
             <a:extLst>
               <a:ext uri="{91240B29-F687-4f45-9708-019B960494DF}">
-                <a14:hiddenLine xmlns="" xmlns:a14="http://schemas.microsoft.com/office/drawing/2010/main" w="9525">
+                <a14:hiddenLine xmlns:a14="http://schemas.microsoft.com/office/drawing/2010/main" xmlns="" w="9525">
                   <a:solidFill>
                     <a:srgbClr val="000000"/>
                   </a:solidFill>
@@ -1758,7 +1782,7 @@
             </a:ln>
             <a:extLst>
               <a:ext uri="{91240B29-F687-4f45-9708-019B960494DF}">
-                <a14:hiddenLine xmlns="" xmlns:a14="http://schemas.microsoft.com/office/drawing/2010/main" w="9525">
+                <a14:hiddenLine xmlns:a14="http://schemas.microsoft.com/office/drawing/2010/main" xmlns="" w="9525">
                   <a:solidFill>
                     <a:srgbClr val="000000"/>
                   </a:solidFill>
@@ -1848,7 +1872,7 @@
             </a:ln>
             <a:extLst>
               <a:ext uri="{91240B29-F687-4f45-9708-019B960494DF}">
-                <a14:hiddenLine xmlns="" xmlns:a14="http://schemas.microsoft.com/office/drawing/2010/main" w="9525">
+                <a14:hiddenLine xmlns:a14="http://schemas.microsoft.com/office/drawing/2010/main" xmlns="" w="9525">
                   <a:solidFill>
                     <a:srgbClr val="000000"/>
                   </a:solidFill>
@@ -1904,7 +1928,7 @@
             </a:ln>
             <a:extLst>
               <a:ext uri="{91240B29-F687-4f45-9708-019B960494DF}">
-                <a14:hiddenLine xmlns="" xmlns:a14="http://schemas.microsoft.com/office/drawing/2010/main" w="9525">
+                <a14:hiddenLine xmlns:a14="http://schemas.microsoft.com/office/drawing/2010/main" xmlns="" w="9525">
                   <a:solidFill>
                     <a:srgbClr val="000000"/>
                   </a:solidFill>
@@ -1994,7 +2018,7 @@
             </a:ln>
             <a:extLst>
               <a:ext uri="{91240B29-F687-4f45-9708-019B960494DF}">
-                <a14:hiddenLine xmlns="" xmlns:a14="http://schemas.microsoft.com/office/drawing/2010/main" w="9525">
+                <a14:hiddenLine xmlns:a14="http://schemas.microsoft.com/office/drawing/2010/main" xmlns="" w="9525">
                   <a:solidFill>
                     <a:srgbClr val="000000"/>
                   </a:solidFill>
@@ -2050,7 +2074,7 @@
             </a:ln>
             <a:extLst>
               <a:ext uri="{91240B29-F687-4f45-9708-019B960494DF}">
-                <a14:hiddenLine xmlns="" xmlns:a14="http://schemas.microsoft.com/office/drawing/2010/main" w="9525">
+                <a14:hiddenLine xmlns:a14="http://schemas.microsoft.com/office/drawing/2010/main" xmlns="" w="9525">
                   <a:solidFill>
                     <a:srgbClr val="000000"/>
                   </a:solidFill>
@@ -2140,7 +2164,7 @@
             </a:ln>
             <a:extLst>
               <a:ext uri="{91240B29-F687-4f45-9708-019B960494DF}">
-                <a14:hiddenLine xmlns="" xmlns:a14="http://schemas.microsoft.com/office/drawing/2010/main" w="9525">
+                <a14:hiddenLine xmlns:a14="http://schemas.microsoft.com/office/drawing/2010/main" xmlns="" w="9525">
                   <a:solidFill>
                     <a:srgbClr val="000000"/>
                   </a:solidFill>
@@ -2208,7 +2232,7 @@
             </a:ln>
             <a:extLst>
               <a:ext uri="{91240B29-F687-4f45-9708-019B960494DF}">
-                <a14:hiddenLine xmlns="" xmlns:a14="http://schemas.microsoft.com/office/drawing/2010/main" w="9525">
+                <a14:hiddenLine xmlns:a14="http://schemas.microsoft.com/office/drawing/2010/main" xmlns="" w="9525">
                   <a:solidFill>
                     <a:srgbClr val="000000"/>
                   </a:solidFill>
@@ -2298,7 +2322,7 @@
             </a:ln>
             <a:extLst>
               <a:ext uri="{91240B29-F687-4f45-9708-019B960494DF}">
-                <a14:hiddenLine xmlns="" xmlns:a14="http://schemas.microsoft.com/office/drawing/2010/main" w="9525">
+                <a14:hiddenLine xmlns:a14="http://schemas.microsoft.com/office/drawing/2010/main" xmlns="" w="9525">
                   <a:solidFill>
                     <a:srgbClr val="000000"/>
                   </a:solidFill>
@@ -2366,7 +2390,7 @@
             </a:ln>
             <a:extLst>
               <a:ext uri="{91240B29-F687-4f45-9708-019B960494DF}">
-                <a14:hiddenLine xmlns="" xmlns:a14="http://schemas.microsoft.com/office/drawing/2010/main" w="9525">
+                <a14:hiddenLine xmlns:a14="http://schemas.microsoft.com/office/drawing/2010/main" xmlns="" w="9525">
                   <a:solidFill>
                     <a:srgbClr val="000000"/>
                   </a:solidFill>
@@ -2456,7 +2480,7 @@
             </a:ln>
             <a:extLst>
               <a:ext uri="{91240B29-F687-4f45-9708-019B960494DF}">
-                <a14:hiddenLine xmlns="" xmlns:a14="http://schemas.microsoft.com/office/drawing/2010/main" w="9525">
+                <a14:hiddenLine xmlns:a14="http://schemas.microsoft.com/office/drawing/2010/main" xmlns="" w="9525">
                   <a:solidFill>
                     <a:srgbClr val="000000"/>
                   </a:solidFill>
@@ -2490,7 +2514,7 @@
             </a:ln>
             <a:extLst>
               <a:ext uri="{91240B29-F687-4f45-9708-019B960494DF}">
-                <a14:hiddenLine xmlns="" xmlns:a14="http://schemas.microsoft.com/office/drawing/2010/main" w="9525">
+                <a14:hiddenLine xmlns:a14="http://schemas.microsoft.com/office/drawing/2010/main" xmlns="" w="9525">
                   <a:solidFill>
                     <a:srgbClr val="000000"/>
                   </a:solidFill>
@@ -2580,7 +2604,7 @@
             </a:ln>
             <a:extLst>
               <a:ext uri="{91240B29-F687-4f45-9708-019B960494DF}">
-                <a14:hiddenLine xmlns="" xmlns:a14="http://schemas.microsoft.com/office/drawing/2010/main" w="9525">
+                <a14:hiddenLine xmlns:a14="http://schemas.microsoft.com/office/drawing/2010/main" xmlns="" w="9525">
                   <a:solidFill>
                     <a:srgbClr val="000000"/>
                   </a:solidFill>
@@ -2642,7 +2666,7 @@
             </a:ln>
             <a:extLst>
               <a:ext uri="{91240B29-F687-4f45-9708-019B960494DF}">
-                <a14:hiddenLine xmlns="" xmlns:a14="http://schemas.microsoft.com/office/drawing/2010/main" w="9525">
+                <a14:hiddenLine xmlns:a14="http://schemas.microsoft.com/office/drawing/2010/main" xmlns="" w="9525">
                   <a:solidFill>
                     <a:srgbClr val="000000"/>
                   </a:solidFill>
@@ -2704,7 +2728,7 @@
             </a:ln>
             <a:extLst>
               <a:ext uri="{91240B29-F687-4f45-9708-019B960494DF}">
-                <a14:hiddenLine xmlns="" xmlns:a14="http://schemas.microsoft.com/office/drawing/2010/main" w="9525">
+                <a14:hiddenLine xmlns:a14="http://schemas.microsoft.com/office/drawing/2010/main" xmlns="" w="9525">
                   <a:solidFill>
                     <a:srgbClr val="000000"/>
                   </a:solidFill>
@@ -2794,7 +2818,7 @@
             </a:ln>
             <a:extLst>
               <a:ext uri="{91240B29-F687-4f45-9708-019B960494DF}">
-                <a14:hiddenLine xmlns="" xmlns:a14="http://schemas.microsoft.com/office/drawing/2010/main" w="9525">
+                <a14:hiddenLine xmlns:a14="http://schemas.microsoft.com/office/drawing/2010/main" xmlns="" w="9525">
                   <a:solidFill>
                     <a:srgbClr val="000000"/>
                   </a:solidFill>
@@ -2862,7 +2886,7 @@
             </a:ln>
             <a:extLst>
               <a:ext uri="{91240B29-F687-4f45-9708-019B960494DF}">
-                <a14:hiddenLine xmlns="" xmlns:a14="http://schemas.microsoft.com/office/drawing/2010/main" w="9525">
+                <a14:hiddenLine xmlns:a14="http://schemas.microsoft.com/office/drawing/2010/main" xmlns="" w="9525">
                   <a:solidFill>
                     <a:srgbClr val="000000"/>
                   </a:solidFill>
@@ -2924,7 +2948,7 @@
             </a:ln>
             <a:extLst>
               <a:ext uri="{91240B29-F687-4f45-9708-019B960494DF}">
-                <a14:hiddenLine xmlns="" xmlns:a14="http://schemas.microsoft.com/office/drawing/2010/main" w="9525">
+                <a14:hiddenLine xmlns:a14="http://schemas.microsoft.com/office/drawing/2010/main" xmlns="" w="9525">
                   <a:solidFill>
                     <a:srgbClr val="000000"/>
                   </a:solidFill>
@@ -3014,7 +3038,7 @@
             </a:ln>
             <a:extLst>
               <a:ext uri="{91240B29-F687-4f45-9708-019B960494DF}">
-                <a14:hiddenLine xmlns="" xmlns:a14="http://schemas.microsoft.com/office/drawing/2010/main" w="9525">
+                <a14:hiddenLine xmlns:a14="http://schemas.microsoft.com/office/drawing/2010/main" xmlns="" w="9525">
                   <a:solidFill>
                     <a:srgbClr val="000000"/>
                   </a:solidFill>
@@ -3076,7 +3100,7 @@
             </a:ln>
             <a:extLst>
               <a:ext uri="{91240B29-F687-4f45-9708-019B960494DF}">
-                <a14:hiddenLine xmlns="" xmlns:a14="http://schemas.microsoft.com/office/drawing/2010/main" w="9525">
+                <a14:hiddenLine xmlns:a14="http://schemas.microsoft.com/office/drawing/2010/main" xmlns="" w="9525">
                   <a:solidFill>
                     <a:srgbClr val="000000"/>
                   </a:solidFill>
@@ -3166,7 +3190,7 @@
             </a:ln>
             <a:extLst>
               <a:ext uri="{91240B29-F687-4f45-9708-019B960494DF}">
-                <a14:hiddenLine xmlns="" xmlns:a14="http://schemas.microsoft.com/office/drawing/2010/main" w="9525">
+                <a14:hiddenLine xmlns:a14="http://schemas.microsoft.com/office/drawing/2010/main" xmlns="" w="9525">
                   <a:solidFill>
                     <a:srgbClr val="000000"/>
                   </a:solidFill>
@@ -3228,7 +3252,7 @@
             </a:ln>
             <a:extLst>
               <a:ext uri="{91240B29-F687-4f45-9708-019B960494DF}">
-                <a14:hiddenLine xmlns="" xmlns:a14="http://schemas.microsoft.com/office/drawing/2010/main" w="9525">
+                <a14:hiddenLine xmlns:a14="http://schemas.microsoft.com/office/drawing/2010/main" xmlns="" w="9525">
                   <a:solidFill>
                     <a:srgbClr val="000000"/>
                   </a:solidFill>
@@ -3318,7 +3342,7 @@
             </a:ln>
             <a:extLst>
               <a:ext uri="{91240B29-F687-4f45-9708-019B960494DF}">
-                <a14:hiddenLine xmlns="" xmlns:a14="http://schemas.microsoft.com/office/drawing/2010/main" w="9525">
+                <a14:hiddenLine xmlns:a14="http://schemas.microsoft.com/office/drawing/2010/main" xmlns="" w="9525">
                   <a:solidFill>
                     <a:srgbClr val="000000"/>
                   </a:solidFill>
@@ -3352,7 +3376,7 @@
             </a:ln>
             <a:extLst>
               <a:ext uri="{91240B29-F687-4f45-9708-019B960494DF}">
-                <a14:hiddenLine xmlns="" xmlns:a14="http://schemas.microsoft.com/office/drawing/2010/main" w="9525">
+                <a14:hiddenLine xmlns:a14="http://schemas.microsoft.com/office/drawing/2010/main" xmlns="" w="9525">
                   <a:solidFill>
                     <a:srgbClr val="000000"/>
                   </a:solidFill>
@@ -3417,7 +3441,7 @@
             </a:ln>
             <a:extLst>
               <a:ext uri="{91240B29-F687-4f45-9708-019B960494DF}">
-                <a14:hiddenLine xmlns="" xmlns:a14="http://schemas.microsoft.com/office/drawing/2010/main" w="9525">
+                <a14:hiddenLine xmlns:a14="http://schemas.microsoft.com/office/drawing/2010/main" xmlns="" w="9525">
                   <a:solidFill>
                     <a:srgbClr val="000000"/>
                   </a:solidFill>
@@ -3507,7 +3531,7 @@
             </a:ln>
             <a:extLst>
               <a:ext uri="{91240B29-F687-4f45-9708-019B960494DF}">
-                <a14:hiddenLine xmlns="" xmlns:a14="http://schemas.microsoft.com/office/drawing/2010/main" w="9525">
+                <a14:hiddenLine xmlns:a14="http://schemas.microsoft.com/office/drawing/2010/main" xmlns="" w="9525">
                   <a:solidFill>
                     <a:srgbClr val="000000"/>
                   </a:solidFill>
@@ -3569,7 +3593,7 @@
             </a:ln>
             <a:extLst>
               <a:ext uri="{91240B29-F687-4f45-9708-019B960494DF}">
-                <a14:hiddenLine xmlns="" xmlns:a14="http://schemas.microsoft.com/office/drawing/2010/main" w="9525">
+                <a14:hiddenLine xmlns:a14="http://schemas.microsoft.com/office/drawing/2010/main" xmlns="" w="9525">
                   <a:solidFill>
                     <a:srgbClr val="000000"/>
                   </a:solidFill>
@@ -3659,7 +3683,7 @@
             </a:ln>
             <a:extLst>
               <a:ext uri="{91240B29-F687-4f45-9708-019B960494DF}">
-                <a14:hiddenLine xmlns="" xmlns:a14="http://schemas.microsoft.com/office/drawing/2010/main" w="9525">
+                <a14:hiddenLine xmlns:a14="http://schemas.microsoft.com/office/drawing/2010/main" xmlns="" w="9525">
                   <a:solidFill>
                     <a:srgbClr val="000000"/>
                   </a:solidFill>
@@ -3749,7 +3773,7 @@
             </a:ln>
             <a:extLst>
               <a:ext uri="{91240B29-F687-4f45-9708-019B960494DF}">
-                <a14:hiddenLine xmlns="" xmlns:a14="http://schemas.microsoft.com/office/drawing/2010/main" w="9525">
+                <a14:hiddenLine xmlns:a14="http://schemas.microsoft.com/office/drawing/2010/main" xmlns="" w="9525">
                   <a:solidFill>
                     <a:srgbClr val="000000"/>
                   </a:solidFill>
@@ -3814,7 +3838,7 @@
             </a:ln>
             <a:extLst>
               <a:ext uri="{91240B29-F687-4f45-9708-019B960494DF}">
-                <a14:hiddenLine xmlns="" xmlns:a14="http://schemas.microsoft.com/office/drawing/2010/main" w="9525">
+                <a14:hiddenLine xmlns:a14="http://schemas.microsoft.com/office/drawing/2010/main" xmlns="" w="9525">
                   <a:solidFill>
                     <a:srgbClr val="000000"/>
                   </a:solidFill>
@@ -3876,7 +3900,7 @@
             </a:ln>
             <a:extLst>
               <a:ext uri="{91240B29-F687-4f45-9708-019B960494DF}">
-                <a14:hiddenLine xmlns="" xmlns:a14="http://schemas.microsoft.com/office/drawing/2010/main" w="9525">
+                <a14:hiddenLine xmlns:a14="http://schemas.microsoft.com/office/drawing/2010/main" xmlns="" w="9525">
                   <a:solidFill>
                     <a:srgbClr val="000000"/>
                   </a:solidFill>
@@ -3966,7 +3990,7 @@
             </a:ln>
             <a:extLst>
               <a:ext uri="{91240B29-F687-4f45-9708-019B960494DF}">
-                <a14:hiddenLine xmlns="" xmlns:a14="http://schemas.microsoft.com/office/drawing/2010/main" w="9525">
+                <a14:hiddenLine xmlns:a14="http://schemas.microsoft.com/office/drawing/2010/main" xmlns="" w="9525">
                   <a:solidFill>
                     <a:srgbClr val="000000"/>
                   </a:solidFill>
@@ -4056,7 +4080,7 @@
             </a:ln>
             <a:extLst>
               <a:ext uri="{91240B29-F687-4f45-9708-019B960494DF}">
-                <a14:hiddenLine xmlns="" xmlns:a14="http://schemas.microsoft.com/office/drawing/2010/main" w="9525">
+                <a14:hiddenLine xmlns:a14="http://schemas.microsoft.com/office/drawing/2010/main" xmlns="" w="9525">
                   <a:solidFill>
                     <a:srgbClr val="000000"/>
                   </a:solidFill>
@@ -4118,7 +4142,7 @@
             </a:ln>
             <a:extLst>
               <a:ext uri="{91240B29-F687-4f45-9708-019B960494DF}">
-                <a14:hiddenLine xmlns="" xmlns:a14="http://schemas.microsoft.com/office/drawing/2010/main" w="9525">
+                <a14:hiddenLine xmlns:a14="http://schemas.microsoft.com/office/drawing/2010/main" xmlns="" w="9525">
                   <a:solidFill>
                     <a:srgbClr val="000000"/>
                   </a:solidFill>
@@ -4238,7 +4262,7 @@
             </a:ln>
             <a:extLst>
               <a:ext uri="{91240B29-F687-4f45-9708-019B960494DF}">
-                <a14:hiddenLine xmlns="" xmlns:a14="http://schemas.microsoft.com/office/drawing/2010/main" w="9525">
+                <a14:hiddenLine xmlns:a14="http://schemas.microsoft.com/office/drawing/2010/main" xmlns="" w="9525">
                   <a:solidFill>
                     <a:srgbClr val="000000"/>
                   </a:solidFill>
@@ -4306,7 +4330,7 @@
             </a:ln>
             <a:extLst>
               <a:ext uri="{91240B29-F687-4f45-9708-019B960494DF}">
-                <a14:hiddenLine xmlns="" xmlns:a14="http://schemas.microsoft.com/office/drawing/2010/main" w="9525">
+                <a14:hiddenLine xmlns:a14="http://schemas.microsoft.com/office/drawing/2010/main" xmlns="" w="9525">
                   <a:solidFill>
                     <a:srgbClr val="000000"/>
                   </a:solidFill>
@@ -4396,7 +4420,7 @@
             </a:ln>
             <a:extLst>
               <a:ext uri="{91240B29-F687-4f45-9708-019B960494DF}">
-                <a14:hiddenLine xmlns="" xmlns:a14="http://schemas.microsoft.com/office/drawing/2010/main" w="9525">
+                <a14:hiddenLine xmlns:a14="http://schemas.microsoft.com/office/drawing/2010/main" xmlns="" w="9525">
                   <a:solidFill>
                     <a:srgbClr val="000000"/>
                   </a:solidFill>
@@ -4536,7 +4560,7 @@
           <a:p>
             <a:fld id="{867D2BB0-EC20-4E7E-BA61-C31A6B3B5362}" type="datetimeFigureOut">
               <a:rPr lang="it-IT" smtClean="0"/>
-              <a:t>16/05/2024</a:t>
+              <a:t>18/06/2024</a:t>
             </a:fld>
             <a:endParaRPr lang="it-IT"/>
           </a:p>
@@ -4803,7 +4827,7 @@
           <a:p>
             <a:fld id="{867D2BB0-EC20-4E7E-BA61-C31A6B3B5362}" type="datetimeFigureOut">
               <a:rPr lang="it-IT" smtClean="0"/>
-              <a:t>16/05/2024</a:t>
+              <a:t>18/06/2024</a:t>
             </a:fld>
             <a:endParaRPr lang="it-IT"/>
           </a:p>
@@ -4999,7 +5023,7 @@
           <a:p>
             <a:fld id="{867D2BB0-EC20-4E7E-BA61-C31A6B3B5362}" type="datetimeFigureOut">
               <a:rPr lang="it-IT" smtClean="0"/>
-              <a:t>16/05/2024</a:t>
+              <a:t>18/06/2024</a:t>
             </a:fld>
             <a:endParaRPr lang="it-IT"/>
           </a:p>
@@ -5262,7 +5286,7 @@
           <a:p>
             <a:fld id="{867D2BB0-EC20-4E7E-BA61-C31A6B3B5362}" type="datetimeFigureOut">
               <a:rPr lang="it-IT" smtClean="0"/>
-              <a:t>16/05/2024</a:t>
+              <a:t>18/06/2024</a:t>
             </a:fld>
             <a:endParaRPr lang="it-IT"/>
           </a:p>
@@ -5696,7 +5720,7 @@
           <a:p>
             <a:fld id="{867D2BB0-EC20-4E7E-BA61-C31A6B3B5362}" type="datetimeFigureOut">
               <a:rPr lang="it-IT" smtClean="0"/>
-              <a:t>16/05/2024</a:t>
+              <a:t>18/06/2024</a:t>
             </a:fld>
             <a:endParaRPr lang="it-IT"/>
           </a:p>
@@ -6242,7 +6266,7 @@
           <a:p>
             <a:fld id="{867D2BB0-EC20-4E7E-BA61-C31A6B3B5362}" type="datetimeFigureOut">
               <a:rPr lang="it-IT" smtClean="0"/>
-              <a:t>16/05/2024</a:t>
+              <a:t>18/06/2024</a:t>
             </a:fld>
             <a:endParaRPr lang="it-IT"/>
           </a:p>
@@ -6962,7 +6986,7 @@
           <a:p>
             <a:fld id="{867D2BB0-EC20-4E7E-BA61-C31A6B3B5362}" type="datetimeFigureOut">
               <a:rPr lang="it-IT" smtClean="0"/>
-              <a:t>16/05/2024</a:t>
+              <a:t>18/06/2024</a:t>
             </a:fld>
             <a:endParaRPr lang="it-IT"/>
           </a:p>
@@ -7132,7 +7156,7 @@
           <a:p>
             <a:fld id="{867D2BB0-EC20-4E7E-BA61-C31A6B3B5362}" type="datetimeFigureOut">
               <a:rPr lang="it-IT" smtClean="0"/>
-              <a:t>16/05/2024</a:t>
+              <a:t>18/06/2024</a:t>
             </a:fld>
             <a:endParaRPr lang="it-IT"/>
           </a:p>
@@ -7312,7 +7336,7 @@
           <a:p>
             <a:fld id="{867D2BB0-EC20-4E7E-BA61-C31A6B3B5362}" type="datetimeFigureOut">
               <a:rPr lang="it-IT" smtClean="0"/>
-              <a:t>16/05/2024</a:t>
+              <a:t>18/06/2024</a:t>
             </a:fld>
             <a:endParaRPr lang="it-IT"/>
           </a:p>
@@ -7482,7 +7506,7 @@
           <a:p>
             <a:fld id="{867D2BB0-EC20-4E7E-BA61-C31A6B3B5362}" type="datetimeFigureOut">
               <a:rPr lang="it-IT" smtClean="0"/>
-              <a:t>16/05/2024</a:t>
+              <a:t>18/06/2024</a:t>
             </a:fld>
             <a:endParaRPr lang="it-IT"/>
           </a:p>
@@ -7732,7 +7756,7 @@
           <a:p>
             <a:fld id="{867D2BB0-EC20-4E7E-BA61-C31A6B3B5362}" type="datetimeFigureOut">
               <a:rPr lang="it-IT" smtClean="0"/>
-              <a:t>16/05/2024</a:t>
+              <a:t>18/06/2024</a:t>
             </a:fld>
             <a:endParaRPr lang="it-IT"/>
           </a:p>
@@ -7964,7 +7988,7 @@
           <a:p>
             <a:fld id="{867D2BB0-EC20-4E7E-BA61-C31A6B3B5362}" type="datetimeFigureOut">
               <a:rPr lang="it-IT" smtClean="0"/>
-              <a:t>16/05/2024</a:t>
+              <a:t>18/06/2024</a:t>
             </a:fld>
             <a:endParaRPr lang="it-IT"/>
           </a:p>
@@ -8345,7 +8369,7 @@
           <a:p>
             <a:fld id="{867D2BB0-EC20-4E7E-BA61-C31A6B3B5362}" type="datetimeFigureOut">
               <a:rPr lang="it-IT" smtClean="0"/>
-              <a:t>16/05/2024</a:t>
+              <a:t>18/06/2024</a:t>
             </a:fld>
             <a:endParaRPr lang="it-IT"/>
           </a:p>
@@ -8463,7 +8487,7 @@
           <a:p>
             <a:fld id="{867D2BB0-EC20-4E7E-BA61-C31A6B3B5362}" type="datetimeFigureOut">
               <a:rPr lang="it-IT" smtClean="0"/>
-              <a:t>16/05/2024</a:t>
+              <a:t>18/06/2024</a:t>
             </a:fld>
             <a:endParaRPr lang="it-IT"/>
           </a:p>
@@ -8558,7 +8582,7 @@
           <a:p>
             <a:fld id="{867D2BB0-EC20-4E7E-BA61-C31A6B3B5362}" type="datetimeFigureOut">
               <a:rPr lang="it-IT" smtClean="0"/>
-              <a:t>16/05/2024</a:t>
+              <a:t>18/06/2024</a:t>
             </a:fld>
             <a:endParaRPr lang="it-IT"/>
           </a:p>
@@ -8807,7 +8831,7 @@
           <a:p>
             <a:fld id="{867D2BB0-EC20-4E7E-BA61-C31A6B3B5362}" type="datetimeFigureOut">
               <a:rPr lang="it-IT" smtClean="0"/>
-              <a:t>16/05/2024</a:t>
+              <a:t>18/06/2024</a:t>
             </a:fld>
             <a:endParaRPr lang="it-IT"/>
           </a:p>
@@ -9087,7 +9111,7 @@
           <a:p>
             <a:fld id="{867D2BB0-EC20-4E7E-BA61-C31A6B3B5362}" type="datetimeFigureOut">
               <a:rPr lang="it-IT" smtClean="0"/>
-              <a:t>16/05/2024</a:t>
+              <a:t>18/06/2024</a:t>
             </a:fld>
             <a:endParaRPr lang="it-IT"/>
           </a:p>
@@ -9210,7 +9234,7 @@
           <a:noFill/>
           <a:extLst>
             <a:ext uri="{909E8E84-426E-40dd-AFC4-6F175D3DCCD1}">
-              <a14:hiddenFill xmlns="" xmlns:a14="http://schemas.microsoft.com/office/drawing/2010/main">
+              <a14:hiddenFill xmlns:a14="http://schemas.microsoft.com/office/drawing/2010/main" xmlns="">
                 <a:solidFill>
                   <a:srgbClr val="FFFFFF"/>
                 </a:solidFill>
@@ -9284,7 +9308,7 @@
               </a:ln>
               <a:extLst>
                 <a:ext uri="{91240B29-F687-4f45-9708-019B960494DF}">
-                  <a14:hiddenLine xmlns="" xmlns:a14="http://schemas.microsoft.com/office/drawing/2010/main" w="9525">
+                  <a14:hiddenLine xmlns:a14="http://schemas.microsoft.com/office/drawing/2010/main" xmlns="" w="9525">
                     <a:solidFill>
                       <a:srgbClr val="000000"/>
                     </a:solidFill>
@@ -9374,7 +9398,7 @@
               </a:ln>
               <a:extLst>
                 <a:ext uri="{91240B29-F687-4f45-9708-019B960494DF}">
-                  <a14:hiddenLine xmlns="" xmlns:a14="http://schemas.microsoft.com/office/drawing/2010/main" w="9525">
+                  <a14:hiddenLine xmlns:a14="http://schemas.microsoft.com/office/drawing/2010/main" xmlns="" w="9525">
                     <a:solidFill>
                       <a:srgbClr val="000000"/>
                     </a:solidFill>
@@ -9464,7 +9488,7 @@
               </a:ln>
               <a:extLst>
                 <a:ext uri="{91240B29-F687-4f45-9708-019B960494DF}">
-                  <a14:hiddenLine xmlns="" xmlns:a14="http://schemas.microsoft.com/office/drawing/2010/main" w="9525">
+                  <a14:hiddenLine xmlns:a14="http://schemas.microsoft.com/office/drawing/2010/main" xmlns="" w="9525">
                     <a:solidFill>
                       <a:srgbClr val="000000"/>
                     </a:solidFill>
@@ -9526,7 +9550,7 @@
               </a:ln>
               <a:extLst>
                 <a:ext uri="{91240B29-F687-4f45-9708-019B960494DF}">
-                  <a14:hiddenLine xmlns="" xmlns:a14="http://schemas.microsoft.com/office/drawing/2010/main" w="9525">
+                  <a14:hiddenLine xmlns:a14="http://schemas.microsoft.com/office/drawing/2010/main" xmlns="" w="9525">
                     <a:solidFill>
                       <a:srgbClr val="000000"/>
                     </a:solidFill>
@@ -9616,7 +9640,7 @@
               </a:ln>
               <a:extLst>
                 <a:ext uri="{91240B29-F687-4f45-9708-019B960494DF}">
-                  <a14:hiddenLine xmlns="" xmlns:a14="http://schemas.microsoft.com/office/drawing/2010/main" w="9525">
+                  <a14:hiddenLine xmlns:a14="http://schemas.microsoft.com/office/drawing/2010/main" xmlns="" w="9525">
                     <a:solidFill>
                       <a:srgbClr val="000000"/>
                     </a:solidFill>
@@ -9678,7 +9702,7 @@
               </a:ln>
               <a:extLst>
                 <a:ext uri="{91240B29-F687-4f45-9708-019B960494DF}">
-                  <a14:hiddenLine xmlns="" xmlns:a14="http://schemas.microsoft.com/office/drawing/2010/main" w="9525">
+                  <a14:hiddenLine xmlns:a14="http://schemas.microsoft.com/office/drawing/2010/main" xmlns="" w="9525">
                     <a:solidFill>
                       <a:srgbClr val="000000"/>
                     </a:solidFill>
@@ -9740,7 +9764,7 @@
               </a:ln>
               <a:extLst>
                 <a:ext uri="{91240B29-F687-4f45-9708-019B960494DF}">
-                  <a14:hiddenLine xmlns="" xmlns:a14="http://schemas.microsoft.com/office/drawing/2010/main" w="9525">
+                  <a14:hiddenLine xmlns:a14="http://schemas.microsoft.com/office/drawing/2010/main" xmlns="" w="9525">
                     <a:solidFill>
                       <a:srgbClr val="000000"/>
                     </a:solidFill>
@@ -9830,7 +9854,7 @@
               </a:ln>
               <a:extLst>
                 <a:ext uri="{91240B29-F687-4f45-9708-019B960494DF}">
-                  <a14:hiddenLine xmlns="" xmlns:a14="http://schemas.microsoft.com/office/drawing/2010/main" w="9525">
+                  <a14:hiddenLine xmlns:a14="http://schemas.microsoft.com/office/drawing/2010/main" xmlns="" w="9525">
                     <a:solidFill>
                       <a:srgbClr val="000000"/>
                     </a:solidFill>
@@ -9920,7 +9944,7 @@
               </a:ln>
               <a:extLst>
                 <a:ext uri="{91240B29-F687-4f45-9708-019B960494DF}">
-                  <a14:hiddenLine xmlns="" xmlns:a14="http://schemas.microsoft.com/office/drawing/2010/main" w="9525">
+                  <a14:hiddenLine xmlns:a14="http://schemas.microsoft.com/office/drawing/2010/main" xmlns="" w="9525">
                     <a:solidFill>
                       <a:srgbClr val="000000"/>
                     </a:solidFill>
@@ -9982,7 +10006,7 @@
               </a:ln>
               <a:extLst>
                 <a:ext uri="{91240B29-F687-4f45-9708-019B960494DF}">
-                  <a14:hiddenLine xmlns="" xmlns:a14="http://schemas.microsoft.com/office/drawing/2010/main" w="9525">
+                  <a14:hiddenLine xmlns:a14="http://schemas.microsoft.com/office/drawing/2010/main" xmlns="" w="9525">
                     <a:solidFill>
                       <a:srgbClr val="000000"/>
                     </a:solidFill>
@@ -10092,7 +10116,7 @@
               </a:ln>
               <a:extLst>
                 <a:ext uri="{91240B29-F687-4f45-9708-019B960494DF}">
-                  <a14:hiddenLine xmlns="" xmlns:a14="http://schemas.microsoft.com/office/drawing/2010/main" w="9525">
+                  <a14:hiddenLine xmlns:a14="http://schemas.microsoft.com/office/drawing/2010/main" xmlns="" w="9525">
                     <a:solidFill>
                       <a:srgbClr val="000000"/>
                     </a:solidFill>
@@ -10176,7 +10200,7 @@
               </a:ln>
               <a:extLst>
                 <a:ext uri="{91240B29-F687-4f45-9708-019B960494DF}">
-                  <a14:hiddenLine xmlns="" xmlns:a14="http://schemas.microsoft.com/office/drawing/2010/main" w="9525">
+                  <a14:hiddenLine xmlns:a14="http://schemas.microsoft.com/office/drawing/2010/main" xmlns="" w="9525">
                     <a:solidFill>
                       <a:srgbClr val="000000"/>
                     </a:solidFill>
@@ -10238,7 +10262,7 @@
               </a:ln>
               <a:extLst>
                 <a:ext uri="{91240B29-F687-4f45-9708-019B960494DF}">
-                  <a14:hiddenLine xmlns="" xmlns:a14="http://schemas.microsoft.com/office/drawing/2010/main" w="9525">
+                  <a14:hiddenLine xmlns:a14="http://schemas.microsoft.com/office/drawing/2010/main" xmlns="" w="9525">
                     <a:solidFill>
                       <a:srgbClr val="000000"/>
                     </a:solidFill>
@@ -10300,7 +10324,7 @@
               </a:ln>
               <a:extLst>
                 <a:ext uri="{91240B29-F687-4f45-9708-019B960494DF}">
-                  <a14:hiddenLine xmlns="" xmlns:a14="http://schemas.microsoft.com/office/drawing/2010/main" w="9525">
+                  <a14:hiddenLine xmlns:a14="http://schemas.microsoft.com/office/drawing/2010/main" xmlns="" w="9525">
                     <a:solidFill>
                       <a:srgbClr val="000000"/>
                     </a:solidFill>
@@ -10390,7 +10414,7 @@
               </a:ln>
               <a:extLst>
                 <a:ext uri="{91240B29-F687-4f45-9708-019B960494DF}">
-                  <a14:hiddenLine xmlns="" xmlns:a14="http://schemas.microsoft.com/office/drawing/2010/main" w="9525">
+                  <a14:hiddenLine xmlns:a14="http://schemas.microsoft.com/office/drawing/2010/main" xmlns="" w="9525">
                     <a:solidFill>
                       <a:srgbClr val="000000"/>
                     </a:solidFill>
@@ -10424,7 +10448,7 @@
               </a:ln>
               <a:extLst>
                 <a:ext uri="{91240B29-F687-4f45-9708-019B960494DF}">
-                  <a14:hiddenLine xmlns="" xmlns:a14="http://schemas.microsoft.com/office/drawing/2010/main" w="9525">
+                  <a14:hiddenLine xmlns:a14="http://schemas.microsoft.com/office/drawing/2010/main" xmlns="" w="9525">
                     <a:solidFill>
                       <a:srgbClr val="000000"/>
                     </a:solidFill>
@@ -10489,7 +10513,7 @@
               </a:ln>
               <a:extLst>
                 <a:ext uri="{91240B29-F687-4f45-9708-019B960494DF}">
-                  <a14:hiddenLine xmlns="" xmlns:a14="http://schemas.microsoft.com/office/drawing/2010/main" w="9525">
+                  <a14:hiddenLine xmlns:a14="http://schemas.microsoft.com/office/drawing/2010/main" xmlns="" w="9525">
                     <a:solidFill>
                       <a:srgbClr val="000000"/>
                     </a:solidFill>
@@ -10579,7 +10603,7 @@
               </a:ln>
               <a:extLst>
                 <a:ext uri="{91240B29-F687-4f45-9708-019B960494DF}">
-                  <a14:hiddenLine xmlns="" xmlns:a14="http://schemas.microsoft.com/office/drawing/2010/main" w="9525">
+                  <a14:hiddenLine xmlns:a14="http://schemas.microsoft.com/office/drawing/2010/main" xmlns="" w="9525">
                     <a:solidFill>
                       <a:srgbClr val="000000"/>
                     </a:solidFill>
@@ -10641,7 +10665,7 @@
               </a:ln>
               <a:extLst>
                 <a:ext uri="{91240B29-F687-4f45-9708-019B960494DF}">
-                  <a14:hiddenLine xmlns="" xmlns:a14="http://schemas.microsoft.com/office/drawing/2010/main" w="9525">
+                  <a14:hiddenLine xmlns:a14="http://schemas.microsoft.com/office/drawing/2010/main" xmlns="" w="9525">
                     <a:solidFill>
                       <a:srgbClr val="000000"/>
                     </a:solidFill>
@@ -10731,7 +10755,7 @@
               </a:ln>
               <a:extLst>
                 <a:ext uri="{91240B29-F687-4f45-9708-019B960494DF}">
-                  <a14:hiddenLine xmlns="" xmlns:a14="http://schemas.microsoft.com/office/drawing/2010/main" w="9525">
+                  <a14:hiddenLine xmlns:a14="http://schemas.microsoft.com/office/drawing/2010/main" xmlns="" w="9525">
                     <a:solidFill>
                       <a:srgbClr val="000000"/>
                     </a:solidFill>
@@ -10796,7 +10820,7 @@
               </a:ln>
               <a:extLst>
                 <a:ext uri="{91240B29-F687-4f45-9708-019B960494DF}">
-                  <a14:hiddenLine xmlns="" xmlns:a14="http://schemas.microsoft.com/office/drawing/2010/main" w="9525">
+                  <a14:hiddenLine xmlns:a14="http://schemas.microsoft.com/office/drawing/2010/main" xmlns="" w="9525">
                     <a:solidFill>
                       <a:srgbClr val="000000"/>
                     </a:solidFill>
@@ -10858,7 +10882,7 @@
               </a:ln>
               <a:extLst>
                 <a:ext uri="{91240B29-F687-4f45-9708-019B960494DF}">
-                  <a14:hiddenLine xmlns="" xmlns:a14="http://schemas.microsoft.com/office/drawing/2010/main" w="9525">
+                  <a14:hiddenLine xmlns:a14="http://schemas.microsoft.com/office/drawing/2010/main" xmlns="" w="9525">
                     <a:solidFill>
                       <a:srgbClr val="000000"/>
                     </a:solidFill>
@@ -10948,7 +10972,7 @@
               </a:ln>
               <a:extLst>
                 <a:ext uri="{91240B29-F687-4f45-9708-019B960494DF}">
-                  <a14:hiddenLine xmlns="" xmlns:a14="http://schemas.microsoft.com/office/drawing/2010/main" w="9525">
+                  <a14:hiddenLine xmlns:a14="http://schemas.microsoft.com/office/drawing/2010/main" xmlns="" w="9525">
                     <a:solidFill>
                       <a:srgbClr val="000000"/>
                     </a:solidFill>
@@ -11038,7 +11062,7 @@
               </a:ln>
               <a:extLst>
                 <a:ext uri="{91240B29-F687-4f45-9708-019B960494DF}">
-                  <a14:hiddenLine xmlns="" xmlns:a14="http://schemas.microsoft.com/office/drawing/2010/main" w="9525">
+                  <a14:hiddenLine xmlns:a14="http://schemas.microsoft.com/office/drawing/2010/main" xmlns="" w="9525">
                     <a:solidFill>
                       <a:srgbClr val="000000"/>
                     </a:solidFill>
@@ -11103,7 +11127,7 @@
               </a:ln>
               <a:extLst>
                 <a:ext uri="{91240B29-F687-4f45-9708-019B960494DF}">
-                  <a14:hiddenLine xmlns="" xmlns:a14="http://schemas.microsoft.com/office/drawing/2010/main" w="9525">
+                  <a14:hiddenLine xmlns:a14="http://schemas.microsoft.com/office/drawing/2010/main" xmlns="" w="9525">
                     <a:solidFill>
                       <a:srgbClr val="000000"/>
                     </a:solidFill>
@@ -11223,7 +11247,7 @@
               </a:ln>
               <a:extLst>
                 <a:ext uri="{91240B29-F687-4f45-9708-019B960494DF}">
-                  <a14:hiddenLine xmlns="" xmlns:a14="http://schemas.microsoft.com/office/drawing/2010/main" w="9525">
+                  <a14:hiddenLine xmlns:a14="http://schemas.microsoft.com/office/drawing/2010/main" xmlns="" w="9525">
                     <a:solidFill>
                       <a:srgbClr val="000000"/>
                     </a:solidFill>
@@ -11304,7 +11328,7 @@
               </a:ln>
               <a:extLst>
                 <a:ext uri="{91240B29-F687-4f45-9708-019B960494DF}">
-                  <a14:hiddenLine xmlns="" xmlns:a14="http://schemas.microsoft.com/office/drawing/2010/main" w="9525">
+                  <a14:hiddenLine xmlns:a14="http://schemas.microsoft.com/office/drawing/2010/main" xmlns="" w="9525">
                     <a:solidFill>
                       <a:srgbClr val="000000"/>
                     </a:solidFill>
@@ -11419,7 +11443,7 @@
               </a:ln>
               <a:extLst>
                 <a:ext uri="{91240B29-F687-4f45-9708-019B960494DF}">
-                  <a14:hiddenLine xmlns="" xmlns:a14="http://schemas.microsoft.com/office/drawing/2010/main" w="9525">
+                  <a14:hiddenLine xmlns:a14="http://schemas.microsoft.com/office/drawing/2010/main" xmlns="" w="9525">
                     <a:solidFill>
                       <a:srgbClr val="000000"/>
                     </a:solidFill>
@@ -11509,7 +11533,7 @@
               </a:ln>
               <a:extLst>
                 <a:ext uri="{91240B29-F687-4f45-9708-019B960494DF}">
-                  <a14:hiddenLine xmlns="" xmlns:a14="http://schemas.microsoft.com/office/drawing/2010/main" w="9525">
+                  <a14:hiddenLine xmlns:a14="http://schemas.microsoft.com/office/drawing/2010/main" xmlns="" w="9525">
                     <a:solidFill>
                       <a:srgbClr val="000000"/>
                     </a:solidFill>
@@ -11574,7 +11598,7 @@
               </a:ln>
               <a:extLst>
                 <a:ext uri="{91240B29-F687-4f45-9708-019B960494DF}">
-                  <a14:hiddenLine xmlns="" xmlns:a14="http://schemas.microsoft.com/office/drawing/2010/main" w="9525">
+                  <a14:hiddenLine xmlns:a14="http://schemas.microsoft.com/office/drawing/2010/main" xmlns="" w="9525">
                     <a:solidFill>
                       <a:srgbClr val="000000"/>
                     </a:solidFill>
@@ -11664,7 +11688,7 @@
               </a:ln>
               <a:extLst>
                 <a:ext uri="{91240B29-F687-4f45-9708-019B960494DF}">
-                  <a14:hiddenLine xmlns="" xmlns:a14="http://schemas.microsoft.com/office/drawing/2010/main" w="9525">
+                  <a14:hiddenLine xmlns:a14="http://schemas.microsoft.com/office/drawing/2010/main" xmlns="" w="9525">
                     <a:solidFill>
                       <a:srgbClr val="000000"/>
                     </a:solidFill>
@@ -11732,7 +11756,7 @@
               </a:ln>
               <a:extLst>
                 <a:ext uri="{91240B29-F687-4f45-9708-019B960494DF}">
-                  <a14:hiddenLine xmlns="" xmlns:a14="http://schemas.microsoft.com/office/drawing/2010/main" w="9525">
+                  <a14:hiddenLine xmlns:a14="http://schemas.microsoft.com/office/drawing/2010/main" xmlns="" w="9525">
                     <a:solidFill>
                       <a:srgbClr val="000000"/>
                     </a:solidFill>
@@ -11822,7 +11846,7 @@
               </a:ln>
               <a:extLst>
                 <a:ext uri="{91240B29-F687-4f45-9708-019B960494DF}">
-                  <a14:hiddenLine xmlns="" xmlns:a14="http://schemas.microsoft.com/office/drawing/2010/main" w="9525">
+                  <a14:hiddenLine xmlns:a14="http://schemas.microsoft.com/office/drawing/2010/main" xmlns="" w="9525">
                     <a:solidFill>
                       <a:srgbClr val="000000"/>
                     </a:solidFill>
@@ -11890,7 +11914,7 @@
               </a:ln>
               <a:extLst>
                 <a:ext uri="{91240B29-F687-4f45-9708-019B960494DF}">
-                  <a14:hiddenLine xmlns="" xmlns:a14="http://schemas.microsoft.com/office/drawing/2010/main" w="9525">
+                  <a14:hiddenLine xmlns:a14="http://schemas.microsoft.com/office/drawing/2010/main" xmlns="" w="9525">
                     <a:solidFill>
                       <a:srgbClr val="000000"/>
                     </a:solidFill>
@@ -11980,7 +12004,7 @@
               </a:ln>
               <a:extLst>
                 <a:ext uri="{91240B29-F687-4f45-9708-019B960494DF}">
-                  <a14:hiddenLine xmlns="" xmlns:a14="http://schemas.microsoft.com/office/drawing/2010/main" w="9525">
+                  <a14:hiddenLine xmlns:a14="http://schemas.microsoft.com/office/drawing/2010/main" xmlns="" w="9525">
                     <a:solidFill>
                       <a:srgbClr val="000000"/>
                     </a:solidFill>
@@ -12014,7 +12038,7 @@
               </a:ln>
               <a:extLst>
                 <a:ext uri="{91240B29-F687-4f45-9708-019B960494DF}">
-                  <a14:hiddenLine xmlns="" xmlns:a14="http://schemas.microsoft.com/office/drawing/2010/main" w="9525">
+                  <a14:hiddenLine xmlns:a14="http://schemas.microsoft.com/office/drawing/2010/main" xmlns="" w="9525">
                     <a:solidFill>
                       <a:srgbClr val="000000"/>
                     </a:solidFill>
@@ -12154,7 +12178,7 @@
           <a:p>
             <a:fld id="{867D2BB0-EC20-4E7E-BA61-C31A6B3B5362}" type="datetimeFigureOut">
               <a:rPr lang="it-IT" smtClean="0"/>
-              <a:t>16/05/2024</a:t>
+              <a:t>18/06/2024</a:t>
             </a:fld>
             <a:endParaRPr lang="it-IT"/>
           </a:p>
@@ -12746,7 +12770,7 @@
             <a:noFill/>
             <a:extLst>
               <a:ext uri="{909E8E84-426E-40dd-AFC4-6F175D3DCCD1}">
-                <a14:hiddenFill xmlns:a14="http://schemas.microsoft.com/office/drawing/2010/main" xmlns:p14="http://schemas.microsoft.com/office/powerpoint/2010/main" xmlns:a16="http://schemas.microsoft.com/office/drawing/2014/main" xmlns="">
+                <a14:hiddenFill xmlns="" xmlns:a16="http://schemas.microsoft.com/office/drawing/2014/main" xmlns:p14="http://schemas.microsoft.com/office/powerpoint/2010/main" xmlns:a14="http://schemas.microsoft.com/office/drawing/2010/main">
                   <a:solidFill>
                     <a:srgbClr val="FFFFFF"/>
                   </a:solidFill>
@@ -15103,8 +15127,12 @@
           <a:lstStyle/>
           <a:p>
             <a:r>
+              <a:rPr lang="it-IT" dirty="0" err="1"/>
+              <a:t>LamBda</a:t>
+            </a:r>
+            <a:r>
               <a:rPr lang="it-IT" dirty="0"/>
-              <a:t>Lamda 1: </a:t>
+              <a:t> 1: </a:t>
             </a:r>
             <a:r>
               <a:rPr lang="it-IT" cap="none" dirty="0" err="1"/>
@@ -15256,7 +15284,7 @@
           <a:noFill/>
           <a:extLst>
             <a:ext uri="{909E8E84-426E-40dd-AFC4-6F175D3DCCD1}">
-              <a14:hiddenFill xmlns:p14="http://schemas.microsoft.com/office/powerpoint/2010/main" xmlns:a14="http://schemas.microsoft.com/office/drawing/2010/main" xmlns:a16="http://schemas.microsoft.com/office/drawing/2014/main" xmlns="">
+              <a14:hiddenFill xmlns="" xmlns:a16="http://schemas.microsoft.com/office/drawing/2014/main" xmlns:a14="http://schemas.microsoft.com/office/drawing/2010/main" xmlns:p14="http://schemas.microsoft.com/office/powerpoint/2010/main">
                 <a:solidFill>
                   <a:srgbClr val="FFFFFF"/>
                 </a:solidFill>
@@ -15347,7 +15375,7 @@
             </a:ln>
             <a:extLst>
               <a:ext uri="{91240B29-F687-4f45-9708-019B960494DF}">
-                <a14:hiddenLine xmlns:p14="http://schemas.microsoft.com/office/powerpoint/2010/main" xmlns:a14="http://schemas.microsoft.com/office/drawing/2010/main" xmlns:a16="http://schemas.microsoft.com/office/drawing/2014/main" xmlns="" w="9525">
+                <a14:hiddenLine xmlns="" xmlns:a16="http://schemas.microsoft.com/office/drawing/2014/main" xmlns:a14="http://schemas.microsoft.com/office/drawing/2010/main" xmlns:p14="http://schemas.microsoft.com/office/powerpoint/2010/main" w="9525">
                   <a:solidFill>
                     <a:srgbClr val="000000"/>
                   </a:solidFill>
@@ -15459,7 +15487,7 @@
             </a:ln>
             <a:extLst>
               <a:ext uri="{91240B29-F687-4f45-9708-019B960494DF}">
-                <a14:hiddenLine xmlns:p14="http://schemas.microsoft.com/office/powerpoint/2010/main" xmlns:a14="http://schemas.microsoft.com/office/drawing/2010/main" xmlns:a16="http://schemas.microsoft.com/office/drawing/2014/main" xmlns="" w="9525">
+                <a14:hiddenLine xmlns="" xmlns:a16="http://schemas.microsoft.com/office/drawing/2014/main" xmlns:a14="http://schemas.microsoft.com/office/drawing/2010/main" xmlns:p14="http://schemas.microsoft.com/office/powerpoint/2010/main" w="9525">
                   <a:solidFill>
                     <a:srgbClr val="000000"/>
                   </a:solidFill>
@@ -15571,7 +15599,7 @@
             </a:ln>
             <a:extLst>
               <a:ext uri="{91240B29-F687-4f45-9708-019B960494DF}">
-                <a14:hiddenLine xmlns:p14="http://schemas.microsoft.com/office/powerpoint/2010/main" xmlns:a14="http://schemas.microsoft.com/office/drawing/2010/main" xmlns:a16="http://schemas.microsoft.com/office/drawing/2014/main" xmlns="" w="9525">
+                <a14:hiddenLine xmlns="" xmlns:a16="http://schemas.microsoft.com/office/drawing/2014/main" xmlns:a14="http://schemas.microsoft.com/office/drawing/2010/main" xmlns:p14="http://schemas.microsoft.com/office/powerpoint/2010/main" w="9525">
                   <a:solidFill>
                     <a:srgbClr val="000000"/>
                   </a:solidFill>
@@ -15627,7 +15655,7 @@
             </a:ln>
             <a:extLst>
               <a:ext uri="{91240B29-F687-4f45-9708-019B960494DF}">
-                <a14:hiddenLine xmlns:p14="http://schemas.microsoft.com/office/powerpoint/2010/main" xmlns:a14="http://schemas.microsoft.com/office/drawing/2010/main" xmlns:a16="http://schemas.microsoft.com/office/drawing/2014/main" xmlns="" w="9525">
+                <a14:hiddenLine xmlns="" xmlns:a16="http://schemas.microsoft.com/office/drawing/2014/main" xmlns:a14="http://schemas.microsoft.com/office/drawing/2010/main" xmlns:p14="http://schemas.microsoft.com/office/powerpoint/2010/main" w="9525">
                   <a:solidFill>
                     <a:srgbClr val="000000"/>
                   </a:solidFill>
@@ -15739,7 +15767,7 @@
             </a:ln>
             <a:extLst>
               <a:ext uri="{91240B29-F687-4f45-9708-019B960494DF}">
-                <a14:hiddenLine xmlns:p14="http://schemas.microsoft.com/office/powerpoint/2010/main" xmlns:a14="http://schemas.microsoft.com/office/drawing/2010/main" xmlns:a16="http://schemas.microsoft.com/office/drawing/2014/main" xmlns="" w="9525">
+                <a14:hiddenLine xmlns="" xmlns:a16="http://schemas.microsoft.com/office/drawing/2014/main" xmlns:a14="http://schemas.microsoft.com/office/drawing/2010/main" xmlns:p14="http://schemas.microsoft.com/office/powerpoint/2010/main" w="9525">
                   <a:solidFill>
                     <a:srgbClr val="000000"/>
                   </a:solidFill>
@@ -15823,7 +15851,7 @@
             </a:ln>
             <a:extLst>
               <a:ext uri="{91240B29-F687-4f45-9708-019B960494DF}">
-                <a14:hiddenLine xmlns:p14="http://schemas.microsoft.com/office/powerpoint/2010/main" xmlns:a14="http://schemas.microsoft.com/office/drawing/2010/main" xmlns:a16="http://schemas.microsoft.com/office/drawing/2014/main" xmlns="" w="9525">
+                <a14:hiddenLine xmlns="" xmlns:a16="http://schemas.microsoft.com/office/drawing/2014/main" xmlns:a14="http://schemas.microsoft.com/office/drawing/2010/main" xmlns:p14="http://schemas.microsoft.com/office/powerpoint/2010/main" w="9525">
                   <a:solidFill>
                     <a:srgbClr val="000000"/>
                   </a:solidFill>
@@ -15907,7 +15935,7 @@
             </a:ln>
             <a:extLst>
               <a:ext uri="{91240B29-F687-4f45-9708-019B960494DF}">
-                <a14:hiddenLine xmlns:p14="http://schemas.microsoft.com/office/powerpoint/2010/main" xmlns:a14="http://schemas.microsoft.com/office/drawing/2010/main" xmlns:a16="http://schemas.microsoft.com/office/drawing/2014/main" xmlns="" w="9525">
+                <a14:hiddenLine xmlns="" xmlns:a16="http://schemas.microsoft.com/office/drawing/2014/main" xmlns:a14="http://schemas.microsoft.com/office/drawing/2010/main" xmlns:p14="http://schemas.microsoft.com/office/powerpoint/2010/main" w="9525">
                   <a:solidFill>
                     <a:srgbClr val="000000"/>
                   </a:solidFill>
@@ -16019,7 +16047,7 @@
             </a:ln>
             <a:extLst>
               <a:ext uri="{91240B29-F687-4f45-9708-019B960494DF}">
-                <a14:hiddenLine xmlns:p14="http://schemas.microsoft.com/office/powerpoint/2010/main" xmlns:a14="http://schemas.microsoft.com/office/drawing/2010/main" xmlns:a16="http://schemas.microsoft.com/office/drawing/2014/main" xmlns="" w="9525">
+                <a14:hiddenLine xmlns="" xmlns:a16="http://schemas.microsoft.com/office/drawing/2014/main" xmlns:a14="http://schemas.microsoft.com/office/drawing/2010/main" xmlns:p14="http://schemas.microsoft.com/office/powerpoint/2010/main" w="9525">
                   <a:solidFill>
                     <a:srgbClr val="000000"/>
                   </a:solidFill>
@@ -16103,7 +16131,7 @@
             </a:ln>
             <a:extLst>
               <a:ext uri="{91240B29-F687-4f45-9708-019B960494DF}">
-                <a14:hiddenLine xmlns:p14="http://schemas.microsoft.com/office/powerpoint/2010/main" xmlns:a14="http://schemas.microsoft.com/office/drawing/2010/main" xmlns:a16="http://schemas.microsoft.com/office/drawing/2014/main" xmlns="" w="9525">
+                <a14:hiddenLine xmlns="" xmlns:a16="http://schemas.microsoft.com/office/drawing/2014/main" xmlns:a14="http://schemas.microsoft.com/office/drawing/2010/main" xmlns:p14="http://schemas.microsoft.com/office/powerpoint/2010/main" w="9525">
                   <a:solidFill>
                     <a:srgbClr val="000000"/>
                   </a:solidFill>
@@ -16187,7 +16215,7 @@
             </a:ln>
             <a:extLst>
               <a:ext uri="{91240B29-F687-4f45-9708-019B960494DF}">
-                <a14:hiddenLine xmlns:p14="http://schemas.microsoft.com/office/powerpoint/2010/main" xmlns:a14="http://schemas.microsoft.com/office/drawing/2010/main" xmlns:a16="http://schemas.microsoft.com/office/drawing/2014/main" xmlns="" w="9525">
+                <a14:hiddenLine xmlns="" xmlns:a16="http://schemas.microsoft.com/office/drawing/2014/main" xmlns:a14="http://schemas.microsoft.com/office/drawing/2010/main" xmlns:p14="http://schemas.microsoft.com/office/powerpoint/2010/main" w="9525">
                   <a:solidFill>
                     <a:srgbClr val="000000"/>
                   </a:solidFill>
@@ -16299,7 +16327,7 @@
             </a:ln>
             <a:extLst>
               <a:ext uri="{91240B29-F687-4f45-9708-019B960494DF}">
-                <a14:hiddenLine xmlns:p14="http://schemas.microsoft.com/office/powerpoint/2010/main" xmlns:a14="http://schemas.microsoft.com/office/drawing/2010/main" xmlns:a16="http://schemas.microsoft.com/office/drawing/2014/main" xmlns="" w="9525">
+                <a14:hiddenLine xmlns="" xmlns:a16="http://schemas.microsoft.com/office/drawing/2014/main" xmlns:a14="http://schemas.microsoft.com/office/drawing/2010/main" xmlns:p14="http://schemas.microsoft.com/office/powerpoint/2010/main" w="9525">
                   <a:solidFill>
                     <a:srgbClr val="000000"/>
                   </a:solidFill>
@@ -16411,7 +16439,7 @@
             </a:ln>
             <a:extLst>
               <a:ext uri="{91240B29-F687-4f45-9708-019B960494DF}">
-                <a14:hiddenLine xmlns:p14="http://schemas.microsoft.com/office/powerpoint/2010/main" xmlns:a14="http://schemas.microsoft.com/office/drawing/2010/main" xmlns:a16="http://schemas.microsoft.com/office/drawing/2014/main" xmlns="" w="9525">
+                <a14:hiddenLine xmlns="" xmlns:a16="http://schemas.microsoft.com/office/drawing/2014/main" xmlns:a14="http://schemas.microsoft.com/office/drawing/2010/main" xmlns:p14="http://schemas.microsoft.com/office/powerpoint/2010/main" w="9525">
                   <a:solidFill>
                     <a:srgbClr val="000000"/>
                   </a:solidFill>
@@ -16495,7 +16523,7 @@
             </a:ln>
             <a:extLst>
               <a:ext uri="{91240B29-F687-4f45-9708-019B960494DF}">
-                <a14:hiddenLine xmlns:p14="http://schemas.microsoft.com/office/powerpoint/2010/main" xmlns:a14="http://schemas.microsoft.com/office/drawing/2010/main" xmlns:a16="http://schemas.microsoft.com/office/drawing/2014/main" xmlns="" w="9525">
+                <a14:hiddenLine xmlns="" xmlns:a16="http://schemas.microsoft.com/office/drawing/2014/main" xmlns:a14="http://schemas.microsoft.com/office/drawing/2010/main" xmlns:p14="http://schemas.microsoft.com/office/powerpoint/2010/main" w="9525">
                   <a:solidFill>
                     <a:srgbClr val="000000"/>
                   </a:solidFill>
@@ -16627,7 +16655,7 @@
             </a:ln>
             <a:extLst>
               <a:ext uri="{91240B29-F687-4f45-9708-019B960494DF}">
-                <a14:hiddenLine xmlns:p14="http://schemas.microsoft.com/office/powerpoint/2010/main" xmlns:a14="http://schemas.microsoft.com/office/drawing/2010/main" xmlns:a16="http://schemas.microsoft.com/office/drawing/2014/main" xmlns="" w="9525">
+                <a14:hiddenLine xmlns="" xmlns:a16="http://schemas.microsoft.com/office/drawing/2014/main" xmlns:a14="http://schemas.microsoft.com/office/drawing/2010/main" xmlns:p14="http://schemas.microsoft.com/office/powerpoint/2010/main" w="9525">
                   <a:solidFill>
                     <a:srgbClr val="000000"/>
                   </a:solidFill>
@@ -16711,7 +16739,7 @@
             </a:ln>
             <a:extLst>
               <a:ext uri="{91240B29-F687-4f45-9708-019B960494DF}">
-                <a14:hiddenLine xmlns:p14="http://schemas.microsoft.com/office/powerpoint/2010/main" xmlns:a14="http://schemas.microsoft.com/office/drawing/2010/main" xmlns:a16="http://schemas.microsoft.com/office/drawing/2014/main" xmlns="" w="9525">
+                <a14:hiddenLine xmlns="" xmlns:a16="http://schemas.microsoft.com/office/drawing/2014/main" xmlns:a14="http://schemas.microsoft.com/office/drawing/2010/main" xmlns:p14="http://schemas.microsoft.com/office/powerpoint/2010/main" w="9525">
                   <a:solidFill>
                     <a:srgbClr val="000000"/>
                   </a:solidFill>
@@ -16823,7 +16851,7 @@
             </a:ln>
             <a:extLst>
               <a:ext uri="{91240B29-F687-4f45-9708-019B960494DF}">
-                <a14:hiddenLine xmlns:p14="http://schemas.microsoft.com/office/powerpoint/2010/main" xmlns:a14="http://schemas.microsoft.com/office/drawing/2010/main" xmlns:a16="http://schemas.microsoft.com/office/drawing/2014/main" xmlns="" w="9525">
+                <a14:hiddenLine xmlns="" xmlns:a16="http://schemas.microsoft.com/office/drawing/2014/main" xmlns:a14="http://schemas.microsoft.com/office/drawing/2010/main" xmlns:p14="http://schemas.microsoft.com/office/powerpoint/2010/main" w="9525">
                   <a:solidFill>
                     <a:srgbClr val="000000"/>
                   </a:solidFill>
@@ -16935,7 +16963,7 @@
             </a:ln>
             <a:extLst>
               <a:ext uri="{91240B29-F687-4f45-9708-019B960494DF}">
-                <a14:hiddenLine xmlns:p14="http://schemas.microsoft.com/office/powerpoint/2010/main" xmlns:a14="http://schemas.microsoft.com/office/drawing/2010/main" xmlns:a16="http://schemas.microsoft.com/office/drawing/2014/main" xmlns="" w="9525">
+                <a14:hiddenLine xmlns="" xmlns:a16="http://schemas.microsoft.com/office/drawing/2014/main" xmlns:a14="http://schemas.microsoft.com/office/drawing/2010/main" xmlns:p14="http://schemas.microsoft.com/office/powerpoint/2010/main" w="9525">
                   <a:solidFill>
                     <a:srgbClr val="000000"/>
                   </a:solidFill>
@@ -17019,7 +17047,7 @@
             </a:ln>
             <a:extLst>
               <a:ext uri="{91240B29-F687-4f45-9708-019B960494DF}">
-                <a14:hiddenLine xmlns:p14="http://schemas.microsoft.com/office/powerpoint/2010/main" xmlns:a14="http://schemas.microsoft.com/office/drawing/2010/main" xmlns:a16="http://schemas.microsoft.com/office/drawing/2014/main" xmlns="" w="9525">
+                <a14:hiddenLine xmlns="" xmlns:a16="http://schemas.microsoft.com/office/drawing/2014/main" xmlns:a14="http://schemas.microsoft.com/office/drawing/2010/main" xmlns:p14="http://schemas.microsoft.com/office/powerpoint/2010/main" w="9525">
                   <a:solidFill>
                     <a:srgbClr val="000000"/>
                   </a:solidFill>
@@ -17131,7 +17159,7 @@
             </a:ln>
             <a:extLst>
               <a:ext uri="{91240B29-F687-4f45-9708-019B960494DF}">
-                <a14:hiddenLine xmlns:p14="http://schemas.microsoft.com/office/powerpoint/2010/main" xmlns:a14="http://schemas.microsoft.com/office/drawing/2010/main" xmlns:a16="http://schemas.microsoft.com/office/drawing/2014/main" xmlns="" w="9525">
+                <a14:hiddenLine xmlns="" xmlns:a16="http://schemas.microsoft.com/office/drawing/2014/main" xmlns:a14="http://schemas.microsoft.com/office/drawing/2010/main" xmlns:p14="http://schemas.microsoft.com/office/powerpoint/2010/main" w="9525">
                   <a:solidFill>
                     <a:srgbClr val="000000"/>
                   </a:solidFill>
@@ -17243,7 +17271,7 @@
             </a:ln>
             <a:extLst>
               <a:ext uri="{91240B29-F687-4f45-9708-019B960494DF}">
-                <a14:hiddenLine xmlns:p14="http://schemas.microsoft.com/office/powerpoint/2010/main" xmlns:a14="http://schemas.microsoft.com/office/drawing/2010/main" xmlns:a16="http://schemas.microsoft.com/office/drawing/2014/main" xmlns="" w="9525">
+                <a14:hiddenLine xmlns="" xmlns:a16="http://schemas.microsoft.com/office/drawing/2014/main" xmlns:a14="http://schemas.microsoft.com/office/drawing/2010/main" xmlns:p14="http://schemas.microsoft.com/office/powerpoint/2010/main" w="9525">
                   <a:solidFill>
                     <a:srgbClr val="000000"/>
                   </a:solidFill>
@@ -17321,7 +17349,7 @@
             </a:ln>
             <a:extLst>
               <a:ext uri="{91240B29-F687-4f45-9708-019B960494DF}">
-                <a14:hiddenLine xmlns:p14="http://schemas.microsoft.com/office/powerpoint/2010/main" xmlns:a14="http://schemas.microsoft.com/office/drawing/2010/main" xmlns:a16="http://schemas.microsoft.com/office/drawing/2014/main" xmlns="" w="9525">
+                <a14:hiddenLine xmlns="" xmlns:a16="http://schemas.microsoft.com/office/drawing/2014/main" xmlns:a14="http://schemas.microsoft.com/office/drawing/2010/main" xmlns:p14="http://schemas.microsoft.com/office/powerpoint/2010/main" w="9525">
                   <a:solidFill>
                     <a:srgbClr val="000000"/>
                   </a:solidFill>
@@ -17433,7 +17461,7 @@
             </a:ln>
             <a:extLst>
               <a:ext uri="{91240B29-F687-4f45-9708-019B960494DF}">
-                <a14:hiddenLine xmlns:p14="http://schemas.microsoft.com/office/powerpoint/2010/main" xmlns:a14="http://schemas.microsoft.com/office/drawing/2010/main" xmlns:a16="http://schemas.microsoft.com/office/drawing/2014/main" xmlns="" w="9525">
+                <a14:hiddenLine xmlns="" xmlns:a16="http://schemas.microsoft.com/office/drawing/2014/main" xmlns:a14="http://schemas.microsoft.com/office/drawing/2010/main" xmlns:p14="http://schemas.microsoft.com/office/powerpoint/2010/main" w="9525">
                   <a:solidFill>
                     <a:srgbClr val="000000"/>
                   </a:solidFill>
@@ -17511,7 +17539,7 @@
             </a:ln>
             <a:extLst>
               <a:ext uri="{91240B29-F687-4f45-9708-019B960494DF}">
-                <a14:hiddenLine xmlns:p14="http://schemas.microsoft.com/office/powerpoint/2010/main" xmlns:a14="http://schemas.microsoft.com/office/drawing/2010/main" xmlns:a16="http://schemas.microsoft.com/office/drawing/2014/main" xmlns="" w="9525">
+                <a14:hiddenLine xmlns="" xmlns:a16="http://schemas.microsoft.com/office/drawing/2014/main" xmlns:a14="http://schemas.microsoft.com/office/drawing/2010/main" xmlns:p14="http://schemas.microsoft.com/office/powerpoint/2010/main" w="9525">
                   <a:solidFill>
                     <a:srgbClr val="000000"/>
                   </a:solidFill>
@@ -17623,7 +17651,7 @@
             </a:ln>
             <a:extLst>
               <a:ext uri="{91240B29-F687-4f45-9708-019B960494DF}">
-                <a14:hiddenLine xmlns:p14="http://schemas.microsoft.com/office/powerpoint/2010/main" xmlns:a14="http://schemas.microsoft.com/office/drawing/2010/main" xmlns:a16="http://schemas.microsoft.com/office/drawing/2014/main" xmlns="" w="9525">
+                <a14:hiddenLine xmlns="" xmlns:a16="http://schemas.microsoft.com/office/drawing/2014/main" xmlns:a14="http://schemas.microsoft.com/office/drawing/2010/main" xmlns:p14="http://schemas.microsoft.com/office/powerpoint/2010/main" w="9525">
                   <a:solidFill>
                     <a:srgbClr val="000000"/>
                   </a:solidFill>
@@ -17713,7 +17741,7 @@
             </a:ln>
             <a:extLst>
               <a:ext uri="{91240B29-F687-4f45-9708-019B960494DF}">
-                <a14:hiddenLine xmlns:p14="http://schemas.microsoft.com/office/powerpoint/2010/main" xmlns:a14="http://schemas.microsoft.com/office/drawing/2010/main" xmlns:a16="http://schemas.microsoft.com/office/drawing/2014/main" xmlns="" w="9525">
+                <a14:hiddenLine xmlns="" xmlns:a16="http://schemas.microsoft.com/office/drawing/2014/main" xmlns:a14="http://schemas.microsoft.com/office/drawing/2010/main" xmlns:p14="http://schemas.microsoft.com/office/powerpoint/2010/main" w="9525">
                   <a:solidFill>
                     <a:srgbClr val="000000"/>
                   </a:solidFill>
@@ -17825,7 +17853,7 @@
             </a:ln>
             <a:extLst>
               <a:ext uri="{91240B29-F687-4f45-9708-019B960494DF}">
-                <a14:hiddenLine xmlns:p14="http://schemas.microsoft.com/office/powerpoint/2010/main" xmlns:a14="http://schemas.microsoft.com/office/drawing/2010/main" xmlns:a16="http://schemas.microsoft.com/office/drawing/2014/main" xmlns="" w="9525">
+                <a14:hiddenLine xmlns="" xmlns:a16="http://schemas.microsoft.com/office/drawing/2014/main" xmlns:a14="http://schemas.microsoft.com/office/drawing/2010/main" xmlns:p14="http://schemas.microsoft.com/office/powerpoint/2010/main" w="9525">
                   <a:solidFill>
                     <a:srgbClr val="000000"/>
                   </a:solidFill>
@@ -17915,7 +17943,7 @@
             </a:ln>
             <a:extLst>
               <a:ext uri="{91240B29-F687-4f45-9708-019B960494DF}">
-                <a14:hiddenLine xmlns:p14="http://schemas.microsoft.com/office/powerpoint/2010/main" xmlns:a14="http://schemas.microsoft.com/office/drawing/2010/main" xmlns:a16="http://schemas.microsoft.com/office/drawing/2014/main" xmlns="" w="9525">
+                <a14:hiddenLine xmlns="" xmlns:a16="http://schemas.microsoft.com/office/drawing/2014/main" xmlns:a14="http://schemas.microsoft.com/office/drawing/2010/main" xmlns:p14="http://schemas.microsoft.com/office/powerpoint/2010/main" w="9525">
                   <a:solidFill>
                     <a:srgbClr val="000000"/>
                   </a:solidFill>
@@ -18027,7 +18055,7 @@
             </a:ln>
             <a:extLst>
               <a:ext uri="{91240B29-F687-4f45-9708-019B960494DF}">
-                <a14:hiddenLine xmlns:p14="http://schemas.microsoft.com/office/powerpoint/2010/main" xmlns:a14="http://schemas.microsoft.com/office/drawing/2010/main" xmlns:a16="http://schemas.microsoft.com/office/drawing/2014/main" xmlns="" w="9525">
+                <a14:hiddenLine xmlns="" xmlns:a16="http://schemas.microsoft.com/office/drawing/2014/main" xmlns:a14="http://schemas.microsoft.com/office/drawing/2010/main" xmlns:p14="http://schemas.microsoft.com/office/powerpoint/2010/main" w="9525">
                   <a:solidFill>
                     <a:srgbClr val="000000"/>
                   </a:solidFill>
@@ -18083,7 +18111,7 @@
             </a:ln>
             <a:extLst>
               <a:ext uri="{91240B29-F687-4f45-9708-019B960494DF}">
-                <a14:hiddenLine xmlns:p14="http://schemas.microsoft.com/office/powerpoint/2010/main" xmlns:a14="http://schemas.microsoft.com/office/drawing/2010/main" xmlns:a16="http://schemas.microsoft.com/office/drawing/2014/main" xmlns="" w="9525">
+                <a14:hiddenLine xmlns="" xmlns:a16="http://schemas.microsoft.com/office/drawing/2014/main" xmlns:a14="http://schemas.microsoft.com/office/drawing/2010/main" xmlns:p14="http://schemas.microsoft.com/office/powerpoint/2010/main" w="9525">
                   <a:solidFill>
                     <a:srgbClr val="000000"/>
                   </a:solidFill>
@@ -18195,7 +18223,7 @@
             </a:ln>
             <a:extLst>
               <a:ext uri="{91240B29-F687-4f45-9708-019B960494DF}">
-                <a14:hiddenLine xmlns:p14="http://schemas.microsoft.com/office/powerpoint/2010/main" xmlns:a14="http://schemas.microsoft.com/office/drawing/2010/main" xmlns:a16="http://schemas.microsoft.com/office/drawing/2014/main" xmlns="" w="9525">
+                <a14:hiddenLine xmlns="" xmlns:a16="http://schemas.microsoft.com/office/drawing/2014/main" xmlns:a14="http://schemas.microsoft.com/office/drawing/2010/main" xmlns:p14="http://schemas.microsoft.com/office/powerpoint/2010/main" w="9525">
                   <a:solidFill>
                     <a:srgbClr val="000000"/>
                   </a:solidFill>
@@ -18279,7 +18307,7 @@
             </a:ln>
             <a:extLst>
               <a:ext uri="{91240B29-F687-4f45-9708-019B960494DF}">
-                <a14:hiddenLine xmlns:p14="http://schemas.microsoft.com/office/powerpoint/2010/main" xmlns:a14="http://schemas.microsoft.com/office/drawing/2010/main" xmlns:a16="http://schemas.microsoft.com/office/drawing/2014/main" xmlns="" w="9525">
+                <a14:hiddenLine xmlns="" xmlns:a16="http://schemas.microsoft.com/office/drawing/2014/main" xmlns:a14="http://schemas.microsoft.com/office/drawing/2010/main" xmlns:p14="http://schemas.microsoft.com/office/powerpoint/2010/main" w="9525">
                   <a:solidFill>
                     <a:srgbClr val="000000"/>
                   </a:solidFill>
@@ -18363,7 +18391,7 @@
             </a:ln>
             <a:extLst>
               <a:ext uri="{91240B29-F687-4f45-9708-019B960494DF}">
-                <a14:hiddenLine xmlns:p14="http://schemas.microsoft.com/office/powerpoint/2010/main" xmlns:a14="http://schemas.microsoft.com/office/drawing/2010/main" xmlns:a16="http://schemas.microsoft.com/office/drawing/2014/main" xmlns="" w="9525">
+                <a14:hiddenLine xmlns="" xmlns:a16="http://schemas.microsoft.com/office/drawing/2014/main" xmlns:a14="http://schemas.microsoft.com/office/drawing/2010/main" xmlns:p14="http://schemas.microsoft.com/office/powerpoint/2010/main" w="9525">
                   <a:solidFill>
                     <a:srgbClr val="000000"/>
                   </a:solidFill>
@@ -18475,7 +18503,7 @@
             </a:ln>
             <a:extLst>
               <a:ext uri="{91240B29-F687-4f45-9708-019B960494DF}">
-                <a14:hiddenLine xmlns:p14="http://schemas.microsoft.com/office/powerpoint/2010/main" xmlns:a14="http://schemas.microsoft.com/office/drawing/2010/main" xmlns:a16="http://schemas.microsoft.com/office/drawing/2014/main" xmlns="" w="9525">
+                <a14:hiddenLine xmlns="" xmlns:a16="http://schemas.microsoft.com/office/drawing/2014/main" xmlns:a14="http://schemas.microsoft.com/office/drawing/2010/main" xmlns:p14="http://schemas.microsoft.com/office/powerpoint/2010/main" w="9525">
                   <a:solidFill>
                     <a:srgbClr val="000000"/>
                   </a:solidFill>
@@ -18565,7 +18593,7 @@
             </a:ln>
             <a:extLst>
               <a:ext uri="{91240B29-F687-4f45-9708-019B960494DF}">
-                <a14:hiddenLine xmlns:p14="http://schemas.microsoft.com/office/powerpoint/2010/main" xmlns:a14="http://schemas.microsoft.com/office/drawing/2010/main" xmlns:a16="http://schemas.microsoft.com/office/drawing/2014/main" xmlns="" w="9525">
+                <a14:hiddenLine xmlns="" xmlns:a16="http://schemas.microsoft.com/office/drawing/2014/main" xmlns:a14="http://schemas.microsoft.com/office/drawing/2010/main" xmlns:p14="http://schemas.microsoft.com/office/powerpoint/2010/main" w="9525">
                   <a:solidFill>
                     <a:srgbClr val="000000"/>
                   </a:solidFill>
@@ -18649,7 +18677,7 @@
             </a:ln>
             <a:extLst>
               <a:ext uri="{91240B29-F687-4f45-9708-019B960494DF}">
-                <a14:hiddenLine xmlns:p14="http://schemas.microsoft.com/office/powerpoint/2010/main" xmlns:a14="http://schemas.microsoft.com/office/drawing/2010/main" xmlns:a16="http://schemas.microsoft.com/office/drawing/2014/main" xmlns="" w="9525">
+                <a14:hiddenLine xmlns="" xmlns:a16="http://schemas.microsoft.com/office/drawing/2014/main" xmlns:a14="http://schemas.microsoft.com/office/drawing/2010/main" xmlns:p14="http://schemas.microsoft.com/office/powerpoint/2010/main" w="9525">
                   <a:solidFill>
                     <a:srgbClr val="000000"/>
                   </a:solidFill>
@@ -18761,7 +18789,7 @@
             </a:ln>
             <a:extLst>
               <a:ext uri="{91240B29-F687-4f45-9708-019B960494DF}">
-                <a14:hiddenLine xmlns:p14="http://schemas.microsoft.com/office/powerpoint/2010/main" xmlns:a14="http://schemas.microsoft.com/office/drawing/2010/main" xmlns:a16="http://schemas.microsoft.com/office/drawing/2014/main" xmlns="" w="9525">
+                <a14:hiddenLine xmlns="" xmlns:a16="http://schemas.microsoft.com/office/drawing/2014/main" xmlns:a14="http://schemas.microsoft.com/office/drawing/2010/main" xmlns:p14="http://schemas.microsoft.com/office/powerpoint/2010/main" w="9525">
                   <a:solidFill>
                     <a:srgbClr val="000000"/>
                   </a:solidFill>
@@ -18845,7 +18873,7 @@
             </a:ln>
             <a:extLst>
               <a:ext uri="{91240B29-F687-4f45-9708-019B960494DF}">
-                <a14:hiddenLine xmlns:p14="http://schemas.microsoft.com/office/powerpoint/2010/main" xmlns:a14="http://schemas.microsoft.com/office/drawing/2010/main" xmlns:a16="http://schemas.microsoft.com/office/drawing/2014/main" xmlns="" w="9525">
+                <a14:hiddenLine xmlns="" xmlns:a16="http://schemas.microsoft.com/office/drawing/2014/main" xmlns:a14="http://schemas.microsoft.com/office/drawing/2010/main" xmlns:p14="http://schemas.microsoft.com/office/powerpoint/2010/main" w="9525">
                   <a:solidFill>
                     <a:srgbClr val="000000"/>
                   </a:solidFill>
@@ -18957,7 +18985,7 @@
             </a:ln>
             <a:extLst>
               <a:ext uri="{91240B29-F687-4f45-9708-019B960494DF}">
-                <a14:hiddenLine xmlns:p14="http://schemas.microsoft.com/office/powerpoint/2010/main" xmlns:a14="http://schemas.microsoft.com/office/drawing/2010/main" xmlns:a16="http://schemas.microsoft.com/office/drawing/2014/main" xmlns="" w="9525">
+                <a14:hiddenLine xmlns="" xmlns:a16="http://schemas.microsoft.com/office/drawing/2014/main" xmlns:a14="http://schemas.microsoft.com/office/drawing/2010/main" xmlns:p14="http://schemas.microsoft.com/office/powerpoint/2010/main" w="9525">
                   <a:solidFill>
                     <a:srgbClr val="000000"/>
                   </a:solidFill>
@@ -19041,7 +19069,7 @@
             </a:ln>
             <a:extLst>
               <a:ext uri="{91240B29-F687-4f45-9708-019B960494DF}">
-                <a14:hiddenLine xmlns:p14="http://schemas.microsoft.com/office/powerpoint/2010/main" xmlns:a14="http://schemas.microsoft.com/office/drawing/2010/main" xmlns:a16="http://schemas.microsoft.com/office/drawing/2014/main" xmlns="" w="9525">
+                <a14:hiddenLine xmlns="" xmlns:a16="http://schemas.microsoft.com/office/drawing/2014/main" xmlns:a14="http://schemas.microsoft.com/office/drawing/2010/main" xmlns:p14="http://schemas.microsoft.com/office/powerpoint/2010/main" w="9525">
                   <a:solidFill>
                     <a:srgbClr val="000000"/>
                   </a:solidFill>
@@ -19153,7 +19181,7 @@
             </a:ln>
             <a:extLst>
               <a:ext uri="{91240B29-F687-4f45-9708-019B960494DF}">
-                <a14:hiddenLine xmlns:p14="http://schemas.microsoft.com/office/powerpoint/2010/main" xmlns:a14="http://schemas.microsoft.com/office/drawing/2010/main" xmlns:a16="http://schemas.microsoft.com/office/drawing/2014/main" xmlns="" w="9525">
+                <a14:hiddenLine xmlns="" xmlns:a16="http://schemas.microsoft.com/office/drawing/2014/main" xmlns:a14="http://schemas.microsoft.com/office/drawing/2010/main" xmlns:p14="http://schemas.microsoft.com/office/powerpoint/2010/main" w="9525">
                   <a:solidFill>
                     <a:srgbClr val="000000"/>
                   </a:solidFill>
@@ -19209,7 +19237,7 @@
             </a:ln>
             <a:extLst>
               <a:ext uri="{91240B29-F687-4f45-9708-019B960494DF}">
-                <a14:hiddenLine xmlns:p14="http://schemas.microsoft.com/office/powerpoint/2010/main" xmlns:a14="http://schemas.microsoft.com/office/drawing/2010/main" xmlns:a16="http://schemas.microsoft.com/office/drawing/2014/main" xmlns="" w="9525">
+                <a14:hiddenLine xmlns="" xmlns:a16="http://schemas.microsoft.com/office/drawing/2014/main" xmlns:a14="http://schemas.microsoft.com/office/drawing/2010/main" xmlns:p14="http://schemas.microsoft.com/office/powerpoint/2010/main" w="9525">
                   <a:solidFill>
                     <a:srgbClr val="000000"/>
                   </a:solidFill>
@@ -19296,7 +19324,7 @@
             </a:ln>
             <a:extLst>
               <a:ext uri="{91240B29-F687-4f45-9708-019B960494DF}">
-                <a14:hiddenLine xmlns:p14="http://schemas.microsoft.com/office/powerpoint/2010/main" xmlns:a14="http://schemas.microsoft.com/office/drawing/2010/main" xmlns:a16="http://schemas.microsoft.com/office/drawing/2014/main" xmlns="" w="9525">
+                <a14:hiddenLine xmlns="" xmlns:a16="http://schemas.microsoft.com/office/drawing/2014/main" xmlns:a14="http://schemas.microsoft.com/office/drawing/2010/main" xmlns:p14="http://schemas.microsoft.com/office/powerpoint/2010/main" w="9525">
                   <a:solidFill>
                     <a:srgbClr val="000000"/>
                   </a:solidFill>
@@ -19408,7 +19436,7 @@
             </a:ln>
             <a:extLst>
               <a:ext uri="{91240B29-F687-4f45-9708-019B960494DF}">
-                <a14:hiddenLine xmlns:p14="http://schemas.microsoft.com/office/powerpoint/2010/main" xmlns:a14="http://schemas.microsoft.com/office/drawing/2010/main" xmlns:a16="http://schemas.microsoft.com/office/drawing/2014/main" xmlns="" w="9525">
+                <a14:hiddenLine xmlns="" xmlns:a16="http://schemas.microsoft.com/office/drawing/2014/main" xmlns:a14="http://schemas.microsoft.com/office/drawing/2010/main" xmlns:p14="http://schemas.microsoft.com/office/powerpoint/2010/main" w="9525">
                   <a:solidFill>
                     <a:srgbClr val="000000"/>
                   </a:solidFill>
@@ -19492,7 +19520,7 @@
             </a:ln>
             <a:extLst>
               <a:ext uri="{91240B29-F687-4f45-9708-019B960494DF}">
-                <a14:hiddenLine xmlns:p14="http://schemas.microsoft.com/office/powerpoint/2010/main" xmlns:a14="http://schemas.microsoft.com/office/drawing/2010/main" xmlns:a16="http://schemas.microsoft.com/office/drawing/2014/main" xmlns="" w="9525">
+                <a14:hiddenLine xmlns="" xmlns:a16="http://schemas.microsoft.com/office/drawing/2014/main" xmlns:a14="http://schemas.microsoft.com/office/drawing/2010/main" xmlns:p14="http://schemas.microsoft.com/office/powerpoint/2010/main" w="9525">
                   <a:solidFill>
                     <a:srgbClr val="000000"/>
                   </a:solidFill>
@@ -19604,7 +19632,7 @@
             </a:ln>
             <a:extLst>
               <a:ext uri="{91240B29-F687-4f45-9708-019B960494DF}">
-                <a14:hiddenLine xmlns:p14="http://schemas.microsoft.com/office/powerpoint/2010/main" xmlns:a14="http://schemas.microsoft.com/office/drawing/2010/main" xmlns:a16="http://schemas.microsoft.com/office/drawing/2014/main" xmlns="" w="9525">
+                <a14:hiddenLine xmlns="" xmlns:a16="http://schemas.microsoft.com/office/drawing/2014/main" xmlns:a14="http://schemas.microsoft.com/office/drawing/2010/main" xmlns:p14="http://schemas.microsoft.com/office/powerpoint/2010/main" w="9525">
                   <a:solidFill>
                     <a:srgbClr val="000000"/>
                   </a:solidFill>
@@ -19716,7 +19744,7 @@
             </a:ln>
             <a:extLst>
               <a:ext uri="{91240B29-F687-4f45-9708-019B960494DF}">
-                <a14:hiddenLine xmlns:p14="http://schemas.microsoft.com/office/powerpoint/2010/main" xmlns:a14="http://schemas.microsoft.com/office/drawing/2010/main" xmlns:a16="http://schemas.microsoft.com/office/drawing/2014/main" xmlns="" w="9525">
+                <a14:hiddenLine xmlns="" xmlns:a16="http://schemas.microsoft.com/office/drawing/2014/main" xmlns:a14="http://schemas.microsoft.com/office/drawing/2010/main" xmlns:p14="http://schemas.microsoft.com/office/powerpoint/2010/main" w="9525">
                   <a:solidFill>
                     <a:srgbClr val="000000"/>
                   </a:solidFill>
@@ -19803,7 +19831,7 @@
             </a:ln>
             <a:extLst>
               <a:ext uri="{91240B29-F687-4f45-9708-019B960494DF}">
-                <a14:hiddenLine xmlns:p14="http://schemas.microsoft.com/office/powerpoint/2010/main" xmlns:a14="http://schemas.microsoft.com/office/drawing/2010/main" xmlns:a16="http://schemas.microsoft.com/office/drawing/2014/main" xmlns="" w="9525">
+                <a14:hiddenLine xmlns="" xmlns:a16="http://schemas.microsoft.com/office/drawing/2014/main" xmlns:a14="http://schemas.microsoft.com/office/drawing/2010/main" xmlns:p14="http://schemas.microsoft.com/office/powerpoint/2010/main" w="9525">
                   <a:solidFill>
                     <a:srgbClr val="000000"/>
                   </a:solidFill>
@@ -19887,7 +19915,7 @@
             </a:ln>
             <a:extLst>
               <a:ext uri="{91240B29-F687-4f45-9708-019B960494DF}">
-                <a14:hiddenLine xmlns:p14="http://schemas.microsoft.com/office/powerpoint/2010/main" xmlns:a14="http://schemas.microsoft.com/office/drawing/2010/main" xmlns:a16="http://schemas.microsoft.com/office/drawing/2014/main" xmlns="" w="9525">
+                <a14:hiddenLine xmlns="" xmlns:a16="http://schemas.microsoft.com/office/drawing/2014/main" xmlns:a14="http://schemas.microsoft.com/office/drawing/2010/main" xmlns:p14="http://schemas.microsoft.com/office/powerpoint/2010/main" w="9525">
                   <a:solidFill>
                     <a:srgbClr val="000000"/>
                   </a:solidFill>
@@ -19999,7 +20027,7 @@
             </a:ln>
             <a:extLst>
               <a:ext uri="{91240B29-F687-4f45-9708-019B960494DF}">
-                <a14:hiddenLine xmlns:p14="http://schemas.microsoft.com/office/powerpoint/2010/main" xmlns:a14="http://schemas.microsoft.com/office/drawing/2010/main" xmlns:a16="http://schemas.microsoft.com/office/drawing/2014/main" xmlns="" w="9525">
+                <a14:hiddenLine xmlns="" xmlns:a16="http://schemas.microsoft.com/office/drawing/2014/main" xmlns:a14="http://schemas.microsoft.com/office/drawing/2010/main" xmlns:p14="http://schemas.microsoft.com/office/powerpoint/2010/main" w="9525">
                   <a:solidFill>
                     <a:srgbClr val="000000"/>
                   </a:solidFill>
@@ -20111,7 +20139,7 @@
             </a:ln>
             <a:extLst>
               <a:ext uri="{91240B29-F687-4f45-9708-019B960494DF}">
-                <a14:hiddenLine xmlns:p14="http://schemas.microsoft.com/office/powerpoint/2010/main" xmlns:a14="http://schemas.microsoft.com/office/drawing/2010/main" xmlns:a16="http://schemas.microsoft.com/office/drawing/2014/main" xmlns="" w="9525">
+                <a14:hiddenLine xmlns="" xmlns:a16="http://schemas.microsoft.com/office/drawing/2014/main" xmlns:a14="http://schemas.microsoft.com/office/drawing/2010/main" xmlns:p14="http://schemas.microsoft.com/office/powerpoint/2010/main" w="9525">
                   <a:solidFill>
                     <a:srgbClr val="000000"/>
                   </a:solidFill>
@@ -20195,7 +20223,7 @@
             </a:ln>
             <a:extLst>
               <a:ext uri="{91240B29-F687-4f45-9708-019B960494DF}">
-                <a14:hiddenLine xmlns:p14="http://schemas.microsoft.com/office/powerpoint/2010/main" xmlns:a14="http://schemas.microsoft.com/office/drawing/2010/main" xmlns:a16="http://schemas.microsoft.com/office/drawing/2014/main" xmlns="" w="9525">
+                <a14:hiddenLine xmlns="" xmlns:a16="http://schemas.microsoft.com/office/drawing/2014/main" xmlns:a14="http://schemas.microsoft.com/office/drawing/2010/main" xmlns:p14="http://schemas.microsoft.com/office/powerpoint/2010/main" w="9525">
                   <a:solidFill>
                     <a:srgbClr val="000000"/>
                   </a:solidFill>
@@ -20337,7 +20365,7 @@
             </a:ln>
             <a:extLst>
               <a:ext uri="{91240B29-F687-4f45-9708-019B960494DF}">
-                <a14:hiddenLine xmlns:p14="http://schemas.microsoft.com/office/powerpoint/2010/main" xmlns:a14="http://schemas.microsoft.com/office/drawing/2010/main" xmlns:a16="http://schemas.microsoft.com/office/drawing/2014/main" xmlns="" w="9525">
+                <a14:hiddenLine xmlns="" xmlns:a16="http://schemas.microsoft.com/office/drawing/2014/main" xmlns:a14="http://schemas.microsoft.com/office/drawing/2010/main" xmlns:p14="http://schemas.microsoft.com/office/powerpoint/2010/main" w="9525">
                   <a:solidFill>
                     <a:srgbClr val="000000"/>
                   </a:solidFill>
@@ -20427,7 +20455,7 @@
             </a:ln>
             <a:extLst>
               <a:ext uri="{91240B29-F687-4f45-9708-019B960494DF}">
-                <a14:hiddenLine xmlns:p14="http://schemas.microsoft.com/office/powerpoint/2010/main" xmlns:a14="http://schemas.microsoft.com/office/drawing/2010/main" xmlns:a16="http://schemas.microsoft.com/office/drawing/2014/main" xmlns="" w="9525">
+                <a14:hiddenLine xmlns="" xmlns:a16="http://schemas.microsoft.com/office/drawing/2014/main" xmlns:a14="http://schemas.microsoft.com/office/drawing/2010/main" xmlns:p14="http://schemas.microsoft.com/office/powerpoint/2010/main" w="9525">
                   <a:solidFill>
                     <a:srgbClr val="000000"/>
                   </a:solidFill>
@@ -20539,7 +20567,7 @@
             </a:ln>
             <a:extLst>
               <a:ext uri="{91240B29-F687-4f45-9708-019B960494DF}">
-                <a14:hiddenLine xmlns:p14="http://schemas.microsoft.com/office/powerpoint/2010/main" xmlns:a14="http://schemas.microsoft.com/office/drawing/2010/main" xmlns:a16="http://schemas.microsoft.com/office/drawing/2014/main" xmlns="" w="9525">
+                <a14:hiddenLine xmlns="" xmlns:a16="http://schemas.microsoft.com/office/drawing/2014/main" xmlns:a14="http://schemas.microsoft.com/office/drawing/2010/main" xmlns:p14="http://schemas.microsoft.com/office/powerpoint/2010/main" w="9525">
                   <a:solidFill>
                     <a:srgbClr val="000000"/>
                   </a:solidFill>
@@ -20703,7 +20731,7 @@
             <a:noFill/>
             <a:extLst>
               <a:ext uri="{909E8E84-426E-40dd-AFC4-6F175D3DCCD1}">
-                <a14:hiddenFill xmlns:p14="http://schemas.microsoft.com/office/powerpoint/2010/main" xmlns:a14="http://schemas.microsoft.com/office/drawing/2010/main" xmlns:a16="http://schemas.microsoft.com/office/drawing/2014/main" xmlns="">
+                <a14:hiddenFill xmlns="" xmlns:a16="http://schemas.microsoft.com/office/drawing/2014/main" xmlns:a14="http://schemas.microsoft.com/office/drawing/2010/main" xmlns:p14="http://schemas.microsoft.com/office/powerpoint/2010/main">
                   <a:solidFill>
                     <a:srgbClr val="FFFFFF"/>
                   </a:solidFill>
@@ -20840,7 +20868,7 @@
             </a:ln>
             <a:extLst>
               <a:ext uri="{91240B29-F687-4f45-9708-019B960494DF}">
-                <a14:hiddenLine xmlns:p14="http://schemas.microsoft.com/office/powerpoint/2010/main" xmlns:a14="http://schemas.microsoft.com/office/drawing/2010/main" xmlns:a16="http://schemas.microsoft.com/office/drawing/2014/main" xmlns="" w="9525">
+                <a14:hiddenLine xmlns="" xmlns:a16="http://schemas.microsoft.com/office/drawing/2014/main" xmlns:a14="http://schemas.microsoft.com/office/drawing/2010/main" xmlns:p14="http://schemas.microsoft.com/office/powerpoint/2010/main" w="9525">
                   <a:solidFill>
                     <a:srgbClr val="000000"/>
                   </a:solidFill>
@@ -20952,7 +20980,7 @@
             </a:ln>
             <a:extLst>
               <a:ext uri="{91240B29-F687-4f45-9708-019B960494DF}">
-                <a14:hiddenLine xmlns:p14="http://schemas.microsoft.com/office/powerpoint/2010/main" xmlns:a14="http://schemas.microsoft.com/office/drawing/2010/main" xmlns:a16="http://schemas.microsoft.com/office/drawing/2014/main" xmlns="" w="9525">
+                <a14:hiddenLine xmlns="" xmlns:a16="http://schemas.microsoft.com/office/drawing/2014/main" xmlns:a14="http://schemas.microsoft.com/office/drawing/2010/main" xmlns:p14="http://schemas.microsoft.com/office/powerpoint/2010/main" w="9525">
                   <a:solidFill>
                     <a:srgbClr val="000000"/>
                   </a:solidFill>
@@ -21064,7 +21092,7 @@
             </a:ln>
             <a:extLst>
               <a:ext uri="{91240B29-F687-4f45-9708-019B960494DF}">
-                <a14:hiddenLine xmlns:p14="http://schemas.microsoft.com/office/powerpoint/2010/main" xmlns:a14="http://schemas.microsoft.com/office/drawing/2010/main" xmlns:a16="http://schemas.microsoft.com/office/drawing/2014/main" xmlns="" w="9525">
+                <a14:hiddenLine xmlns="" xmlns:a16="http://schemas.microsoft.com/office/drawing/2014/main" xmlns:a14="http://schemas.microsoft.com/office/drawing/2010/main" xmlns:p14="http://schemas.microsoft.com/office/powerpoint/2010/main" w="9525">
                   <a:solidFill>
                     <a:srgbClr val="000000"/>
                   </a:solidFill>
@@ -21148,7 +21176,7 @@
             </a:ln>
             <a:extLst>
               <a:ext uri="{91240B29-F687-4f45-9708-019B960494DF}">
-                <a14:hiddenLine xmlns:p14="http://schemas.microsoft.com/office/powerpoint/2010/main" xmlns:a14="http://schemas.microsoft.com/office/drawing/2010/main" xmlns:a16="http://schemas.microsoft.com/office/drawing/2014/main" xmlns="" w="9525">
+                <a14:hiddenLine xmlns="" xmlns:a16="http://schemas.microsoft.com/office/drawing/2014/main" xmlns:a14="http://schemas.microsoft.com/office/drawing/2010/main" xmlns:p14="http://schemas.microsoft.com/office/powerpoint/2010/main" w="9525">
                   <a:solidFill>
                     <a:srgbClr val="000000"/>
                   </a:solidFill>
@@ -21260,7 +21288,7 @@
             </a:ln>
             <a:extLst>
               <a:ext uri="{91240B29-F687-4f45-9708-019B960494DF}">
-                <a14:hiddenLine xmlns:p14="http://schemas.microsoft.com/office/powerpoint/2010/main" xmlns:a14="http://schemas.microsoft.com/office/drawing/2010/main" xmlns:a16="http://schemas.microsoft.com/office/drawing/2014/main" xmlns="" w="9525">
+                <a14:hiddenLine xmlns="" xmlns:a16="http://schemas.microsoft.com/office/drawing/2014/main" xmlns:a14="http://schemas.microsoft.com/office/drawing/2010/main" xmlns:p14="http://schemas.microsoft.com/office/powerpoint/2010/main" w="9525">
                   <a:solidFill>
                     <a:srgbClr val="000000"/>
                   </a:solidFill>
@@ -21344,7 +21372,7 @@
             </a:ln>
             <a:extLst>
               <a:ext uri="{91240B29-F687-4f45-9708-019B960494DF}">
-                <a14:hiddenLine xmlns:p14="http://schemas.microsoft.com/office/powerpoint/2010/main" xmlns:a14="http://schemas.microsoft.com/office/drawing/2010/main" xmlns:a16="http://schemas.microsoft.com/office/drawing/2014/main" xmlns="" w="9525">
+                <a14:hiddenLine xmlns="" xmlns:a16="http://schemas.microsoft.com/office/drawing/2014/main" xmlns:a14="http://schemas.microsoft.com/office/drawing/2010/main" xmlns:p14="http://schemas.microsoft.com/office/powerpoint/2010/main" w="9525">
                   <a:solidFill>
                     <a:srgbClr val="000000"/>
                   </a:solidFill>
@@ -21428,7 +21456,7 @@
             </a:ln>
             <a:extLst>
               <a:ext uri="{91240B29-F687-4f45-9708-019B960494DF}">
-                <a14:hiddenLine xmlns:p14="http://schemas.microsoft.com/office/powerpoint/2010/main" xmlns:a14="http://schemas.microsoft.com/office/drawing/2010/main" xmlns:a16="http://schemas.microsoft.com/office/drawing/2014/main" xmlns="" w="9525">
+                <a14:hiddenLine xmlns="" xmlns:a16="http://schemas.microsoft.com/office/drawing/2014/main" xmlns:a14="http://schemas.microsoft.com/office/drawing/2010/main" xmlns:p14="http://schemas.microsoft.com/office/powerpoint/2010/main" w="9525">
                   <a:solidFill>
                     <a:srgbClr val="000000"/>
                   </a:solidFill>
@@ -21540,7 +21568,7 @@
             </a:ln>
             <a:extLst>
               <a:ext uri="{91240B29-F687-4f45-9708-019B960494DF}">
-                <a14:hiddenLine xmlns:p14="http://schemas.microsoft.com/office/powerpoint/2010/main" xmlns:a14="http://schemas.microsoft.com/office/drawing/2010/main" xmlns:a16="http://schemas.microsoft.com/office/drawing/2014/main" xmlns="" w="9525">
+                <a14:hiddenLine xmlns="" xmlns:a16="http://schemas.microsoft.com/office/drawing/2014/main" xmlns:a14="http://schemas.microsoft.com/office/drawing/2010/main" xmlns:p14="http://schemas.microsoft.com/office/powerpoint/2010/main" w="9525">
                   <a:solidFill>
                     <a:srgbClr val="000000"/>
                   </a:solidFill>
@@ -21652,7 +21680,7 @@
             </a:ln>
             <a:extLst>
               <a:ext uri="{91240B29-F687-4f45-9708-019B960494DF}">
-                <a14:hiddenLine xmlns:p14="http://schemas.microsoft.com/office/powerpoint/2010/main" xmlns:a14="http://schemas.microsoft.com/office/drawing/2010/main" xmlns:a16="http://schemas.microsoft.com/office/drawing/2014/main" xmlns="" w="9525">
+                <a14:hiddenLine xmlns="" xmlns:a16="http://schemas.microsoft.com/office/drawing/2014/main" xmlns:a14="http://schemas.microsoft.com/office/drawing/2010/main" xmlns:p14="http://schemas.microsoft.com/office/powerpoint/2010/main" w="9525">
                   <a:solidFill>
                     <a:srgbClr val="000000"/>
                   </a:solidFill>
@@ -21736,7 +21764,7 @@
             </a:ln>
             <a:extLst>
               <a:ext uri="{91240B29-F687-4f45-9708-019B960494DF}">
-                <a14:hiddenLine xmlns:p14="http://schemas.microsoft.com/office/powerpoint/2010/main" xmlns:a14="http://schemas.microsoft.com/office/drawing/2010/main" xmlns:a16="http://schemas.microsoft.com/office/drawing/2014/main" xmlns="" w="9525">
+                <a14:hiddenLine xmlns="" xmlns:a16="http://schemas.microsoft.com/office/drawing/2014/main" xmlns:a14="http://schemas.microsoft.com/office/drawing/2010/main" xmlns:p14="http://schemas.microsoft.com/office/powerpoint/2010/main" w="9525">
                   <a:solidFill>
                     <a:srgbClr val="000000"/>
                   </a:solidFill>
@@ -21868,7 +21896,7 @@
             </a:ln>
             <a:extLst>
               <a:ext uri="{91240B29-F687-4f45-9708-019B960494DF}">
-                <a14:hiddenLine xmlns:p14="http://schemas.microsoft.com/office/powerpoint/2010/main" xmlns:a14="http://schemas.microsoft.com/office/drawing/2010/main" xmlns:a16="http://schemas.microsoft.com/office/drawing/2014/main" xmlns="" w="9525">
+                <a14:hiddenLine xmlns="" xmlns:a16="http://schemas.microsoft.com/office/drawing/2014/main" xmlns:a14="http://schemas.microsoft.com/office/drawing/2010/main" xmlns:p14="http://schemas.microsoft.com/office/powerpoint/2010/main" w="9525">
                   <a:solidFill>
                     <a:srgbClr val="000000"/>
                   </a:solidFill>
@@ -21996,7 +22024,7 @@
             </a:ln>
             <a:extLst>
               <a:ext uri="{91240B29-F687-4f45-9708-019B960494DF}">
-                <a14:hiddenLine xmlns:p14="http://schemas.microsoft.com/office/powerpoint/2010/main" xmlns:a14="http://schemas.microsoft.com/office/drawing/2010/main" xmlns:a16="http://schemas.microsoft.com/office/drawing/2014/main" xmlns="" w="9525">
+                <a14:hiddenLine xmlns="" xmlns:a16="http://schemas.microsoft.com/office/drawing/2014/main" xmlns:a14="http://schemas.microsoft.com/office/drawing/2010/main" xmlns:p14="http://schemas.microsoft.com/office/powerpoint/2010/main" w="9525">
                   <a:solidFill>
                     <a:srgbClr val="000000"/>
                   </a:solidFill>
@@ -22080,7 +22108,7 @@
             </a:ln>
             <a:extLst>
               <a:ext uri="{91240B29-F687-4f45-9708-019B960494DF}">
-                <a14:hiddenLine xmlns:p14="http://schemas.microsoft.com/office/powerpoint/2010/main" xmlns:a14="http://schemas.microsoft.com/office/drawing/2010/main" xmlns:a16="http://schemas.microsoft.com/office/drawing/2014/main" xmlns="" w="9525">
+                <a14:hiddenLine xmlns="" xmlns:a16="http://schemas.microsoft.com/office/drawing/2014/main" xmlns:a14="http://schemas.microsoft.com/office/drawing/2010/main" xmlns:p14="http://schemas.microsoft.com/office/powerpoint/2010/main" w="9525">
                   <a:solidFill>
                     <a:srgbClr val="000000"/>
                   </a:solidFill>
@@ -22164,7 +22192,7 @@
             </a:ln>
             <a:extLst>
               <a:ext uri="{91240B29-F687-4f45-9708-019B960494DF}">
-                <a14:hiddenLine xmlns:p14="http://schemas.microsoft.com/office/powerpoint/2010/main" xmlns:a14="http://schemas.microsoft.com/office/drawing/2010/main" xmlns:a16="http://schemas.microsoft.com/office/drawing/2014/main" xmlns="" w="9525">
+                <a14:hiddenLine xmlns="" xmlns:a16="http://schemas.microsoft.com/office/drawing/2014/main" xmlns:a14="http://schemas.microsoft.com/office/drawing/2010/main" xmlns:p14="http://schemas.microsoft.com/office/powerpoint/2010/main" w="9525">
                   <a:solidFill>
                     <a:srgbClr val="000000"/>
                   </a:solidFill>
@@ -22276,7 +22304,7 @@
             </a:ln>
             <a:extLst>
               <a:ext uri="{91240B29-F687-4f45-9708-019B960494DF}">
-                <a14:hiddenLine xmlns:p14="http://schemas.microsoft.com/office/powerpoint/2010/main" xmlns:a14="http://schemas.microsoft.com/office/drawing/2010/main" xmlns:a16="http://schemas.microsoft.com/office/drawing/2014/main" xmlns="" w="9525">
+                <a14:hiddenLine xmlns="" xmlns:a16="http://schemas.microsoft.com/office/drawing/2014/main" xmlns:a14="http://schemas.microsoft.com/office/drawing/2010/main" xmlns:p14="http://schemas.microsoft.com/office/powerpoint/2010/main" w="9525">
                   <a:solidFill>
                     <a:srgbClr val="000000"/>
                   </a:solidFill>
@@ -22332,7 +22360,7 @@
             </a:ln>
             <a:extLst>
               <a:ext uri="{91240B29-F687-4f45-9708-019B960494DF}">
-                <a14:hiddenLine xmlns:p14="http://schemas.microsoft.com/office/powerpoint/2010/main" xmlns:a14="http://schemas.microsoft.com/office/drawing/2010/main" xmlns:a16="http://schemas.microsoft.com/office/drawing/2014/main" xmlns="" w="9525">
+                <a14:hiddenLine xmlns="" xmlns:a16="http://schemas.microsoft.com/office/drawing/2014/main" xmlns:a14="http://schemas.microsoft.com/office/drawing/2010/main" xmlns:p14="http://schemas.microsoft.com/office/powerpoint/2010/main" w="9525">
                   <a:solidFill>
                     <a:srgbClr val="000000"/>
                   </a:solidFill>
@@ -22419,7 +22447,7 @@
             </a:ln>
             <a:extLst>
               <a:ext uri="{91240B29-F687-4f45-9708-019B960494DF}">
-                <a14:hiddenLine xmlns:p14="http://schemas.microsoft.com/office/powerpoint/2010/main" xmlns:a14="http://schemas.microsoft.com/office/drawing/2010/main" xmlns:a16="http://schemas.microsoft.com/office/drawing/2014/main" xmlns="" w="9525">
+                <a14:hiddenLine xmlns="" xmlns:a16="http://schemas.microsoft.com/office/drawing/2014/main" xmlns:a14="http://schemas.microsoft.com/office/drawing/2010/main" xmlns:p14="http://schemas.microsoft.com/office/powerpoint/2010/main" w="9525">
                   <a:solidFill>
                     <a:srgbClr val="000000"/>
                   </a:solidFill>
@@ -22531,7 +22559,7 @@
             </a:ln>
             <a:extLst>
               <a:ext uri="{91240B29-F687-4f45-9708-019B960494DF}">
-                <a14:hiddenLine xmlns:p14="http://schemas.microsoft.com/office/powerpoint/2010/main" xmlns:a14="http://schemas.microsoft.com/office/drawing/2010/main" xmlns:a16="http://schemas.microsoft.com/office/drawing/2014/main" xmlns="" w="9525">
+                <a14:hiddenLine xmlns="" xmlns:a16="http://schemas.microsoft.com/office/drawing/2014/main" xmlns:a14="http://schemas.microsoft.com/office/drawing/2010/main" xmlns:p14="http://schemas.microsoft.com/office/powerpoint/2010/main" w="9525">
                   <a:solidFill>
                     <a:srgbClr val="000000"/>
                   </a:solidFill>
@@ -22615,7 +22643,7 @@
             </a:ln>
             <a:extLst>
               <a:ext uri="{91240B29-F687-4f45-9708-019B960494DF}">
-                <a14:hiddenLine xmlns:p14="http://schemas.microsoft.com/office/powerpoint/2010/main" xmlns:a14="http://schemas.microsoft.com/office/drawing/2010/main" xmlns:a16="http://schemas.microsoft.com/office/drawing/2014/main" xmlns="" w="9525">
+                <a14:hiddenLine xmlns="" xmlns:a16="http://schemas.microsoft.com/office/drawing/2014/main" xmlns:a14="http://schemas.microsoft.com/office/drawing/2010/main" xmlns:p14="http://schemas.microsoft.com/office/powerpoint/2010/main" w="9525">
                   <a:solidFill>
                     <a:srgbClr val="000000"/>
                   </a:solidFill>
@@ -22727,7 +22755,7 @@
             </a:ln>
             <a:extLst>
               <a:ext uri="{91240B29-F687-4f45-9708-019B960494DF}">
-                <a14:hiddenLine xmlns:p14="http://schemas.microsoft.com/office/powerpoint/2010/main" xmlns:a14="http://schemas.microsoft.com/office/drawing/2010/main" xmlns:a16="http://schemas.microsoft.com/office/drawing/2014/main" xmlns="" w="9525">
+                <a14:hiddenLine xmlns="" xmlns:a16="http://schemas.microsoft.com/office/drawing/2014/main" xmlns:a14="http://schemas.microsoft.com/office/drawing/2010/main" xmlns:p14="http://schemas.microsoft.com/office/powerpoint/2010/main" w="9525">
                   <a:solidFill>
                     <a:srgbClr val="000000"/>
                   </a:solidFill>
@@ -22814,7 +22842,7 @@
             </a:ln>
             <a:extLst>
               <a:ext uri="{91240B29-F687-4f45-9708-019B960494DF}">
-                <a14:hiddenLine xmlns:p14="http://schemas.microsoft.com/office/powerpoint/2010/main" xmlns:a14="http://schemas.microsoft.com/office/drawing/2010/main" xmlns:a16="http://schemas.microsoft.com/office/drawing/2014/main" xmlns="" w="9525">
+                <a14:hiddenLine xmlns="" xmlns:a16="http://schemas.microsoft.com/office/drawing/2014/main" xmlns:a14="http://schemas.microsoft.com/office/drawing/2010/main" xmlns:p14="http://schemas.microsoft.com/office/powerpoint/2010/main" w="9525">
                   <a:solidFill>
                     <a:srgbClr val="000000"/>
                   </a:solidFill>
@@ -22898,7 +22926,7 @@
             </a:ln>
             <a:extLst>
               <a:ext uri="{91240B29-F687-4f45-9708-019B960494DF}">
-                <a14:hiddenLine xmlns:p14="http://schemas.microsoft.com/office/powerpoint/2010/main" xmlns:a14="http://schemas.microsoft.com/office/drawing/2010/main" xmlns:a16="http://schemas.microsoft.com/office/drawing/2014/main" xmlns="" w="9525">
+                <a14:hiddenLine xmlns="" xmlns:a16="http://schemas.microsoft.com/office/drawing/2014/main" xmlns:a14="http://schemas.microsoft.com/office/drawing/2010/main" xmlns:p14="http://schemas.microsoft.com/office/powerpoint/2010/main" w="9525">
                   <a:solidFill>
                     <a:srgbClr val="000000"/>
                   </a:solidFill>
@@ -23010,7 +23038,7 @@
             </a:ln>
             <a:extLst>
               <a:ext uri="{91240B29-F687-4f45-9708-019B960494DF}">
-                <a14:hiddenLine xmlns:p14="http://schemas.microsoft.com/office/powerpoint/2010/main" xmlns:a14="http://schemas.microsoft.com/office/drawing/2010/main" xmlns:a16="http://schemas.microsoft.com/office/drawing/2014/main" xmlns="" w="9525">
+                <a14:hiddenLine xmlns="" xmlns:a16="http://schemas.microsoft.com/office/drawing/2014/main" xmlns:a14="http://schemas.microsoft.com/office/drawing/2010/main" xmlns:p14="http://schemas.microsoft.com/office/powerpoint/2010/main" w="9525">
                   <a:solidFill>
                     <a:srgbClr val="000000"/>
                   </a:solidFill>
@@ -23122,7 +23150,7 @@
             </a:ln>
             <a:extLst>
               <a:ext uri="{91240B29-F687-4f45-9708-019B960494DF}">
-                <a14:hiddenLine xmlns:p14="http://schemas.microsoft.com/office/powerpoint/2010/main" xmlns:a14="http://schemas.microsoft.com/office/drawing/2010/main" xmlns:a16="http://schemas.microsoft.com/office/drawing/2014/main" xmlns="" w="9525">
+                <a14:hiddenLine xmlns="" xmlns:a16="http://schemas.microsoft.com/office/drawing/2014/main" xmlns:a14="http://schemas.microsoft.com/office/drawing/2010/main" xmlns:p14="http://schemas.microsoft.com/office/powerpoint/2010/main" w="9525">
                   <a:solidFill>
                     <a:srgbClr val="000000"/>
                   </a:solidFill>
@@ -23209,7 +23237,7 @@
             </a:ln>
             <a:extLst>
               <a:ext uri="{91240B29-F687-4f45-9708-019B960494DF}">
-                <a14:hiddenLine xmlns:p14="http://schemas.microsoft.com/office/powerpoint/2010/main" xmlns:a14="http://schemas.microsoft.com/office/drawing/2010/main" xmlns:a16="http://schemas.microsoft.com/office/drawing/2014/main" xmlns="" w="9525">
+                <a14:hiddenLine xmlns="" xmlns:a16="http://schemas.microsoft.com/office/drawing/2014/main" xmlns:a14="http://schemas.microsoft.com/office/drawing/2010/main" xmlns:p14="http://schemas.microsoft.com/office/powerpoint/2010/main" w="9525">
                   <a:solidFill>
                     <a:srgbClr val="000000"/>
                   </a:solidFill>
@@ -23351,7 +23379,7 @@
             </a:ln>
             <a:extLst>
               <a:ext uri="{91240B29-F687-4f45-9708-019B960494DF}">
-                <a14:hiddenLine xmlns:p14="http://schemas.microsoft.com/office/powerpoint/2010/main" xmlns:a14="http://schemas.microsoft.com/office/drawing/2010/main" xmlns:a16="http://schemas.microsoft.com/office/drawing/2014/main" xmlns="" w="9525">
+                <a14:hiddenLine xmlns="" xmlns:a16="http://schemas.microsoft.com/office/drawing/2014/main" xmlns:a14="http://schemas.microsoft.com/office/drawing/2010/main" xmlns:p14="http://schemas.microsoft.com/office/powerpoint/2010/main" w="9525">
                   <a:solidFill>
                     <a:srgbClr val="000000"/>
                   </a:solidFill>
@@ -23537,7 +23565,7 @@
             </a:ln>
             <a:extLst>
               <a:ext uri="{91240B29-F687-4f45-9708-019B960494DF}">
-                <a14:hiddenLine xmlns:p14="http://schemas.microsoft.com/office/powerpoint/2010/main" xmlns:a14="http://schemas.microsoft.com/office/drawing/2010/main" xmlns:a16="http://schemas.microsoft.com/office/drawing/2014/main" xmlns="" w="9525">
+                <a14:hiddenLine xmlns="" xmlns:a16="http://schemas.microsoft.com/office/drawing/2014/main" xmlns:a14="http://schemas.microsoft.com/office/drawing/2010/main" xmlns:p14="http://schemas.microsoft.com/office/powerpoint/2010/main" w="9525">
                   <a:solidFill>
                     <a:srgbClr val="000000"/>
                   </a:solidFill>
@@ -23674,7 +23702,7 @@
             </a:ln>
             <a:extLst>
               <a:ext uri="{91240B29-F687-4f45-9708-019B960494DF}">
-                <a14:hiddenLine xmlns:p14="http://schemas.microsoft.com/office/powerpoint/2010/main" xmlns:a14="http://schemas.microsoft.com/office/drawing/2010/main" xmlns:a16="http://schemas.microsoft.com/office/drawing/2014/main" xmlns="" w="9525">
+                <a14:hiddenLine xmlns="" xmlns:a16="http://schemas.microsoft.com/office/drawing/2014/main" xmlns:a14="http://schemas.microsoft.com/office/drawing/2010/main" xmlns:p14="http://schemas.microsoft.com/office/powerpoint/2010/main" w="9525">
                   <a:solidFill>
                     <a:srgbClr val="000000"/>
                   </a:solidFill>
@@ -23786,7 +23814,7 @@
             </a:ln>
             <a:extLst>
               <a:ext uri="{91240B29-F687-4f45-9708-019B960494DF}">
-                <a14:hiddenLine xmlns:p14="http://schemas.microsoft.com/office/powerpoint/2010/main" xmlns:a14="http://schemas.microsoft.com/office/drawing/2010/main" xmlns:a16="http://schemas.microsoft.com/office/drawing/2014/main" xmlns="" w="9525">
+                <a14:hiddenLine xmlns="" xmlns:a16="http://schemas.microsoft.com/office/drawing/2014/main" xmlns:a14="http://schemas.microsoft.com/office/drawing/2010/main" xmlns:p14="http://schemas.microsoft.com/office/powerpoint/2010/main" w="9525">
                   <a:solidFill>
                     <a:srgbClr val="000000"/>
                   </a:solidFill>
@@ -23873,7 +23901,7 @@
             </a:ln>
             <a:extLst>
               <a:ext uri="{91240B29-F687-4f45-9708-019B960494DF}">
-                <a14:hiddenLine xmlns:p14="http://schemas.microsoft.com/office/powerpoint/2010/main" xmlns:a14="http://schemas.microsoft.com/office/drawing/2010/main" xmlns:a16="http://schemas.microsoft.com/office/drawing/2014/main" xmlns="" w="9525">
+                <a14:hiddenLine xmlns="" xmlns:a16="http://schemas.microsoft.com/office/drawing/2014/main" xmlns:a14="http://schemas.microsoft.com/office/drawing/2010/main" xmlns:p14="http://schemas.microsoft.com/office/powerpoint/2010/main" w="9525">
                   <a:solidFill>
                     <a:srgbClr val="000000"/>
                   </a:solidFill>
@@ -23985,7 +24013,7 @@
             </a:ln>
             <a:extLst>
               <a:ext uri="{91240B29-F687-4f45-9708-019B960494DF}">
-                <a14:hiddenLine xmlns:p14="http://schemas.microsoft.com/office/powerpoint/2010/main" xmlns:a14="http://schemas.microsoft.com/office/drawing/2010/main" xmlns:a16="http://schemas.microsoft.com/office/drawing/2014/main" xmlns="" w="9525">
+                <a14:hiddenLine xmlns="" xmlns:a16="http://schemas.microsoft.com/office/drawing/2014/main" xmlns:a14="http://schemas.microsoft.com/office/drawing/2010/main" xmlns:p14="http://schemas.microsoft.com/office/powerpoint/2010/main" w="9525">
                   <a:solidFill>
                     <a:srgbClr val="000000"/>
                   </a:solidFill>
@@ -24075,7 +24103,7 @@
             </a:ln>
             <a:extLst>
               <a:ext uri="{91240B29-F687-4f45-9708-019B960494DF}">
-                <a14:hiddenLine xmlns:p14="http://schemas.microsoft.com/office/powerpoint/2010/main" xmlns:a14="http://schemas.microsoft.com/office/drawing/2010/main" xmlns:a16="http://schemas.microsoft.com/office/drawing/2014/main" xmlns="" w="9525">
+                <a14:hiddenLine xmlns="" xmlns:a16="http://schemas.microsoft.com/office/drawing/2014/main" xmlns:a14="http://schemas.microsoft.com/office/drawing/2010/main" xmlns:p14="http://schemas.microsoft.com/office/powerpoint/2010/main" w="9525">
                   <a:solidFill>
                     <a:srgbClr val="000000"/>
                   </a:solidFill>
@@ -24187,7 +24215,7 @@
             </a:ln>
             <a:extLst>
               <a:ext uri="{91240B29-F687-4f45-9708-019B960494DF}">
-                <a14:hiddenLine xmlns:p14="http://schemas.microsoft.com/office/powerpoint/2010/main" xmlns:a14="http://schemas.microsoft.com/office/drawing/2010/main" xmlns:a16="http://schemas.microsoft.com/office/drawing/2014/main" xmlns="" w="9525">
+                <a14:hiddenLine xmlns="" xmlns:a16="http://schemas.microsoft.com/office/drawing/2014/main" xmlns:a14="http://schemas.microsoft.com/office/drawing/2010/main" xmlns:p14="http://schemas.microsoft.com/office/powerpoint/2010/main" w="9525">
                   <a:solidFill>
                     <a:srgbClr val="000000"/>
                   </a:solidFill>
@@ -24277,7 +24305,7 @@
             </a:ln>
             <a:extLst>
               <a:ext uri="{91240B29-F687-4f45-9708-019B960494DF}">
-                <a14:hiddenLine xmlns:p14="http://schemas.microsoft.com/office/powerpoint/2010/main" xmlns:a14="http://schemas.microsoft.com/office/drawing/2010/main" xmlns:a16="http://schemas.microsoft.com/office/drawing/2014/main" xmlns="" w="9525">
+                <a14:hiddenLine xmlns="" xmlns:a16="http://schemas.microsoft.com/office/drawing/2014/main" xmlns:a14="http://schemas.microsoft.com/office/drawing/2010/main" xmlns:p14="http://schemas.microsoft.com/office/powerpoint/2010/main" w="9525">
                   <a:solidFill>
                     <a:srgbClr val="000000"/>
                   </a:solidFill>
@@ -24389,7 +24417,7 @@
             </a:ln>
             <a:extLst>
               <a:ext uri="{91240B29-F687-4f45-9708-019B960494DF}">
-                <a14:hiddenLine xmlns:p14="http://schemas.microsoft.com/office/powerpoint/2010/main" xmlns:a14="http://schemas.microsoft.com/office/drawing/2010/main" xmlns:a16="http://schemas.microsoft.com/office/drawing/2014/main" xmlns="" w="9525">
+                <a14:hiddenLine xmlns="" xmlns:a16="http://schemas.microsoft.com/office/drawing/2014/main" xmlns:a14="http://schemas.microsoft.com/office/drawing/2010/main" xmlns:p14="http://schemas.microsoft.com/office/powerpoint/2010/main" w="9525">
                   <a:solidFill>
                     <a:srgbClr val="000000"/>
                   </a:solidFill>
@@ -24445,7 +24473,7 @@
             </a:ln>
             <a:extLst>
               <a:ext uri="{91240B29-F687-4f45-9708-019B960494DF}">
-                <a14:hiddenLine xmlns:p14="http://schemas.microsoft.com/office/powerpoint/2010/main" xmlns:a14="http://schemas.microsoft.com/office/drawing/2010/main" xmlns:a16="http://schemas.microsoft.com/office/drawing/2014/main" xmlns="" w="9525">
+                <a14:hiddenLine xmlns="" xmlns:a16="http://schemas.microsoft.com/office/drawing/2014/main" xmlns:a14="http://schemas.microsoft.com/office/drawing/2010/main" xmlns:p14="http://schemas.microsoft.com/office/powerpoint/2010/main" w="9525">
                   <a:solidFill>
                     <a:srgbClr val="000000"/>
                   </a:solidFill>
@@ -24666,7 +24694,7 @@
           <a:noFill/>
           <a:extLst>
             <a:ext uri="{909E8E84-426E-40dd-AFC4-6F175D3DCCD1}">
-              <a14:hiddenFill xmlns="" xmlns:a16="http://schemas.microsoft.com/office/drawing/2014/main" xmlns:a14="http://schemas.microsoft.com/office/drawing/2010/main" xmlns:p14="http://schemas.microsoft.com/office/powerpoint/2010/main">
+              <a14:hiddenFill xmlns:p14="http://schemas.microsoft.com/office/powerpoint/2010/main" xmlns:a14="http://schemas.microsoft.com/office/drawing/2010/main" xmlns:a16="http://schemas.microsoft.com/office/drawing/2014/main" xmlns="">
                 <a:solidFill>
                   <a:srgbClr val="FFFFFF"/>
                 </a:solidFill>
@@ -24757,7 +24785,7 @@
             </a:ln>
             <a:extLst>
               <a:ext uri="{91240B29-F687-4f45-9708-019B960494DF}">
-                <a14:hiddenLine xmlns="" xmlns:a16="http://schemas.microsoft.com/office/drawing/2014/main" xmlns:a14="http://schemas.microsoft.com/office/drawing/2010/main" xmlns:p14="http://schemas.microsoft.com/office/powerpoint/2010/main" w="9525">
+                <a14:hiddenLine xmlns:p14="http://schemas.microsoft.com/office/powerpoint/2010/main" xmlns:a14="http://schemas.microsoft.com/office/drawing/2010/main" xmlns:a16="http://schemas.microsoft.com/office/drawing/2014/main" xmlns="" w="9525">
                   <a:solidFill>
                     <a:srgbClr val="000000"/>
                   </a:solidFill>
@@ -24869,7 +24897,7 @@
             </a:ln>
             <a:extLst>
               <a:ext uri="{91240B29-F687-4f45-9708-019B960494DF}">
-                <a14:hiddenLine xmlns="" xmlns:a16="http://schemas.microsoft.com/office/drawing/2014/main" xmlns:a14="http://schemas.microsoft.com/office/drawing/2010/main" xmlns:p14="http://schemas.microsoft.com/office/powerpoint/2010/main" w="9525">
+                <a14:hiddenLine xmlns:p14="http://schemas.microsoft.com/office/powerpoint/2010/main" xmlns:a14="http://schemas.microsoft.com/office/drawing/2010/main" xmlns:a16="http://schemas.microsoft.com/office/drawing/2014/main" xmlns="" w="9525">
                   <a:solidFill>
                     <a:srgbClr val="000000"/>
                   </a:solidFill>
@@ -24981,7 +25009,7 @@
             </a:ln>
             <a:extLst>
               <a:ext uri="{91240B29-F687-4f45-9708-019B960494DF}">
-                <a14:hiddenLine xmlns="" xmlns:a16="http://schemas.microsoft.com/office/drawing/2014/main" xmlns:a14="http://schemas.microsoft.com/office/drawing/2010/main" xmlns:p14="http://schemas.microsoft.com/office/powerpoint/2010/main" w="9525">
+                <a14:hiddenLine xmlns:p14="http://schemas.microsoft.com/office/powerpoint/2010/main" xmlns:a14="http://schemas.microsoft.com/office/drawing/2010/main" xmlns:a16="http://schemas.microsoft.com/office/drawing/2014/main" xmlns="" w="9525">
                   <a:solidFill>
                     <a:srgbClr val="000000"/>
                   </a:solidFill>
@@ -25037,7 +25065,7 @@
             </a:ln>
             <a:extLst>
               <a:ext uri="{91240B29-F687-4f45-9708-019B960494DF}">
-                <a14:hiddenLine xmlns="" xmlns:a16="http://schemas.microsoft.com/office/drawing/2014/main" xmlns:a14="http://schemas.microsoft.com/office/drawing/2010/main" xmlns:p14="http://schemas.microsoft.com/office/powerpoint/2010/main" w="9525">
+                <a14:hiddenLine xmlns:p14="http://schemas.microsoft.com/office/powerpoint/2010/main" xmlns:a14="http://schemas.microsoft.com/office/drawing/2010/main" xmlns:a16="http://schemas.microsoft.com/office/drawing/2014/main" xmlns="" w="9525">
                   <a:solidFill>
                     <a:srgbClr val="000000"/>
                   </a:solidFill>
@@ -25149,7 +25177,7 @@
             </a:ln>
             <a:extLst>
               <a:ext uri="{91240B29-F687-4f45-9708-019B960494DF}">
-                <a14:hiddenLine xmlns="" xmlns:a16="http://schemas.microsoft.com/office/drawing/2014/main" xmlns:a14="http://schemas.microsoft.com/office/drawing/2010/main" xmlns:p14="http://schemas.microsoft.com/office/powerpoint/2010/main" w="9525">
+                <a14:hiddenLine xmlns:p14="http://schemas.microsoft.com/office/powerpoint/2010/main" xmlns:a14="http://schemas.microsoft.com/office/drawing/2010/main" xmlns:a16="http://schemas.microsoft.com/office/drawing/2014/main" xmlns="" w="9525">
                   <a:solidFill>
                     <a:srgbClr val="000000"/>
                   </a:solidFill>
@@ -25233,7 +25261,7 @@
             </a:ln>
             <a:extLst>
               <a:ext uri="{91240B29-F687-4f45-9708-019B960494DF}">
-                <a14:hiddenLine xmlns="" xmlns:a16="http://schemas.microsoft.com/office/drawing/2014/main" xmlns:a14="http://schemas.microsoft.com/office/drawing/2010/main" xmlns:p14="http://schemas.microsoft.com/office/powerpoint/2010/main" w="9525">
+                <a14:hiddenLine xmlns:p14="http://schemas.microsoft.com/office/powerpoint/2010/main" xmlns:a14="http://schemas.microsoft.com/office/drawing/2010/main" xmlns:a16="http://schemas.microsoft.com/office/drawing/2014/main" xmlns="" w="9525">
                   <a:solidFill>
                     <a:srgbClr val="000000"/>
                   </a:solidFill>
@@ -25317,7 +25345,7 @@
             </a:ln>
             <a:extLst>
               <a:ext uri="{91240B29-F687-4f45-9708-019B960494DF}">
-                <a14:hiddenLine xmlns="" xmlns:a16="http://schemas.microsoft.com/office/drawing/2014/main" xmlns:a14="http://schemas.microsoft.com/office/drawing/2010/main" xmlns:p14="http://schemas.microsoft.com/office/powerpoint/2010/main" w="9525">
+                <a14:hiddenLine xmlns:p14="http://schemas.microsoft.com/office/powerpoint/2010/main" xmlns:a14="http://schemas.microsoft.com/office/drawing/2010/main" xmlns:a16="http://schemas.microsoft.com/office/drawing/2014/main" xmlns="" w="9525">
                   <a:solidFill>
                     <a:srgbClr val="000000"/>
                   </a:solidFill>
@@ -25429,7 +25457,7 @@
             </a:ln>
             <a:extLst>
               <a:ext uri="{91240B29-F687-4f45-9708-019B960494DF}">
-                <a14:hiddenLine xmlns="" xmlns:a16="http://schemas.microsoft.com/office/drawing/2014/main" xmlns:a14="http://schemas.microsoft.com/office/drawing/2010/main" xmlns:p14="http://schemas.microsoft.com/office/powerpoint/2010/main" w="9525">
+                <a14:hiddenLine xmlns:p14="http://schemas.microsoft.com/office/powerpoint/2010/main" xmlns:a14="http://schemas.microsoft.com/office/drawing/2010/main" xmlns:a16="http://schemas.microsoft.com/office/drawing/2014/main" xmlns="" w="9525">
                   <a:solidFill>
                     <a:srgbClr val="000000"/>
                   </a:solidFill>
@@ -25513,7 +25541,7 @@
             </a:ln>
             <a:extLst>
               <a:ext uri="{91240B29-F687-4f45-9708-019B960494DF}">
-                <a14:hiddenLine xmlns="" xmlns:a16="http://schemas.microsoft.com/office/drawing/2014/main" xmlns:a14="http://schemas.microsoft.com/office/drawing/2010/main" xmlns:p14="http://schemas.microsoft.com/office/powerpoint/2010/main" w="9525">
+                <a14:hiddenLine xmlns:p14="http://schemas.microsoft.com/office/powerpoint/2010/main" xmlns:a14="http://schemas.microsoft.com/office/drawing/2010/main" xmlns:a16="http://schemas.microsoft.com/office/drawing/2014/main" xmlns="" w="9525">
                   <a:solidFill>
                     <a:srgbClr val="000000"/>
                   </a:solidFill>
@@ -25597,7 +25625,7 @@
             </a:ln>
             <a:extLst>
               <a:ext uri="{91240B29-F687-4f45-9708-019B960494DF}">
-                <a14:hiddenLine xmlns="" xmlns:a16="http://schemas.microsoft.com/office/drawing/2014/main" xmlns:a14="http://schemas.microsoft.com/office/drawing/2010/main" xmlns:p14="http://schemas.microsoft.com/office/powerpoint/2010/main" w="9525">
+                <a14:hiddenLine xmlns:p14="http://schemas.microsoft.com/office/powerpoint/2010/main" xmlns:a14="http://schemas.microsoft.com/office/drawing/2010/main" xmlns:a16="http://schemas.microsoft.com/office/drawing/2014/main" xmlns="" w="9525">
                   <a:solidFill>
                     <a:srgbClr val="000000"/>
                   </a:solidFill>
@@ -25709,7 +25737,7 @@
             </a:ln>
             <a:extLst>
               <a:ext uri="{91240B29-F687-4f45-9708-019B960494DF}">
-                <a14:hiddenLine xmlns="" xmlns:a16="http://schemas.microsoft.com/office/drawing/2014/main" xmlns:a14="http://schemas.microsoft.com/office/drawing/2010/main" xmlns:p14="http://schemas.microsoft.com/office/powerpoint/2010/main" w="9525">
+                <a14:hiddenLine xmlns:p14="http://schemas.microsoft.com/office/powerpoint/2010/main" xmlns:a14="http://schemas.microsoft.com/office/drawing/2010/main" xmlns:a16="http://schemas.microsoft.com/office/drawing/2014/main" xmlns="" w="9525">
                   <a:solidFill>
                     <a:srgbClr val="000000"/>
                   </a:solidFill>
@@ -25821,7 +25849,7 @@
             </a:ln>
             <a:extLst>
               <a:ext uri="{91240B29-F687-4f45-9708-019B960494DF}">
-                <a14:hiddenLine xmlns="" xmlns:a16="http://schemas.microsoft.com/office/drawing/2014/main" xmlns:a14="http://schemas.microsoft.com/office/drawing/2010/main" xmlns:p14="http://schemas.microsoft.com/office/powerpoint/2010/main" w="9525">
+                <a14:hiddenLine xmlns:p14="http://schemas.microsoft.com/office/powerpoint/2010/main" xmlns:a14="http://schemas.microsoft.com/office/drawing/2010/main" xmlns:a16="http://schemas.microsoft.com/office/drawing/2014/main" xmlns="" w="9525">
                   <a:solidFill>
                     <a:srgbClr val="000000"/>
                   </a:solidFill>
@@ -25905,7 +25933,7 @@
             </a:ln>
             <a:extLst>
               <a:ext uri="{91240B29-F687-4f45-9708-019B960494DF}">
-                <a14:hiddenLine xmlns="" xmlns:a16="http://schemas.microsoft.com/office/drawing/2014/main" xmlns:a14="http://schemas.microsoft.com/office/drawing/2010/main" xmlns:p14="http://schemas.microsoft.com/office/powerpoint/2010/main" w="9525">
+                <a14:hiddenLine xmlns:p14="http://schemas.microsoft.com/office/powerpoint/2010/main" xmlns:a14="http://schemas.microsoft.com/office/drawing/2010/main" xmlns:a16="http://schemas.microsoft.com/office/drawing/2014/main" xmlns="" w="9525">
                   <a:solidFill>
                     <a:srgbClr val="000000"/>
                   </a:solidFill>
@@ -26037,7 +26065,7 @@
             </a:ln>
             <a:extLst>
               <a:ext uri="{91240B29-F687-4f45-9708-019B960494DF}">
-                <a14:hiddenLine xmlns="" xmlns:a16="http://schemas.microsoft.com/office/drawing/2014/main" xmlns:a14="http://schemas.microsoft.com/office/drawing/2010/main" xmlns:p14="http://schemas.microsoft.com/office/powerpoint/2010/main" w="9525">
+                <a14:hiddenLine xmlns:p14="http://schemas.microsoft.com/office/powerpoint/2010/main" xmlns:a14="http://schemas.microsoft.com/office/drawing/2010/main" xmlns:a16="http://schemas.microsoft.com/office/drawing/2014/main" xmlns="" w="9525">
                   <a:solidFill>
                     <a:srgbClr val="000000"/>
                   </a:solidFill>
@@ -26121,7 +26149,7 @@
             </a:ln>
             <a:extLst>
               <a:ext uri="{91240B29-F687-4f45-9708-019B960494DF}">
-                <a14:hiddenLine xmlns="" xmlns:a16="http://schemas.microsoft.com/office/drawing/2014/main" xmlns:a14="http://schemas.microsoft.com/office/drawing/2010/main" xmlns:p14="http://schemas.microsoft.com/office/powerpoint/2010/main" w="9525">
+                <a14:hiddenLine xmlns:p14="http://schemas.microsoft.com/office/powerpoint/2010/main" xmlns:a14="http://schemas.microsoft.com/office/drawing/2010/main" xmlns:a16="http://schemas.microsoft.com/office/drawing/2014/main" xmlns="" w="9525">
                   <a:solidFill>
                     <a:srgbClr val="000000"/>
                   </a:solidFill>
@@ -26233,7 +26261,7 @@
             </a:ln>
             <a:extLst>
               <a:ext uri="{91240B29-F687-4f45-9708-019B960494DF}">
-                <a14:hiddenLine xmlns="" xmlns:a16="http://schemas.microsoft.com/office/drawing/2014/main" xmlns:a14="http://schemas.microsoft.com/office/drawing/2010/main" xmlns:p14="http://schemas.microsoft.com/office/powerpoint/2010/main" w="9525">
+                <a14:hiddenLine xmlns:p14="http://schemas.microsoft.com/office/powerpoint/2010/main" xmlns:a14="http://schemas.microsoft.com/office/drawing/2010/main" xmlns:a16="http://schemas.microsoft.com/office/drawing/2014/main" xmlns="" w="9525">
                   <a:solidFill>
                     <a:srgbClr val="000000"/>
                   </a:solidFill>
@@ -26345,7 +26373,7 @@
             </a:ln>
             <a:extLst>
               <a:ext uri="{91240B29-F687-4f45-9708-019B960494DF}">
-                <a14:hiddenLine xmlns="" xmlns:a16="http://schemas.microsoft.com/office/drawing/2014/main" xmlns:a14="http://schemas.microsoft.com/office/drawing/2010/main" xmlns:p14="http://schemas.microsoft.com/office/powerpoint/2010/main" w="9525">
+                <a14:hiddenLine xmlns:p14="http://schemas.microsoft.com/office/powerpoint/2010/main" xmlns:a14="http://schemas.microsoft.com/office/drawing/2010/main" xmlns:a16="http://schemas.microsoft.com/office/drawing/2014/main" xmlns="" w="9525">
                   <a:solidFill>
                     <a:srgbClr val="000000"/>
                   </a:solidFill>
@@ -26429,7 +26457,7 @@
             </a:ln>
             <a:extLst>
               <a:ext uri="{91240B29-F687-4f45-9708-019B960494DF}">
-                <a14:hiddenLine xmlns="" xmlns:a16="http://schemas.microsoft.com/office/drawing/2014/main" xmlns:a14="http://schemas.microsoft.com/office/drawing/2010/main" xmlns:p14="http://schemas.microsoft.com/office/powerpoint/2010/main" w="9525">
+                <a14:hiddenLine xmlns:p14="http://schemas.microsoft.com/office/powerpoint/2010/main" xmlns:a14="http://schemas.microsoft.com/office/drawing/2010/main" xmlns:a16="http://schemas.microsoft.com/office/drawing/2014/main" xmlns="" w="9525">
                   <a:solidFill>
                     <a:srgbClr val="000000"/>
                   </a:solidFill>
@@ -26541,7 +26569,7 @@
             </a:ln>
             <a:extLst>
               <a:ext uri="{91240B29-F687-4f45-9708-019B960494DF}">
-                <a14:hiddenLine xmlns="" xmlns:a16="http://schemas.microsoft.com/office/drawing/2014/main" xmlns:a14="http://schemas.microsoft.com/office/drawing/2010/main" xmlns:p14="http://schemas.microsoft.com/office/powerpoint/2010/main" w="9525">
+                <a14:hiddenLine xmlns:p14="http://schemas.microsoft.com/office/powerpoint/2010/main" xmlns:a14="http://schemas.microsoft.com/office/drawing/2010/main" xmlns:a16="http://schemas.microsoft.com/office/drawing/2014/main" xmlns="" w="9525">
                   <a:solidFill>
                     <a:srgbClr val="000000"/>
                   </a:solidFill>
@@ -26653,7 +26681,7 @@
             </a:ln>
             <a:extLst>
               <a:ext uri="{91240B29-F687-4f45-9708-019B960494DF}">
-                <a14:hiddenLine xmlns="" xmlns:a16="http://schemas.microsoft.com/office/drawing/2014/main" xmlns:a14="http://schemas.microsoft.com/office/drawing/2010/main" xmlns:p14="http://schemas.microsoft.com/office/powerpoint/2010/main" w="9525">
+                <a14:hiddenLine xmlns:p14="http://schemas.microsoft.com/office/powerpoint/2010/main" xmlns:a14="http://schemas.microsoft.com/office/drawing/2010/main" xmlns:a16="http://schemas.microsoft.com/office/drawing/2014/main" xmlns="" w="9525">
                   <a:solidFill>
                     <a:srgbClr val="000000"/>
                   </a:solidFill>
@@ -26731,7 +26759,7 @@
             </a:ln>
             <a:extLst>
               <a:ext uri="{91240B29-F687-4f45-9708-019B960494DF}">
-                <a14:hiddenLine xmlns="" xmlns:a16="http://schemas.microsoft.com/office/drawing/2014/main" xmlns:a14="http://schemas.microsoft.com/office/drawing/2010/main" xmlns:p14="http://schemas.microsoft.com/office/powerpoint/2010/main" w="9525">
+                <a14:hiddenLine xmlns:p14="http://schemas.microsoft.com/office/powerpoint/2010/main" xmlns:a14="http://schemas.microsoft.com/office/drawing/2010/main" xmlns:a16="http://schemas.microsoft.com/office/drawing/2014/main" xmlns="" w="9525">
                   <a:solidFill>
                     <a:srgbClr val="000000"/>
                   </a:solidFill>
@@ -26843,7 +26871,7 @@
             </a:ln>
             <a:extLst>
               <a:ext uri="{91240B29-F687-4f45-9708-019B960494DF}">
-                <a14:hiddenLine xmlns="" xmlns:a16="http://schemas.microsoft.com/office/drawing/2014/main" xmlns:a14="http://schemas.microsoft.com/office/drawing/2010/main" xmlns:p14="http://schemas.microsoft.com/office/powerpoint/2010/main" w="9525">
+                <a14:hiddenLine xmlns:p14="http://schemas.microsoft.com/office/powerpoint/2010/main" xmlns:a14="http://schemas.microsoft.com/office/drawing/2010/main" xmlns:a16="http://schemas.microsoft.com/office/drawing/2014/main" xmlns="" w="9525">
                   <a:solidFill>
                     <a:srgbClr val="000000"/>
                   </a:solidFill>
@@ -26921,7 +26949,7 @@
             </a:ln>
             <a:extLst>
               <a:ext uri="{91240B29-F687-4f45-9708-019B960494DF}">
-                <a14:hiddenLine xmlns="" xmlns:a16="http://schemas.microsoft.com/office/drawing/2014/main" xmlns:a14="http://schemas.microsoft.com/office/drawing/2010/main" xmlns:p14="http://schemas.microsoft.com/office/powerpoint/2010/main" w="9525">
+                <a14:hiddenLine xmlns:p14="http://schemas.microsoft.com/office/powerpoint/2010/main" xmlns:a14="http://schemas.microsoft.com/office/drawing/2010/main" xmlns:a16="http://schemas.microsoft.com/office/drawing/2014/main" xmlns="" w="9525">
                   <a:solidFill>
                     <a:srgbClr val="000000"/>
                   </a:solidFill>
@@ -27033,7 +27061,7 @@
             </a:ln>
             <a:extLst>
               <a:ext uri="{91240B29-F687-4f45-9708-019B960494DF}">
-                <a14:hiddenLine xmlns="" xmlns:a16="http://schemas.microsoft.com/office/drawing/2014/main" xmlns:a14="http://schemas.microsoft.com/office/drawing/2010/main" xmlns:p14="http://schemas.microsoft.com/office/powerpoint/2010/main" w="9525">
+                <a14:hiddenLine xmlns:p14="http://schemas.microsoft.com/office/powerpoint/2010/main" xmlns:a14="http://schemas.microsoft.com/office/drawing/2010/main" xmlns:a16="http://schemas.microsoft.com/office/drawing/2014/main" xmlns="" w="9525">
                   <a:solidFill>
                     <a:srgbClr val="000000"/>
                   </a:solidFill>
@@ -27123,7 +27151,7 @@
             </a:ln>
             <a:extLst>
               <a:ext uri="{91240B29-F687-4f45-9708-019B960494DF}">
-                <a14:hiddenLine xmlns="" xmlns:a16="http://schemas.microsoft.com/office/drawing/2014/main" xmlns:a14="http://schemas.microsoft.com/office/drawing/2010/main" xmlns:p14="http://schemas.microsoft.com/office/powerpoint/2010/main" w="9525">
+                <a14:hiddenLine xmlns:p14="http://schemas.microsoft.com/office/powerpoint/2010/main" xmlns:a14="http://schemas.microsoft.com/office/drawing/2010/main" xmlns:a16="http://schemas.microsoft.com/office/drawing/2014/main" xmlns="" w="9525">
                   <a:solidFill>
                     <a:srgbClr val="000000"/>
                   </a:solidFill>
@@ -27235,7 +27263,7 @@
             </a:ln>
             <a:extLst>
               <a:ext uri="{91240B29-F687-4f45-9708-019B960494DF}">
-                <a14:hiddenLine xmlns="" xmlns:a16="http://schemas.microsoft.com/office/drawing/2014/main" xmlns:a14="http://schemas.microsoft.com/office/drawing/2010/main" xmlns:p14="http://schemas.microsoft.com/office/powerpoint/2010/main" w="9525">
+                <a14:hiddenLine xmlns:p14="http://schemas.microsoft.com/office/powerpoint/2010/main" xmlns:a14="http://schemas.microsoft.com/office/drawing/2010/main" xmlns:a16="http://schemas.microsoft.com/office/drawing/2014/main" xmlns="" w="9525">
                   <a:solidFill>
                     <a:srgbClr val="000000"/>
                   </a:solidFill>
@@ -27325,7 +27353,7 @@
             </a:ln>
             <a:extLst>
               <a:ext uri="{91240B29-F687-4f45-9708-019B960494DF}">
-                <a14:hiddenLine xmlns="" xmlns:a16="http://schemas.microsoft.com/office/drawing/2014/main" xmlns:a14="http://schemas.microsoft.com/office/drawing/2010/main" xmlns:p14="http://schemas.microsoft.com/office/powerpoint/2010/main" w="9525">
+                <a14:hiddenLine xmlns:p14="http://schemas.microsoft.com/office/powerpoint/2010/main" xmlns:a14="http://schemas.microsoft.com/office/drawing/2010/main" xmlns:a16="http://schemas.microsoft.com/office/drawing/2014/main" xmlns="" w="9525">
                   <a:solidFill>
                     <a:srgbClr val="000000"/>
                   </a:solidFill>
@@ -27437,7 +27465,7 @@
             </a:ln>
             <a:extLst>
               <a:ext uri="{91240B29-F687-4f45-9708-019B960494DF}">
-                <a14:hiddenLine xmlns="" xmlns:a16="http://schemas.microsoft.com/office/drawing/2014/main" xmlns:a14="http://schemas.microsoft.com/office/drawing/2010/main" xmlns:p14="http://schemas.microsoft.com/office/powerpoint/2010/main" w="9525">
+                <a14:hiddenLine xmlns:p14="http://schemas.microsoft.com/office/powerpoint/2010/main" xmlns:a14="http://schemas.microsoft.com/office/drawing/2010/main" xmlns:a16="http://schemas.microsoft.com/office/drawing/2014/main" xmlns="" w="9525">
                   <a:solidFill>
                     <a:srgbClr val="000000"/>
                   </a:solidFill>
@@ -27493,7 +27521,7 @@
             </a:ln>
             <a:extLst>
               <a:ext uri="{91240B29-F687-4f45-9708-019B960494DF}">
-                <a14:hiddenLine xmlns="" xmlns:a16="http://schemas.microsoft.com/office/drawing/2014/main" xmlns:a14="http://schemas.microsoft.com/office/drawing/2010/main" xmlns:p14="http://schemas.microsoft.com/office/powerpoint/2010/main" w="9525">
+                <a14:hiddenLine xmlns:p14="http://schemas.microsoft.com/office/powerpoint/2010/main" xmlns:a14="http://schemas.microsoft.com/office/drawing/2010/main" xmlns:a16="http://schemas.microsoft.com/office/drawing/2014/main" xmlns="" w="9525">
                   <a:solidFill>
                     <a:srgbClr val="000000"/>
                   </a:solidFill>
@@ -27605,7 +27633,7 @@
             </a:ln>
             <a:extLst>
               <a:ext uri="{91240B29-F687-4f45-9708-019B960494DF}">
-                <a14:hiddenLine xmlns="" xmlns:a16="http://schemas.microsoft.com/office/drawing/2014/main" xmlns:a14="http://schemas.microsoft.com/office/drawing/2010/main" xmlns:p14="http://schemas.microsoft.com/office/powerpoint/2010/main" w="9525">
+                <a14:hiddenLine xmlns:p14="http://schemas.microsoft.com/office/powerpoint/2010/main" xmlns:a14="http://schemas.microsoft.com/office/drawing/2010/main" xmlns:a16="http://schemas.microsoft.com/office/drawing/2014/main" xmlns="" w="9525">
                   <a:solidFill>
                     <a:srgbClr val="000000"/>
                   </a:solidFill>
@@ -27689,7 +27717,7 @@
             </a:ln>
             <a:extLst>
               <a:ext uri="{91240B29-F687-4f45-9708-019B960494DF}">
-                <a14:hiddenLine xmlns="" xmlns:a16="http://schemas.microsoft.com/office/drawing/2014/main" xmlns:a14="http://schemas.microsoft.com/office/drawing/2010/main" xmlns:p14="http://schemas.microsoft.com/office/powerpoint/2010/main" w="9525">
+                <a14:hiddenLine xmlns:p14="http://schemas.microsoft.com/office/powerpoint/2010/main" xmlns:a14="http://schemas.microsoft.com/office/drawing/2010/main" xmlns:a16="http://schemas.microsoft.com/office/drawing/2014/main" xmlns="" w="9525">
                   <a:solidFill>
                     <a:srgbClr val="000000"/>
                   </a:solidFill>
@@ -27773,7 +27801,7 @@
             </a:ln>
             <a:extLst>
               <a:ext uri="{91240B29-F687-4f45-9708-019B960494DF}">
-                <a14:hiddenLine xmlns="" xmlns:a16="http://schemas.microsoft.com/office/drawing/2014/main" xmlns:a14="http://schemas.microsoft.com/office/drawing/2010/main" xmlns:p14="http://schemas.microsoft.com/office/powerpoint/2010/main" w="9525">
+                <a14:hiddenLine xmlns:p14="http://schemas.microsoft.com/office/powerpoint/2010/main" xmlns:a14="http://schemas.microsoft.com/office/drawing/2010/main" xmlns:a16="http://schemas.microsoft.com/office/drawing/2014/main" xmlns="" w="9525">
                   <a:solidFill>
                     <a:srgbClr val="000000"/>
                   </a:solidFill>
@@ -27885,7 +27913,7 @@
             </a:ln>
             <a:extLst>
               <a:ext uri="{91240B29-F687-4f45-9708-019B960494DF}">
-                <a14:hiddenLine xmlns="" xmlns:a16="http://schemas.microsoft.com/office/drawing/2014/main" xmlns:a14="http://schemas.microsoft.com/office/drawing/2010/main" xmlns:p14="http://schemas.microsoft.com/office/powerpoint/2010/main" w="9525">
+                <a14:hiddenLine xmlns:p14="http://schemas.microsoft.com/office/powerpoint/2010/main" xmlns:a14="http://schemas.microsoft.com/office/drawing/2010/main" xmlns:a16="http://schemas.microsoft.com/office/drawing/2014/main" xmlns="" w="9525">
                   <a:solidFill>
                     <a:srgbClr val="000000"/>
                   </a:solidFill>
@@ -27975,7 +28003,7 @@
             </a:ln>
             <a:extLst>
               <a:ext uri="{91240B29-F687-4f45-9708-019B960494DF}">
-                <a14:hiddenLine xmlns="" xmlns:a16="http://schemas.microsoft.com/office/drawing/2014/main" xmlns:a14="http://schemas.microsoft.com/office/drawing/2010/main" xmlns:p14="http://schemas.microsoft.com/office/powerpoint/2010/main" w="9525">
+                <a14:hiddenLine xmlns:p14="http://schemas.microsoft.com/office/powerpoint/2010/main" xmlns:a14="http://schemas.microsoft.com/office/drawing/2010/main" xmlns:a16="http://schemas.microsoft.com/office/drawing/2014/main" xmlns="" w="9525">
                   <a:solidFill>
                     <a:srgbClr val="000000"/>
                   </a:solidFill>
@@ -28059,7 +28087,7 @@
             </a:ln>
             <a:extLst>
               <a:ext uri="{91240B29-F687-4f45-9708-019B960494DF}">
-                <a14:hiddenLine xmlns="" xmlns:a16="http://schemas.microsoft.com/office/drawing/2014/main" xmlns:a14="http://schemas.microsoft.com/office/drawing/2010/main" xmlns:p14="http://schemas.microsoft.com/office/powerpoint/2010/main" w="9525">
+                <a14:hiddenLine xmlns:p14="http://schemas.microsoft.com/office/powerpoint/2010/main" xmlns:a14="http://schemas.microsoft.com/office/drawing/2010/main" xmlns:a16="http://schemas.microsoft.com/office/drawing/2014/main" xmlns="" w="9525">
                   <a:solidFill>
                     <a:srgbClr val="000000"/>
                   </a:solidFill>
@@ -28171,7 +28199,7 @@
             </a:ln>
             <a:extLst>
               <a:ext uri="{91240B29-F687-4f45-9708-019B960494DF}">
-                <a14:hiddenLine xmlns="" xmlns:a16="http://schemas.microsoft.com/office/drawing/2014/main" xmlns:a14="http://schemas.microsoft.com/office/drawing/2010/main" xmlns:p14="http://schemas.microsoft.com/office/powerpoint/2010/main" w="9525">
+                <a14:hiddenLine xmlns:p14="http://schemas.microsoft.com/office/powerpoint/2010/main" xmlns:a14="http://schemas.microsoft.com/office/drawing/2010/main" xmlns:a16="http://schemas.microsoft.com/office/drawing/2014/main" xmlns="" w="9525">
                   <a:solidFill>
                     <a:srgbClr val="000000"/>
                   </a:solidFill>
@@ -28255,7 +28283,7 @@
             </a:ln>
             <a:extLst>
               <a:ext uri="{91240B29-F687-4f45-9708-019B960494DF}">
-                <a14:hiddenLine xmlns="" xmlns:a16="http://schemas.microsoft.com/office/drawing/2014/main" xmlns:a14="http://schemas.microsoft.com/office/drawing/2010/main" xmlns:p14="http://schemas.microsoft.com/office/powerpoint/2010/main" w="9525">
+                <a14:hiddenLine xmlns:p14="http://schemas.microsoft.com/office/powerpoint/2010/main" xmlns:a14="http://schemas.microsoft.com/office/drawing/2010/main" xmlns:a16="http://schemas.microsoft.com/office/drawing/2014/main" xmlns="" w="9525">
                   <a:solidFill>
                     <a:srgbClr val="000000"/>
                   </a:solidFill>
@@ -28367,7 +28395,7 @@
             </a:ln>
             <a:extLst>
               <a:ext uri="{91240B29-F687-4f45-9708-019B960494DF}">
-                <a14:hiddenLine xmlns="" xmlns:a16="http://schemas.microsoft.com/office/drawing/2014/main" xmlns:a14="http://schemas.microsoft.com/office/drawing/2010/main" xmlns:p14="http://schemas.microsoft.com/office/powerpoint/2010/main" w="9525">
+                <a14:hiddenLine xmlns:p14="http://schemas.microsoft.com/office/powerpoint/2010/main" xmlns:a14="http://schemas.microsoft.com/office/drawing/2010/main" xmlns:a16="http://schemas.microsoft.com/office/drawing/2014/main" xmlns="" w="9525">
                   <a:solidFill>
                     <a:srgbClr val="000000"/>
                   </a:solidFill>
@@ -28451,7 +28479,7 @@
             </a:ln>
             <a:extLst>
               <a:ext uri="{91240B29-F687-4f45-9708-019B960494DF}">
-                <a14:hiddenLine xmlns="" xmlns:a16="http://schemas.microsoft.com/office/drawing/2014/main" xmlns:a14="http://schemas.microsoft.com/office/drawing/2010/main" xmlns:p14="http://schemas.microsoft.com/office/powerpoint/2010/main" w="9525">
+                <a14:hiddenLine xmlns:p14="http://schemas.microsoft.com/office/powerpoint/2010/main" xmlns:a14="http://schemas.microsoft.com/office/drawing/2010/main" xmlns:a16="http://schemas.microsoft.com/office/drawing/2014/main" xmlns="" w="9525">
                   <a:solidFill>
                     <a:srgbClr val="000000"/>
                   </a:solidFill>
@@ -28563,7 +28591,7 @@
             </a:ln>
             <a:extLst>
               <a:ext uri="{91240B29-F687-4f45-9708-019B960494DF}">
-                <a14:hiddenLine xmlns="" xmlns:a16="http://schemas.microsoft.com/office/drawing/2014/main" xmlns:a14="http://schemas.microsoft.com/office/drawing/2010/main" xmlns:p14="http://schemas.microsoft.com/office/powerpoint/2010/main" w="9525">
+                <a14:hiddenLine xmlns:p14="http://schemas.microsoft.com/office/powerpoint/2010/main" xmlns:a14="http://schemas.microsoft.com/office/drawing/2010/main" xmlns:a16="http://schemas.microsoft.com/office/drawing/2014/main" xmlns="" w="9525">
                   <a:solidFill>
                     <a:srgbClr val="000000"/>
                   </a:solidFill>
@@ -28619,7 +28647,7 @@
             </a:ln>
             <a:extLst>
               <a:ext uri="{91240B29-F687-4f45-9708-019B960494DF}">
-                <a14:hiddenLine xmlns="" xmlns:a16="http://schemas.microsoft.com/office/drawing/2014/main" xmlns:a14="http://schemas.microsoft.com/office/drawing/2010/main" xmlns:p14="http://schemas.microsoft.com/office/powerpoint/2010/main" w="9525">
+                <a14:hiddenLine xmlns:p14="http://schemas.microsoft.com/office/powerpoint/2010/main" xmlns:a14="http://schemas.microsoft.com/office/drawing/2010/main" xmlns:a16="http://schemas.microsoft.com/office/drawing/2014/main" xmlns="" w="9525">
                   <a:solidFill>
                     <a:srgbClr val="000000"/>
                   </a:solidFill>
@@ -28706,7 +28734,7 @@
             </a:ln>
             <a:extLst>
               <a:ext uri="{91240B29-F687-4f45-9708-019B960494DF}">
-                <a14:hiddenLine xmlns="" xmlns:a16="http://schemas.microsoft.com/office/drawing/2014/main" xmlns:a14="http://schemas.microsoft.com/office/drawing/2010/main" xmlns:p14="http://schemas.microsoft.com/office/powerpoint/2010/main" w="9525">
+                <a14:hiddenLine xmlns:p14="http://schemas.microsoft.com/office/powerpoint/2010/main" xmlns:a14="http://schemas.microsoft.com/office/drawing/2010/main" xmlns:a16="http://schemas.microsoft.com/office/drawing/2014/main" xmlns="" w="9525">
                   <a:solidFill>
                     <a:srgbClr val="000000"/>
                   </a:solidFill>
@@ -28818,7 +28846,7 @@
             </a:ln>
             <a:extLst>
               <a:ext uri="{91240B29-F687-4f45-9708-019B960494DF}">
-                <a14:hiddenLine xmlns="" xmlns:a16="http://schemas.microsoft.com/office/drawing/2014/main" xmlns:a14="http://schemas.microsoft.com/office/drawing/2010/main" xmlns:p14="http://schemas.microsoft.com/office/powerpoint/2010/main" w="9525">
+                <a14:hiddenLine xmlns:p14="http://schemas.microsoft.com/office/powerpoint/2010/main" xmlns:a14="http://schemas.microsoft.com/office/drawing/2010/main" xmlns:a16="http://schemas.microsoft.com/office/drawing/2014/main" xmlns="" w="9525">
                   <a:solidFill>
                     <a:srgbClr val="000000"/>
                   </a:solidFill>
@@ -28902,7 +28930,7 @@
             </a:ln>
             <a:extLst>
               <a:ext uri="{91240B29-F687-4f45-9708-019B960494DF}">
-                <a14:hiddenLine xmlns="" xmlns:a16="http://schemas.microsoft.com/office/drawing/2014/main" xmlns:a14="http://schemas.microsoft.com/office/drawing/2010/main" xmlns:p14="http://schemas.microsoft.com/office/powerpoint/2010/main" w="9525">
+                <a14:hiddenLine xmlns:p14="http://schemas.microsoft.com/office/powerpoint/2010/main" xmlns:a14="http://schemas.microsoft.com/office/drawing/2010/main" xmlns:a16="http://schemas.microsoft.com/office/drawing/2014/main" xmlns="" w="9525">
                   <a:solidFill>
                     <a:srgbClr val="000000"/>
                   </a:solidFill>
@@ -29014,7 +29042,7 @@
             </a:ln>
             <a:extLst>
               <a:ext uri="{91240B29-F687-4f45-9708-019B960494DF}">
-                <a14:hiddenLine xmlns="" xmlns:a16="http://schemas.microsoft.com/office/drawing/2014/main" xmlns:a14="http://schemas.microsoft.com/office/drawing/2010/main" xmlns:p14="http://schemas.microsoft.com/office/powerpoint/2010/main" w="9525">
+                <a14:hiddenLine xmlns:p14="http://schemas.microsoft.com/office/powerpoint/2010/main" xmlns:a14="http://schemas.microsoft.com/office/drawing/2010/main" xmlns:a16="http://schemas.microsoft.com/office/drawing/2014/main" xmlns="" w="9525">
                   <a:solidFill>
                     <a:srgbClr val="000000"/>
                   </a:solidFill>
@@ -29126,7 +29154,7 @@
             </a:ln>
             <a:extLst>
               <a:ext uri="{91240B29-F687-4f45-9708-019B960494DF}">
-                <a14:hiddenLine xmlns="" xmlns:a16="http://schemas.microsoft.com/office/drawing/2014/main" xmlns:a14="http://schemas.microsoft.com/office/drawing/2010/main" xmlns:p14="http://schemas.microsoft.com/office/powerpoint/2010/main" w="9525">
+                <a14:hiddenLine xmlns:p14="http://schemas.microsoft.com/office/powerpoint/2010/main" xmlns:a14="http://schemas.microsoft.com/office/drawing/2010/main" xmlns:a16="http://schemas.microsoft.com/office/drawing/2014/main" xmlns="" w="9525">
                   <a:solidFill>
                     <a:srgbClr val="000000"/>
                   </a:solidFill>
@@ -29213,7 +29241,7 @@
             </a:ln>
             <a:extLst>
               <a:ext uri="{91240B29-F687-4f45-9708-019B960494DF}">
-                <a14:hiddenLine xmlns="" xmlns:a16="http://schemas.microsoft.com/office/drawing/2014/main" xmlns:a14="http://schemas.microsoft.com/office/drawing/2010/main" xmlns:p14="http://schemas.microsoft.com/office/powerpoint/2010/main" w="9525">
+                <a14:hiddenLine xmlns:p14="http://schemas.microsoft.com/office/powerpoint/2010/main" xmlns:a14="http://schemas.microsoft.com/office/drawing/2010/main" xmlns:a16="http://schemas.microsoft.com/office/drawing/2014/main" xmlns="" w="9525">
                   <a:solidFill>
                     <a:srgbClr val="000000"/>
                   </a:solidFill>
@@ -29297,7 +29325,7 @@
             </a:ln>
             <a:extLst>
               <a:ext uri="{91240B29-F687-4f45-9708-019B960494DF}">
-                <a14:hiddenLine xmlns="" xmlns:a16="http://schemas.microsoft.com/office/drawing/2014/main" xmlns:a14="http://schemas.microsoft.com/office/drawing/2010/main" xmlns:p14="http://schemas.microsoft.com/office/powerpoint/2010/main" w="9525">
+                <a14:hiddenLine xmlns:p14="http://schemas.microsoft.com/office/powerpoint/2010/main" xmlns:a14="http://schemas.microsoft.com/office/drawing/2010/main" xmlns:a16="http://schemas.microsoft.com/office/drawing/2014/main" xmlns="" w="9525">
                   <a:solidFill>
                     <a:srgbClr val="000000"/>
                   </a:solidFill>
@@ -29409,7 +29437,7 @@
             </a:ln>
             <a:extLst>
               <a:ext uri="{91240B29-F687-4f45-9708-019B960494DF}">
-                <a14:hiddenLine xmlns="" xmlns:a16="http://schemas.microsoft.com/office/drawing/2014/main" xmlns:a14="http://schemas.microsoft.com/office/drawing/2010/main" xmlns:p14="http://schemas.microsoft.com/office/powerpoint/2010/main" w="9525">
+                <a14:hiddenLine xmlns:p14="http://schemas.microsoft.com/office/powerpoint/2010/main" xmlns:a14="http://schemas.microsoft.com/office/drawing/2010/main" xmlns:a16="http://schemas.microsoft.com/office/drawing/2014/main" xmlns="" w="9525">
                   <a:solidFill>
                     <a:srgbClr val="000000"/>
                   </a:solidFill>
@@ -29521,7 +29549,7 @@
             </a:ln>
             <a:extLst>
               <a:ext uri="{91240B29-F687-4f45-9708-019B960494DF}">
-                <a14:hiddenLine xmlns="" xmlns:a16="http://schemas.microsoft.com/office/drawing/2014/main" xmlns:a14="http://schemas.microsoft.com/office/drawing/2010/main" xmlns:p14="http://schemas.microsoft.com/office/powerpoint/2010/main" w="9525">
+                <a14:hiddenLine xmlns:p14="http://schemas.microsoft.com/office/powerpoint/2010/main" xmlns:a14="http://schemas.microsoft.com/office/drawing/2010/main" xmlns:a16="http://schemas.microsoft.com/office/drawing/2014/main" xmlns="" w="9525">
                   <a:solidFill>
                     <a:srgbClr val="000000"/>
                   </a:solidFill>
@@ -29605,7 +29633,7 @@
             </a:ln>
             <a:extLst>
               <a:ext uri="{91240B29-F687-4f45-9708-019B960494DF}">
-                <a14:hiddenLine xmlns="" xmlns:a16="http://schemas.microsoft.com/office/drawing/2014/main" xmlns:a14="http://schemas.microsoft.com/office/drawing/2010/main" xmlns:p14="http://schemas.microsoft.com/office/powerpoint/2010/main" w="9525">
+                <a14:hiddenLine xmlns:p14="http://schemas.microsoft.com/office/powerpoint/2010/main" xmlns:a14="http://schemas.microsoft.com/office/drawing/2010/main" xmlns:a16="http://schemas.microsoft.com/office/drawing/2014/main" xmlns="" w="9525">
                   <a:solidFill>
                     <a:srgbClr val="000000"/>
                   </a:solidFill>
@@ -29747,7 +29775,7 @@
             </a:ln>
             <a:extLst>
               <a:ext uri="{91240B29-F687-4f45-9708-019B960494DF}">
-                <a14:hiddenLine xmlns="" xmlns:a16="http://schemas.microsoft.com/office/drawing/2014/main" xmlns:a14="http://schemas.microsoft.com/office/drawing/2010/main" xmlns:p14="http://schemas.microsoft.com/office/powerpoint/2010/main" w="9525">
+                <a14:hiddenLine xmlns:p14="http://schemas.microsoft.com/office/powerpoint/2010/main" xmlns:a14="http://schemas.microsoft.com/office/drawing/2010/main" xmlns:a16="http://schemas.microsoft.com/office/drawing/2014/main" xmlns="" w="9525">
                   <a:solidFill>
                     <a:srgbClr val="000000"/>
                   </a:solidFill>
@@ -29837,7 +29865,7 @@
             </a:ln>
             <a:extLst>
               <a:ext uri="{91240B29-F687-4f45-9708-019B960494DF}">
-                <a14:hiddenLine xmlns="" xmlns:a16="http://schemas.microsoft.com/office/drawing/2014/main" xmlns:a14="http://schemas.microsoft.com/office/drawing/2010/main" xmlns:p14="http://schemas.microsoft.com/office/powerpoint/2010/main" w="9525">
+                <a14:hiddenLine xmlns:p14="http://schemas.microsoft.com/office/powerpoint/2010/main" xmlns:a14="http://schemas.microsoft.com/office/drawing/2010/main" xmlns:a16="http://schemas.microsoft.com/office/drawing/2014/main" xmlns="" w="9525">
                   <a:solidFill>
                     <a:srgbClr val="000000"/>
                   </a:solidFill>
@@ -29949,7 +29977,7 @@
             </a:ln>
             <a:extLst>
               <a:ext uri="{91240B29-F687-4f45-9708-019B960494DF}">
-                <a14:hiddenLine xmlns="" xmlns:a16="http://schemas.microsoft.com/office/drawing/2014/main" xmlns:a14="http://schemas.microsoft.com/office/drawing/2010/main" xmlns:p14="http://schemas.microsoft.com/office/powerpoint/2010/main" w="9525">
+                <a14:hiddenLine xmlns:p14="http://schemas.microsoft.com/office/powerpoint/2010/main" xmlns:a14="http://schemas.microsoft.com/office/drawing/2010/main" xmlns:a16="http://schemas.microsoft.com/office/drawing/2014/main" xmlns="" w="9525">
                   <a:solidFill>
                     <a:srgbClr val="000000"/>
                   </a:solidFill>
@@ -30113,7 +30141,7 @@
             <a:noFill/>
             <a:extLst>
               <a:ext uri="{909E8E84-426E-40dd-AFC4-6F175D3DCCD1}">
-                <a14:hiddenFill xmlns="" xmlns:a16="http://schemas.microsoft.com/office/drawing/2014/main" xmlns:a14="http://schemas.microsoft.com/office/drawing/2010/main" xmlns:p14="http://schemas.microsoft.com/office/powerpoint/2010/main">
+                <a14:hiddenFill xmlns:p14="http://schemas.microsoft.com/office/powerpoint/2010/main" xmlns:a14="http://schemas.microsoft.com/office/drawing/2010/main" xmlns:a16="http://schemas.microsoft.com/office/drawing/2014/main" xmlns="">
                   <a:solidFill>
                     <a:srgbClr val="FFFFFF"/>
                   </a:solidFill>
@@ -30206,7 +30234,7 @@
             </a:ln>
             <a:extLst>
               <a:ext uri="{91240B29-F687-4f45-9708-019B960494DF}">
-                <a14:hiddenLine xmlns="" xmlns:a16="http://schemas.microsoft.com/office/drawing/2014/main" xmlns:a14="http://schemas.microsoft.com/office/drawing/2010/main" xmlns:p14="http://schemas.microsoft.com/office/powerpoint/2010/main" w="9525">
+                <a14:hiddenLine xmlns:p14="http://schemas.microsoft.com/office/powerpoint/2010/main" xmlns:a14="http://schemas.microsoft.com/office/drawing/2010/main" xmlns:a16="http://schemas.microsoft.com/office/drawing/2014/main" xmlns="" w="9525">
                   <a:solidFill>
                     <a:srgbClr val="000000"/>
                   </a:solidFill>
@@ -30318,7 +30346,7 @@
             </a:ln>
             <a:extLst>
               <a:ext uri="{91240B29-F687-4f45-9708-019B960494DF}">
-                <a14:hiddenLine xmlns="" xmlns:a16="http://schemas.microsoft.com/office/drawing/2014/main" xmlns:a14="http://schemas.microsoft.com/office/drawing/2010/main" xmlns:p14="http://schemas.microsoft.com/office/powerpoint/2010/main" w="9525">
+                <a14:hiddenLine xmlns:p14="http://schemas.microsoft.com/office/powerpoint/2010/main" xmlns:a14="http://schemas.microsoft.com/office/drawing/2010/main" xmlns:a16="http://schemas.microsoft.com/office/drawing/2014/main" xmlns="" w="9525">
                   <a:solidFill>
                     <a:srgbClr val="000000"/>
                   </a:solidFill>
@@ -30430,7 +30458,7 @@
             </a:ln>
             <a:extLst>
               <a:ext uri="{91240B29-F687-4f45-9708-019B960494DF}">
-                <a14:hiddenLine xmlns="" xmlns:a16="http://schemas.microsoft.com/office/drawing/2014/main" xmlns:a14="http://schemas.microsoft.com/office/drawing/2010/main" xmlns:p14="http://schemas.microsoft.com/office/powerpoint/2010/main" w="9525">
+                <a14:hiddenLine xmlns:p14="http://schemas.microsoft.com/office/powerpoint/2010/main" xmlns:a14="http://schemas.microsoft.com/office/drawing/2010/main" xmlns:a16="http://schemas.microsoft.com/office/drawing/2014/main" xmlns="" w="9525">
                   <a:solidFill>
                     <a:srgbClr val="000000"/>
                   </a:solidFill>
@@ -30514,7 +30542,7 @@
             </a:ln>
             <a:extLst>
               <a:ext uri="{91240B29-F687-4f45-9708-019B960494DF}">
-                <a14:hiddenLine xmlns="" xmlns:a16="http://schemas.microsoft.com/office/drawing/2014/main" xmlns:a14="http://schemas.microsoft.com/office/drawing/2010/main" xmlns:p14="http://schemas.microsoft.com/office/powerpoint/2010/main" w="9525">
+                <a14:hiddenLine xmlns:p14="http://schemas.microsoft.com/office/powerpoint/2010/main" xmlns:a14="http://schemas.microsoft.com/office/drawing/2010/main" xmlns:a16="http://schemas.microsoft.com/office/drawing/2014/main" xmlns="" w="9525">
                   <a:solidFill>
                     <a:srgbClr val="000000"/>
                   </a:solidFill>
@@ -30626,7 +30654,7 @@
             </a:ln>
             <a:extLst>
               <a:ext uri="{91240B29-F687-4f45-9708-019B960494DF}">
-                <a14:hiddenLine xmlns="" xmlns:a16="http://schemas.microsoft.com/office/drawing/2014/main" xmlns:a14="http://schemas.microsoft.com/office/drawing/2010/main" xmlns:p14="http://schemas.microsoft.com/office/powerpoint/2010/main" w="9525">
+                <a14:hiddenLine xmlns:p14="http://schemas.microsoft.com/office/powerpoint/2010/main" xmlns:a14="http://schemas.microsoft.com/office/drawing/2010/main" xmlns:a16="http://schemas.microsoft.com/office/drawing/2014/main" xmlns="" w="9525">
                   <a:solidFill>
                     <a:srgbClr val="000000"/>
                   </a:solidFill>
@@ -30710,7 +30738,7 @@
             </a:ln>
             <a:extLst>
               <a:ext uri="{91240B29-F687-4f45-9708-019B960494DF}">
-                <a14:hiddenLine xmlns="" xmlns:a16="http://schemas.microsoft.com/office/drawing/2014/main" xmlns:a14="http://schemas.microsoft.com/office/drawing/2010/main" xmlns:p14="http://schemas.microsoft.com/office/powerpoint/2010/main" w="9525">
+                <a14:hiddenLine xmlns:p14="http://schemas.microsoft.com/office/powerpoint/2010/main" xmlns:a14="http://schemas.microsoft.com/office/drawing/2010/main" xmlns:a16="http://schemas.microsoft.com/office/drawing/2014/main" xmlns="" w="9525">
                   <a:solidFill>
                     <a:srgbClr val="000000"/>
                   </a:solidFill>
@@ -30794,7 +30822,7 @@
             </a:ln>
             <a:extLst>
               <a:ext uri="{91240B29-F687-4f45-9708-019B960494DF}">
-                <a14:hiddenLine xmlns="" xmlns:a16="http://schemas.microsoft.com/office/drawing/2014/main" xmlns:a14="http://schemas.microsoft.com/office/drawing/2010/main" xmlns:p14="http://schemas.microsoft.com/office/powerpoint/2010/main" w="9525">
+                <a14:hiddenLine xmlns:p14="http://schemas.microsoft.com/office/powerpoint/2010/main" xmlns:a14="http://schemas.microsoft.com/office/drawing/2010/main" xmlns:a16="http://schemas.microsoft.com/office/drawing/2014/main" xmlns="" w="9525">
                   <a:solidFill>
                     <a:srgbClr val="000000"/>
                   </a:solidFill>
@@ -30906,7 +30934,7 @@
             </a:ln>
             <a:extLst>
               <a:ext uri="{91240B29-F687-4f45-9708-019B960494DF}">
-                <a14:hiddenLine xmlns="" xmlns:a16="http://schemas.microsoft.com/office/drawing/2014/main" xmlns:a14="http://schemas.microsoft.com/office/drawing/2010/main" xmlns:p14="http://schemas.microsoft.com/office/powerpoint/2010/main" w="9525">
+                <a14:hiddenLine xmlns:p14="http://schemas.microsoft.com/office/powerpoint/2010/main" xmlns:a14="http://schemas.microsoft.com/office/drawing/2010/main" xmlns:a16="http://schemas.microsoft.com/office/drawing/2014/main" xmlns="" w="9525">
                   <a:solidFill>
                     <a:srgbClr val="000000"/>
                   </a:solidFill>
@@ -31018,7 +31046,7 @@
             </a:ln>
             <a:extLst>
               <a:ext uri="{91240B29-F687-4f45-9708-019B960494DF}">
-                <a14:hiddenLine xmlns="" xmlns:a16="http://schemas.microsoft.com/office/drawing/2014/main" xmlns:a14="http://schemas.microsoft.com/office/drawing/2010/main" xmlns:p14="http://schemas.microsoft.com/office/powerpoint/2010/main" w="9525">
+                <a14:hiddenLine xmlns:p14="http://schemas.microsoft.com/office/powerpoint/2010/main" xmlns:a14="http://schemas.microsoft.com/office/drawing/2010/main" xmlns:a16="http://schemas.microsoft.com/office/drawing/2014/main" xmlns="" w="9525">
                   <a:solidFill>
                     <a:srgbClr val="000000"/>
                   </a:solidFill>
@@ -31102,7 +31130,7 @@
             </a:ln>
             <a:extLst>
               <a:ext uri="{91240B29-F687-4f45-9708-019B960494DF}">
-                <a14:hiddenLine xmlns="" xmlns:a16="http://schemas.microsoft.com/office/drawing/2014/main" xmlns:a14="http://schemas.microsoft.com/office/drawing/2010/main" xmlns:p14="http://schemas.microsoft.com/office/powerpoint/2010/main" w="9525">
+                <a14:hiddenLine xmlns:p14="http://schemas.microsoft.com/office/powerpoint/2010/main" xmlns:a14="http://schemas.microsoft.com/office/drawing/2010/main" xmlns:a16="http://schemas.microsoft.com/office/drawing/2014/main" xmlns="" w="9525">
                   <a:solidFill>
                     <a:srgbClr val="000000"/>
                   </a:solidFill>
@@ -31234,7 +31262,7 @@
             </a:ln>
             <a:extLst>
               <a:ext uri="{91240B29-F687-4f45-9708-019B960494DF}">
-                <a14:hiddenLine xmlns="" xmlns:a16="http://schemas.microsoft.com/office/drawing/2014/main" xmlns:a14="http://schemas.microsoft.com/office/drawing/2010/main" xmlns:p14="http://schemas.microsoft.com/office/powerpoint/2010/main" w="9525">
+                <a14:hiddenLine xmlns:p14="http://schemas.microsoft.com/office/powerpoint/2010/main" xmlns:a14="http://schemas.microsoft.com/office/drawing/2010/main" xmlns:a16="http://schemas.microsoft.com/office/drawing/2014/main" xmlns="" w="9525">
                   <a:solidFill>
                     <a:srgbClr val="000000"/>
                   </a:solidFill>
@@ -31362,7 +31390,7 @@
             </a:ln>
             <a:extLst>
               <a:ext uri="{91240B29-F687-4f45-9708-019B960494DF}">
-                <a14:hiddenLine xmlns="" xmlns:a16="http://schemas.microsoft.com/office/drawing/2014/main" xmlns:a14="http://schemas.microsoft.com/office/drawing/2010/main" xmlns:p14="http://schemas.microsoft.com/office/powerpoint/2010/main" w="9525">
+                <a14:hiddenLine xmlns:p14="http://schemas.microsoft.com/office/powerpoint/2010/main" xmlns:a14="http://schemas.microsoft.com/office/drawing/2010/main" xmlns:a16="http://schemas.microsoft.com/office/drawing/2014/main" xmlns="" w="9525">
                   <a:solidFill>
                     <a:srgbClr val="000000"/>
                   </a:solidFill>
@@ -31446,7 +31474,7 @@
             </a:ln>
             <a:extLst>
               <a:ext uri="{91240B29-F687-4f45-9708-019B960494DF}">
-                <a14:hiddenLine xmlns="" xmlns:a16="http://schemas.microsoft.com/office/drawing/2014/main" xmlns:a14="http://schemas.microsoft.com/office/drawing/2010/main" xmlns:p14="http://schemas.microsoft.com/office/powerpoint/2010/main" w="9525">
+                <a14:hiddenLine xmlns:p14="http://schemas.microsoft.com/office/powerpoint/2010/main" xmlns:a14="http://schemas.microsoft.com/office/drawing/2010/main" xmlns:a16="http://schemas.microsoft.com/office/drawing/2014/main" xmlns="" w="9525">
                   <a:solidFill>
                     <a:srgbClr val="000000"/>
                   </a:solidFill>
@@ -31530,7 +31558,7 @@
             </a:ln>
             <a:extLst>
               <a:ext uri="{91240B29-F687-4f45-9708-019B960494DF}">
-                <a14:hiddenLine xmlns="" xmlns:a16="http://schemas.microsoft.com/office/drawing/2014/main" xmlns:a14="http://schemas.microsoft.com/office/drawing/2010/main" xmlns:p14="http://schemas.microsoft.com/office/powerpoint/2010/main" w="9525">
+                <a14:hiddenLine xmlns:p14="http://schemas.microsoft.com/office/powerpoint/2010/main" xmlns:a14="http://schemas.microsoft.com/office/drawing/2010/main" xmlns:a16="http://schemas.microsoft.com/office/drawing/2014/main" xmlns="" w="9525">
                   <a:solidFill>
                     <a:srgbClr val="000000"/>
                   </a:solidFill>
@@ -31642,7 +31670,7 @@
             </a:ln>
             <a:extLst>
               <a:ext uri="{91240B29-F687-4f45-9708-019B960494DF}">
-                <a14:hiddenLine xmlns="" xmlns:a16="http://schemas.microsoft.com/office/drawing/2014/main" xmlns:a14="http://schemas.microsoft.com/office/drawing/2010/main" xmlns:p14="http://schemas.microsoft.com/office/powerpoint/2010/main" w="9525">
+                <a14:hiddenLine xmlns:p14="http://schemas.microsoft.com/office/powerpoint/2010/main" xmlns:a14="http://schemas.microsoft.com/office/drawing/2010/main" xmlns:a16="http://schemas.microsoft.com/office/drawing/2014/main" xmlns="" w="9525">
                   <a:solidFill>
                     <a:srgbClr val="000000"/>
                   </a:solidFill>
@@ -31698,7 +31726,7 @@
             </a:ln>
             <a:extLst>
               <a:ext uri="{91240B29-F687-4f45-9708-019B960494DF}">
-                <a14:hiddenLine xmlns="" xmlns:a16="http://schemas.microsoft.com/office/drawing/2014/main" xmlns:a14="http://schemas.microsoft.com/office/drawing/2010/main" xmlns:p14="http://schemas.microsoft.com/office/powerpoint/2010/main" w="9525">
+                <a14:hiddenLine xmlns:p14="http://schemas.microsoft.com/office/powerpoint/2010/main" xmlns:a14="http://schemas.microsoft.com/office/drawing/2010/main" xmlns:a16="http://schemas.microsoft.com/office/drawing/2014/main" xmlns="" w="9525">
                   <a:solidFill>
                     <a:srgbClr val="000000"/>
                   </a:solidFill>
@@ -31785,7 +31813,7 @@
             </a:ln>
             <a:extLst>
               <a:ext uri="{91240B29-F687-4f45-9708-019B960494DF}">
-                <a14:hiddenLine xmlns="" xmlns:a16="http://schemas.microsoft.com/office/drawing/2014/main" xmlns:a14="http://schemas.microsoft.com/office/drawing/2010/main" xmlns:p14="http://schemas.microsoft.com/office/powerpoint/2010/main" w="9525">
+                <a14:hiddenLine xmlns:p14="http://schemas.microsoft.com/office/powerpoint/2010/main" xmlns:a14="http://schemas.microsoft.com/office/drawing/2010/main" xmlns:a16="http://schemas.microsoft.com/office/drawing/2014/main" xmlns="" w="9525">
                   <a:solidFill>
                     <a:srgbClr val="000000"/>
                   </a:solidFill>
@@ -31897,7 +31925,7 @@
             </a:ln>
             <a:extLst>
               <a:ext uri="{91240B29-F687-4f45-9708-019B960494DF}">
-                <a14:hiddenLine xmlns="" xmlns:a16="http://schemas.microsoft.com/office/drawing/2014/main" xmlns:a14="http://schemas.microsoft.com/office/drawing/2010/main" xmlns:p14="http://schemas.microsoft.com/office/powerpoint/2010/main" w="9525">
+                <a14:hiddenLine xmlns:p14="http://schemas.microsoft.com/office/powerpoint/2010/main" xmlns:a14="http://schemas.microsoft.com/office/drawing/2010/main" xmlns:a16="http://schemas.microsoft.com/office/drawing/2014/main" xmlns="" w="9525">
                   <a:solidFill>
                     <a:srgbClr val="000000"/>
                   </a:solidFill>
@@ -31981,7 +32009,7 @@
             </a:ln>
             <a:extLst>
               <a:ext uri="{91240B29-F687-4f45-9708-019B960494DF}">
-                <a14:hiddenLine xmlns="" xmlns:a16="http://schemas.microsoft.com/office/drawing/2014/main" xmlns:a14="http://schemas.microsoft.com/office/drawing/2010/main" xmlns:p14="http://schemas.microsoft.com/office/powerpoint/2010/main" w="9525">
+                <a14:hiddenLine xmlns:p14="http://schemas.microsoft.com/office/powerpoint/2010/main" xmlns:a14="http://schemas.microsoft.com/office/drawing/2010/main" xmlns:a16="http://schemas.microsoft.com/office/drawing/2014/main" xmlns="" w="9525">
                   <a:solidFill>
                     <a:srgbClr val="000000"/>
                   </a:solidFill>
@@ -32093,7 +32121,7 @@
             </a:ln>
             <a:extLst>
               <a:ext uri="{91240B29-F687-4f45-9708-019B960494DF}">
-                <a14:hiddenLine xmlns="" xmlns:a16="http://schemas.microsoft.com/office/drawing/2014/main" xmlns:a14="http://schemas.microsoft.com/office/drawing/2010/main" xmlns:p14="http://schemas.microsoft.com/office/powerpoint/2010/main" w="9525">
+                <a14:hiddenLine xmlns:p14="http://schemas.microsoft.com/office/powerpoint/2010/main" xmlns:a14="http://schemas.microsoft.com/office/drawing/2010/main" xmlns:a16="http://schemas.microsoft.com/office/drawing/2014/main" xmlns="" w="9525">
                   <a:solidFill>
                     <a:srgbClr val="000000"/>
                   </a:solidFill>
@@ -32180,7 +32208,7 @@
             </a:ln>
             <a:extLst>
               <a:ext uri="{91240B29-F687-4f45-9708-019B960494DF}">
-                <a14:hiddenLine xmlns="" xmlns:a16="http://schemas.microsoft.com/office/drawing/2014/main" xmlns:a14="http://schemas.microsoft.com/office/drawing/2010/main" xmlns:p14="http://schemas.microsoft.com/office/powerpoint/2010/main" w="9525">
+                <a14:hiddenLine xmlns:p14="http://schemas.microsoft.com/office/powerpoint/2010/main" xmlns:a14="http://schemas.microsoft.com/office/drawing/2010/main" xmlns:a16="http://schemas.microsoft.com/office/drawing/2014/main" xmlns="" w="9525">
                   <a:solidFill>
                     <a:srgbClr val="000000"/>
                   </a:solidFill>
@@ -32264,7 +32292,7 @@
             </a:ln>
             <a:extLst>
               <a:ext uri="{91240B29-F687-4f45-9708-019B960494DF}">
-                <a14:hiddenLine xmlns="" xmlns:a16="http://schemas.microsoft.com/office/drawing/2014/main" xmlns:a14="http://schemas.microsoft.com/office/drawing/2010/main" xmlns:p14="http://schemas.microsoft.com/office/powerpoint/2010/main" w="9525">
+                <a14:hiddenLine xmlns:p14="http://schemas.microsoft.com/office/powerpoint/2010/main" xmlns:a14="http://schemas.microsoft.com/office/drawing/2010/main" xmlns:a16="http://schemas.microsoft.com/office/drawing/2014/main" xmlns="" w="9525">
                   <a:solidFill>
                     <a:srgbClr val="000000"/>
                   </a:solidFill>
@@ -32376,7 +32404,7 @@
             </a:ln>
             <a:extLst>
               <a:ext uri="{91240B29-F687-4f45-9708-019B960494DF}">
-                <a14:hiddenLine xmlns="" xmlns:a16="http://schemas.microsoft.com/office/drawing/2014/main" xmlns:a14="http://schemas.microsoft.com/office/drawing/2010/main" xmlns:p14="http://schemas.microsoft.com/office/powerpoint/2010/main" w="9525">
+                <a14:hiddenLine xmlns:p14="http://schemas.microsoft.com/office/powerpoint/2010/main" xmlns:a14="http://schemas.microsoft.com/office/drawing/2010/main" xmlns:a16="http://schemas.microsoft.com/office/drawing/2014/main" xmlns="" w="9525">
                   <a:solidFill>
                     <a:srgbClr val="000000"/>
                   </a:solidFill>
@@ -32488,7 +32516,7 @@
             </a:ln>
             <a:extLst>
               <a:ext uri="{91240B29-F687-4f45-9708-019B960494DF}">
-                <a14:hiddenLine xmlns="" xmlns:a16="http://schemas.microsoft.com/office/drawing/2014/main" xmlns:a14="http://schemas.microsoft.com/office/drawing/2010/main" xmlns:p14="http://schemas.microsoft.com/office/powerpoint/2010/main" w="9525">
+                <a14:hiddenLine xmlns:p14="http://schemas.microsoft.com/office/powerpoint/2010/main" xmlns:a14="http://schemas.microsoft.com/office/drawing/2010/main" xmlns:a16="http://schemas.microsoft.com/office/drawing/2014/main" xmlns="" w="9525">
                   <a:solidFill>
                     <a:srgbClr val="000000"/>
                   </a:solidFill>
@@ -32575,7 +32603,7 @@
             </a:ln>
             <a:extLst>
               <a:ext uri="{91240B29-F687-4f45-9708-019B960494DF}">
-                <a14:hiddenLine xmlns="" xmlns:a16="http://schemas.microsoft.com/office/drawing/2014/main" xmlns:a14="http://schemas.microsoft.com/office/drawing/2010/main" xmlns:p14="http://schemas.microsoft.com/office/powerpoint/2010/main" w="9525">
+                <a14:hiddenLine xmlns:p14="http://schemas.microsoft.com/office/powerpoint/2010/main" xmlns:a14="http://schemas.microsoft.com/office/drawing/2010/main" xmlns:a16="http://schemas.microsoft.com/office/drawing/2014/main" xmlns="" w="9525">
                   <a:solidFill>
                     <a:srgbClr val="000000"/>
                   </a:solidFill>
@@ -32717,7 +32745,7 @@
             </a:ln>
             <a:extLst>
               <a:ext uri="{91240B29-F687-4f45-9708-019B960494DF}">
-                <a14:hiddenLine xmlns="" xmlns:a16="http://schemas.microsoft.com/office/drawing/2014/main" xmlns:a14="http://schemas.microsoft.com/office/drawing/2010/main" xmlns:p14="http://schemas.microsoft.com/office/powerpoint/2010/main" w="9525">
+                <a14:hiddenLine xmlns:p14="http://schemas.microsoft.com/office/powerpoint/2010/main" xmlns:a14="http://schemas.microsoft.com/office/drawing/2010/main" xmlns:a16="http://schemas.microsoft.com/office/drawing/2014/main" xmlns="" w="9525">
                   <a:solidFill>
                     <a:srgbClr val="000000"/>
                   </a:solidFill>
@@ -32854,7 +32882,7 @@
             </a:ln>
             <a:extLst>
               <a:ext uri="{91240B29-F687-4f45-9708-019B960494DF}">
-                <a14:hiddenLine xmlns="" xmlns:a16="http://schemas.microsoft.com/office/drawing/2014/main" xmlns:a14="http://schemas.microsoft.com/office/drawing/2010/main" xmlns:p14="http://schemas.microsoft.com/office/powerpoint/2010/main" w="9525">
+                <a14:hiddenLine xmlns:p14="http://schemas.microsoft.com/office/powerpoint/2010/main" xmlns:a14="http://schemas.microsoft.com/office/drawing/2010/main" xmlns:a16="http://schemas.microsoft.com/office/drawing/2014/main" xmlns="" w="9525">
                   <a:solidFill>
                     <a:srgbClr val="000000"/>
                   </a:solidFill>
@@ -32991,7 +33019,7 @@
             </a:ln>
             <a:extLst>
               <a:ext uri="{91240B29-F687-4f45-9708-019B960494DF}">
-                <a14:hiddenLine xmlns="" xmlns:a16="http://schemas.microsoft.com/office/drawing/2014/main" xmlns:a14="http://schemas.microsoft.com/office/drawing/2010/main" xmlns:p14="http://schemas.microsoft.com/office/powerpoint/2010/main" w="9525">
+                <a14:hiddenLine xmlns:p14="http://schemas.microsoft.com/office/powerpoint/2010/main" xmlns:a14="http://schemas.microsoft.com/office/drawing/2010/main" xmlns:a16="http://schemas.microsoft.com/office/drawing/2014/main" xmlns="" w="9525">
                   <a:solidFill>
                     <a:srgbClr val="000000"/>
                   </a:solidFill>
@@ -33103,7 +33131,7 @@
             </a:ln>
             <a:extLst>
               <a:ext uri="{91240B29-F687-4f45-9708-019B960494DF}">
-                <a14:hiddenLine xmlns="" xmlns:a16="http://schemas.microsoft.com/office/drawing/2014/main" xmlns:a14="http://schemas.microsoft.com/office/drawing/2010/main" xmlns:p14="http://schemas.microsoft.com/office/powerpoint/2010/main" w="9525">
+                <a14:hiddenLine xmlns:p14="http://schemas.microsoft.com/office/powerpoint/2010/main" xmlns:a14="http://schemas.microsoft.com/office/drawing/2010/main" xmlns:a16="http://schemas.microsoft.com/office/drawing/2014/main" xmlns="" w="9525">
                   <a:solidFill>
                     <a:srgbClr val="000000"/>
                   </a:solidFill>
@@ -33190,7 +33218,7 @@
             </a:ln>
             <a:extLst>
               <a:ext uri="{91240B29-F687-4f45-9708-019B960494DF}">
-                <a14:hiddenLine xmlns="" xmlns:a16="http://schemas.microsoft.com/office/drawing/2014/main" xmlns:a14="http://schemas.microsoft.com/office/drawing/2010/main" xmlns:p14="http://schemas.microsoft.com/office/powerpoint/2010/main" w="9525">
+                <a14:hiddenLine xmlns:p14="http://schemas.microsoft.com/office/powerpoint/2010/main" xmlns:a14="http://schemas.microsoft.com/office/drawing/2010/main" xmlns:a16="http://schemas.microsoft.com/office/drawing/2014/main" xmlns="" w="9525">
                   <a:solidFill>
                     <a:srgbClr val="000000"/>
                   </a:solidFill>
@@ -33302,7 +33330,7 @@
             </a:ln>
             <a:extLst>
               <a:ext uri="{91240B29-F687-4f45-9708-019B960494DF}">
-                <a14:hiddenLine xmlns="" xmlns:a16="http://schemas.microsoft.com/office/drawing/2014/main" xmlns:a14="http://schemas.microsoft.com/office/drawing/2010/main" xmlns:p14="http://schemas.microsoft.com/office/powerpoint/2010/main" w="9525">
+                <a14:hiddenLine xmlns:p14="http://schemas.microsoft.com/office/powerpoint/2010/main" xmlns:a14="http://schemas.microsoft.com/office/drawing/2010/main" xmlns:a16="http://schemas.microsoft.com/office/drawing/2014/main" xmlns="" w="9525">
                   <a:solidFill>
                     <a:srgbClr val="000000"/>
                   </a:solidFill>
@@ -33392,7 +33420,7 @@
             </a:ln>
             <a:extLst>
               <a:ext uri="{91240B29-F687-4f45-9708-019B960494DF}">
-                <a14:hiddenLine xmlns="" xmlns:a16="http://schemas.microsoft.com/office/drawing/2014/main" xmlns:a14="http://schemas.microsoft.com/office/drawing/2010/main" xmlns:p14="http://schemas.microsoft.com/office/powerpoint/2010/main" w="9525">
+                <a14:hiddenLine xmlns:p14="http://schemas.microsoft.com/office/powerpoint/2010/main" xmlns:a14="http://schemas.microsoft.com/office/drawing/2010/main" xmlns:a16="http://schemas.microsoft.com/office/drawing/2014/main" xmlns="" w="9525">
                   <a:solidFill>
                     <a:srgbClr val="000000"/>
                   </a:solidFill>
@@ -33504,7 +33532,7 @@
             </a:ln>
             <a:extLst>
               <a:ext uri="{91240B29-F687-4f45-9708-019B960494DF}">
-                <a14:hiddenLine xmlns="" xmlns:a16="http://schemas.microsoft.com/office/drawing/2014/main" xmlns:a14="http://schemas.microsoft.com/office/drawing/2010/main" xmlns:p14="http://schemas.microsoft.com/office/powerpoint/2010/main" w="9525">
+                <a14:hiddenLine xmlns:p14="http://schemas.microsoft.com/office/powerpoint/2010/main" xmlns:a14="http://schemas.microsoft.com/office/drawing/2010/main" xmlns:a16="http://schemas.microsoft.com/office/drawing/2014/main" xmlns="" w="9525">
                   <a:solidFill>
                     <a:srgbClr val="000000"/>
                   </a:solidFill>
@@ -33594,7 +33622,7 @@
             </a:ln>
             <a:extLst>
               <a:ext uri="{91240B29-F687-4f45-9708-019B960494DF}">
-                <a14:hiddenLine xmlns="" xmlns:a16="http://schemas.microsoft.com/office/drawing/2014/main" xmlns:a14="http://schemas.microsoft.com/office/drawing/2010/main" xmlns:p14="http://schemas.microsoft.com/office/powerpoint/2010/main" w="9525">
+                <a14:hiddenLine xmlns:p14="http://schemas.microsoft.com/office/powerpoint/2010/main" xmlns:a14="http://schemas.microsoft.com/office/drawing/2010/main" xmlns:a16="http://schemas.microsoft.com/office/drawing/2014/main" xmlns="" w="9525">
                   <a:solidFill>
                     <a:srgbClr val="000000"/>
                   </a:solidFill>
@@ -33706,7 +33734,7 @@
             </a:ln>
             <a:extLst>
               <a:ext uri="{91240B29-F687-4f45-9708-019B960494DF}">
-                <a14:hiddenLine xmlns="" xmlns:a16="http://schemas.microsoft.com/office/drawing/2014/main" xmlns:a14="http://schemas.microsoft.com/office/drawing/2010/main" xmlns:p14="http://schemas.microsoft.com/office/powerpoint/2010/main" w="9525">
+                <a14:hiddenLine xmlns:p14="http://schemas.microsoft.com/office/powerpoint/2010/main" xmlns:a14="http://schemas.microsoft.com/office/drawing/2010/main" xmlns:a16="http://schemas.microsoft.com/office/drawing/2014/main" xmlns="" w="9525">
                   <a:solidFill>
                     <a:srgbClr val="000000"/>
                   </a:solidFill>
@@ -33762,7 +33790,7 @@
             </a:ln>
             <a:extLst>
               <a:ext uri="{91240B29-F687-4f45-9708-019B960494DF}">
-                <a14:hiddenLine xmlns="" xmlns:a16="http://schemas.microsoft.com/office/drawing/2014/main" xmlns:a14="http://schemas.microsoft.com/office/drawing/2010/main" xmlns:p14="http://schemas.microsoft.com/office/powerpoint/2010/main" w="9525">
+                <a14:hiddenLine xmlns:p14="http://schemas.microsoft.com/office/powerpoint/2010/main" xmlns:a14="http://schemas.microsoft.com/office/drawing/2010/main" xmlns:a16="http://schemas.microsoft.com/office/drawing/2014/main" xmlns="" w="9525">
                   <a:solidFill>
                     <a:srgbClr val="000000"/>
                   </a:solidFill>

--- a/Presentazioni/TEDxLearn_part3.pptx
+++ b/Presentazioni/TEDxLearn_part3.pptx
@@ -12,7 +12,8 @@
     <p:sldId id="258" r:id="rId6"/>
     <p:sldId id="261" r:id="rId7"/>
     <p:sldId id="263" r:id="rId8"/>
-    <p:sldId id="259" r:id="rId9"/>
+    <p:sldId id="266" r:id="rId9"/>
+    <p:sldId id="259" r:id="rId10"/>
   </p:sldIdLst>
   <p:sldSz cx="12192000" cy="6858000"/>
   <p:notesSz cx="6858000" cy="9144000"/>
@@ -119,27 +120,213 @@
 </p:presentation>
 </file>
 
+<file path=ppt/revisionInfo.xml><?xml version="1.0" encoding="utf-8"?>
+<p1510:revInfo xmlns:a="http://schemas.openxmlformats.org/drawingml/2006/main" xmlns:r="http://schemas.openxmlformats.org/officeDocument/2006/relationships" xmlns:p1510="http://schemas.microsoft.com/office/powerpoint/2015/10/main">
+  <p1510:revLst>
+    <p1510:client id="{E2414911-D0EA-43B6-A341-7D52769E6AA7}" v="2" dt="2024-06-24T08:32:52.710"/>
+  </p1510:revLst>
+</p1510:revInfo>
+</file>
+
 <file path=ppt/changesInfos/changesInfo1.xml><?xml version="1.0" encoding="utf-8"?>
 <pc:chgInfo xmlns:a="http://schemas.openxmlformats.org/drawingml/2006/main" xmlns:r="http://schemas.openxmlformats.org/officeDocument/2006/relationships" xmlns:ac="http://schemas.microsoft.com/office/drawing/2013/main/command" xmlns:pc="http://schemas.microsoft.com/office/powerpoint/2013/main/command">
   <pc:docChgLst>
     <pc:chgData name="FEDERICO CARRARA" userId="e93417db-f703-4389-ad82-be8964ade4b4" providerId="ADAL" clId="{E2414911-D0EA-43B6-A341-7D52769E6AA7}"/>
-    <pc:docChg chg="modSld">
-      <pc:chgData name="FEDERICO CARRARA" userId="e93417db-f703-4389-ad82-be8964ade4b4" providerId="ADAL" clId="{E2414911-D0EA-43B6-A341-7D52769E6AA7}" dt="2024-06-18T10:18:23.400" v="2" actId="115"/>
+    <pc:docChg chg="undo custSel addSld modSld">
+      <pc:chgData name="FEDERICO CARRARA" userId="e93417db-f703-4389-ad82-be8964ade4b4" providerId="ADAL" clId="{E2414911-D0EA-43B6-A341-7D52769E6AA7}" dt="2024-06-24T09:32:35.727" v="162" actId="1076"/>
       <pc:docMkLst>
         <pc:docMk/>
       </pc:docMkLst>
       <pc:sldChg chg="modSp mod">
-        <pc:chgData name="FEDERICO CARRARA" userId="e93417db-f703-4389-ad82-be8964ade4b4" providerId="ADAL" clId="{E2414911-D0EA-43B6-A341-7D52769E6AA7}" dt="2024-06-18T10:18:23.400" v="2" actId="115"/>
+        <pc:chgData name="FEDERICO CARRARA" userId="e93417db-f703-4389-ad82-be8964ade4b4" providerId="ADAL" clId="{E2414911-D0EA-43B6-A341-7D52769E6AA7}" dt="2024-06-24T08:31:37.976" v="3" actId="20577"/>
         <pc:sldMkLst>
           <pc:docMk/>
           <pc:sldMk cId="235306207" sldId="257"/>
         </pc:sldMkLst>
         <pc:spChg chg="mod">
-          <ac:chgData name="FEDERICO CARRARA" userId="e93417db-f703-4389-ad82-be8964ade4b4" providerId="ADAL" clId="{E2414911-D0EA-43B6-A341-7D52769E6AA7}" dt="2024-06-18T10:18:23.400" v="2" actId="115"/>
+          <ac:chgData name="FEDERICO CARRARA" userId="e93417db-f703-4389-ad82-be8964ade4b4" providerId="ADAL" clId="{E2414911-D0EA-43B6-A341-7D52769E6AA7}" dt="2024-06-24T08:31:37.976" v="3" actId="20577"/>
           <ac:spMkLst>
             <pc:docMk/>
             <pc:sldMk cId="235306207" sldId="257"/>
             <ac:spMk id="2" creationId="{BB2FCF09-B988-24C6-3880-5EDE2D735210}"/>
+          </ac:spMkLst>
+        </pc:spChg>
+      </pc:sldChg>
+      <pc:sldChg chg="delSp modSp mod">
+        <pc:chgData name="FEDERICO CARRARA" userId="e93417db-f703-4389-ad82-be8964ade4b4" providerId="ADAL" clId="{E2414911-D0EA-43B6-A341-7D52769E6AA7}" dt="2024-06-24T09:20:46.154" v="125" actId="20577"/>
+        <pc:sldMkLst>
+          <pc:docMk/>
+          <pc:sldMk cId="1702770151" sldId="258"/>
+        </pc:sldMkLst>
+        <pc:spChg chg="mod">
+          <ac:chgData name="FEDERICO CARRARA" userId="e93417db-f703-4389-ad82-be8964ade4b4" providerId="ADAL" clId="{E2414911-D0EA-43B6-A341-7D52769E6AA7}" dt="2024-06-24T09:20:46.154" v="125" actId="20577"/>
+          <ac:spMkLst>
+            <pc:docMk/>
+            <pc:sldMk cId="1702770151" sldId="258"/>
+            <ac:spMk id="2" creationId="{A8A61F1F-97DE-763F-7743-901A71FDC74A}"/>
+          </ac:spMkLst>
+        </pc:spChg>
+        <pc:spChg chg="mod">
+          <ac:chgData name="FEDERICO CARRARA" userId="e93417db-f703-4389-ad82-be8964ade4b4" providerId="ADAL" clId="{E2414911-D0EA-43B6-A341-7D52769E6AA7}" dt="2024-06-24T09:20:09.016" v="78" actId="20577"/>
+          <ac:spMkLst>
+            <pc:docMk/>
+            <pc:sldMk cId="1702770151" sldId="258"/>
+            <ac:spMk id="3" creationId="{BD725893-AB40-BDCF-E470-F2767653E72B}"/>
+          </ac:spMkLst>
+        </pc:spChg>
+        <pc:picChg chg="del">
+          <ac:chgData name="FEDERICO CARRARA" userId="e93417db-f703-4389-ad82-be8964ade4b4" providerId="ADAL" clId="{E2414911-D0EA-43B6-A341-7D52769E6AA7}" dt="2024-06-24T09:20:10.926" v="79" actId="478"/>
+          <ac:picMkLst>
+            <pc:docMk/>
+            <pc:sldMk cId="1702770151" sldId="258"/>
+            <ac:picMk id="4" creationId="{BD2E1795-75DA-2B78-0226-D116E40D22AB}"/>
+          </ac:picMkLst>
+        </pc:picChg>
+      </pc:sldChg>
+      <pc:sldChg chg="addSp delSp modSp mod">
+        <pc:chgData name="FEDERICO CARRARA" userId="e93417db-f703-4389-ad82-be8964ade4b4" providerId="ADAL" clId="{E2414911-D0EA-43B6-A341-7D52769E6AA7}" dt="2024-06-24T09:32:35.727" v="162" actId="1076"/>
+        <pc:sldMkLst>
+          <pc:docMk/>
+          <pc:sldMk cId="428157161" sldId="260"/>
+        </pc:sldMkLst>
+        <pc:spChg chg="mod">
+          <ac:chgData name="FEDERICO CARRARA" userId="e93417db-f703-4389-ad82-be8964ade4b4" providerId="ADAL" clId="{E2414911-D0EA-43B6-A341-7D52769E6AA7}" dt="2024-06-24T08:32:21.976" v="4" actId="20577"/>
+          <ac:spMkLst>
+            <pc:docMk/>
+            <pc:sldMk cId="428157161" sldId="260"/>
+            <ac:spMk id="2" creationId="{7B677879-E956-E8FA-CE9E-67529F1E0E68}"/>
+          </ac:spMkLst>
+        </pc:spChg>
+        <pc:picChg chg="add mod">
+          <ac:chgData name="FEDERICO CARRARA" userId="e93417db-f703-4389-ad82-be8964ade4b4" providerId="ADAL" clId="{E2414911-D0EA-43B6-A341-7D52769E6AA7}" dt="2024-06-24T09:32:35.727" v="162" actId="1076"/>
+          <ac:picMkLst>
+            <pc:docMk/>
+            <pc:sldMk cId="428157161" sldId="260"/>
+            <ac:picMk id="4" creationId="{CBFEC8FB-D85E-1EB8-0C33-C50E025F4EF6}"/>
+          </ac:picMkLst>
+        </pc:picChg>
+        <pc:picChg chg="add del">
+          <ac:chgData name="FEDERICO CARRARA" userId="e93417db-f703-4389-ad82-be8964ade4b4" providerId="ADAL" clId="{E2414911-D0EA-43B6-A341-7D52769E6AA7}" dt="2024-06-24T09:32:33.185" v="161" actId="478"/>
+          <ac:picMkLst>
+            <pc:docMk/>
+            <pc:sldMk cId="428157161" sldId="260"/>
+            <ac:picMk id="129" creationId="{D31C233D-1453-51E3-7F47-A16B7CF740CD}"/>
+          </ac:picMkLst>
+        </pc:picChg>
+      </pc:sldChg>
+      <pc:sldChg chg="addSp delSp modSp mod">
+        <pc:chgData name="FEDERICO CARRARA" userId="e93417db-f703-4389-ad82-be8964ade4b4" providerId="ADAL" clId="{E2414911-D0EA-43B6-A341-7D52769E6AA7}" dt="2024-06-24T09:21:14.364" v="134" actId="478"/>
+        <pc:sldMkLst>
+          <pc:docMk/>
+          <pc:sldMk cId="3387681182" sldId="261"/>
+        </pc:sldMkLst>
+        <pc:spChg chg="mod">
+          <ac:chgData name="FEDERICO CARRARA" userId="e93417db-f703-4389-ad82-be8964ade4b4" providerId="ADAL" clId="{E2414911-D0EA-43B6-A341-7D52769E6AA7}" dt="2024-06-24T09:20:59.907" v="127" actId="20577"/>
+          <ac:spMkLst>
+            <pc:docMk/>
+            <pc:sldMk cId="3387681182" sldId="261"/>
+            <ac:spMk id="2" creationId="{CE4858FB-F8B7-F921-D22A-2DDD9C9BC4EE}"/>
+          </ac:spMkLst>
+        </pc:spChg>
+        <pc:spChg chg="add del mod">
+          <ac:chgData name="FEDERICO CARRARA" userId="e93417db-f703-4389-ad82-be8964ade4b4" providerId="ADAL" clId="{E2414911-D0EA-43B6-A341-7D52769E6AA7}" dt="2024-06-24T09:21:07.855" v="132" actId="47"/>
+          <ac:spMkLst>
+            <pc:docMk/>
+            <pc:sldMk cId="3387681182" sldId="261"/>
+            <ac:spMk id="8" creationId="{92C78BEE-9BC5-6F6B-EFA5-97CBDF9D41D3}"/>
+          </ac:spMkLst>
+        </pc:spChg>
+        <pc:picChg chg="add del">
+          <ac:chgData name="FEDERICO CARRARA" userId="e93417db-f703-4389-ad82-be8964ade4b4" providerId="ADAL" clId="{E2414911-D0EA-43B6-A341-7D52769E6AA7}" dt="2024-06-24T09:21:14.364" v="134" actId="478"/>
+          <ac:picMkLst>
+            <pc:docMk/>
+            <pc:sldMk cId="3387681182" sldId="261"/>
+            <ac:picMk id="5" creationId="{46591A9F-7C62-8454-69B4-AE735F9A88A0}"/>
+          </ac:picMkLst>
+        </pc:picChg>
+      </pc:sldChg>
+      <pc:sldChg chg="addSp delSp modSp mod">
+        <pc:chgData name="FEDERICO CARRARA" userId="e93417db-f703-4389-ad82-be8964ade4b4" providerId="ADAL" clId="{E2414911-D0EA-43B6-A341-7D52769E6AA7}" dt="2024-06-24T09:21:36.571" v="145" actId="478"/>
+        <pc:sldMkLst>
+          <pc:docMk/>
+          <pc:sldMk cId="1529259052" sldId="263"/>
+        </pc:sldMkLst>
+        <pc:spChg chg="mod">
+          <ac:chgData name="FEDERICO CARRARA" userId="e93417db-f703-4389-ad82-be8964ade4b4" providerId="ADAL" clId="{E2414911-D0EA-43B6-A341-7D52769E6AA7}" dt="2024-06-24T09:21:21.134" v="136" actId="20577"/>
+          <ac:spMkLst>
+            <pc:docMk/>
+            <pc:sldMk cId="1529259052" sldId="263"/>
+            <ac:spMk id="2" creationId="{C77F9FF6-FF05-7B4D-3E6B-79C1E74A6029}"/>
+          </ac:spMkLst>
+        </pc:spChg>
+        <pc:spChg chg="add del mod">
+          <ac:chgData name="FEDERICO CARRARA" userId="e93417db-f703-4389-ad82-be8964ade4b4" providerId="ADAL" clId="{E2414911-D0EA-43B6-A341-7D52769E6AA7}" dt="2024-06-24T09:21:28.277" v="141" actId="47"/>
+          <ac:spMkLst>
+            <pc:docMk/>
+            <pc:sldMk cId="1529259052" sldId="263"/>
+            <ac:spMk id="6" creationId="{F266B023-035A-279E-B7D7-32073E125C8D}"/>
+          </ac:spMkLst>
+        </pc:spChg>
+        <pc:picChg chg="add del mod">
+          <ac:chgData name="FEDERICO CARRARA" userId="e93417db-f703-4389-ad82-be8964ade4b4" providerId="ADAL" clId="{E2414911-D0EA-43B6-A341-7D52769E6AA7}" dt="2024-06-24T09:21:36.571" v="145" actId="478"/>
+          <ac:picMkLst>
+            <pc:docMk/>
+            <pc:sldMk cId="1529259052" sldId="263"/>
+            <ac:picMk id="5" creationId="{1B13A64A-CB0C-8B41-0BB3-FC5CB4BD565F}"/>
+          </ac:picMkLst>
+        </pc:picChg>
+      </pc:sldChg>
+      <pc:sldChg chg="delSp modSp mod">
+        <pc:chgData name="FEDERICO CARRARA" userId="e93417db-f703-4389-ad82-be8964ade4b4" providerId="ADAL" clId="{E2414911-D0EA-43B6-A341-7D52769E6AA7}" dt="2024-06-24T08:33:20.515" v="11" actId="478"/>
+        <pc:sldMkLst>
+          <pc:docMk/>
+          <pc:sldMk cId="4144317471" sldId="265"/>
+        </pc:sldMkLst>
+        <pc:spChg chg="mod">
+          <ac:chgData name="FEDERICO CARRARA" userId="e93417db-f703-4389-ad82-be8964ade4b4" providerId="ADAL" clId="{E2414911-D0EA-43B6-A341-7D52769E6AA7}" dt="2024-06-24T08:32:52.767" v="6" actId="27636"/>
+          <ac:spMkLst>
+            <pc:docMk/>
+            <pc:sldMk cId="4144317471" sldId="265"/>
+            <ac:spMk id="3" creationId="{A30FF92A-91A8-C090-AF55-AF923A3B6CBC}"/>
+          </ac:spMkLst>
+        </pc:spChg>
+        <pc:spChg chg="del mod">
+          <ac:chgData name="FEDERICO CARRARA" userId="e93417db-f703-4389-ad82-be8964ade4b4" providerId="ADAL" clId="{E2414911-D0EA-43B6-A341-7D52769E6AA7}" dt="2024-06-24T08:33:18.822" v="10"/>
+          <ac:spMkLst>
+            <pc:docMk/>
+            <pc:sldMk cId="4144317471" sldId="265"/>
+            <ac:spMk id="11" creationId="{B7E1B9D3-C7A9-3B2E-0618-5628A0A3E293}"/>
+          </ac:spMkLst>
+        </pc:spChg>
+        <pc:picChg chg="del">
+          <ac:chgData name="FEDERICO CARRARA" userId="e93417db-f703-4389-ad82-be8964ade4b4" providerId="ADAL" clId="{E2414911-D0EA-43B6-A341-7D52769E6AA7}" dt="2024-06-24T08:33:20.515" v="11" actId="478"/>
+          <ac:picMkLst>
+            <pc:docMk/>
+            <pc:sldMk cId="4144317471" sldId="265"/>
+            <ac:picMk id="7" creationId="{BE8BF23D-BFD5-AA30-A8FB-84D3713E8FC3}"/>
+          </ac:picMkLst>
+        </pc:picChg>
+        <pc:picChg chg="del">
+          <ac:chgData name="FEDERICO CARRARA" userId="e93417db-f703-4389-ad82-be8964ade4b4" providerId="ADAL" clId="{E2414911-D0EA-43B6-A341-7D52769E6AA7}" dt="2024-06-24T08:33:18.819" v="8" actId="478"/>
+          <ac:picMkLst>
+            <pc:docMk/>
+            <pc:sldMk cId="4144317471" sldId="265"/>
+            <ac:picMk id="8" creationId="{1CAE50F9-780E-534F-3670-618033AE0750}"/>
+          </ac:picMkLst>
+        </pc:picChg>
+      </pc:sldChg>
+      <pc:sldChg chg="modSp new mod">
+        <pc:chgData name="FEDERICO CARRARA" userId="e93417db-f703-4389-ad82-be8964ade4b4" providerId="ADAL" clId="{E2414911-D0EA-43B6-A341-7D52769E6AA7}" dt="2024-06-24T09:22:23.622" v="157" actId="20577"/>
+        <pc:sldMkLst>
+          <pc:docMk/>
+          <pc:sldMk cId="540628421" sldId="266"/>
+        </pc:sldMkLst>
+        <pc:spChg chg="mod">
+          <ac:chgData name="FEDERICO CARRARA" userId="e93417db-f703-4389-ad82-be8964ade4b4" providerId="ADAL" clId="{E2414911-D0EA-43B6-A341-7D52769E6AA7}" dt="2024-06-24T09:22:23.622" v="157" actId="20577"/>
+          <ac:spMkLst>
+            <pc:docMk/>
+            <pc:sldMk cId="540628421" sldId="266"/>
+            <ac:spMk id="2" creationId="{A66231DA-16B3-0D0F-AB92-8FB577B6E34F}"/>
           </ac:spMkLst>
         </pc:spChg>
       </pc:sldChg>
@@ -335,7 +522,7 @@
           <a:noFill/>
           <a:extLst>
             <a:ext uri="{909E8E84-426E-40dd-AFC4-6F175D3DCCD1}">
-              <a14:hiddenFill xmlns:a14="http://schemas.microsoft.com/office/drawing/2010/main" xmlns="">
+              <a14:hiddenFill xmlns="" xmlns:a14="http://schemas.microsoft.com/office/drawing/2010/main">
                 <a:solidFill>
                   <a:srgbClr val="FFFFFF"/>
                 </a:solidFill>
@@ -394,7 +581,7 @@
             </a:ln>
             <a:extLst>
               <a:ext uri="{91240B29-F687-4f45-9708-019B960494DF}">
-                <a14:hiddenLine xmlns:a14="http://schemas.microsoft.com/office/drawing/2010/main" xmlns="" w="9525">
+                <a14:hiddenLine xmlns="" xmlns:a14="http://schemas.microsoft.com/office/drawing/2010/main" w="9525">
                   <a:solidFill>
                     <a:srgbClr val="000000"/>
                   </a:solidFill>
@@ -484,7 +671,7 @@
             </a:ln>
             <a:extLst>
               <a:ext uri="{91240B29-F687-4f45-9708-019B960494DF}">
-                <a14:hiddenLine xmlns:a14="http://schemas.microsoft.com/office/drawing/2010/main" xmlns="" w="9525">
+                <a14:hiddenLine xmlns="" xmlns:a14="http://schemas.microsoft.com/office/drawing/2010/main" w="9525">
                   <a:solidFill>
                     <a:srgbClr val="000000"/>
                   </a:solidFill>
@@ -574,7 +761,7 @@
             </a:ln>
             <a:extLst>
               <a:ext uri="{91240B29-F687-4f45-9708-019B960494DF}">
-                <a14:hiddenLine xmlns:a14="http://schemas.microsoft.com/office/drawing/2010/main" xmlns="" w="9525">
+                <a14:hiddenLine xmlns="" xmlns:a14="http://schemas.microsoft.com/office/drawing/2010/main" w="9525">
                   <a:solidFill>
                     <a:srgbClr val="000000"/>
                   </a:solidFill>
@@ -608,7 +795,7 @@
             </a:ln>
             <a:extLst>
               <a:ext uri="{91240B29-F687-4f45-9708-019B960494DF}">
-                <a14:hiddenLine xmlns:a14="http://schemas.microsoft.com/office/drawing/2010/main" xmlns="" w="9525">
+                <a14:hiddenLine xmlns="" xmlns:a14="http://schemas.microsoft.com/office/drawing/2010/main" w="9525">
                   <a:solidFill>
                     <a:srgbClr val="000000"/>
                   </a:solidFill>
@@ -698,7 +885,7 @@
             </a:ln>
             <a:extLst>
               <a:ext uri="{91240B29-F687-4f45-9708-019B960494DF}">
-                <a14:hiddenLine xmlns:a14="http://schemas.microsoft.com/office/drawing/2010/main" xmlns="" w="9525">
+                <a14:hiddenLine xmlns="" xmlns:a14="http://schemas.microsoft.com/office/drawing/2010/main" w="9525">
                   <a:solidFill>
                     <a:srgbClr val="000000"/>
                   </a:solidFill>
@@ -760,7 +947,7 @@
             </a:ln>
             <a:extLst>
               <a:ext uri="{91240B29-F687-4f45-9708-019B960494DF}">
-                <a14:hiddenLine xmlns:a14="http://schemas.microsoft.com/office/drawing/2010/main" xmlns="" w="9525">
+                <a14:hiddenLine xmlns="" xmlns:a14="http://schemas.microsoft.com/office/drawing/2010/main" w="9525">
                   <a:solidFill>
                     <a:srgbClr val="000000"/>
                   </a:solidFill>
@@ -822,7 +1009,7 @@
             </a:ln>
             <a:extLst>
               <a:ext uri="{91240B29-F687-4f45-9708-019B960494DF}">
-                <a14:hiddenLine xmlns:a14="http://schemas.microsoft.com/office/drawing/2010/main" xmlns="" w="9525">
+                <a14:hiddenLine xmlns="" xmlns:a14="http://schemas.microsoft.com/office/drawing/2010/main" w="9525">
                   <a:solidFill>
                     <a:srgbClr val="000000"/>
                   </a:solidFill>
@@ -912,7 +1099,7 @@
             </a:ln>
             <a:extLst>
               <a:ext uri="{91240B29-F687-4f45-9708-019B960494DF}">
-                <a14:hiddenLine xmlns:a14="http://schemas.microsoft.com/office/drawing/2010/main" xmlns="" w="9525">
+                <a14:hiddenLine xmlns="" xmlns:a14="http://schemas.microsoft.com/office/drawing/2010/main" w="9525">
                   <a:solidFill>
                     <a:srgbClr val="000000"/>
                   </a:solidFill>
@@ -974,7 +1161,7 @@
             </a:ln>
             <a:extLst>
               <a:ext uri="{91240B29-F687-4f45-9708-019B960494DF}">
-                <a14:hiddenLine xmlns:a14="http://schemas.microsoft.com/office/drawing/2010/main" xmlns="" w="9525">
+                <a14:hiddenLine xmlns="" xmlns:a14="http://schemas.microsoft.com/office/drawing/2010/main" w="9525">
                   <a:solidFill>
                     <a:srgbClr val="000000"/>
                   </a:solidFill>
@@ -1036,7 +1223,7 @@
             </a:ln>
             <a:extLst>
               <a:ext uri="{91240B29-F687-4f45-9708-019B960494DF}">
-                <a14:hiddenLine xmlns:a14="http://schemas.microsoft.com/office/drawing/2010/main" xmlns="" w="9525">
+                <a14:hiddenLine xmlns="" xmlns:a14="http://schemas.microsoft.com/office/drawing/2010/main" w="9525">
                   <a:solidFill>
                     <a:srgbClr val="000000"/>
                   </a:solidFill>
@@ -1126,7 +1313,7 @@
             </a:ln>
             <a:extLst>
               <a:ext uri="{91240B29-F687-4f45-9708-019B960494DF}">
-                <a14:hiddenLine xmlns:a14="http://schemas.microsoft.com/office/drawing/2010/main" xmlns="" w="9525">
+                <a14:hiddenLine xmlns="" xmlns:a14="http://schemas.microsoft.com/office/drawing/2010/main" w="9525">
                   <a:solidFill>
                     <a:srgbClr val="000000"/>
                   </a:solidFill>
@@ -1216,7 +1403,7 @@
             </a:ln>
             <a:extLst>
               <a:ext uri="{91240B29-F687-4f45-9708-019B960494DF}">
-                <a14:hiddenLine xmlns:a14="http://schemas.microsoft.com/office/drawing/2010/main" xmlns="" w="9525">
+                <a14:hiddenLine xmlns="" xmlns:a14="http://schemas.microsoft.com/office/drawing/2010/main" w="9525">
                   <a:solidFill>
                     <a:srgbClr val="000000"/>
                   </a:solidFill>
@@ -1278,7 +1465,7 @@
             </a:ln>
             <a:extLst>
               <a:ext uri="{91240B29-F687-4f45-9708-019B960494DF}">
-                <a14:hiddenLine xmlns:a14="http://schemas.microsoft.com/office/drawing/2010/main" xmlns="" w="9525">
+                <a14:hiddenLine xmlns="" xmlns:a14="http://schemas.microsoft.com/office/drawing/2010/main" w="9525">
                   <a:solidFill>
                     <a:srgbClr val="000000"/>
                   </a:solidFill>
@@ -1388,7 +1575,7 @@
             </a:ln>
             <a:extLst>
               <a:ext uri="{91240B29-F687-4f45-9708-019B960494DF}">
-                <a14:hiddenLine xmlns:a14="http://schemas.microsoft.com/office/drawing/2010/main" xmlns="" w="9525">
+                <a14:hiddenLine xmlns="" xmlns:a14="http://schemas.microsoft.com/office/drawing/2010/main" w="9525">
                   <a:solidFill>
                     <a:srgbClr val="000000"/>
                   </a:solidFill>
@@ -1450,7 +1637,7 @@
             </a:ln>
             <a:extLst>
               <a:ext uri="{91240B29-F687-4f45-9708-019B960494DF}">
-                <a14:hiddenLine xmlns:a14="http://schemas.microsoft.com/office/drawing/2010/main" xmlns="" w="9525">
+                <a14:hiddenLine xmlns="" xmlns:a14="http://schemas.microsoft.com/office/drawing/2010/main" w="9525">
                   <a:solidFill>
                     <a:srgbClr val="000000"/>
                   </a:solidFill>
@@ -1540,7 +1727,7 @@
             </a:ln>
             <a:extLst>
               <a:ext uri="{91240B29-F687-4f45-9708-019B960494DF}">
-                <a14:hiddenLine xmlns:a14="http://schemas.microsoft.com/office/drawing/2010/main" xmlns="" w="9525">
+                <a14:hiddenLine xmlns="" xmlns:a14="http://schemas.microsoft.com/office/drawing/2010/main" w="9525">
                   <a:solidFill>
                     <a:srgbClr val="000000"/>
                   </a:solidFill>
@@ -1630,7 +1817,7 @@
             </a:ln>
             <a:extLst>
               <a:ext uri="{91240B29-F687-4f45-9708-019B960494DF}">
-                <a14:hiddenLine xmlns:a14="http://schemas.microsoft.com/office/drawing/2010/main" xmlns="" w="9525">
+                <a14:hiddenLine xmlns="" xmlns:a14="http://schemas.microsoft.com/office/drawing/2010/main" w="9525">
                   <a:solidFill>
                     <a:srgbClr val="000000"/>
                   </a:solidFill>
@@ -1692,7 +1879,7 @@
             </a:ln>
             <a:extLst>
               <a:ext uri="{91240B29-F687-4f45-9708-019B960494DF}">
-                <a14:hiddenLine xmlns:a14="http://schemas.microsoft.com/office/drawing/2010/main" xmlns="" w="9525">
+                <a14:hiddenLine xmlns="" xmlns:a14="http://schemas.microsoft.com/office/drawing/2010/main" w="9525">
                   <a:solidFill>
                     <a:srgbClr val="000000"/>
                   </a:solidFill>
@@ -1782,7 +1969,7 @@
             </a:ln>
             <a:extLst>
               <a:ext uri="{91240B29-F687-4f45-9708-019B960494DF}">
-                <a14:hiddenLine xmlns:a14="http://schemas.microsoft.com/office/drawing/2010/main" xmlns="" w="9525">
+                <a14:hiddenLine xmlns="" xmlns:a14="http://schemas.microsoft.com/office/drawing/2010/main" w="9525">
                   <a:solidFill>
                     <a:srgbClr val="000000"/>
                   </a:solidFill>
@@ -1872,7 +2059,7 @@
             </a:ln>
             <a:extLst>
               <a:ext uri="{91240B29-F687-4f45-9708-019B960494DF}">
-                <a14:hiddenLine xmlns:a14="http://schemas.microsoft.com/office/drawing/2010/main" xmlns="" w="9525">
+                <a14:hiddenLine xmlns="" xmlns:a14="http://schemas.microsoft.com/office/drawing/2010/main" w="9525">
                   <a:solidFill>
                     <a:srgbClr val="000000"/>
                   </a:solidFill>
@@ -1928,7 +2115,7 @@
             </a:ln>
             <a:extLst>
               <a:ext uri="{91240B29-F687-4f45-9708-019B960494DF}">
-                <a14:hiddenLine xmlns:a14="http://schemas.microsoft.com/office/drawing/2010/main" xmlns="" w="9525">
+                <a14:hiddenLine xmlns="" xmlns:a14="http://schemas.microsoft.com/office/drawing/2010/main" w="9525">
                   <a:solidFill>
                     <a:srgbClr val="000000"/>
                   </a:solidFill>
@@ -2018,7 +2205,7 @@
             </a:ln>
             <a:extLst>
               <a:ext uri="{91240B29-F687-4f45-9708-019B960494DF}">
-                <a14:hiddenLine xmlns:a14="http://schemas.microsoft.com/office/drawing/2010/main" xmlns="" w="9525">
+                <a14:hiddenLine xmlns="" xmlns:a14="http://schemas.microsoft.com/office/drawing/2010/main" w="9525">
                   <a:solidFill>
                     <a:srgbClr val="000000"/>
                   </a:solidFill>
@@ -2074,7 +2261,7 @@
             </a:ln>
             <a:extLst>
               <a:ext uri="{91240B29-F687-4f45-9708-019B960494DF}">
-                <a14:hiddenLine xmlns:a14="http://schemas.microsoft.com/office/drawing/2010/main" xmlns="" w="9525">
+                <a14:hiddenLine xmlns="" xmlns:a14="http://schemas.microsoft.com/office/drawing/2010/main" w="9525">
                   <a:solidFill>
                     <a:srgbClr val="000000"/>
                   </a:solidFill>
@@ -2164,7 +2351,7 @@
             </a:ln>
             <a:extLst>
               <a:ext uri="{91240B29-F687-4f45-9708-019B960494DF}">
-                <a14:hiddenLine xmlns:a14="http://schemas.microsoft.com/office/drawing/2010/main" xmlns="" w="9525">
+                <a14:hiddenLine xmlns="" xmlns:a14="http://schemas.microsoft.com/office/drawing/2010/main" w="9525">
                   <a:solidFill>
                     <a:srgbClr val="000000"/>
                   </a:solidFill>
@@ -2232,7 +2419,7 @@
             </a:ln>
             <a:extLst>
               <a:ext uri="{91240B29-F687-4f45-9708-019B960494DF}">
-                <a14:hiddenLine xmlns:a14="http://schemas.microsoft.com/office/drawing/2010/main" xmlns="" w="9525">
+                <a14:hiddenLine xmlns="" xmlns:a14="http://schemas.microsoft.com/office/drawing/2010/main" w="9525">
                   <a:solidFill>
                     <a:srgbClr val="000000"/>
                   </a:solidFill>
@@ -2322,7 +2509,7 @@
             </a:ln>
             <a:extLst>
               <a:ext uri="{91240B29-F687-4f45-9708-019B960494DF}">
-                <a14:hiddenLine xmlns:a14="http://schemas.microsoft.com/office/drawing/2010/main" xmlns="" w="9525">
+                <a14:hiddenLine xmlns="" xmlns:a14="http://schemas.microsoft.com/office/drawing/2010/main" w="9525">
                   <a:solidFill>
                     <a:srgbClr val="000000"/>
                   </a:solidFill>
@@ -2390,7 +2577,7 @@
             </a:ln>
             <a:extLst>
               <a:ext uri="{91240B29-F687-4f45-9708-019B960494DF}">
-                <a14:hiddenLine xmlns:a14="http://schemas.microsoft.com/office/drawing/2010/main" xmlns="" w="9525">
+                <a14:hiddenLine xmlns="" xmlns:a14="http://schemas.microsoft.com/office/drawing/2010/main" w="9525">
                   <a:solidFill>
                     <a:srgbClr val="000000"/>
                   </a:solidFill>
@@ -2480,7 +2667,7 @@
             </a:ln>
             <a:extLst>
               <a:ext uri="{91240B29-F687-4f45-9708-019B960494DF}">
-                <a14:hiddenLine xmlns:a14="http://schemas.microsoft.com/office/drawing/2010/main" xmlns="" w="9525">
+                <a14:hiddenLine xmlns="" xmlns:a14="http://schemas.microsoft.com/office/drawing/2010/main" w="9525">
                   <a:solidFill>
                     <a:srgbClr val="000000"/>
                   </a:solidFill>
@@ -2514,7 +2701,7 @@
             </a:ln>
             <a:extLst>
               <a:ext uri="{91240B29-F687-4f45-9708-019B960494DF}">
-                <a14:hiddenLine xmlns:a14="http://schemas.microsoft.com/office/drawing/2010/main" xmlns="" w="9525">
+                <a14:hiddenLine xmlns="" xmlns:a14="http://schemas.microsoft.com/office/drawing/2010/main" w="9525">
                   <a:solidFill>
                     <a:srgbClr val="000000"/>
                   </a:solidFill>
@@ -2604,7 +2791,7 @@
             </a:ln>
             <a:extLst>
               <a:ext uri="{91240B29-F687-4f45-9708-019B960494DF}">
-                <a14:hiddenLine xmlns:a14="http://schemas.microsoft.com/office/drawing/2010/main" xmlns="" w="9525">
+                <a14:hiddenLine xmlns="" xmlns:a14="http://schemas.microsoft.com/office/drawing/2010/main" w="9525">
                   <a:solidFill>
                     <a:srgbClr val="000000"/>
                   </a:solidFill>
@@ -2666,7 +2853,7 @@
             </a:ln>
             <a:extLst>
               <a:ext uri="{91240B29-F687-4f45-9708-019B960494DF}">
-                <a14:hiddenLine xmlns:a14="http://schemas.microsoft.com/office/drawing/2010/main" xmlns="" w="9525">
+                <a14:hiddenLine xmlns="" xmlns:a14="http://schemas.microsoft.com/office/drawing/2010/main" w="9525">
                   <a:solidFill>
                     <a:srgbClr val="000000"/>
                   </a:solidFill>
@@ -2728,7 +2915,7 @@
             </a:ln>
             <a:extLst>
               <a:ext uri="{91240B29-F687-4f45-9708-019B960494DF}">
-                <a14:hiddenLine xmlns:a14="http://schemas.microsoft.com/office/drawing/2010/main" xmlns="" w="9525">
+                <a14:hiddenLine xmlns="" xmlns:a14="http://schemas.microsoft.com/office/drawing/2010/main" w="9525">
                   <a:solidFill>
                     <a:srgbClr val="000000"/>
                   </a:solidFill>
@@ -2818,7 +3005,7 @@
             </a:ln>
             <a:extLst>
               <a:ext uri="{91240B29-F687-4f45-9708-019B960494DF}">
-                <a14:hiddenLine xmlns:a14="http://schemas.microsoft.com/office/drawing/2010/main" xmlns="" w="9525">
+                <a14:hiddenLine xmlns="" xmlns:a14="http://schemas.microsoft.com/office/drawing/2010/main" w="9525">
                   <a:solidFill>
                     <a:srgbClr val="000000"/>
                   </a:solidFill>
@@ -2886,7 +3073,7 @@
             </a:ln>
             <a:extLst>
               <a:ext uri="{91240B29-F687-4f45-9708-019B960494DF}">
-                <a14:hiddenLine xmlns:a14="http://schemas.microsoft.com/office/drawing/2010/main" xmlns="" w="9525">
+                <a14:hiddenLine xmlns="" xmlns:a14="http://schemas.microsoft.com/office/drawing/2010/main" w="9525">
                   <a:solidFill>
                     <a:srgbClr val="000000"/>
                   </a:solidFill>
@@ -2948,7 +3135,7 @@
             </a:ln>
             <a:extLst>
               <a:ext uri="{91240B29-F687-4f45-9708-019B960494DF}">
-                <a14:hiddenLine xmlns:a14="http://schemas.microsoft.com/office/drawing/2010/main" xmlns="" w="9525">
+                <a14:hiddenLine xmlns="" xmlns:a14="http://schemas.microsoft.com/office/drawing/2010/main" w="9525">
                   <a:solidFill>
                     <a:srgbClr val="000000"/>
                   </a:solidFill>
@@ -3038,7 +3225,7 @@
             </a:ln>
             <a:extLst>
               <a:ext uri="{91240B29-F687-4f45-9708-019B960494DF}">
-                <a14:hiddenLine xmlns:a14="http://schemas.microsoft.com/office/drawing/2010/main" xmlns="" w="9525">
+                <a14:hiddenLine xmlns="" xmlns:a14="http://schemas.microsoft.com/office/drawing/2010/main" w="9525">
                   <a:solidFill>
                     <a:srgbClr val="000000"/>
                   </a:solidFill>
@@ -3100,7 +3287,7 @@
             </a:ln>
             <a:extLst>
               <a:ext uri="{91240B29-F687-4f45-9708-019B960494DF}">
-                <a14:hiddenLine xmlns:a14="http://schemas.microsoft.com/office/drawing/2010/main" xmlns="" w="9525">
+                <a14:hiddenLine xmlns="" xmlns:a14="http://schemas.microsoft.com/office/drawing/2010/main" w="9525">
                   <a:solidFill>
                     <a:srgbClr val="000000"/>
                   </a:solidFill>
@@ -3190,7 +3377,7 @@
             </a:ln>
             <a:extLst>
               <a:ext uri="{91240B29-F687-4f45-9708-019B960494DF}">
-                <a14:hiddenLine xmlns:a14="http://schemas.microsoft.com/office/drawing/2010/main" xmlns="" w="9525">
+                <a14:hiddenLine xmlns="" xmlns:a14="http://schemas.microsoft.com/office/drawing/2010/main" w="9525">
                   <a:solidFill>
                     <a:srgbClr val="000000"/>
                   </a:solidFill>
@@ -3252,7 +3439,7 @@
             </a:ln>
             <a:extLst>
               <a:ext uri="{91240B29-F687-4f45-9708-019B960494DF}">
-                <a14:hiddenLine xmlns:a14="http://schemas.microsoft.com/office/drawing/2010/main" xmlns="" w="9525">
+                <a14:hiddenLine xmlns="" xmlns:a14="http://schemas.microsoft.com/office/drawing/2010/main" w="9525">
                   <a:solidFill>
                     <a:srgbClr val="000000"/>
                   </a:solidFill>
@@ -3342,7 +3529,7 @@
             </a:ln>
             <a:extLst>
               <a:ext uri="{91240B29-F687-4f45-9708-019B960494DF}">
-                <a14:hiddenLine xmlns:a14="http://schemas.microsoft.com/office/drawing/2010/main" xmlns="" w="9525">
+                <a14:hiddenLine xmlns="" xmlns:a14="http://schemas.microsoft.com/office/drawing/2010/main" w="9525">
                   <a:solidFill>
                     <a:srgbClr val="000000"/>
                   </a:solidFill>
@@ -3376,7 +3563,7 @@
             </a:ln>
             <a:extLst>
               <a:ext uri="{91240B29-F687-4f45-9708-019B960494DF}">
-                <a14:hiddenLine xmlns:a14="http://schemas.microsoft.com/office/drawing/2010/main" xmlns="" w="9525">
+                <a14:hiddenLine xmlns="" xmlns:a14="http://schemas.microsoft.com/office/drawing/2010/main" w="9525">
                   <a:solidFill>
                     <a:srgbClr val="000000"/>
                   </a:solidFill>
@@ -3441,7 +3628,7 @@
             </a:ln>
             <a:extLst>
               <a:ext uri="{91240B29-F687-4f45-9708-019B960494DF}">
-                <a14:hiddenLine xmlns:a14="http://schemas.microsoft.com/office/drawing/2010/main" xmlns="" w="9525">
+                <a14:hiddenLine xmlns="" xmlns:a14="http://schemas.microsoft.com/office/drawing/2010/main" w="9525">
                   <a:solidFill>
                     <a:srgbClr val="000000"/>
                   </a:solidFill>
@@ -3531,7 +3718,7 @@
             </a:ln>
             <a:extLst>
               <a:ext uri="{91240B29-F687-4f45-9708-019B960494DF}">
-                <a14:hiddenLine xmlns:a14="http://schemas.microsoft.com/office/drawing/2010/main" xmlns="" w="9525">
+                <a14:hiddenLine xmlns="" xmlns:a14="http://schemas.microsoft.com/office/drawing/2010/main" w="9525">
                   <a:solidFill>
                     <a:srgbClr val="000000"/>
                   </a:solidFill>
@@ -3593,7 +3780,7 @@
             </a:ln>
             <a:extLst>
               <a:ext uri="{91240B29-F687-4f45-9708-019B960494DF}">
-                <a14:hiddenLine xmlns:a14="http://schemas.microsoft.com/office/drawing/2010/main" xmlns="" w="9525">
+                <a14:hiddenLine xmlns="" xmlns:a14="http://schemas.microsoft.com/office/drawing/2010/main" w="9525">
                   <a:solidFill>
                     <a:srgbClr val="000000"/>
                   </a:solidFill>
@@ -3683,7 +3870,7 @@
             </a:ln>
             <a:extLst>
               <a:ext uri="{91240B29-F687-4f45-9708-019B960494DF}">
-                <a14:hiddenLine xmlns:a14="http://schemas.microsoft.com/office/drawing/2010/main" xmlns="" w="9525">
+                <a14:hiddenLine xmlns="" xmlns:a14="http://schemas.microsoft.com/office/drawing/2010/main" w="9525">
                   <a:solidFill>
                     <a:srgbClr val="000000"/>
                   </a:solidFill>
@@ -3773,7 +3960,7 @@
             </a:ln>
             <a:extLst>
               <a:ext uri="{91240B29-F687-4f45-9708-019B960494DF}">
-                <a14:hiddenLine xmlns:a14="http://schemas.microsoft.com/office/drawing/2010/main" xmlns="" w="9525">
+                <a14:hiddenLine xmlns="" xmlns:a14="http://schemas.microsoft.com/office/drawing/2010/main" w="9525">
                   <a:solidFill>
                     <a:srgbClr val="000000"/>
                   </a:solidFill>
@@ -3838,7 +4025,7 @@
             </a:ln>
             <a:extLst>
               <a:ext uri="{91240B29-F687-4f45-9708-019B960494DF}">
-                <a14:hiddenLine xmlns:a14="http://schemas.microsoft.com/office/drawing/2010/main" xmlns="" w="9525">
+                <a14:hiddenLine xmlns="" xmlns:a14="http://schemas.microsoft.com/office/drawing/2010/main" w="9525">
                   <a:solidFill>
                     <a:srgbClr val="000000"/>
                   </a:solidFill>
@@ -3900,7 +4087,7 @@
             </a:ln>
             <a:extLst>
               <a:ext uri="{91240B29-F687-4f45-9708-019B960494DF}">
-                <a14:hiddenLine xmlns:a14="http://schemas.microsoft.com/office/drawing/2010/main" xmlns="" w="9525">
+                <a14:hiddenLine xmlns="" xmlns:a14="http://schemas.microsoft.com/office/drawing/2010/main" w="9525">
                   <a:solidFill>
                     <a:srgbClr val="000000"/>
                   </a:solidFill>
@@ -3990,7 +4177,7 @@
             </a:ln>
             <a:extLst>
               <a:ext uri="{91240B29-F687-4f45-9708-019B960494DF}">
-                <a14:hiddenLine xmlns:a14="http://schemas.microsoft.com/office/drawing/2010/main" xmlns="" w="9525">
+                <a14:hiddenLine xmlns="" xmlns:a14="http://schemas.microsoft.com/office/drawing/2010/main" w="9525">
                   <a:solidFill>
                     <a:srgbClr val="000000"/>
                   </a:solidFill>
@@ -4080,7 +4267,7 @@
             </a:ln>
             <a:extLst>
               <a:ext uri="{91240B29-F687-4f45-9708-019B960494DF}">
-                <a14:hiddenLine xmlns:a14="http://schemas.microsoft.com/office/drawing/2010/main" xmlns="" w="9525">
+                <a14:hiddenLine xmlns="" xmlns:a14="http://schemas.microsoft.com/office/drawing/2010/main" w="9525">
                   <a:solidFill>
                     <a:srgbClr val="000000"/>
                   </a:solidFill>
@@ -4142,7 +4329,7 @@
             </a:ln>
             <a:extLst>
               <a:ext uri="{91240B29-F687-4f45-9708-019B960494DF}">
-                <a14:hiddenLine xmlns:a14="http://schemas.microsoft.com/office/drawing/2010/main" xmlns="" w="9525">
+                <a14:hiddenLine xmlns="" xmlns:a14="http://schemas.microsoft.com/office/drawing/2010/main" w="9525">
                   <a:solidFill>
                     <a:srgbClr val="000000"/>
                   </a:solidFill>
@@ -4262,7 +4449,7 @@
             </a:ln>
             <a:extLst>
               <a:ext uri="{91240B29-F687-4f45-9708-019B960494DF}">
-                <a14:hiddenLine xmlns:a14="http://schemas.microsoft.com/office/drawing/2010/main" xmlns="" w="9525">
+                <a14:hiddenLine xmlns="" xmlns:a14="http://schemas.microsoft.com/office/drawing/2010/main" w="9525">
                   <a:solidFill>
                     <a:srgbClr val="000000"/>
                   </a:solidFill>
@@ -4330,7 +4517,7 @@
             </a:ln>
             <a:extLst>
               <a:ext uri="{91240B29-F687-4f45-9708-019B960494DF}">
-                <a14:hiddenLine xmlns:a14="http://schemas.microsoft.com/office/drawing/2010/main" xmlns="" w="9525">
+                <a14:hiddenLine xmlns="" xmlns:a14="http://schemas.microsoft.com/office/drawing/2010/main" w="9525">
                   <a:solidFill>
                     <a:srgbClr val="000000"/>
                   </a:solidFill>
@@ -4420,7 +4607,7 @@
             </a:ln>
             <a:extLst>
               <a:ext uri="{91240B29-F687-4f45-9708-019B960494DF}">
-                <a14:hiddenLine xmlns:a14="http://schemas.microsoft.com/office/drawing/2010/main" xmlns="" w="9525">
+                <a14:hiddenLine xmlns="" xmlns:a14="http://schemas.microsoft.com/office/drawing/2010/main" w="9525">
                   <a:solidFill>
                     <a:srgbClr val="000000"/>
                   </a:solidFill>
@@ -4560,7 +4747,7 @@
           <a:p>
             <a:fld id="{867D2BB0-EC20-4E7E-BA61-C31A6B3B5362}" type="datetimeFigureOut">
               <a:rPr lang="it-IT" smtClean="0"/>
-              <a:t>18/06/2024</a:t>
+              <a:t>24/06/2024</a:t>
             </a:fld>
             <a:endParaRPr lang="it-IT"/>
           </a:p>
@@ -4827,7 +5014,7 @@
           <a:p>
             <a:fld id="{867D2BB0-EC20-4E7E-BA61-C31A6B3B5362}" type="datetimeFigureOut">
               <a:rPr lang="it-IT" smtClean="0"/>
-              <a:t>18/06/2024</a:t>
+              <a:t>24/06/2024</a:t>
             </a:fld>
             <a:endParaRPr lang="it-IT"/>
           </a:p>
@@ -5023,7 +5210,7 @@
           <a:p>
             <a:fld id="{867D2BB0-EC20-4E7E-BA61-C31A6B3B5362}" type="datetimeFigureOut">
               <a:rPr lang="it-IT" smtClean="0"/>
-              <a:t>18/06/2024</a:t>
+              <a:t>24/06/2024</a:t>
             </a:fld>
             <a:endParaRPr lang="it-IT"/>
           </a:p>
@@ -5286,7 +5473,7 @@
           <a:p>
             <a:fld id="{867D2BB0-EC20-4E7E-BA61-C31A6B3B5362}" type="datetimeFigureOut">
               <a:rPr lang="it-IT" smtClean="0"/>
-              <a:t>18/06/2024</a:t>
+              <a:t>24/06/2024</a:t>
             </a:fld>
             <a:endParaRPr lang="it-IT"/>
           </a:p>
@@ -5720,7 +5907,7 @@
           <a:p>
             <a:fld id="{867D2BB0-EC20-4E7E-BA61-C31A6B3B5362}" type="datetimeFigureOut">
               <a:rPr lang="it-IT" smtClean="0"/>
-              <a:t>18/06/2024</a:t>
+              <a:t>24/06/2024</a:t>
             </a:fld>
             <a:endParaRPr lang="it-IT"/>
           </a:p>
@@ -6266,7 +6453,7 @@
           <a:p>
             <a:fld id="{867D2BB0-EC20-4E7E-BA61-C31A6B3B5362}" type="datetimeFigureOut">
               <a:rPr lang="it-IT" smtClean="0"/>
-              <a:t>18/06/2024</a:t>
+              <a:t>24/06/2024</a:t>
             </a:fld>
             <a:endParaRPr lang="it-IT"/>
           </a:p>
@@ -6986,7 +7173,7 @@
           <a:p>
             <a:fld id="{867D2BB0-EC20-4E7E-BA61-C31A6B3B5362}" type="datetimeFigureOut">
               <a:rPr lang="it-IT" smtClean="0"/>
-              <a:t>18/06/2024</a:t>
+              <a:t>24/06/2024</a:t>
             </a:fld>
             <a:endParaRPr lang="it-IT"/>
           </a:p>
@@ -7156,7 +7343,7 @@
           <a:p>
             <a:fld id="{867D2BB0-EC20-4E7E-BA61-C31A6B3B5362}" type="datetimeFigureOut">
               <a:rPr lang="it-IT" smtClean="0"/>
-              <a:t>18/06/2024</a:t>
+              <a:t>24/06/2024</a:t>
             </a:fld>
             <a:endParaRPr lang="it-IT"/>
           </a:p>
@@ -7336,7 +7523,7 @@
           <a:p>
             <a:fld id="{867D2BB0-EC20-4E7E-BA61-C31A6B3B5362}" type="datetimeFigureOut">
               <a:rPr lang="it-IT" smtClean="0"/>
-              <a:t>18/06/2024</a:t>
+              <a:t>24/06/2024</a:t>
             </a:fld>
             <a:endParaRPr lang="it-IT"/>
           </a:p>
@@ -7506,7 +7693,7 @@
           <a:p>
             <a:fld id="{867D2BB0-EC20-4E7E-BA61-C31A6B3B5362}" type="datetimeFigureOut">
               <a:rPr lang="it-IT" smtClean="0"/>
-              <a:t>18/06/2024</a:t>
+              <a:t>24/06/2024</a:t>
             </a:fld>
             <a:endParaRPr lang="it-IT"/>
           </a:p>
@@ -7756,7 +7943,7 @@
           <a:p>
             <a:fld id="{867D2BB0-EC20-4E7E-BA61-C31A6B3B5362}" type="datetimeFigureOut">
               <a:rPr lang="it-IT" smtClean="0"/>
-              <a:t>18/06/2024</a:t>
+              <a:t>24/06/2024</a:t>
             </a:fld>
             <a:endParaRPr lang="it-IT"/>
           </a:p>
@@ -7988,7 +8175,7 @@
           <a:p>
             <a:fld id="{867D2BB0-EC20-4E7E-BA61-C31A6B3B5362}" type="datetimeFigureOut">
               <a:rPr lang="it-IT" smtClean="0"/>
-              <a:t>18/06/2024</a:t>
+              <a:t>24/06/2024</a:t>
             </a:fld>
             <a:endParaRPr lang="it-IT"/>
           </a:p>
@@ -8369,7 +8556,7 @@
           <a:p>
             <a:fld id="{867D2BB0-EC20-4E7E-BA61-C31A6B3B5362}" type="datetimeFigureOut">
               <a:rPr lang="it-IT" smtClean="0"/>
-              <a:t>18/06/2024</a:t>
+              <a:t>24/06/2024</a:t>
             </a:fld>
             <a:endParaRPr lang="it-IT"/>
           </a:p>
@@ -8487,7 +8674,7 @@
           <a:p>
             <a:fld id="{867D2BB0-EC20-4E7E-BA61-C31A6B3B5362}" type="datetimeFigureOut">
               <a:rPr lang="it-IT" smtClean="0"/>
-              <a:t>18/06/2024</a:t>
+              <a:t>24/06/2024</a:t>
             </a:fld>
             <a:endParaRPr lang="it-IT"/>
           </a:p>
@@ -8582,7 +8769,7 @@
           <a:p>
             <a:fld id="{867D2BB0-EC20-4E7E-BA61-C31A6B3B5362}" type="datetimeFigureOut">
               <a:rPr lang="it-IT" smtClean="0"/>
-              <a:t>18/06/2024</a:t>
+              <a:t>24/06/2024</a:t>
             </a:fld>
             <a:endParaRPr lang="it-IT"/>
           </a:p>
@@ -8831,7 +9018,7 @@
           <a:p>
             <a:fld id="{867D2BB0-EC20-4E7E-BA61-C31A6B3B5362}" type="datetimeFigureOut">
               <a:rPr lang="it-IT" smtClean="0"/>
-              <a:t>18/06/2024</a:t>
+              <a:t>24/06/2024</a:t>
             </a:fld>
             <a:endParaRPr lang="it-IT"/>
           </a:p>
@@ -9111,7 +9298,7 @@
           <a:p>
             <a:fld id="{867D2BB0-EC20-4E7E-BA61-C31A6B3B5362}" type="datetimeFigureOut">
               <a:rPr lang="it-IT" smtClean="0"/>
-              <a:t>18/06/2024</a:t>
+              <a:t>24/06/2024</a:t>
             </a:fld>
             <a:endParaRPr lang="it-IT"/>
           </a:p>
@@ -9234,7 +9421,7 @@
           <a:noFill/>
           <a:extLst>
             <a:ext uri="{909E8E84-426E-40dd-AFC4-6F175D3DCCD1}">
-              <a14:hiddenFill xmlns:a14="http://schemas.microsoft.com/office/drawing/2010/main" xmlns="">
+              <a14:hiddenFill xmlns="" xmlns:a14="http://schemas.microsoft.com/office/drawing/2010/main">
                 <a:solidFill>
                   <a:srgbClr val="FFFFFF"/>
                 </a:solidFill>
@@ -9308,7 +9495,7 @@
               </a:ln>
               <a:extLst>
                 <a:ext uri="{91240B29-F687-4f45-9708-019B960494DF}">
-                  <a14:hiddenLine xmlns:a14="http://schemas.microsoft.com/office/drawing/2010/main" xmlns="" w="9525">
+                  <a14:hiddenLine xmlns="" xmlns:a14="http://schemas.microsoft.com/office/drawing/2010/main" w="9525">
                     <a:solidFill>
                       <a:srgbClr val="000000"/>
                     </a:solidFill>
@@ -9398,7 +9585,7 @@
               </a:ln>
               <a:extLst>
                 <a:ext uri="{91240B29-F687-4f45-9708-019B960494DF}">
-                  <a14:hiddenLine xmlns:a14="http://schemas.microsoft.com/office/drawing/2010/main" xmlns="" w="9525">
+                  <a14:hiddenLine xmlns="" xmlns:a14="http://schemas.microsoft.com/office/drawing/2010/main" w="9525">
                     <a:solidFill>
                       <a:srgbClr val="000000"/>
                     </a:solidFill>
@@ -9488,7 +9675,7 @@
               </a:ln>
               <a:extLst>
                 <a:ext uri="{91240B29-F687-4f45-9708-019B960494DF}">
-                  <a14:hiddenLine xmlns:a14="http://schemas.microsoft.com/office/drawing/2010/main" xmlns="" w="9525">
+                  <a14:hiddenLine xmlns="" xmlns:a14="http://schemas.microsoft.com/office/drawing/2010/main" w="9525">
                     <a:solidFill>
                       <a:srgbClr val="000000"/>
                     </a:solidFill>
@@ -9550,7 +9737,7 @@
               </a:ln>
               <a:extLst>
                 <a:ext uri="{91240B29-F687-4f45-9708-019B960494DF}">
-                  <a14:hiddenLine xmlns:a14="http://schemas.microsoft.com/office/drawing/2010/main" xmlns="" w="9525">
+                  <a14:hiddenLine xmlns="" xmlns:a14="http://schemas.microsoft.com/office/drawing/2010/main" w="9525">
                     <a:solidFill>
                       <a:srgbClr val="000000"/>
                     </a:solidFill>
@@ -9640,7 +9827,7 @@
               </a:ln>
               <a:extLst>
                 <a:ext uri="{91240B29-F687-4f45-9708-019B960494DF}">
-                  <a14:hiddenLine xmlns:a14="http://schemas.microsoft.com/office/drawing/2010/main" xmlns="" w="9525">
+                  <a14:hiddenLine xmlns="" xmlns:a14="http://schemas.microsoft.com/office/drawing/2010/main" w="9525">
                     <a:solidFill>
                       <a:srgbClr val="000000"/>
                     </a:solidFill>
@@ -9702,7 +9889,7 @@
               </a:ln>
               <a:extLst>
                 <a:ext uri="{91240B29-F687-4f45-9708-019B960494DF}">
-                  <a14:hiddenLine xmlns:a14="http://schemas.microsoft.com/office/drawing/2010/main" xmlns="" w="9525">
+                  <a14:hiddenLine xmlns="" xmlns:a14="http://schemas.microsoft.com/office/drawing/2010/main" w="9525">
                     <a:solidFill>
                       <a:srgbClr val="000000"/>
                     </a:solidFill>
@@ -9764,7 +9951,7 @@
               </a:ln>
               <a:extLst>
                 <a:ext uri="{91240B29-F687-4f45-9708-019B960494DF}">
-                  <a14:hiddenLine xmlns:a14="http://schemas.microsoft.com/office/drawing/2010/main" xmlns="" w="9525">
+                  <a14:hiddenLine xmlns="" xmlns:a14="http://schemas.microsoft.com/office/drawing/2010/main" w="9525">
                     <a:solidFill>
                       <a:srgbClr val="000000"/>
                     </a:solidFill>
@@ -9854,7 +10041,7 @@
               </a:ln>
               <a:extLst>
                 <a:ext uri="{91240B29-F687-4f45-9708-019B960494DF}">
-                  <a14:hiddenLine xmlns:a14="http://schemas.microsoft.com/office/drawing/2010/main" xmlns="" w="9525">
+                  <a14:hiddenLine xmlns="" xmlns:a14="http://schemas.microsoft.com/office/drawing/2010/main" w="9525">
                     <a:solidFill>
                       <a:srgbClr val="000000"/>
                     </a:solidFill>
@@ -9944,7 +10131,7 @@
               </a:ln>
               <a:extLst>
                 <a:ext uri="{91240B29-F687-4f45-9708-019B960494DF}">
-                  <a14:hiddenLine xmlns:a14="http://schemas.microsoft.com/office/drawing/2010/main" xmlns="" w="9525">
+                  <a14:hiddenLine xmlns="" xmlns:a14="http://schemas.microsoft.com/office/drawing/2010/main" w="9525">
                     <a:solidFill>
                       <a:srgbClr val="000000"/>
                     </a:solidFill>
@@ -10006,7 +10193,7 @@
               </a:ln>
               <a:extLst>
                 <a:ext uri="{91240B29-F687-4f45-9708-019B960494DF}">
-                  <a14:hiddenLine xmlns:a14="http://schemas.microsoft.com/office/drawing/2010/main" xmlns="" w="9525">
+                  <a14:hiddenLine xmlns="" xmlns:a14="http://schemas.microsoft.com/office/drawing/2010/main" w="9525">
                     <a:solidFill>
                       <a:srgbClr val="000000"/>
                     </a:solidFill>
@@ -10116,7 +10303,7 @@
               </a:ln>
               <a:extLst>
                 <a:ext uri="{91240B29-F687-4f45-9708-019B960494DF}">
-                  <a14:hiddenLine xmlns:a14="http://schemas.microsoft.com/office/drawing/2010/main" xmlns="" w="9525">
+                  <a14:hiddenLine xmlns="" xmlns:a14="http://schemas.microsoft.com/office/drawing/2010/main" w="9525">
                     <a:solidFill>
                       <a:srgbClr val="000000"/>
                     </a:solidFill>
@@ -10200,7 +10387,7 @@
               </a:ln>
               <a:extLst>
                 <a:ext uri="{91240B29-F687-4f45-9708-019B960494DF}">
-                  <a14:hiddenLine xmlns:a14="http://schemas.microsoft.com/office/drawing/2010/main" xmlns="" w="9525">
+                  <a14:hiddenLine xmlns="" xmlns:a14="http://schemas.microsoft.com/office/drawing/2010/main" w="9525">
                     <a:solidFill>
                       <a:srgbClr val="000000"/>
                     </a:solidFill>
@@ -10262,7 +10449,7 @@
               </a:ln>
               <a:extLst>
                 <a:ext uri="{91240B29-F687-4f45-9708-019B960494DF}">
-                  <a14:hiddenLine xmlns:a14="http://schemas.microsoft.com/office/drawing/2010/main" xmlns="" w="9525">
+                  <a14:hiddenLine xmlns="" xmlns:a14="http://schemas.microsoft.com/office/drawing/2010/main" w="9525">
                     <a:solidFill>
                       <a:srgbClr val="000000"/>
                     </a:solidFill>
@@ -10324,7 +10511,7 @@
               </a:ln>
               <a:extLst>
                 <a:ext uri="{91240B29-F687-4f45-9708-019B960494DF}">
-                  <a14:hiddenLine xmlns:a14="http://schemas.microsoft.com/office/drawing/2010/main" xmlns="" w="9525">
+                  <a14:hiddenLine xmlns="" xmlns:a14="http://schemas.microsoft.com/office/drawing/2010/main" w="9525">
                     <a:solidFill>
                       <a:srgbClr val="000000"/>
                     </a:solidFill>
@@ -10414,7 +10601,7 @@
               </a:ln>
               <a:extLst>
                 <a:ext uri="{91240B29-F687-4f45-9708-019B960494DF}">
-                  <a14:hiddenLine xmlns:a14="http://schemas.microsoft.com/office/drawing/2010/main" xmlns="" w="9525">
+                  <a14:hiddenLine xmlns="" xmlns:a14="http://schemas.microsoft.com/office/drawing/2010/main" w="9525">
                     <a:solidFill>
                       <a:srgbClr val="000000"/>
                     </a:solidFill>
@@ -10448,7 +10635,7 @@
               </a:ln>
               <a:extLst>
                 <a:ext uri="{91240B29-F687-4f45-9708-019B960494DF}">
-                  <a14:hiddenLine xmlns:a14="http://schemas.microsoft.com/office/drawing/2010/main" xmlns="" w="9525">
+                  <a14:hiddenLine xmlns="" xmlns:a14="http://schemas.microsoft.com/office/drawing/2010/main" w="9525">
                     <a:solidFill>
                       <a:srgbClr val="000000"/>
                     </a:solidFill>
@@ -10513,7 +10700,7 @@
               </a:ln>
               <a:extLst>
                 <a:ext uri="{91240B29-F687-4f45-9708-019B960494DF}">
-                  <a14:hiddenLine xmlns:a14="http://schemas.microsoft.com/office/drawing/2010/main" xmlns="" w="9525">
+                  <a14:hiddenLine xmlns="" xmlns:a14="http://schemas.microsoft.com/office/drawing/2010/main" w="9525">
                     <a:solidFill>
                       <a:srgbClr val="000000"/>
                     </a:solidFill>
@@ -10603,7 +10790,7 @@
               </a:ln>
               <a:extLst>
                 <a:ext uri="{91240B29-F687-4f45-9708-019B960494DF}">
-                  <a14:hiddenLine xmlns:a14="http://schemas.microsoft.com/office/drawing/2010/main" xmlns="" w="9525">
+                  <a14:hiddenLine xmlns="" xmlns:a14="http://schemas.microsoft.com/office/drawing/2010/main" w="9525">
                     <a:solidFill>
                       <a:srgbClr val="000000"/>
                     </a:solidFill>
@@ -10665,7 +10852,7 @@
               </a:ln>
               <a:extLst>
                 <a:ext uri="{91240B29-F687-4f45-9708-019B960494DF}">
-                  <a14:hiddenLine xmlns:a14="http://schemas.microsoft.com/office/drawing/2010/main" xmlns="" w="9525">
+                  <a14:hiddenLine xmlns="" xmlns:a14="http://schemas.microsoft.com/office/drawing/2010/main" w="9525">
                     <a:solidFill>
                       <a:srgbClr val="000000"/>
                     </a:solidFill>
@@ -10755,7 +10942,7 @@
               </a:ln>
               <a:extLst>
                 <a:ext uri="{91240B29-F687-4f45-9708-019B960494DF}">
-                  <a14:hiddenLine xmlns:a14="http://schemas.microsoft.com/office/drawing/2010/main" xmlns="" w="9525">
+                  <a14:hiddenLine xmlns="" xmlns:a14="http://schemas.microsoft.com/office/drawing/2010/main" w="9525">
                     <a:solidFill>
                       <a:srgbClr val="000000"/>
                     </a:solidFill>
@@ -10820,7 +11007,7 @@
               </a:ln>
               <a:extLst>
                 <a:ext uri="{91240B29-F687-4f45-9708-019B960494DF}">
-                  <a14:hiddenLine xmlns:a14="http://schemas.microsoft.com/office/drawing/2010/main" xmlns="" w="9525">
+                  <a14:hiddenLine xmlns="" xmlns:a14="http://schemas.microsoft.com/office/drawing/2010/main" w="9525">
                     <a:solidFill>
                       <a:srgbClr val="000000"/>
                     </a:solidFill>
@@ -10882,7 +11069,7 @@
               </a:ln>
               <a:extLst>
                 <a:ext uri="{91240B29-F687-4f45-9708-019B960494DF}">
-                  <a14:hiddenLine xmlns:a14="http://schemas.microsoft.com/office/drawing/2010/main" xmlns="" w="9525">
+                  <a14:hiddenLine xmlns="" xmlns:a14="http://schemas.microsoft.com/office/drawing/2010/main" w="9525">
                     <a:solidFill>
                       <a:srgbClr val="000000"/>
                     </a:solidFill>
@@ -10972,7 +11159,7 @@
               </a:ln>
               <a:extLst>
                 <a:ext uri="{91240B29-F687-4f45-9708-019B960494DF}">
-                  <a14:hiddenLine xmlns:a14="http://schemas.microsoft.com/office/drawing/2010/main" xmlns="" w="9525">
+                  <a14:hiddenLine xmlns="" xmlns:a14="http://schemas.microsoft.com/office/drawing/2010/main" w="9525">
                     <a:solidFill>
                       <a:srgbClr val="000000"/>
                     </a:solidFill>
@@ -11062,7 +11249,7 @@
               </a:ln>
               <a:extLst>
                 <a:ext uri="{91240B29-F687-4f45-9708-019B960494DF}">
-                  <a14:hiddenLine xmlns:a14="http://schemas.microsoft.com/office/drawing/2010/main" xmlns="" w="9525">
+                  <a14:hiddenLine xmlns="" xmlns:a14="http://schemas.microsoft.com/office/drawing/2010/main" w="9525">
                     <a:solidFill>
                       <a:srgbClr val="000000"/>
                     </a:solidFill>
@@ -11127,7 +11314,7 @@
               </a:ln>
               <a:extLst>
                 <a:ext uri="{91240B29-F687-4f45-9708-019B960494DF}">
-                  <a14:hiddenLine xmlns:a14="http://schemas.microsoft.com/office/drawing/2010/main" xmlns="" w="9525">
+                  <a14:hiddenLine xmlns="" xmlns:a14="http://schemas.microsoft.com/office/drawing/2010/main" w="9525">
                     <a:solidFill>
                       <a:srgbClr val="000000"/>
                     </a:solidFill>
@@ -11247,7 +11434,7 @@
               </a:ln>
               <a:extLst>
                 <a:ext uri="{91240B29-F687-4f45-9708-019B960494DF}">
-                  <a14:hiddenLine xmlns:a14="http://schemas.microsoft.com/office/drawing/2010/main" xmlns="" w="9525">
+                  <a14:hiddenLine xmlns="" xmlns:a14="http://schemas.microsoft.com/office/drawing/2010/main" w="9525">
                     <a:solidFill>
                       <a:srgbClr val="000000"/>
                     </a:solidFill>
@@ -11328,7 +11515,7 @@
               </a:ln>
               <a:extLst>
                 <a:ext uri="{91240B29-F687-4f45-9708-019B960494DF}">
-                  <a14:hiddenLine xmlns:a14="http://schemas.microsoft.com/office/drawing/2010/main" xmlns="" w="9525">
+                  <a14:hiddenLine xmlns="" xmlns:a14="http://schemas.microsoft.com/office/drawing/2010/main" w="9525">
                     <a:solidFill>
                       <a:srgbClr val="000000"/>
                     </a:solidFill>
@@ -11443,7 +11630,7 @@
               </a:ln>
               <a:extLst>
                 <a:ext uri="{91240B29-F687-4f45-9708-019B960494DF}">
-                  <a14:hiddenLine xmlns:a14="http://schemas.microsoft.com/office/drawing/2010/main" xmlns="" w="9525">
+                  <a14:hiddenLine xmlns="" xmlns:a14="http://schemas.microsoft.com/office/drawing/2010/main" w="9525">
                     <a:solidFill>
                       <a:srgbClr val="000000"/>
                     </a:solidFill>
@@ -11533,7 +11720,7 @@
               </a:ln>
               <a:extLst>
                 <a:ext uri="{91240B29-F687-4f45-9708-019B960494DF}">
-                  <a14:hiddenLine xmlns:a14="http://schemas.microsoft.com/office/drawing/2010/main" xmlns="" w="9525">
+                  <a14:hiddenLine xmlns="" xmlns:a14="http://schemas.microsoft.com/office/drawing/2010/main" w="9525">
                     <a:solidFill>
                       <a:srgbClr val="000000"/>
                     </a:solidFill>
@@ -11598,7 +11785,7 @@
               </a:ln>
               <a:extLst>
                 <a:ext uri="{91240B29-F687-4f45-9708-019B960494DF}">
-                  <a14:hiddenLine xmlns:a14="http://schemas.microsoft.com/office/drawing/2010/main" xmlns="" w="9525">
+                  <a14:hiddenLine xmlns="" xmlns:a14="http://schemas.microsoft.com/office/drawing/2010/main" w="9525">
                     <a:solidFill>
                       <a:srgbClr val="000000"/>
                     </a:solidFill>
@@ -11688,7 +11875,7 @@
               </a:ln>
               <a:extLst>
                 <a:ext uri="{91240B29-F687-4f45-9708-019B960494DF}">
-                  <a14:hiddenLine xmlns:a14="http://schemas.microsoft.com/office/drawing/2010/main" xmlns="" w="9525">
+                  <a14:hiddenLine xmlns="" xmlns:a14="http://schemas.microsoft.com/office/drawing/2010/main" w="9525">
                     <a:solidFill>
                       <a:srgbClr val="000000"/>
                     </a:solidFill>
@@ -11756,7 +11943,7 @@
               </a:ln>
               <a:extLst>
                 <a:ext uri="{91240B29-F687-4f45-9708-019B960494DF}">
-                  <a14:hiddenLine xmlns:a14="http://schemas.microsoft.com/office/drawing/2010/main" xmlns="" w="9525">
+                  <a14:hiddenLine xmlns="" xmlns:a14="http://schemas.microsoft.com/office/drawing/2010/main" w="9525">
                     <a:solidFill>
                       <a:srgbClr val="000000"/>
                     </a:solidFill>
@@ -11846,7 +12033,7 @@
               </a:ln>
               <a:extLst>
                 <a:ext uri="{91240B29-F687-4f45-9708-019B960494DF}">
-                  <a14:hiddenLine xmlns:a14="http://schemas.microsoft.com/office/drawing/2010/main" xmlns="" w="9525">
+                  <a14:hiddenLine xmlns="" xmlns:a14="http://schemas.microsoft.com/office/drawing/2010/main" w="9525">
                     <a:solidFill>
                       <a:srgbClr val="000000"/>
                     </a:solidFill>
@@ -11914,7 +12101,7 @@
               </a:ln>
               <a:extLst>
                 <a:ext uri="{91240B29-F687-4f45-9708-019B960494DF}">
-                  <a14:hiddenLine xmlns:a14="http://schemas.microsoft.com/office/drawing/2010/main" xmlns="" w="9525">
+                  <a14:hiddenLine xmlns="" xmlns:a14="http://schemas.microsoft.com/office/drawing/2010/main" w="9525">
                     <a:solidFill>
                       <a:srgbClr val="000000"/>
                     </a:solidFill>
@@ -12004,7 +12191,7 @@
               </a:ln>
               <a:extLst>
                 <a:ext uri="{91240B29-F687-4f45-9708-019B960494DF}">
-                  <a14:hiddenLine xmlns:a14="http://schemas.microsoft.com/office/drawing/2010/main" xmlns="" w="9525">
+                  <a14:hiddenLine xmlns="" xmlns:a14="http://schemas.microsoft.com/office/drawing/2010/main" w="9525">
                     <a:solidFill>
                       <a:srgbClr val="000000"/>
                     </a:solidFill>
@@ -12038,7 +12225,7 @@
               </a:ln>
               <a:extLst>
                 <a:ext uri="{91240B29-F687-4f45-9708-019B960494DF}">
-                  <a14:hiddenLine xmlns:a14="http://schemas.microsoft.com/office/drawing/2010/main" xmlns="" w="9525">
+                  <a14:hiddenLine xmlns="" xmlns:a14="http://schemas.microsoft.com/office/drawing/2010/main" w="9525">
                     <a:solidFill>
                       <a:srgbClr val="000000"/>
                     </a:solidFill>
@@ -12178,7 +12365,7 @@
           <a:p>
             <a:fld id="{867D2BB0-EC20-4E7E-BA61-C31A6B3B5362}" type="datetimeFigureOut">
               <a:rPr lang="it-IT" smtClean="0"/>
-              <a:t>18/06/2024</a:t>
+              <a:t>24/06/2024</a:t>
             </a:fld>
             <a:endParaRPr lang="it-IT"/>
           </a:p>
@@ -12770,7 +12957,7 @@
             <a:noFill/>
             <a:extLst>
               <a:ext uri="{909E8E84-426E-40dd-AFC4-6F175D3DCCD1}">
-                <a14:hiddenFill xmlns="" xmlns:a16="http://schemas.microsoft.com/office/drawing/2014/main" xmlns:p14="http://schemas.microsoft.com/office/powerpoint/2010/main" xmlns:a14="http://schemas.microsoft.com/office/drawing/2010/main">
+                <a14:hiddenFill xmlns:a14="http://schemas.microsoft.com/office/drawing/2010/main" xmlns:p14="http://schemas.microsoft.com/office/powerpoint/2010/main" xmlns:a16="http://schemas.microsoft.com/office/drawing/2014/main" xmlns="">
                   <a:solidFill>
                     <a:srgbClr val="FFFFFF"/>
                   </a:solidFill>
@@ -15136,7 +15323,7 @@
             </a:r>
             <a:r>
               <a:rPr lang="it-IT" cap="none" dirty="0" err="1"/>
-              <a:t>Get_Watch_Next_By_Idx</a:t>
+              <a:t>Get_Watch_Next_By_Id</a:t>
             </a:r>
             <a:endParaRPr lang="it-IT" dirty="0"/>
           </a:p>
@@ -15284,7 +15471,7 @@
           <a:noFill/>
           <a:extLst>
             <a:ext uri="{909E8E84-426E-40dd-AFC4-6F175D3DCCD1}">
-              <a14:hiddenFill xmlns="" xmlns:a16="http://schemas.microsoft.com/office/drawing/2014/main" xmlns:a14="http://schemas.microsoft.com/office/drawing/2010/main" xmlns:p14="http://schemas.microsoft.com/office/powerpoint/2010/main">
+              <a14:hiddenFill xmlns:p14="http://schemas.microsoft.com/office/powerpoint/2010/main" xmlns:a14="http://schemas.microsoft.com/office/drawing/2010/main" xmlns:a16="http://schemas.microsoft.com/office/drawing/2014/main" xmlns="">
                 <a:solidFill>
                   <a:srgbClr val="FFFFFF"/>
                 </a:solidFill>
@@ -15375,7 +15562,7 @@
             </a:ln>
             <a:extLst>
               <a:ext uri="{91240B29-F687-4f45-9708-019B960494DF}">
-                <a14:hiddenLine xmlns="" xmlns:a16="http://schemas.microsoft.com/office/drawing/2014/main" xmlns:a14="http://schemas.microsoft.com/office/drawing/2010/main" xmlns:p14="http://schemas.microsoft.com/office/powerpoint/2010/main" w="9525">
+                <a14:hiddenLine xmlns:p14="http://schemas.microsoft.com/office/powerpoint/2010/main" xmlns:a14="http://schemas.microsoft.com/office/drawing/2010/main" xmlns:a16="http://schemas.microsoft.com/office/drawing/2014/main" xmlns="" w="9525">
                   <a:solidFill>
                     <a:srgbClr val="000000"/>
                   </a:solidFill>
@@ -15487,7 +15674,7 @@
             </a:ln>
             <a:extLst>
               <a:ext uri="{91240B29-F687-4f45-9708-019B960494DF}">
-                <a14:hiddenLine xmlns="" xmlns:a16="http://schemas.microsoft.com/office/drawing/2014/main" xmlns:a14="http://schemas.microsoft.com/office/drawing/2010/main" xmlns:p14="http://schemas.microsoft.com/office/powerpoint/2010/main" w="9525">
+                <a14:hiddenLine xmlns:p14="http://schemas.microsoft.com/office/powerpoint/2010/main" xmlns:a14="http://schemas.microsoft.com/office/drawing/2010/main" xmlns:a16="http://schemas.microsoft.com/office/drawing/2014/main" xmlns="" w="9525">
                   <a:solidFill>
                     <a:srgbClr val="000000"/>
                   </a:solidFill>
@@ -15599,7 +15786,7 @@
             </a:ln>
             <a:extLst>
               <a:ext uri="{91240B29-F687-4f45-9708-019B960494DF}">
-                <a14:hiddenLine xmlns="" xmlns:a16="http://schemas.microsoft.com/office/drawing/2014/main" xmlns:a14="http://schemas.microsoft.com/office/drawing/2010/main" xmlns:p14="http://schemas.microsoft.com/office/powerpoint/2010/main" w="9525">
+                <a14:hiddenLine xmlns:p14="http://schemas.microsoft.com/office/powerpoint/2010/main" xmlns:a14="http://schemas.microsoft.com/office/drawing/2010/main" xmlns:a16="http://schemas.microsoft.com/office/drawing/2014/main" xmlns="" w="9525">
                   <a:solidFill>
                     <a:srgbClr val="000000"/>
                   </a:solidFill>
@@ -15655,7 +15842,7 @@
             </a:ln>
             <a:extLst>
               <a:ext uri="{91240B29-F687-4f45-9708-019B960494DF}">
-                <a14:hiddenLine xmlns="" xmlns:a16="http://schemas.microsoft.com/office/drawing/2014/main" xmlns:a14="http://schemas.microsoft.com/office/drawing/2010/main" xmlns:p14="http://schemas.microsoft.com/office/powerpoint/2010/main" w="9525">
+                <a14:hiddenLine xmlns:p14="http://schemas.microsoft.com/office/powerpoint/2010/main" xmlns:a14="http://schemas.microsoft.com/office/drawing/2010/main" xmlns:a16="http://schemas.microsoft.com/office/drawing/2014/main" xmlns="" w="9525">
                   <a:solidFill>
                     <a:srgbClr val="000000"/>
                   </a:solidFill>
@@ -15767,7 +15954,7 @@
             </a:ln>
             <a:extLst>
               <a:ext uri="{91240B29-F687-4f45-9708-019B960494DF}">
-                <a14:hiddenLine xmlns="" xmlns:a16="http://schemas.microsoft.com/office/drawing/2014/main" xmlns:a14="http://schemas.microsoft.com/office/drawing/2010/main" xmlns:p14="http://schemas.microsoft.com/office/powerpoint/2010/main" w="9525">
+                <a14:hiddenLine xmlns:p14="http://schemas.microsoft.com/office/powerpoint/2010/main" xmlns:a14="http://schemas.microsoft.com/office/drawing/2010/main" xmlns:a16="http://schemas.microsoft.com/office/drawing/2014/main" xmlns="" w="9525">
                   <a:solidFill>
                     <a:srgbClr val="000000"/>
                   </a:solidFill>
@@ -15851,7 +16038,7 @@
             </a:ln>
             <a:extLst>
               <a:ext uri="{91240B29-F687-4f45-9708-019B960494DF}">
-                <a14:hiddenLine xmlns="" xmlns:a16="http://schemas.microsoft.com/office/drawing/2014/main" xmlns:a14="http://schemas.microsoft.com/office/drawing/2010/main" xmlns:p14="http://schemas.microsoft.com/office/powerpoint/2010/main" w="9525">
+                <a14:hiddenLine xmlns:p14="http://schemas.microsoft.com/office/powerpoint/2010/main" xmlns:a14="http://schemas.microsoft.com/office/drawing/2010/main" xmlns:a16="http://schemas.microsoft.com/office/drawing/2014/main" xmlns="" w="9525">
                   <a:solidFill>
                     <a:srgbClr val="000000"/>
                   </a:solidFill>
@@ -15935,7 +16122,7 @@
             </a:ln>
             <a:extLst>
               <a:ext uri="{91240B29-F687-4f45-9708-019B960494DF}">
-                <a14:hiddenLine xmlns="" xmlns:a16="http://schemas.microsoft.com/office/drawing/2014/main" xmlns:a14="http://schemas.microsoft.com/office/drawing/2010/main" xmlns:p14="http://schemas.microsoft.com/office/powerpoint/2010/main" w="9525">
+                <a14:hiddenLine xmlns:p14="http://schemas.microsoft.com/office/powerpoint/2010/main" xmlns:a14="http://schemas.microsoft.com/office/drawing/2010/main" xmlns:a16="http://schemas.microsoft.com/office/drawing/2014/main" xmlns="" w="9525">
                   <a:solidFill>
                     <a:srgbClr val="000000"/>
                   </a:solidFill>
@@ -16047,7 +16234,7 @@
             </a:ln>
             <a:extLst>
               <a:ext uri="{91240B29-F687-4f45-9708-019B960494DF}">
-                <a14:hiddenLine xmlns="" xmlns:a16="http://schemas.microsoft.com/office/drawing/2014/main" xmlns:a14="http://schemas.microsoft.com/office/drawing/2010/main" xmlns:p14="http://schemas.microsoft.com/office/powerpoint/2010/main" w="9525">
+                <a14:hiddenLine xmlns:p14="http://schemas.microsoft.com/office/powerpoint/2010/main" xmlns:a14="http://schemas.microsoft.com/office/drawing/2010/main" xmlns:a16="http://schemas.microsoft.com/office/drawing/2014/main" xmlns="" w="9525">
                   <a:solidFill>
                     <a:srgbClr val="000000"/>
                   </a:solidFill>
@@ -16131,7 +16318,7 @@
             </a:ln>
             <a:extLst>
               <a:ext uri="{91240B29-F687-4f45-9708-019B960494DF}">
-                <a14:hiddenLine xmlns="" xmlns:a16="http://schemas.microsoft.com/office/drawing/2014/main" xmlns:a14="http://schemas.microsoft.com/office/drawing/2010/main" xmlns:p14="http://schemas.microsoft.com/office/powerpoint/2010/main" w="9525">
+                <a14:hiddenLine xmlns:p14="http://schemas.microsoft.com/office/powerpoint/2010/main" xmlns:a14="http://schemas.microsoft.com/office/drawing/2010/main" xmlns:a16="http://schemas.microsoft.com/office/drawing/2014/main" xmlns="" w="9525">
                   <a:solidFill>
                     <a:srgbClr val="000000"/>
                   </a:solidFill>
@@ -16215,7 +16402,7 @@
             </a:ln>
             <a:extLst>
               <a:ext uri="{91240B29-F687-4f45-9708-019B960494DF}">
-                <a14:hiddenLine xmlns="" xmlns:a16="http://schemas.microsoft.com/office/drawing/2014/main" xmlns:a14="http://schemas.microsoft.com/office/drawing/2010/main" xmlns:p14="http://schemas.microsoft.com/office/powerpoint/2010/main" w="9525">
+                <a14:hiddenLine xmlns:p14="http://schemas.microsoft.com/office/powerpoint/2010/main" xmlns:a14="http://schemas.microsoft.com/office/drawing/2010/main" xmlns:a16="http://schemas.microsoft.com/office/drawing/2014/main" xmlns="" w="9525">
                   <a:solidFill>
                     <a:srgbClr val="000000"/>
                   </a:solidFill>
@@ -16327,7 +16514,7 @@
             </a:ln>
             <a:extLst>
               <a:ext uri="{91240B29-F687-4f45-9708-019B960494DF}">
-                <a14:hiddenLine xmlns="" xmlns:a16="http://schemas.microsoft.com/office/drawing/2014/main" xmlns:a14="http://schemas.microsoft.com/office/drawing/2010/main" xmlns:p14="http://schemas.microsoft.com/office/powerpoint/2010/main" w="9525">
+                <a14:hiddenLine xmlns:p14="http://schemas.microsoft.com/office/powerpoint/2010/main" xmlns:a14="http://schemas.microsoft.com/office/drawing/2010/main" xmlns:a16="http://schemas.microsoft.com/office/drawing/2014/main" xmlns="" w="9525">
                   <a:solidFill>
                     <a:srgbClr val="000000"/>
                   </a:solidFill>
@@ -16439,7 +16626,7 @@
             </a:ln>
             <a:extLst>
               <a:ext uri="{91240B29-F687-4f45-9708-019B960494DF}">
-                <a14:hiddenLine xmlns="" xmlns:a16="http://schemas.microsoft.com/office/drawing/2014/main" xmlns:a14="http://schemas.microsoft.com/office/drawing/2010/main" xmlns:p14="http://schemas.microsoft.com/office/powerpoint/2010/main" w="9525">
+                <a14:hiddenLine xmlns:p14="http://schemas.microsoft.com/office/powerpoint/2010/main" xmlns:a14="http://schemas.microsoft.com/office/drawing/2010/main" xmlns:a16="http://schemas.microsoft.com/office/drawing/2014/main" xmlns="" w="9525">
                   <a:solidFill>
                     <a:srgbClr val="000000"/>
                   </a:solidFill>
@@ -16523,7 +16710,7 @@
             </a:ln>
             <a:extLst>
               <a:ext uri="{91240B29-F687-4f45-9708-019B960494DF}">
-                <a14:hiddenLine xmlns="" xmlns:a16="http://schemas.microsoft.com/office/drawing/2014/main" xmlns:a14="http://schemas.microsoft.com/office/drawing/2010/main" xmlns:p14="http://schemas.microsoft.com/office/powerpoint/2010/main" w="9525">
+                <a14:hiddenLine xmlns:p14="http://schemas.microsoft.com/office/powerpoint/2010/main" xmlns:a14="http://schemas.microsoft.com/office/drawing/2010/main" xmlns:a16="http://schemas.microsoft.com/office/drawing/2014/main" xmlns="" w="9525">
                   <a:solidFill>
                     <a:srgbClr val="000000"/>
                   </a:solidFill>
@@ -16655,7 +16842,7 @@
             </a:ln>
             <a:extLst>
               <a:ext uri="{91240B29-F687-4f45-9708-019B960494DF}">
-                <a14:hiddenLine xmlns="" xmlns:a16="http://schemas.microsoft.com/office/drawing/2014/main" xmlns:a14="http://schemas.microsoft.com/office/drawing/2010/main" xmlns:p14="http://schemas.microsoft.com/office/powerpoint/2010/main" w="9525">
+                <a14:hiddenLine xmlns:p14="http://schemas.microsoft.com/office/powerpoint/2010/main" xmlns:a14="http://schemas.microsoft.com/office/drawing/2010/main" xmlns:a16="http://schemas.microsoft.com/office/drawing/2014/main" xmlns="" w="9525">
                   <a:solidFill>
                     <a:srgbClr val="000000"/>
                   </a:solidFill>
@@ -16739,7 +16926,7 @@
             </a:ln>
             <a:extLst>
               <a:ext uri="{91240B29-F687-4f45-9708-019B960494DF}">
-                <a14:hiddenLine xmlns="" xmlns:a16="http://schemas.microsoft.com/office/drawing/2014/main" xmlns:a14="http://schemas.microsoft.com/office/drawing/2010/main" xmlns:p14="http://schemas.microsoft.com/office/powerpoint/2010/main" w="9525">
+                <a14:hiddenLine xmlns:p14="http://schemas.microsoft.com/office/powerpoint/2010/main" xmlns:a14="http://schemas.microsoft.com/office/drawing/2010/main" xmlns:a16="http://schemas.microsoft.com/office/drawing/2014/main" xmlns="" w="9525">
                   <a:solidFill>
                     <a:srgbClr val="000000"/>
                   </a:solidFill>
@@ -16851,7 +17038,7 @@
             </a:ln>
             <a:extLst>
               <a:ext uri="{91240B29-F687-4f45-9708-019B960494DF}">
-                <a14:hiddenLine xmlns="" xmlns:a16="http://schemas.microsoft.com/office/drawing/2014/main" xmlns:a14="http://schemas.microsoft.com/office/drawing/2010/main" xmlns:p14="http://schemas.microsoft.com/office/powerpoint/2010/main" w="9525">
+                <a14:hiddenLine xmlns:p14="http://schemas.microsoft.com/office/powerpoint/2010/main" xmlns:a14="http://schemas.microsoft.com/office/drawing/2010/main" xmlns:a16="http://schemas.microsoft.com/office/drawing/2014/main" xmlns="" w="9525">
                   <a:solidFill>
                     <a:srgbClr val="000000"/>
                   </a:solidFill>
@@ -16963,7 +17150,7 @@
             </a:ln>
             <a:extLst>
               <a:ext uri="{91240B29-F687-4f45-9708-019B960494DF}">
-                <a14:hiddenLine xmlns="" xmlns:a16="http://schemas.microsoft.com/office/drawing/2014/main" xmlns:a14="http://schemas.microsoft.com/office/drawing/2010/main" xmlns:p14="http://schemas.microsoft.com/office/powerpoint/2010/main" w="9525">
+                <a14:hiddenLine xmlns:p14="http://schemas.microsoft.com/office/powerpoint/2010/main" xmlns:a14="http://schemas.microsoft.com/office/drawing/2010/main" xmlns:a16="http://schemas.microsoft.com/office/drawing/2014/main" xmlns="" w="9525">
                   <a:solidFill>
                     <a:srgbClr val="000000"/>
                   </a:solidFill>
@@ -17047,7 +17234,7 @@
             </a:ln>
             <a:extLst>
               <a:ext uri="{91240B29-F687-4f45-9708-019B960494DF}">
-                <a14:hiddenLine xmlns="" xmlns:a16="http://schemas.microsoft.com/office/drawing/2014/main" xmlns:a14="http://schemas.microsoft.com/office/drawing/2010/main" xmlns:p14="http://schemas.microsoft.com/office/powerpoint/2010/main" w="9525">
+                <a14:hiddenLine xmlns:p14="http://schemas.microsoft.com/office/powerpoint/2010/main" xmlns:a14="http://schemas.microsoft.com/office/drawing/2010/main" xmlns:a16="http://schemas.microsoft.com/office/drawing/2014/main" xmlns="" w="9525">
                   <a:solidFill>
                     <a:srgbClr val="000000"/>
                   </a:solidFill>
@@ -17159,7 +17346,7 @@
             </a:ln>
             <a:extLst>
               <a:ext uri="{91240B29-F687-4f45-9708-019B960494DF}">
-                <a14:hiddenLine xmlns="" xmlns:a16="http://schemas.microsoft.com/office/drawing/2014/main" xmlns:a14="http://schemas.microsoft.com/office/drawing/2010/main" xmlns:p14="http://schemas.microsoft.com/office/powerpoint/2010/main" w="9525">
+                <a14:hiddenLine xmlns:p14="http://schemas.microsoft.com/office/powerpoint/2010/main" xmlns:a14="http://schemas.microsoft.com/office/drawing/2010/main" xmlns:a16="http://schemas.microsoft.com/office/drawing/2014/main" xmlns="" w="9525">
                   <a:solidFill>
                     <a:srgbClr val="000000"/>
                   </a:solidFill>
@@ -17271,7 +17458,7 @@
             </a:ln>
             <a:extLst>
               <a:ext uri="{91240B29-F687-4f45-9708-019B960494DF}">
-                <a14:hiddenLine xmlns="" xmlns:a16="http://schemas.microsoft.com/office/drawing/2014/main" xmlns:a14="http://schemas.microsoft.com/office/drawing/2010/main" xmlns:p14="http://schemas.microsoft.com/office/powerpoint/2010/main" w="9525">
+                <a14:hiddenLine xmlns:p14="http://schemas.microsoft.com/office/powerpoint/2010/main" xmlns:a14="http://schemas.microsoft.com/office/drawing/2010/main" xmlns:a16="http://schemas.microsoft.com/office/drawing/2014/main" xmlns="" w="9525">
                   <a:solidFill>
                     <a:srgbClr val="000000"/>
                   </a:solidFill>
@@ -17349,7 +17536,7 @@
             </a:ln>
             <a:extLst>
               <a:ext uri="{91240B29-F687-4f45-9708-019B960494DF}">
-                <a14:hiddenLine xmlns="" xmlns:a16="http://schemas.microsoft.com/office/drawing/2014/main" xmlns:a14="http://schemas.microsoft.com/office/drawing/2010/main" xmlns:p14="http://schemas.microsoft.com/office/powerpoint/2010/main" w="9525">
+                <a14:hiddenLine xmlns:p14="http://schemas.microsoft.com/office/powerpoint/2010/main" xmlns:a14="http://schemas.microsoft.com/office/drawing/2010/main" xmlns:a16="http://schemas.microsoft.com/office/drawing/2014/main" xmlns="" w="9525">
                   <a:solidFill>
                     <a:srgbClr val="000000"/>
                   </a:solidFill>
@@ -17461,7 +17648,7 @@
             </a:ln>
             <a:extLst>
               <a:ext uri="{91240B29-F687-4f45-9708-019B960494DF}">
-                <a14:hiddenLine xmlns="" xmlns:a16="http://schemas.microsoft.com/office/drawing/2014/main" xmlns:a14="http://schemas.microsoft.com/office/drawing/2010/main" xmlns:p14="http://schemas.microsoft.com/office/powerpoint/2010/main" w="9525">
+                <a14:hiddenLine xmlns:p14="http://schemas.microsoft.com/office/powerpoint/2010/main" xmlns:a14="http://schemas.microsoft.com/office/drawing/2010/main" xmlns:a16="http://schemas.microsoft.com/office/drawing/2014/main" xmlns="" w="9525">
                   <a:solidFill>
                     <a:srgbClr val="000000"/>
                   </a:solidFill>
@@ -17539,7 +17726,7 @@
             </a:ln>
             <a:extLst>
               <a:ext uri="{91240B29-F687-4f45-9708-019B960494DF}">
-                <a14:hiddenLine xmlns="" xmlns:a16="http://schemas.microsoft.com/office/drawing/2014/main" xmlns:a14="http://schemas.microsoft.com/office/drawing/2010/main" xmlns:p14="http://schemas.microsoft.com/office/powerpoint/2010/main" w="9525">
+                <a14:hiddenLine xmlns:p14="http://schemas.microsoft.com/office/powerpoint/2010/main" xmlns:a14="http://schemas.microsoft.com/office/drawing/2010/main" xmlns:a16="http://schemas.microsoft.com/office/drawing/2014/main" xmlns="" w="9525">
                   <a:solidFill>
                     <a:srgbClr val="000000"/>
                   </a:solidFill>
@@ -17651,7 +17838,7 @@
             </a:ln>
             <a:extLst>
               <a:ext uri="{91240B29-F687-4f45-9708-019B960494DF}">
-                <a14:hiddenLine xmlns="" xmlns:a16="http://schemas.microsoft.com/office/drawing/2014/main" xmlns:a14="http://schemas.microsoft.com/office/drawing/2010/main" xmlns:p14="http://schemas.microsoft.com/office/powerpoint/2010/main" w="9525">
+                <a14:hiddenLine xmlns:p14="http://schemas.microsoft.com/office/powerpoint/2010/main" xmlns:a14="http://schemas.microsoft.com/office/drawing/2010/main" xmlns:a16="http://schemas.microsoft.com/office/drawing/2014/main" xmlns="" w="9525">
                   <a:solidFill>
                     <a:srgbClr val="000000"/>
                   </a:solidFill>
@@ -17741,7 +17928,7 @@
             </a:ln>
             <a:extLst>
               <a:ext uri="{91240B29-F687-4f45-9708-019B960494DF}">
-                <a14:hiddenLine xmlns="" xmlns:a16="http://schemas.microsoft.com/office/drawing/2014/main" xmlns:a14="http://schemas.microsoft.com/office/drawing/2010/main" xmlns:p14="http://schemas.microsoft.com/office/powerpoint/2010/main" w="9525">
+                <a14:hiddenLine xmlns:p14="http://schemas.microsoft.com/office/powerpoint/2010/main" xmlns:a14="http://schemas.microsoft.com/office/drawing/2010/main" xmlns:a16="http://schemas.microsoft.com/office/drawing/2014/main" xmlns="" w="9525">
                   <a:solidFill>
                     <a:srgbClr val="000000"/>
                   </a:solidFill>
@@ -17853,7 +18040,7 @@
             </a:ln>
             <a:extLst>
               <a:ext uri="{91240B29-F687-4f45-9708-019B960494DF}">
-                <a14:hiddenLine xmlns="" xmlns:a16="http://schemas.microsoft.com/office/drawing/2014/main" xmlns:a14="http://schemas.microsoft.com/office/drawing/2010/main" xmlns:p14="http://schemas.microsoft.com/office/powerpoint/2010/main" w="9525">
+                <a14:hiddenLine xmlns:p14="http://schemas.microsoft.com/office/powerpoint/2010/main" xmlns:a14="http://schemas.microsoft.com/office/drawing/2010/main" xmlns:a16="http://schemas.microsoft.com/office/drawing/2014/main" xmlns="" w="9525">
                   <a:solidFill>
                     <a:srgbClr val="000000"/>
                   </a:solidFill>
@@ -17943,7 +18130,7 @@
             </a:ln>
             <a:extLst>
               <a:ext uri="{91240B29-F687-4f45-9708-019B960494DF}">
-                <a14:hiddenLine xmlns="" xmlns:a16="http://schemas.microsoft.com/office/drawing/2014/main" xmlns:a14="http://schemas.microsoft.com/office/drawing/2010/main" xmlns:p14="http://schemas.microsoft.com/office/powerpoint/2010/main" w="9525">
+                <a14:hiddenLine xmlns:p14="http://schemas.microsoft.com/office/powerpoint/2010/main" xmlns:a14="http://schemas.microsoft.com/office/drawing/2010/main" xmlns:a16="http://schemas.microsoft.com/office/drawing/2014/main" xmlns="" w="9525">
                   <a:solidFill>
                     <a:srgbClr val="000000"/>
                   </a:solidFill>
@@ -18055,7 +18242,7 @@
             </a:ln>
             <a:extLst>
               <a:ext uri="{91240B29-F687-4f45-9708-019B960494DF}">
-                <a14:hiddenLine xmlns="" xmlns:a16="http://schemas.microsoft.com/office/drawing/2014/main" xmlns:a14="http://schemas.microsoft.com/office/drawing/2010/main" xmlns:p14="http://schemas.microsoft.com/office/powerpoint/2010/main" w="9525">
+                <a14:hiddenLine xmlns:p14="http://schemas.microsoft.com/office/powerpoint/2010/main" xmlns:a14="http://schemas.microsoft.com/office/drawing/2010/main" xmlns:a16="http://schemas.microsoft.com/office/drawing/2014/main" xmlns="" w="9525">
                   <a:solidFill>
                     <a:srgbClr val="000000"/>
                   </a:solidFill>
@@ -18111,7 +18298,7 @@
             </a:ln>
             <a:extLst>
               <a:ext uri="{91240B29-F687-4f45-9708-019B960494DF}">
-                <a14:hiddenLine xmlns="" xmlns:a16="http://schemas.microsoft.com/office/drawing/2014/main" xmlns:a14="http://schemas.microsoft.com/office/drawing/2010/main" xmlns:p14="http://schemas.microsoft.com/office/powerpoint/2010/main" w="9525">
+                <a14:hiddenLine xmlns:p14="http://schemas.microsoft.com/office/powerpoint/2010/main" xmlns:a14="http://schemas.microsoft.com/office/drawing/2010/main" xmlns:a16="http://schemas.microsoft.com/office/drawing/2014/main" xmlns="" w="9525">
                   <a:solidFill>
                     <a:srgbClr val="000000"/>
                   </a:solidFill>
@@ -18223,7 +18410,7 @@
             </a:ln>
             <a:extLst>
               <a:ext uri="{91240B29-F687-4f45-9708-019B960494DF}">
-                <a14:hiddenLine xmlns="" xmlns:a16="http://schemas.microsoft.com/office/drawing/2014/main" xmlns:a14="http://schemas.microsoft.com/office/drawing/2010/main" xmlns:p14="http://schemas.microsoft.com/office/powerpoint/2010/main" w="9525">
+                <a14:hiddenLine xmlns:p14="http://schemas.microsoft.com/office/powerpoint/2010/main" xmlns:a14="http://schemas.microsoft.com/office/drawing/2010/main" xmlns:a16="http://schemas.microsoft.com/office/drawing/2014/main" xmlns="" w="9525">
                   <a:solidFill>
                     <a:srgbClr val="000000"/>
                   </a:solidFill>
@@ -18307,7 +18494,7 @@
             </a:ln>
             <a:extLst>
               <a:ext uri="{91240B29-F687-4f45-9708-019B960494DF}">
-                <a14:hiddenLine xmlns="" xmlns:a16="http://schemas.microsoft.com/office/drawing/2014/main" xmlns:a14="http://schemas.microsoft.com/office/drawing/2010/main" xmlns:p14="http://schemas.microsoft.com/office/powerpoint/2010/main" w="9525">
+                <a14:hiddenLine xmlns:p14="http://schemas.microsoft.com/office/powerpoint/2010/main" xmlns:a14="http://schemas.microsoft.com/office/drawing/2010/main" xmlns:a16="http://schemas.microsoft.com/office/drawing/2014/main" xmlns="" w="9525">
                   <a:solidFill>
                     <a:srgbClr val="000000"/>
                   </a:solidFill>
@@ -18391,7 +18578,7 @@
             </a:ln>
             <a:extLst>
               <a:ext uri="{91240B29-F687-4f45-9708-019B960494DF}">
-                <a14:hiddenLine xmlns="" xmlns:a16="http://schemas.microsoft.com/office/drawing/2014/main" xmlns:a14="http://schemas.microsoft.com/office/drawing/2010/main" xmlns:p14="http://schemas.microsoft.com/office/powerpoint/2010/main" w="9525">
+                <a14:hiddenLine xmlns:p14="http://schemas.microsoft.com/office/powerpoint/2010/main" xmlns:a14="http://schemas.microsoft.com/office/drawing/2010/main" xmlns:a16="http://schemas.microsoft.com/office/drawing/2014/main" xmlns="" w="9525">
                   <a:solidFill>
                     <a:srgbClr val="000000"/>
                   </a:solidFill>
@@ -18503,7 +18690,7 @@
             </a:ln>
             <a:extLst>
               <a:ext uri="{91240B29-F687-4f45-9708-019B960494DF}">
-                <a14:hiddenLine xmlns="" xmlns:a16="http://schemas.microsoft.com/office/drawing/2014/main" xmlns:a14="http://schemas.microsoft.com/office/drawing/2010/main" xmlns:p14="http://schemas.microsoft.com/office/powerpoint/2010/main" w="9525">
+                <a14:hiddenLine xmlns:p14="http://schemas.microsoft.com/office/powerpoint/2010/main" xmlns:a14="http://schemas.microsoft.com/office/drawing/2010/main" xmlns:a16="http://schemas.microsoft.com/office/drawing/2014/main" xmlns="" w="9525">
                   <a:solidFill>
                     <a:srgbClr val="000000"/>
                   </a:solidFill>
@@ -18593,7 +18780,7 @@
             </a:ln>
             <a:extLst>
               <a:ext uri="{91240B29-F687-4f45-9708-019B960494DF}">
-                <a14:hiddenLine xmlns="" xmlns:a16="http://schemas.microsoft.com/office/drawing/2014/main" xmlns:a14="http://schemas.microsoft.com/office/drawing/2010/main" xmlns:p14="http://schemas.microsoft.com/office/powerpoint/2010/main" w="9525">
+                <a14:hiddenLine xmlns:p14="http://schemas.microsoft.com/office/powerpoint/2010/main" xmlns:a14="http://schemas.microsoft.com/office/drawing/2010/main" xmlns:a16="http://schemas.microsoft.com/office/drawing/2014/main" xmlns="" w="9525">
                   <a:solidFill>
                     <a:srgbClr val="000000"/>
                   </a:solidFill>
@@ -18677,7 +18864,7 @@
             </a:ln>
             <a:extLst>
               <a:ext uri="{91240B29-F687-4f45-9708-019B960494DF}">
-                <a14:hiddenLine xmlns="" xmlns:a16="http://schemas.microsoft.com/office/drawing/2014/main" xmlns:a14="http://schemas.microsoft.com/office/drawing/2010/main" xmlns:p14="http://schemas.microsoft.com/office/powerpoint/2010/main" w="9525">
+                <a14:hiddenLine xmlns:p14="http://schemas.microsoft.com/office/powerpoint/2010/main" xmlns:a14="http://schemas.microsoft.com/office/drawing/2010/main" xmlns:a16="http://schemas.microsoft.com/office/drawing/2014/main" xmlns="" w="9525">
                   <a:solidFill>
                     <a:srgbClr val="000000"/>
                   </a:solidFill>
@@ -18789,7 +18976,7 @@
             </a:ln>
             <a:extLst>
               <a:ext uri="{91240B29-F687-4f45-9708-019B960494DF}">
-                <a14:hiddenLine xmlns="" xmlns:a16="http://schemas.microsoft.com/office/drawing/2014/main" xmlns:a14="http://schemas.microsoft.com/office/drawing/2010/main" xmlns:p14="http://schemas.microsoft.com/office/powerpoint/2010/main" w="9525">
+                <a14:hiddenLine xmlns:p14="http://schemas.microsoft.com/office/powerpoint/2010/main" xmlns:a14="http://schemas.microsoft.com/office/drawing/2010/main" xmlns:a16="http://schemas.microsoft.com/office/drawing/2014/main" xmlns="" w="9525">
                   <a:solidFill>
                     <a:srgbClr val="000000"/>
                   </a:solidFill>
@@ -18873,7 +19060,7 @@
             </a:ln>
             <a:extLst>
               <a:ext uri="{91240B29-F687-4f45-9708-019B960494DF}">
-                <a14:hiddenLine xmlns="" xmlns:a16="http://schemas.microsoft.com/office/drawing/2014/main" xmlns:a14="http://schemas.microsoft.com/office/drawing/2010/main" xmlns:p14="http://schemas.microsoft.com/office/powerpoint/2010/main" w="9525">
+                <a14:hiddenLine xmlns:p14="http://schemas.microsoft.com/office/powerpoint/2010/main" xmlns:a14="http://schemas.microsoft.com/office/drawing/2010/main" xmlns:a16="http://schemas.microsoft.com/office/drawing/2014/main" xmlns="" w="9525">
                   <a:solidFill>
                     <a:srgbClr val="000000"/>
                   </a:solidFill>
@@ -18985,7 +19172,7 @@
             </a:ln>
             <a:extLst>
               <a:ext uri="{91240B29-F687-4f45-9708-019B960494DF}">
-                <a14:hiddenLine xmlns="" xmlns:a16="http://schemas.microsoft.com/office/drawing/2014/main" xmlns:a14="http://schemas.microsoft.com/office/drawing/2010/main" xmlns:p14="http://schemas.microsoft.com/office/powerpoint/2010/main" w="9525">
+                <a14:hiddenLine xmlns:p14="http://schemas.microsoft.com/office/powerpoint/2010/main" xmlns:a14="http://schemas.microsoft.com/office/drawing/2010/main" xmlns:a16="http://schemas.microsoft.com/office/drawing/2014/main" xmlns="" w="9525">
                   <a:solidFill>
                     <a:srgbClr val="000000"/>
                   </a:solidFill>
@@ -19069,7 +19256,7 @@
             </a:ln>
             <a:extLst>
               <a:ext uri="{91240B29-F687-4f45-9708-019B960494DF}">
-                <a14:hiddenLine xmlns="" xmlns:a16="http://schemas.microsoft.com/office/drawing/2014/main" xmlns:a14="http://schemas.microsoft.com/office/drawing/2010/main" xmlns:p14="http://schemas.microsoft.com/office/powerpoint/2010/main" w="9525">
+                <a14:hiddenLine xmlns:p14="http://schemas.microsoft.com/office/powerpoint/2010/main" xmlns:a14="http://schemas.microsoft.com/office/drawing/2010/main" xmlns:a16="http://schemas.microsoft.com/office/drawing/2014/main" xmlns="" w="9525">
                   <a:solidFill>
                     <a:srgbClr val="000000"/>
                   </a:solidFill>
@@ -19181,7 +19368,7 @@
             </a:ln>
             <a:extLst>
               <a:ext uri="{91240B29-F687-4f45-9708-019B960494DF}">
-                <a14:hiddenLine xmlns="" xmlns:a16="http://schemas.microsoft.com/office/drawing/2014/main" xmlns:a14="http://schemas.microsoft.com/office/drawing/2010/main" xmlns:p14="http://schemas.microsoft.com/office/powerpoint/2010/main" w="9525">
+                <a14:hiddenLine xmlns:p14="http://schemas.microsoft.com/office/powerpoint/2010/main" xmlns:a14="http://schemas.microsoft.com/office/drawing/2010/main" xmlns:a16="http://schemas.microsoft.com/office/drawing/2014/main" xmlns="" w="9525">
                   <a:solidFill>
                     <a:srgbClr val="000000"/>
                   </a:solidFill>
@@ -19237,7 +19424,7 @@
             </a:ln>
             <a:extLst>
               <a:ext uri="{91240B29-F687-4f45-9708-019B960494DF}">
-                <a14:hiddenLine xmlns="" xmlns:a16="http://schemas.microsoft.com/office/drawing/2014/main" xmlns:a14="http://schemas.microsoft.com/office/drawing/2010/main" xmlns:p14="http://schemas.microsoft.com/office/powerpoint/2010/main" w="9525">
+                <a14:hiddenLine xmlns:p14="http://schemas.microsoft.com/office/powerpoint/2010/main" xmlns:a14="http://schemas.microsoft.com/office/drawing/2010/main" xmlns:a16="http://schemas.microsoft.com/office/drawing/2014/main" xmlns="" w="9525">
                   <a:solidFill>
                     <a:srgbClr val="000000"/>
                   </a:solidFill>
@@ -19324,7 +19511,7 @@
             </a:ln>
             <a:extLst>
               <a:ext uri="{91240B29-F687-4f45-9708-019B960494DF}">
-                <a14:hiddenLine xmlns="" xmlns:a16="http://schemas.microsoft.com/office/drawing/2014/main" xmlns:a14="http://schemas.microsoft.com/office/drawing/2010/main" xmlns:p14="http://schemas.microsoft.com/office/powerpoint/2010/main" w="9525">
+                <a14:hiddenLine xmlns:p14="http://schemas.microsoft.com/office/powerpoint/2010/main" xmlns:a14="http://schemas.microsoft.com/office/drawing/2010/main" xmlns:a16="http://schemas.microsoft.com/office/drawing/2014/main" xmlns="" w="9525">
                   <a:solidFill>
                     <a:srgbClr val="000000"/>
                   </a:solidFill>
@@ -19436,7 +19623,7 @@
             </a:ln>
             <a:extLst>
               <a:ext uri="{91240B29-F687-4f45-9708-019B960494DF}">
-                <a14:hiddenLine xmlns="" xmlns:a16="http://schemas.microsoft.com/office/drawing/2014/main" xmlns:a14="http://schemas.microsoft.com/office/drawing/2010/main" xmlns:p14="http://schemas.microsoft.com/office/powerpoint/2010/main" w="9525">
+                <a14:hiddenLine xmlns:p14="http://schemas.microsoft.com/office/powerpoint/2010/main" xmlns:a14="http://schemas.microsoft.com/office/drawing/2010/main" xmlns:a16="http://schemas.microsoft.com/office/drawing/2014/main" xmlns="" w="9525">
                   <a:solidFill>
                     <a:srgbClr val="000000"/>
                   </a:solidFill>
@@ -19520,7 +19707,7 @@
             </a:ln>
             <a:extLst>
               <a:ext uri="{91240B29-F687-4f45-9708-019B960494DF}">
-                <a14:hiddenLine xmlns="" xmlns:a16="http://schemas.microsoft.com/office/drawing/2014/main" xmlns:a14="http://schemas.microsoft.com/office/drawing/2010/main" xmlns:p14="http://schemas.microsoft.com/office/powerpoint/2010/main" w="9525">
+                <a14:hiddenLine xmlns:p14="http://schemas.microsoft.com/office/powerpoint/2010/main" xmlns:a14="http://schemas.microsoft.com/office/drawing/2010/main" xmlns:a16="http://schemas.microsoft.com/office/drawing/2014/main" xmlns="" w="9525">
                   <a:solidFill>
                     <a:srgbClr val="000000"/>
                   </a:solidFill>
@@ -19632,7 +19819,7 @@
             </a:ln>
             <a:extLst>
               <a:ext uri="{91240B29-F687-4f45-9708-019B960494DF}">
-                <a14:hiddenLine xmlns="" xmlns:a16="http://schemas.microsoft.com/office/drawing/2014/main" xmlns:a14="http://schemas.microsoft.com/office/drawing/2010/main" xmlns:p14="http://schemas.microsoft.com/office/powerpoint/2010/main" w="9525">
+                <a14:hiddenLine xmlns:p14="http://schemas.microsoft.com/office/powerpoint/2010/main" xmlns:a14="http://schemas.microsoft.com/office/drawing/2010/main" xmlns:a16="http://schemas.microsoft.com/office/drawing/2014/main" xmlns="" w="9525">
                   <a:solidFill>
                     <a:srgbClr val="000000"/>
                   </a:solidFill>
@@ -19744,7 +19931,7 @@
             </a:ln>
             <a:extLst>
               <a:ext uri="{91240B29-F687-4f45-9708-019B960494DF}">
-                <a14:hiddenLine xmlns="" xmlns:a16="http://schemas.microsoft.com/office/drawing/2014/main" xmlns:a14="http://schemas.microsoft.com/office/drawing/2010/main" xmlns:p14="http://schemas.microsoft.com/office/powerpoint/2010/main" w="9525">
+                <a14:hiddenLine xmlns:p14="http://schemas.microsoft.com/office/powerpoint/2010/main" xmlns:a14="http://schemas.microsoft.com/office/drawing/2010/main" xmlns:a16="http://schemas.microsoft.com/office/drawing/2014/main" xmlns="" w="9525">
                   <a:solidFill>
                     <a:srgbClr val="000000"/>
                   </a:solidFill>
@@ -19831,7 +20018,7 @@
             </a:ln>
             <a:extLst>
               <a:ext uri="{91240B29-F687-4f45-9708-019B960494DF}">
-                <a14:hiddenLine xmlns="" xmlns:a16="http://schemas.microsoft.com/office/drawing/2014/main" xmlns:a14="http://schemas.microsoft.com/office/drawing/2010/main" xmlns:p14="http://schemas.microsoft.com/office/powerpoint/2010/main" w="9525">
+                <a14:hiddenLine xmlns:p14="http://schemas.microsoft.com/office/powerpoint/2010/main" xmlns:a14="http://schemas.microsoft.com/office/drawing/2010/main" xmlns:a16="http://schemas.microsoft.com/office/drawing/2014/main" xmlns="" w="9525">
                   <a:solidFill>
                     <a:srgbClr val="000000"/>
                   </a:solidFill>
@@ -19915,7 +20102,7 @@
             </a:ln>
             <a:extLst>
               <a:ext uri="{91240B29-F687-4f45-9708-019B960494DF}">
-                <a14:hiddenLine xmlns="" xmlns:a16="http://schemas.microsoft.com/office/drawing/2014/main" xmlns:a14="http://schemas.microsoft.com/office/drawing/2010/main" xmlns:p14="http://schemas.microsoft.com/office/powerpoint/2010/main" w="9525">
+                <a14:hiddenLine xmlns:p14="http://schemas.microsoft.com/office/powerpoint/2010/main" xmlns:a14="http://schemas.microsoft.com/office/drawing/2010/main" xmlns:a16="http://schemas.microsoft.com/office/drawing/2014/main" xmlns="" w="9525">
                   <a:solidFill>
                     <a:srgbClr val="000000"/>
                   </a:solidFill>
@@ -20027,7 +20214,7 @@
             </a:ln>
             <a:extLst>
               <a:ext uri="{91240B29-F687-4f45-9708-019B960494DF}">
-                <a14:hiddenLine xmlns="" xmlns:a16="http://schemas.microsoft.com/office/drawing/2014/main" xmlns:a14="http://schemas.microsoft.com/office/drawing/2010/main" xmlns:p14="http://schemas.microsoft.com/office/powerpoint/2010/main" w="9525">
+                <a14:hiddenLine xmlns:p14="http://schemas.microsoft.com/office/powerpoint/2010/main" xmlns:a14="http://schemas.microsoft.com/office/drawing/2010/main" xmlns:a16="http://schemas.microsoft.com/office/drawing/2014/main" xmlns="" w="9525">
                   <a:solidFill>
                     <a:srgbClr val="000000"/>
                   </a:solidFill>
@@ -20139,7 +20326,7 @@
             </a:ln>
             <a:extLst>
               <a:ext uri="{91240B29-F687-4f45-9708-019B960494DF}">
-                <a14:hiddenLine xmlns="" xmlns:a16="http://schemas.microsoft.com/office/drawing/2014/main" xmlns:a14="http://schemas.microsoft.com/office/drawing/2010/main" xmlns:p14="http://schemas.microsoft.com/office/powerpoint/2010/main" w="9525">
+                <a14:hiddenLine xmlns:p14="http://schemas.microsoft.com/office/powerpoint/2010/main" xmlns:a14="http://schemas.microsoft.com/office/drawing/2010/main" xmlns:a16="http://schemas.microsoft.com/office/drawing/2014/main" xmlns="" w="9525">
                   <a:solidFill>
                     <a:srgbClr val="000000"/>
                   </a:solidFill>
@@ -20223,7 +20410,7 @@
             </a:ln>
             <a:extLst>
               <a:ext uri="{91240B29-F687-4f45-9708-019B960494DF}">
-                <a14:hiddenLine xmlns="" xmlns:a16="http://schemas.microsoft.com/office/drawing/2014/main" xmlns:a14="http://schemas.microsoft.com/office/drawing/2010/main" xmlns:p14="http://schemas.microsoft.com/office/powerpoint/2010/main" w="9525">
+                <a14:hiddenLine xmlns:p14="http://schemas.microsoft.com/office/powerpoint/2010/main" xmlns:a14="http://schemas.microsoft.com/office/drawing/2010/main" xmlns:a16="http://schemas.microsoft.com/office/drawing/2014/main" xmlns="" w="9525">
                   <a:solidFill>
                     <a:srgbClr val="000000"/>
                   </a:solidFill>
@@ -20365,7 +20552,7 @@
             </a:ln>
             <a:extLst>
               <a:ext uri="{91240B29-F687-4f45-9708-019B960494DF}">
-                <a14:hiddenLine xmlns="" xmlns:a16="http://schemas.microsoft.com/office/drawing/2014/main" xmlns:a14="http://schemas.microsoft.com/office/drawing/2010/main" xmlns:p14="http://schemas.microsoft.com/office/powerpoint/2010/main" w="9525">
+                <a14:hiddenLine xmlns:p14="http://schemas.microsoft.com/office/powerpoint/2010/main" xmlns:a14="http://schemas.microsoft.com/office/drawing/2010/main" xmlns:a16="http://schemas.microsoft.com/office/drawing/2014/main" xmlns="" w="9525">
                   <a:solidFill>
                     <a:srgbClr val="000000"/>
                   </a:solidFill>
@@ -20455,7 +20642,7 @@
             </a:ln>
             <a:extLst>
               <a:ext uri="{91240B29-F687-4f45-9708-019B960494DF}">
-                <a14:hiddenLine xmlns="" xmlns:a16="http://schemas.microsoft.com/office/drawing/2014/main" xmlns:a14="http://schemas.microsoft.com/office/drawing/2010/main" xmlns:p14="http://schemas.microsoft.com/office/powerpoint/2010/main" w="9525">
+                <a14:hiddenLine xmlns:p14="http://schemas.microsoft.com/office/powerpoint/2010/main" xmlns:a14="http://schemas.microsoft.com/office/drawing/2010/main" xmlns:a16="http://schemas.microsoft.com/office/drawing/2014/main" xmlns="" w="9525">
                   <a:solidFill>
                     <a:srgbClr val="000000"/>
                   </a:solidFill>
@@ -20567,7 +20754,7 @@
             </a:ln>
             <a:extLst>
               <a:ext uri="{91240B29-F687-4f45-9708-019B960494DF}">
-                <a14:hiddenLine xmlns="" xmlns:a16="http://schemas.microsoft.com/office/drawing/2014/main" xmlns:a14="http://schemas.microsoft.com/office/drawing/2010/main" xmlns:p14="http://schemas.microsoft.com/office/powerpoint/2010/main" w="9525">
+                <a14:hiddenLine xmlns:p14="http://schemas.microsoft.com/office/powerpoint/2010/main" xmlns:a14="http://schemas.microsoft.com/office/drawing/2010/main" xmlns:a16="http://schemas.microsoft.com/office/drawing/2014/main" xmlns="" w="9525">
                   <a:solidFill>
                     <a:srgbClr val="000000"/>
                   </a:solidFill>
@@ -20731,7 +20918,7 @@
             <a:noFill/>
             <a:extLst>
               <a:ext uri="{909E8E84-426E-40dd-AFC4-6F175D3DCCD1}">
-                <a14:hiddenFill xmlns="" xmlns:a16="http://schemas.microsoft.com/office/drawing/2014/main" xmlns:a14="http://schemas.microsoft.com/office/drawing/2010/main" xmlns:p14="http://schemas.microsoft.com/office/powerpoint/2010/main">
+                <a14:hiddenFill xmlns:p14="http://schemas.microsoft.com/office/powerpoint/2010/main" xmlns:a14="http://schemas.microsoft.com/office/drawing/2010/main" xmlns:a16="http://schemas.microsoft.com/office/drawing/2014/main" xmlns="">
                   <a:solidFill>
                     <a:srgbClr val="FFFFFF"/>
                   </a:solidFill>
@@ -20770,8 +20957,12 @@
           <a:lstStyle/>
           <a:p>
             <a:r>
+              <a:rPr lang="it-IT" dirty="0" err="1"/>
+              <a:t>LamBda</a:t>
+            </a:r>
+            <a:r>
               <a:rPr lang="it-IT" dirty="0"/>
-              <a:t>Lamda 1: </a:t>
+              <a:t> 1: </a:t>
             </a:r>
             <a:r>
               <a:rPr lang="it-IT" cap="none" dirty="0" err="1"/>
@@ -20868,7 +21059,7 @@
             </a:ln>
             <a:extLst>
               <a:ext uri="{91240B29-F687-4f45-9708-019B960494DF}">
-                <a14:hiddenLine xmlns="" xmlns:a16="http://schemas.microsoft.com/office/drawing/2014/main" xmlns:a14="http://schemas.microsoft.com/office/drawing/2010/main" xmlns:p14="http://schemas.microsoft.com/office/powerpoint/2010/main" w="9525">
+                <a14:hiddenLine xmlns:p14="http://schemas.microsoft.com/office/powerpoint/2010/main" xmlns:a14="http://schemas.microsoft.com/office/drawing/2010/main" xmlns:a16="http://schemas.microsoft.com/office/drawing/2014/main" xmlns="" w="9525">
                   <a:solidFill>
                     <a:srgbClr val="000000"/>
                   </a:solidFill>
@@ -20980,7 +21171,7 @@
             </a:ln>
             <a:extLst>
               <a:ext uri="{91240B29-F687-4f45-9708-019B960494DF}">
-                <a14:hiddenLine xmlns="" xmlns:a16="http://schemas.microsoft.com/office/drawing/2014/main" xmlns:a14="http://schemas.microsoft.com/office/drawing/2010/main" xmlns:p14="http://schemas.microsoft.com/office/powerpoint/2010/main" w="9525">
+                <a14:hiddenLine xmlns:p14="http://schemas.microsoft.com/office/powerpoint/2010/main" xmlns:a14="http://schemas.microsoft.com/office/drawing/2010/main" xmlns:a16="http://schemas.microsoft.com/office/drawing/2014/main" xmlns="" w="9525">
                   <a:solidFill>
                     <a:srgbClr val="000000"/>
                   </a:solidFill>
@@ -21092,7 +21283,7 @@
             </a:ln>
             <a:extLst>
               <a:ext uri="{91240B29-F687-4f45-9708-019B960494DF}">
-                <a14:hiddenLine xmlns="" xmlns:a16="http://schemas.microsoft.com/office/drawing/2014/main" xmlns:a14="http://schemas.microsoft.com/office/drawing/2010/main" xmlns:p14="http://schemas.microsoft.com/office/powerpoint/2010/main" w="9525">
+                <a14:hiddenLine xmlns:p14="http://schemas.microsoft.com/office/powerpoint/2010/main" xmlns:a14="http://schemas.microsoft.com/office/drawing/2010/main" xmlns:a16="http://schemas.microsoft.com/office/drawing/2014/main" xmlns="" w="9525">
                   <a:solidFill>
                     <a:srgbClr val="000000"/>
                   </a:solidFill>
@@ -21176,7 +21367,7 @@
             </a:ln>
             <a:extLst>
               <a:ext uri="{91240B29-F687-4f45-9708-019B960494DF}">
-                <a14:hiddenLine xmlns="" xmlns:a16="http://schemas.microsoft.com/office/drawing/2014/main" xmlns:a14="http://schemas.microsoft.com/office/drawing/2010/main" xmlns:p14="http://schemas.microsoft.com/office/powerpoint/2010/main" w="9525">
+                <a14:hiddenLine xmlns:p14="http://schemas.microsoft.com/office/powerpoint/2010/main" xmlns:a14="http://schemas.microsoft.com/office/drawing/2010/main" xmlns:a16="http://schemas.microsoft.com/office/drawing/2014/main" xmlns="" w="9525">
                   <a:solidFill>
                     <a:srgbClr val="000000"/>
                   </a:solidFill>
@@ -21288,7 +21479,7 @@
             </a:ln>
             <a:extLst>
               <a:ext uri="{91240B29-F687-4f45-9708-019B960494DF}">
-                <a14:hiddenLine xmlns="" xmlns:a16="http://schemas.microsoft.com/office/drawing/2014/main" xmlns:a14="http://schemas.microsoft.com/office/drawing/2010/main" xmlns:p14="http://schemas.microsoft.com/office/powerpoint/2010/main" w="9525">
+                <a14:hiddenLine xmlns:p14="http://schemas.microsoft.com/office/powerpoint/2010/main" xmlns:a14="http://schemas.microsoft.com/office/drawing/2010/main" xmlns:a16="http://schemas.microsoft.com/office/drawing/2014/main" xmlns="" w="9525">
                   <a:solidFill>
                     <a:srgbClr val="000000"/>
                   </a:solidFill>
@@ -21372,7 +21563,7 @@
             </a:ln>
             <a:extLst>
               <a:ext uri="{91240B29-F687-4f45-9708-019B960494DF}">
-                <a14:hiddenLine xmlns="" xmlns:a16="http://schemas.microsoft.com/office/drawing/2014/main" xmlns:a14="http://schemas.microsoft.com/office/drawing/2010/main" xmlns:p14="http://schemas.microsoft.com/office/powerpoint/2010/main" w="9525">
+                <a14:hiddenLine xmlns:p14="http://schemas.microsoft.com/office/powerpoint/2010/main" xmlns:a14="http://schemas.microsoft.com/office/drawing/2010/main" xmlns:a16="http://schemas.microsoft.com/office/drawing/2014/main" xmlns="" w="9525">
                   <a:solidFill>
                     <a:srgbClr val="000000"/>
                   </a:solidFill>
@@ -21456,7 +21647,7 @@
             </a:ln>
             <a:extLst>
               <a:ext uri="{91240B29-F687-4f45-9708-019B960494DF}">
-                <a14:hiddenLine xmlns="" xmlns:a16="http://schemas.microsoft.com/office/drawing/2014/main" xmlns:a14="http://schemas.microsoft.com/office/drawing/2010/main" xmlns:p14="http://schemas.microsoft.com/office/powerpoint/2010/main" w="9525">
+                <a14:hiddenLine xmlns:p14="http://schemas.microsoft.com/office/powerpoint/2010/main" xmlns:a14="http://schemas.microsoft.com/office/drawing/2010/main" xmlns:a16="http://schemas.microsoft.com/office/drawing/2014/main" xmlns="" w="9525">
                   <a:solidFill>
                     <a:srgbClr val="000000"/>
                   </a:solidFill>
@@ -21568,7 +21759,7 @@
             </a:ln>
             <a:extLst>
               <a:ext uri="{91240B29-F687-4f45-9708-019B960494DF}">
-                <a14:hiddenLine xmlns="" xmlns:a16="http://schemas.microsoft.com/office/drawing/2014/main" xmlns:a14="http://schemas.microsoft.com/office/drawing/2010/main" xmlns:p14="http://schemas.microsoft.com/office/powerpoint/2010/main" w="9525">
+                <a14:hiddenLine xmlns:p14="http://schemas.microsoft.com/office/powerpoint/2010/main" xmlns:a14="http://schemas.microsoft.com/office/drawing/2010/main" xmlns:a16="http://schemas.microsoft.com/office/drawing/2014/main" xmlns="" w="9525">
                   <a:solidFill>
                     <a:srgbClr val="000000"/>
                   </a:solidFill>
@@ -21680,7 +21871,7 @@
             </a:ln>
             <a:extLst>
               <a:ext uri="{91240B29-F687-4f45-9708-019B960494DF}">
-                <a14:hiddenLine xmlns="" xmlns:a16="http://schemas.microsoft.com/office/drawing/2014/main" xmlns:a14="http://schemas.microsoft.com/office/drawing/2010/main" xmlns:p14="http://schemas.microsoft.com/office/powerpoint/2010/main" w="9525">
+                <a14:hiddenLine xmlns:p14="http://schemas.microsoft.com/office/powerpoint/2010/main" xmlns:a14="http://schemas.microsoft.com/office/drawing/2010/main" xmlns:a16="http://schemas.microsoft.com/office/drawing/2014/main" xmlns="" w="9525">
                   <a:solidFill>
                     <a:srgbClr val="000000"/>
                   </a:solidFill>
@@ -21764,7 +21955,7 @@
             </a:ln>
             <a:extLst>
               <a:ext uri="{91240B29-F687-4f45-9708-019B960494DF}">
-                <a14:hiddenLine xmlns="" xmlns:a16="http://schemas.microsoft.com/office/drawing/2014/main" xmlns:a14="http://schemas.microsoft.com/office/drawing/2010/main" xmlns:p14="http://schemas.microsoft.com/office/powerpoint/2010/main" w="9525">
+                <a14:hiddenLine xmlns:p14="http://schemas.microsoft.com/office/powerpoint/2010/main" xmlns:a14="http://schemas.microsoft.com/office/drawing/2010/main" xmlns:a16="http://schemas.microsoft.com/office/drawing/2014/main" xmlns="" w="9525">
                   <a:solidFill>
                     <a:srgbClr val="000000"/>
                   </a:solidFill>
@@ -21896,7 +22087,7 @@
             </a:ln>
             <a:extLst>
               <a:ext uri="{91240B29-F687-4f45-9708-019B960494DF}">
-                <a14:hiddenLine xmlns="" xmlns:a16="http://schemas.microsoft.com/office/drawing/2014/main" xmlns:a14="http://schemas.microsoft.com/office/drawing/2010/main" xmlns:p14="http://schemas.microsoft.com/office/powerpoint/2010/main" w="9525">
+                <a14:hiddenLine xmlns:p14="http://schemas.microsoft.com/office/powerpoint/2010/main" xmlns:a14="http://schemas.microsoft.com/office/drawing/2010/main" xmlns:a16="http://schemas.microsoft.com/office/drawing/2014/main" xmlns="" w="9525">
                   <a:solidFill>
                     <a:srgbClr val="000000"/>
                   </a:solidFill>
@@ -22024,7 +22215,7 @@
             </a:ln>
             <a:extLst>
               <a:ext uri="{91240B29-F687-4f45-9708-019B960494DF}">
-                <a14:hiddenLine xmlns="" xmlns:a16="http://schemas.microsoft.com/office/drawing/2014/main" xmlns:a14="http://schemas.microsoft.com/office/drawing/2010/main" xmlns:p14="http://schemas.microsoft.com/office/powerpoint/2010/main" w="9525">
+                <a14:hiddenLine xmlns:p14="http://schemas.microsoft.com/office/powerpoint/2010/main" xmlns:a14="http://schemas.microsoft.com/office/drawing/2010/main" xmlns:a16="http://schemas.microsoft.com/office/drawing/2014/main" xmlns="" w="9525">
                   <a:solidFill>
                     <a:srgbClr val="000000"/>
                   </a:solidFill>
@@ -22108,7 +22299,7 @@
             </a:ln>
             <a:extLst>
               <a:ext uri="{91240B29-F687-4f45-9708-019B960494DF}">
-                <a14:hiddenLine xmlns="" xmlns:a16="http://schemas.microsoft.com/office/drawing/2014/main" xmlns:a14="http://schemas.microsoft.com/office/drawing/2010/main" xmlns:p14="http://schemas.microsoft.com/office/powerpoint/2010/main" w="9525">
+                <a14:hiddenLine xmlns:p14="http://schemas.microsoft.com/office/powerpoint/2010/main" xmlns:a14="http://schemas.microsoft.com/office/drawing/2010/main" xmlns:a16="http://schemas.microsoft.com/office/drawing/2014/main" xmlns="" w="9525">
                   <a:solidFill>
                     <a:srgbClr val="000000"/>
                   </a:solidFill>
@@ -22192,7 +22383,7 @@
             </a:ln>
             <a:extLst>
               <a:ext uri="{91240B29-F687-4f45-9708-019B960494DF}">
-                <a14:hiddenLine xmlns="" xmlns:a16="http://schemas.microsoft.com/office/drawing/2014/main" xmlns:a14="http://schemas.microsoft.com/office/drawing/2010/main" xmlns:p14="http://schemas.microsoft.com/office/powerpoint/2010/main" w="9525">
+                <a14:hiddenLine xmlns:p14="http://schemas.microsoft.com/office/powerpoint/2010/main" xmlns:a14="http://schemas.microsoft.com/office/drawing/2010/main" xmlns:a16="http://schemas.microsoft.com/office/drawing/2014/main" xmlns="" w="9525">
                   <a:solidFill>
                     <a:srgbClr val="000000"/>
                   </a:solidFill>
@@ -22304,7 +22495,7 @@
             </a:ln>
             <a:extLst>
               <a:ext uri="{91240B29-F687-4f45-9708-019B960494DF}">
-                <a14:hiddenLine xmlns="" xmlns:a16="http://schemas.microsoft.com/office/drawing/2014/main" xmlns:a14="http://schemas.microsoft.com/office/drawing/2010/main" xmlns:p14="http://schemas.microsoft.com/office/powerpoint/2010/main" w="9525">
+                <a14:hiddenLine xmlns:p14="http://schemas.microsoft.com/office/powerpoint/2010/main" xmlns:a14="http://schemas.microsoft.com/office/drawing/2010/main" xmlns:a16="http://schemas.microsoft.com/office/drawing/2014/main" xmlns="" w="9525">
                   <a:solidFill>
                     <a:srgbClr val="000000"/>
                   </a:solidFill>
@@ -22360,7 +22551,7 @@
             </a:ln>
             <a:extLst>
               <a:ext uri="{91240B29-F687-4f45-9708-019B960494DF}">
-                <a14:hiddenLine xmlns="" xmlns:a16="http://schemas.microsoft.com/office/drawing/2014/main" xmlns:a14="http://schemas.microsoft.com/office/drawing/2010/main" xmlns:p14="http://schemas.microsoft.com/office/powerpoint/2010/main" w="9525">
+                <a14:hiddenLine xmlns:p14="http://schemas.microsoft.com/office/powerpoint/2010/main" xmlns:a14="http://schemas.microsoft.com/office/drawing/2010/main" xmlns:a16="http://schemas.microsoft.com/office/drawing/2014/main" xmlns="" w="9525">
                   <a:solidFill>
                     <a:srgbClr val="000000"/>
                   </a:solidFill>
@@ -22447,7 +22638,7 @@
             </a:ln>
             <a:extLst>
               <a:ext uri="{91240B29-F687-4f45-9708-019B960494DF}">
-                <a14:hiddenLine xmlns="" xmlns:a16="http://schemas.microsoft.com/office/drawing/2014/main" xmlns:a14="http://schemas.microsoft.com/office/drawing/2010/main" xmlns:p14="http://schemas.microsoft.com/office/powerpoint/2010/main" w="9525">
+                <a14:hiddenLine xmlns:p14="http://schemas.microsoft.com/office/powerpoint/2010/main" xmlns:a14="http://schemas.microsoft.com/office/drawing/2010/main" xmlns:a16="http://schemas.microsoft.com/office/drawing/2014/main" xmlns="" w="9525">
                   <a:solidFill>
                     <a:srgbClr val="000000"/>
                   </a:solidFill>
@@ -22559,7 +22750,7 @@
             </a:ln>
             <a:extLst>
               <a:ext uri="{91240B29-F687-4f45-9708-019B960494DF}">
-                <a14:hiddenLine xmlns="" xmlns:a16="http://schemas.microsoft.com/office/drawing/2014/main" xmlns:a14="http://schemas.microsoft.com/office/drawing/2010/main" xmlns:p14="http://schemas.microsoft.com/office/powerpoint/2010/main" w="9525">
+                <a14:hiddenLine xmlns:p14="http://schemas.microsoft.com/office/powerpoint/2010/main" xmlns:a14="http://schemas.microsoft.com/office/drawing/2010/main" xmlns:a16="http://schemas.microsoft.com/office/drawing/2014/main" xmlns="" w="9525">
                   <a:solidFill>
                     <a:srgbClr val="000000"/>
                   </a:solidFill>
@@ -22643,7 +22834,7 @@
             </a:ln>
             <a:extLst>
               <a:ext uri="{91240B29-F687-4f45-9708-019B960494DF}">
-                <a14:hiddenLine xmlns="" xmlns:a16="http://schemas.microsoft.com/office/drawing/2014/main" xmlns:a14="http://schemas.microsoft.com/office/drawing/2010/main" xmlns:p14="http://schemas.microsoft.com/office/powerpoint/2010/main" w="9525">
+                <a14:hiddenLine xmlns:p14="http://schemas.microsoft.com/office/powerpoint/2010/main" xmlns:a14="http://schemas.microsoft.com/office/drawing/2010/main" xmlns:a16="http://schemas.microsoft.com/office/drawing/2014/main" xmlns="" w="9525">
                   <a:solidFill>
                     <a:srgbClr val="000000"/>
                   </a:solidFill>
@@ -22755,7 +22946,7 @@
             </a:ln>
             <a:extLst>
               <a:ext uri="{91240B29-F687-4f45-9708-019B960494DF}">
-                <a14:hiddenLine xmlns="" xmlns:a16="http://schemas.microsoft.com/office/drawing/2014/main" xmlns:a14="http://schemas.microsoft.com/office/drawing/2010/main" xmlns:p14="http://schemas.microsoft.com/office/powerpoint/2010/main" w="9525">
+                <a14:hiddenLine xmlns:p14="http://schemas.microsoft.com/office/powerpoint/2010/main" xmlns:a14="http://schemas.microsoft.com/office/drawing/2010/main" xmlns:a16="http://schemas.microsoft.com/office/drawing/2014/main" xmlns="" w="9525">
                   <a:solidFill>
                     <a:srgbClr val="000000"/>
                   </a:solidFill>
@@ -22842,7 +23033,7 @@
             </a:ln>
             <a:extLst>
               <a:ext uri="{91240B29-F687-4f45-9708-019B960494DF}">
-                <a14:hiddenLine xmlns="" xmlns:a16="http://schemas.microsoft.com/office/drawing/2014/main" xmlns:a14="http://schemas.microsoft.com/office/drawing/2010/main" xmlns:p14="http://schemas.microsoft.com/office/powerpoint/2010/main" w="9525">
+                <a14:hiddenLine xmlns:p14="http://schemas.microsoft.com/office/powerpoint/2010/main" xmlns:a14="http://schemas.microsoft.com/office/drawing/2010/main" xmlns:a16="http://schemas.microsoft.com/office/drawing/2014/main" xmlns="" w="9525">
                   <a:solidFill>
                     <a:srgbClr val="000000"/>
                   </a:solidFill>
@@ -22926,7 +23117,7 @@
             </a:ln>
             <a:extLst>
               <a:ext uri="{91240B29-F687-4f45-9708-019B960494DF}">
-                <a14:hiddenLine xmlns="" xmlns:a16="http://schemas.microsoft.com/office/drawing/2014/main" xmlns:a14="http://schemas.microsoft.com/office/drawing/2010/main" xmlns:p14="http://schemas.microsoft.com/office/powerpoint/2010/main" w="9525">
+                <a14:hiddenLine xmlns:p14="http://schemas.microsoft.com/office/powerpoint/2010/main" xmlns:a14="http://schemas.microsoft.com/office/drawing/2010/main" xmlns:a16="http://schemas.microsoft.com/office/drawing/2014/main" xmlns="" w="9525">
                   <a:solidFill>
                     <a:srgbClr val="000000"/>
                   </a:solidFill>
@@ -23038,7 +23229,7 @@
             </a:ln>
             <a:extLst>
               <a:ext uri="{91240B29-F687-4f45-9708-019B960494DF}">
-                <a14:hiddenLine xmlns="" xmlns:a16="http://schemas.microsoft.com/office/drawing/2014/main" xmlns:a14="http://schemas.microsoft.com/office/drawing/2010/main" xmlns:p14="http://schemas.microsoft.com/office/powerpoint/2010/main" w="9525">
+                <a14:hiddenLine xmlns:p14="http://schemas.microsoft.com/office/powerpoint/2010/main" xmlns:a14="http://schemas.microsoft.com/office/drawing/2010/main" xmlns:a16="http://schemas.microsoft.com/office/drawing/2014/main" xmlns="" w="9525">
                   <a:solidFill>
                     <a:srgbClr val="000000"/>
                   </a:solidFill>
@@ -23150,7 +23341,7 @@
             </a:ln>
             <a:extLst>
               <a:ext uri="{91240B29-F687-4f45-9708-019B960494DF}">
-                <a14:hiddenLine xmlns="" xmlns:a16="http://schemas.microsoft.com/office/drawing/2014/main" xmlns:a14="http://schemas.microsoft.com/office/drawing/2010/main" xmlns:p14="http://schemas.microsoft.com/office/powerpoint/2010/main" w="9525">
+                <a14:hiddenLine xmlns:p14="http://schemas.microsoft.com/office/powerpoint/2010/main" xmlns:a14="http://schemas.microsoft.com/office/drawing/2010/main" xmlns:a16="http://schemas.microsoft.com/office/drawing/2014/main" xmlns="" w="9525">
                   <a:solidFill>
                     <a:srgbClr val="000000"/>
                   </a:solidFill>
@@ -23237,7 +23428,7 @@
             </a:ln>
             <a:extLst>
               <a:ext uri="{91240B29-F687-4f45-9708-019B960494DF}">
-                <a14:hiddenLine xmlns="" xmlns:a16="http://schemas.microsoft.com/office/drawing/2014/main" xmlns:a14="http://schemas.microsoft.com/office/drawing/2010/main" xmlns:p14="http://schemas.microsoft.com/office/powerpoint/2010/main" w="9525">
+                <a14:hiddenLine xmlns:p14="http://schemas.microsoft.com/office/powerpoint/2010/main" xmlns:a14="http://schemas.microsoft.com/office/drawing/2010/main" xmlns:a16="http://schemas.microsoft.com/office/drawing/2014/main" xmlns="" w="9525">
                   <a:solidFill>
                     <a:srgbClr val="000000"/>
                   </a:solidFill>
@@ -23379,7 +23570,7 @@
             </a:ln>
             <a:extLst>
               <a:ext uri="{91240B29-F687-4f45-9708-019B960494DF}">
-                <a14:hiddenLine xmlns="" xmlns:a16="http://schemas.microsoft.com/office/drawing/2014/main" xmlns:a14="http://schemas.microsoft.com/office/drawing/2010/main" xmlns:p14="http://schemas.microsoft.com/office/powerpoint/2010/main" w="9525">
+                <a14:hiddenLine xmlns:p14="http://schemas.microsoft.com/office/powerpoint/2010/main" xmlns:a14="http://schemas.microsoft.com/office/drawing/2010/main" xmlns:a16="http://schemas.microsoft.com/office/drawing/2014/main" xmlns="" w="9525">
                   <a:solidFill>
                     <a:srgbClr val="000000"/>
                   </a:solidFill>
@@ -23399,55 +23590,6 @@
           </p:txBody>
         </p:sp>
       </p:grpSp>
-      <p:pic>
-        <p:nvPicPr>
-          <p:cNvPr id="129" name="Immagine 128">
-            <a:extLst>
-              <a:ext uri="{FF2B5EF4-FFF2-40B4-BE49-F238E27FC236}">
-                <a16:creationId xmlns:a16="http://schemas.microsoft.com/office/drawing/2014/main" id="{D31C233D-1453-51E3-7F47-A16B7CF740CD}"/>
-              </a:ext>
-            </a:extLst>
-          </p:cNvPr>
-          <p:cNvPicPr>
-            <a:picLocks noChangeAspect="1"/>
-          </p:cNvPicPr>
-          <p:nvPr/>
-        </p:nvPicPr>
-        <p:blipFill rotWithShape="1">
-          <a:blip r:embed="rId4"/>
-          <a:srcRect b="1627"/>
-          <a:stretch/>
-        </p:blipFill>
-        <p:spPr>
-          <a:xfrm>
-            <a:off x="1309688" y="1821815"/>
-            <a:ext cx="9912354" cy="3876042"/>
-          </a:xfrm>
-          <a:prstGeom prst="round2DiagRect">
-            <a:avLst>
-              <a:gd name="adj1" fmla="val 4860"/>
-              <a:gd name="adj2" fmla="val 0"/>
-            </a:avLst>
-          </a:prstGeom>
-          <a:ln w="19050" cap="sq">
-            <a:solidFill>
-              <a:schemeClr val="tx2">
-                <a:lumMod val="60000"/>
-                <a:lumOff val="40000"/>
-                <a:alpha val="60000"/>
-              </a:schemeClr>
-            </a:solidFill>
-            <a:miter lim="800000"/>
-          </a:ln>
-          <a:effectLst>
-            <a:outerShdw blurRad="88900" dist="38100" dir="5400000" algn="t" rotWithShape="0">
-              <a:prstClr val="black">
-                <a:alpha val="40000"/>
-              </a:prstClr>
-            </a:outerShdw>
-          </a:effectLst>
-        </p:spPr>
-      </p:pic>
       <p:grpSp>
         <p:nvGrpSpPr>
           <p:cNvPr id="225" name="Group 224">
@@ -23565,7 +23707,7 @@
             </a:ln>
             <a:extLst>
               <a:ext uri="{91240B29-F687-4f45-9708-019B960494DF}">
-                <a14:hiddenLine xmlns="" xmlns:a16="http://schemas.microsoft.com/office/drawing/2014/main" xmlns:a14="http://schemas.microsoft.com/office/drawing/2010/main" xmlns:p14="http://schemas.microsoft.com/office/powerpoint/2010/main" w="9525">
+                <a14:hiddenLine xmlns:p14="http://schemas.microsoft.com/office/powerpoint/2010/main" xmlns:a14="http://schemas.microsoft.com/office/drawing/2010/main" xmlns:a16="http://schemas.microsoft.com/office/drawing/2014/main" xmlns="" w="9525">
                   <a:solidFill>
                     <a:srgbClr val="000000"/>
                   </a:solidFill>
@@ -23702,7 +23844,7 @@
             </a:ln>
             <a:extLst>
               <a:ext uri="{91240B29-F687-4f45-9708-019B960494DF}">
-                <a14:hiddenLine xmlns="" xmlns:a16="http://schemas.microsoft.com/office/drawing/2014/main" xmlns:a14="http://schemas.microsoft.com/office/drawing/2010/main" xmlns:p14="http://schemas.microsoft.com/office/powerpoint/2010/main" w="9525">
+                <a14:hiddenLine xmlns:p14="http://schemas.microsoft.com/office/powerpoint/2010/main" xmlns:a14="http://schemas.microsoft.com/office/drawing/2010/main" xmlns:a16="http://schemas.microsoft.com/office/drawing/2014/main" xmlns="" w="9525">
                   <a:solidFill>
                     <a:srgbClr val="000000"/>
                   </a:solidFill>
@@ -23814,7 +23956,7 @@
             </a:ln>
             <a:extLst>
               <a:ext uri="{91240B29-F687-4f45-9708-019B960494DF}">
-                <a14:hiddenLine xmlns="" xmlns:a16="http://schemas.microsoft.com/office/drawing/2014/main" xmlns:a14="http://schemas.microsoft.com/office/drawing/2010/main" xmlns:p14="http://schemas.microsoft.com/office/powerpoint/2010/main" w="9525">
+                <a14:hiddenLine xmlns:p14="http://schemas.microsoft.com/office/powerpoint/2010/main" xmlns:a14="http://schemas.microsoft.com/office/drawing/2010/main" xmlns:a16="http://schemas.microsoft.com/office/drawing/2014/main" xmlns="" w="9525">
                   <a:solidFill>
                     <a:srgbClr val="000000"/>
                   </a:solidFill>
@@ -23901,7 +24043,7 @@
             </a:ln>
             <a:extLst>
               <a:ext uri="{91240B29-F687-4f45-9708-019B960494DF}">
-                <a14:hiddenLine xmlns="" xmlns:a16="http://schemas.microsoft.com/office/drawing/2014/main" xmlns:a14="http://schemas.microsoft.com/office/drawing/2010/main" xmlns:p14="http://schemas.microsoft.com/office/powerpoint/2010/main" w="9525">
+                <a14:hiddenLine xmlns:p14="http://schemas.microsoft.com/office/powerpoint/2010/main" xmlns:a14="http://schemas.microsoft.com/office/drawing/2010/main" xmlns:a16="http://schemas.microsoft.com/office/drawing/2014/main" xmlns="" w="9525">
                   <a:solidFill>
                     <a:srgbClr val="000000"/>
                   </a:solidFill>
@@ -24013,7 +24155,7 @@
             </a:ln>
             <a:extLst>
               <a:ext uri="{91240B29-F687-4f45-9708-019B960494DF}">
-                <a14:hiddenLine xmlns="" xmlns:a16="http://schemas.microsoft.com/office/drawing/2014/main" xmlns:a14="http://schemas.microsoft.com/office/drawing/2010/main" xmlns:p14="http://schemas.microsoft.com/office/powerpoint/2010/main" w="9525">
+                <a14:hiddenLine xmlns:p14="http://schemas.microsoft.com/office/powerpoint/2010/main" xmlns:a14="http://schemas.microsoft.com/office/drawing/2010/main" xmlns:a16="http://schemas.microsoft.com/office/drawing/2014/main" xmlns="" w="9525">
                   <a:solidFill>
                     <a:srgbClr val="000000"/>
                   </a:solidFill>
@@ -24103,7 +24245,7 @@
             </a:ln>
             <a:extLst>
               <a:ext uri="{91240B29-F687-4f45-9708-019B960494DF}">
-                <a14:hiddenLine xmlns="" xmlns:a16="http://schemas.microsoft.com/office/drawing/2014/main" xmlns:a14="http://schemas.microsoft.com/office/drawing/2010/main" xmlns:p14="http://schemas.microsoft.com/office/powerpoint/2010/main" w="9525">
+                <a14:hiddenLine xmlns:p14="http://schemas.microsoft.com/office/powerpoint/2010/main" xmlns:a14="http://schemas.microsoft.com/office/drawing/2010/main" xmlns:a16="http://schemas.microsoft.com/office/drawing/2014/main" xmlns="" w="9525">
                   <a:solidFill>
                     <a:srgbClr val="000000"/>
                   </a:solidFill>
@@ -24215,7 +24357,7 @@
             </a:ln>
             <a:extLst>
               <a:ext uri="{91240B29-F687-4f45-9708-019B960494DF}">
-                <a14:hiddenLine xmlns="" xmlns:a16="http://schemas.microsoft.com/office/drawing/2014/main" xmlns:a14="http://schemas.microsoft.com/office/drawing/2010/main" xmlns:p14="http://schemas.microsoft.com/office/powerpoint/2010/main" w="9525">
+                <a14:hiddenLine xmlns:p14="http://schemas.microsoft.com/office/powerpoint/2010/main" xmlns:a14="http://schemas.microsoft.com/office/drawing/2010/main" xmlns:a16="http://schemas.microsoft.com/office/drawing/2014/main" xmlns="" w="9525">
                   <a:solidFill>
                     <a:srgbClr val="000000"/>
                   </a:solidFill>
@@ -24305,7 +24447,7 @@
             </a:ln>
             <a:extLst>
               <a:ext uri="{91240B29-F687-4f45-9708-019B960494DF}">
-                <a14:hiddenLine xmlns="" xmlns:a16="http://schemas.microsoft.com/office/drawing/2014/main" xmlns:a14="http://schemas.microsoft.com/office/drawing/2010/main" xmlns:p14="http://schemas.microsoft.com/office/powerpoint/2010/main" w="9525">
+                <a14:hiddenLine xmlns:p14="http://schemas.microsoft.com/office/powerpoint/2010/main" xmlns:a14="http://schemas.microsoft.com/office/drawing/2010/main" xmlns:a16="http://schemas.microsoft.com/office/drawing/2014/main" xmlns="" w="9525">
                   <a:solidFill>
                     <a:srgbClr val="000000"/>
                   </a:solidFill>
@@ -24417,7 +24559,7 @@
             </a:ln>
             <a:extLst>
               <a:ext uri="{91240B29-F687-4f45-9708-019B960494DF}">
-                <a14:hiddenLine xmlns="" xmlns:a16="http://schemas.microsoft.com/office/drawing/2014/main" xmlns:a14="http://schemas.microsoft.com/office/drawing/2010/main" xmlns:p14="http://schemas.microsoft.com/office/powerpoint/2010/main" w="9525">
+                <a14:hiddenLine xmlns:p14="http://schemas.microsoft.com/office/powerpoint/2010/main" xmlns:a14="http://schemas.microsoft.com/office/drawing/2010/main" xmlns:a16="http://schemas.microsoft.com/office/drawing/2014/main" xmlns="" w="9525">
                   <a:solidFill>
                     <a:srgbClr val="000000"/>
                   </a:solidFill>
@@ -24473,7 +24615,7 @@
             </a:ln>
             <a:extLst>
               <a:ext uri="{91240B29-F687-4f45-9708-019B960494DF}">
-                <a14:hiddenLine xmlns="" xmlns:a16="http://schemas.microsoft.com/office/drawing/2014/main" xmlns:a14="http://schemas.microsoft.com/office/drawing/2010/main" xmlns:p14="http://schemas.microsoft.com/office/powerpoint/2010/main" w="9525">
+                <a14:hiddenLine xmlns:p14="http://schemas.microsoft.com/office/powerpoint/2010/main" xmlns:a14="http://schemas.microsoft.com/office/drawing/2010/main" xmlns:a16="http://schemas.microsoft.com/office/drawing/2014/main" xmlns="" w="9525">
                   <a:solidFill>
                     <a:srgbClr val="000000"/>
                   </a:solidFill>
@@ -24493,6 +24635,36 @@
           </p:txBody>
         </p:sp>
       </p:grpSp>
+      <p:pic>
+        <p:nvPicPr>
+          <p:cNvPr id="4" name="Immagine 3">
+            <a:extLst>
+              <a:ext uri="{FF2B5EF4-FFF2-40B4-BE49-F238E27FC236}">
+                <a16:creationId xmlns:a16="http://schemas.microsoft.com/office/drawing/2014/main" id="{CBFEC8FB-D85E-1EB8-0C33-C50E025F4EF6}"/>
+              </a:ext>
+            </a:extLst>
+          </p:cNvPr>
+          <p:cNvPicPr>
+            <a:picLocks noChangeAspect="1"/>
+          </p:cNvPicPr>
+          <p:nvPr/>
+        </p:nvPicPr>
+        <p:blipFill>
+          <a:blip r:embed="rId4"/>
+          <a:stretch>
+            <a:fillRect/>
+          </a:stretch>
+        </p:blipFill>
+        <p:spPr>
+          <a:xfrm>
+            <a:off x="6511227" y="2161872"/>
+            <a:ext cx="5001323" cy="3210373"/>
+          </a:xfrm>
+          <a:prstGeom prst="rect">
+            <a:avLst/>
+          </a:prstGeom>
+        </p:spPr>
+      </p:pic>
     </p:spTree>
     <p:extLst>
       <p:ext uri="{BB962C8B-B14F-4D97-AF65-F5344CB8AC3E}">
@@ -24694,7 +24866,7 @@
           <a:noFill/>
           <a:extLst>
             <a:ext uri="{909E8E84-426E-40dd-AFC4-6F175D3DCCD1}">
-              <a14:hiddenFill xmlns:p14="http://schemas.microsoft.com/office/powerpoint/2010/main" xmlns:a14="http://schemas.microsoft.com/office/drawing/2010/main" xmlns:a16="http://schemas.microsoft.com/office/drawing/2014/main" xmlns="">
+              <a14:hiddenFill xmlns="" xmlns:a16="http://schemas.microsoft.com/office/drawing/2014/main" xmlns:a14="http://schemas.microsoft.com/office/drawing/2010/main" xmlns:p14="http://schemas.microsoft.com/office/powerpoint/2010/main">
                 <a:solidFill>
                   <a:srgbClr val="FFFFFF"/>
                 </a:solidFill>
@@ -24785,7 +24957,7 @@
             </a:ln>
             <a:extLst>
               <a:ext uri="{91240B29-F687-4f45-9708-019B960494DF}">
-                <a14:hiddenLine xmlns:p14="http://schemas.microsoft.com/office/powerpoint/2010/main" xmlns:a14="http://schemas.microsoft.com/office/drawing/2010/main" xmlns:a16="http://schemas.microsoft.com/office/drawing/2014/main" xmlns="" w="9525">
+                <a14:hiddenLine xmlns="" xmlns:a16="http://schemas.microsoft.com/office/drawing/2014/main" xmlns:a14="http://schemas.microsoft.com/office/drawing/2010/main" xmlns:p14="http://schemas.microsoft.com/office/powerpoint/2010/main" w="9525">
                   <a:solidFill>
                     <a:srgbClr val="000000"/>
                   </a:solidFill>
@@ -24897,7 +25069,7 @@
             </a:ln>
             <a:extLst>
               <a:ext uri="{91240B29-F687-4f45-9708-019B960494DF}">
-                <a14:hiddenLine xmlns:p14="http://schemas.microsoft.com/office/powerpoint/2010/main" xmlns:a14="http://schemas.microsoft.com/office/drawing/2010/main" xmlns:a16="http://schemas.microsoft.com/office/drawing/2014/main" xmlns="" w="9525">
+                <a14:hiddenLine xmlns="" xmlns:a16="http://schemas.microsoft.com/office/drawing/2014/main" xmlns:a14="http://schemas.microsoft.com/office/drawing/2010/main" xmlns:p14="http://schemas.microsoft.com/office/powerpoint/2010/main" w="9525">
                   <a:solidFill>
                     <a:srgbClr val="000000"/>
                   </a:solidFill>
@@ -25009,7 +25181,7 @@
             </a:ln>
             <a:extLst>
               <a:ext uri="{91240B29-F687-4f45-9708-019B960494DF}">
-                <a14:hiddenLine xmlns:p14="http://schemas.microsoft.com/office/powerpoint/2010/main" xmlns:a14="http://schemas.microsoft.com/office/drawing/2010/main" xmlns:a16="http://schemas.microsoft.com/office/drawing/2014/main" xmlns="" w="9525">
+                <a14:hiddenLine xmlns="" xmlns:a16="http://schemas.microsoft.com/office/drawing/2014/main" xmlns:a14="http://schemas.microsoft.com/office/drawing/2010/main" xmlns:p14="http://schemas.microsoft.com/office/powerpoint/2010/main" w="9525">
                   <a:solidFill>
                     <a:srgbClr val="000000"/>
                   </a:solidFill>
@@ -25065,7 +25237,7 @@
             </a:ln>
             <a:extLst>
               <a:ext uri="{91240B29-F687-4f45-9708-019B960494DF}">
-                <a14:hiddenLine xmlns:p14="http://schemas.microsoft.com/office/powerpoint/2010/main" xmlns:a14="http://schemas.microsoft.com/office/drawing/2010/main" xmlns:a16="http://schemas.microsoft.com/office/drawing/2014/main" xmlns="" w="9525">
+                <a14:hiddenLine xmlns="" xmlns:a16="http://schemas.microsoft.com/office/drawing/2014/main" xmlns:a14="http://schemas.microsoft.com/office/drawing/2010/main" xmlns:p14="http://schemas.microsoft.com/office/powerpoint/2010/main" w="9525">
                   <a:solidFill>
                     <a:srgbClr val="000000"/>
                   </a:solidFill>
@@ -25177,7 +25349,7 @@
             </a:ln>
             <a:extLst>
               <a:ext uri="{91240B29-F687-4f45-9708-019B960494DF}">
-                <a14:hiddenLine xmlns:p14="http://schemas.microsoft.com/office/powerpoint/2010/main" xmlns:a14="http://schemas.microsoft.com/office/drawing/2010/main" xmlns:a16="http://schemas.microsoft.com/office/drawing/2014/main" xmlns="" w="9525">
+                <a14:hiddenLine xmlns="" xmlns:a16="http://schemas.microsoft.com/office/drawing/2014/main" xmlns:a14="http://schemas.microsoft.com/office/drawing/2010/main" xmlns:p14="http://schemas.microsoft.com/office/powerpoint/2010/main" w="9525">
                   <a:solidFill>
                     <a:srgbClr val="000000"/>
                   </a:solidFill>
@@ -25261,7 +25433,7 @@
             </a:ln>
             <a:extLst>
               <a:ext uri="{91240B29-F687-4f45-9708-019B960494DF}">
-                <a14:hiddenLine xmlns:p14="http://schemas.microsoft.com/office/powerpoint/2010/main" xmlns:a14="http://schemas.microsoft.com/office/drawing/2010/main" xmlns:a16="http://schemas.microsoft.com/office/drawing/2014/main" xmlns="" w="9525">
+                <a14:hiddenLine xmlns="" xmlns:a16="http://schemas.microsoft.com/office/drawing/2014/main" xmlns:a14="http://schemas.microsoft.com/office/drawing/2010/main" xmlns:p14="http://schemas.microsoft.com/office/powerpoint/2010/main" w="9525">
                   <a:solidFill>
                     <a:srgbClr val="000000"/>
                   </a:solidFill>
@@ -25345,7 +25517,7 @@
             </a:ln>
             <a:extLst>
               <a:ext uri="{91240B29-F687-4f45-9708-019B960494DF}">
-                <a14:hiddenLine xmlns:p14="http://schemas.microsoft.com/office/powerpoint/2010/main" xmlns:a14="http://schemas.microsoft.com/office/drawing/2010/main" xmlns:a16="http://schemas.microsoft.com/office/drawing/2014/main" xmlns="" w="9525">
+                <a14:hiddenLine xmlns="" xmlns:a16="http://schemas.microsoft.com/office/drawing/2014/main" xmlns:a14="http://schemas.microsoft.com/office/drawing/2010/main" xmlns:p14="http://schemas.microsoft.com/office/powerpoint/2010/main" w="9525">
                   <a:solidFill>
                     <a:srgbClr val="000000"/>
                   </a:solidFill>
@@ -25457,7 +25629,7 @@
             </a:ln>
             <a:extLst>
               <a:ext uri="{91240B29-F687-4f45-9708-019B960494DF}">
-                <a14:hiddenLine xmlns:p14="http://schemas.microsoft.com/office/powerpoint/2010/main" xmlns:a14="http://schemas.microsoft.com/office/drawing/2010/main" xmlns:a16="http://schemas.microsoft.com/office/drawing/2014/main" xmlns="" w="9525">
+                <a14:hiddenLine xmlns="" xmlns:a16="http://schemas.microsoft.com/office/drawing/2014/main" xmlns:a14="http://schemas.microsoft.com/office/drawing/2010/main" xmlns:p14="http://schemas.microsoft.com/office/powerpoint/2010/main" w="9525">
                   <a:solidFill>
                     <a:srgbClr val="000000"/>
                   </a:solidFill>
@@ -25541,7 +25713,7 @@
             </a:ln>
             <a:extLst>
               <a:ext uri="{91240B29-F687-4f45-9708-019B960494DF}">
-                <a14:hiddenLine xmlns:p14="http://schemas.microsoft.com/office/powerpoint/2010/main" xmlns:a14="http://schemas.microsoft.com/office/drawing/2010/main" xmlns:a16="http://schemas.microsoft.com/office/drawing/2014/main" xmlns="" w="9525">
+                <a14:hiddenLine xmlns="" xmlns:a16="http://schemas.microsoft.com/office/drawing/2014/main" xmlns:a14="http://schemas.microsoft.com/office/drawing/2010/main" xmlns:p14="http://schemas.microsoft.com/office/powerpoint/2010/main" w="9525">
                   <a:solidFill>
                     <a:srgbClr val="000000"/>
                   </a:solidFill>
@@ -25625,7 +25797,7 @@
             </a:ln>
             <a:extLst>
               <a:ext uri="{91240B29-F687-4f45-9708-019B960494DF}">
-                <a14:hiddenLine xmlns:p14="http://schemas.microsoft.com/office/powerpoint/2010/main" xmlns:a14="http://schemas.microsoft.com/office/drawing/2010/main" xmlns:a16="http://schemas.microsoft.com/office/drawing/2014/main" xmlns="" w="9525">
+                <a14:hiddenLine xmlns="" xmlns:a16="http://schemas.microsoft.com/office/drawing/2014/main" xmlns:a14="http://schemas.microsoft.com/office/drawing/2010/main" xmlns:p14="http://schemas.microsoft.com/office/powerpoint/2010/main" w="9525">
                   <a:solidFill>
                     <a:srgbClr val="000000"/>
                   </a:solidFill>
@@ -25737,7 +25909,7 @@
             </a:ln>
             <a:extLst>
               <a:ext uri="{91240B29-F687-4f45-9708-019B960494DF}">
-                <a14:hiddenLine xmlns:p14="http://schemas.microsoft.com/office/powerpoint/2010/main" xmlns:a14="http://schemas.microsoft.com/office/drawing/2010/main" xmlns:a16="http://schemas.microsoft.com/office/drawing/2014/main" xmlns="" w="9525">
+                <a14:hiddenLine xmlns="" xmlns:a16="http://schemas.microsoft.com/office/drawing/2014/main" xmlns:a14="http://schemas.microsoft.com/office/drawing/2010/main" xmlns:p14="http://schemas.microsoft.com/office/powerpoint/2010/main" w="9525">
                   <a:solidFill>
                     <a:srgbClr val="000000"/>
                   </a:solidFill>
@@ -25849,7 +26021,7 @@
             </a:ln>
             <a:extLst>
               <a:ext uri="{91240B29-F687-4f45-9708-019B960494DF}">
-                <a14:hiddenLine xmlns:p14="http://schemas.microsoft.com/office/powerpoint/2010/main" xmlns:a14="http://schemas.microsoft.com/office/drawing/2010/main" xmlns:a16="http://schemas.microsoft.com/office/drawing/2014/main" xmlns="" w="9525">
+                <a14:hiddenLine xmlns="" xmlns:a16="http://schemas.microsoft.com/office/drawing/2014/main" xmlns:a14="http://schemas.microsoft.com/office/drawing/2010/main" xmlns:p14="http://schemas.microsoft.com/office/powerpoint/2010/main" w="9525">
                   <a:solidFill>
                     <a:srgbClr val="000000"/>
                   </a:solidFill>
@@ -25933,7 +26105,7 @@
             </a:ln>
             <a:extLst>
               <a:ext uri="{91240B29-F687-4f45-9708-019B960494DF}">
-                <a14:hiddenLine xmlns:p14="http://schemas.microsoft.com/office/powerpoint/2010/main" xmlns:a14="http://schemas.microsoft.com/office/drawing/2010/main" xmlns:a16="http://schemas.microsoft.com/office/drawing/2014/main" xmlns="" w="9525">
+                <a14:hiddenLine xmlns="" xmlns:a16="http://schemas.microsoft.com/office/drawing/2014/main" xmlns:a14="http://schemas.microsoft.com/office/drawing/2010/main" xmlns:p14="http://schemas.microsoft.com/office/powerpoint/2010/main" w="9525">
                   <a:solidFill>
                     <a:srgbClr val="000000"/>
                   </a:solidFill>
@@ -26065,7 +26237,7 @@
             </a:ln>
             <a:extLst>
               <a:ext uri="{91240B29-F687-4f45-9708-019B960494DF}">
-                <a14:hiddenLine xmlns:p14="http://schemas.microsoft.com/office/powerpoint/2010/main" xmlns:a14="http://schemas.microsoft.com/office/drawing/2010/main" xmlns:a16="http://schemas.microsoft.com/office/drawing/2014/main" xmlns="" w="9525">
+                <a14:hiddenLine xmlns="" xmlns:a16="http://schemas.microsoft.com/office/drawing/2014/main" xmlns:a14="http://schemas.microsoft.com/office/drawing/2010/main" xmlns:p14="http://schemas.microsoft.com/office/powerpoint/2010/main" w="9525">
                   <a:solidFill>
                     <a:srgbClr val="000000"/>
                   </a:solidFill>
@@ -26149,7 +26321,7 @@
             </a:ln>
             <a:extLst>
               <a:ext uri="{91240B29-F687-4f45-9708-019B960494DF}">
-                <a14:hiddenLine xmlns:p14="http://schemas.microsoft.com/office/powerpoint/2010/main" xmlns:a14="http://schemas.microsoft.com/office/drawing/2010/main" xmlns:a16="http://schemas.microsoft.com/office/drawing/2014/main" xmlns="" w="9525">
+                <a14:hiddenLine xmlns="" xmlns:a16="http://schemas.microsoft.com/office/drawing/2014/main" xmlns:a14="http://schemas.microsoft.com/office/drawing/2010/main" xmlns:p14="http://schemas.microsoft.com/office/powerpoint/2010/main" w="9525">
                   <a:solidFill>
                     <a:srgbClr val="000000"/>
                   </a:solidFill>
@@ -26261,7 +26433,7 @@
             </a:ln>
             <a:extLst>
               <a:ext uri="{91240B29-F687-4f45-9708-019B960494DF}">
-                <a14:hiddenLine xmlns:p14="http://schemas.microsoft.com/office/powerpoint/2010/main" xmlns:a14="http://schemas.microsoft.com/office/drawing/2010/main" xmlns:a16="http://schemas.microsoft.com/office/drawing/2014/main" xmlns="" w="9525">
+                <a14:hiddenLine xmlns="" xmlns:a16="http://schemas.microsoft.com/office/drawing/2014/main" xmlns:a14="http://schemas.microsoft.com/office/drawing/2010/main" xmlns:p14="http://schemas.microsoft.com/office/powerpoint/2010/main" w="9525">
                   <a:solidFill>
                     <a:srgbClr val="000000"/>
                   </a:solidFill>
@@ -26373,7 +26545,7 @@
             </a:ln>
             <a:extLst>
               <a:ext uri="{91240B29-F687-4f45-9708-019B960494DF}">
-                <a14:hiddenLine xmlns:p14="http://schemas.microsoft.com/office/powerpoint/2010/main" xmlns:a14="http://schemas.microsoft.com/office/drawing/2010/main" xmlns:a16="http://schemas.microsoft.com/office/drawing/2014/main" xmlns="" w="9525">
+                <a14:hiddenLine xmlns="" xmlns:a16="http://schemas.microsoft.com/office/drawing/2014/main" xmlns:a14="http://schemas.microsoft.com/office/drawing/2010/main" xmlns:p14="http://schemas.microsoft.com/office/powerpoint/2010/main" w="9525">
                   <a:solidFill>
                     <a:srgbClr val="000000"/>
                   </a:solidFill>
@@ -26457,7 +26629,7 @@
             </a:ln>
             <a:extLst>
               <a:ext uri="{91240B29-F687-4f45-9708-019B960494DF}">
-                <a14:hiddenLine xmlns:p14="http://schemas.microsoft.com/office/powerpoint/2010/main" xmlns:a14="http://schemas.microsoft.com/office/drawing/2010/main" xmlns:a16="http://schemas.microsoft.com/office/drawing/2014/main" xmlns="" w="9525">
+                <a14:hiddenLine xmlns="" xmlns:a16="http://schemas.microsoft.com/office/drawing/2014/main" xmlns:a14="http://schemas.microsoft.com/office/drawing/2010/main" xmlns:p14="http://schemas.microsoft.com/office/powerpoint/2010/main" w="9525">
                   <a:solidFill>
                     <a:srgbClr val="000000"/>
                   </a:solidFill>
@@ -26569,7 +26741,7 @@
             </a:ln>
             <a:extLst>
               <a:ext uri="{91240B29-F687-4f45-9708-019B960494DF}">
-                <a14:hiddenLine xmlns:p14="http://schemas.microsoft.com/office/powerpoint/2010/main" xmlns:a14="http://schemas.microsoft.com/office/drawing/2010/main" xmlns:a16="http://schemas.microsoft.com/office/drawing/2014/main" xmlns="" w="9525">
+                <a14:hiddenLine xmlns="" xmlns:a16="http://schemas.microsoft.com/office/drawing/2014/main" xmlns:a14="http://schemas.microsoft.com/office/drawing/2010/main" xmlns:p14="http://schemas.microsoft.com/office/powerpoint/2010/main" w="9525">
                   <a:solidFill>
                     <a:srgbClr val="000000"/>
                   </a:solidFill>
@@ -26681,7 +26853,7 @@
             </a:ln>
             <a:extLst>
               <a:ext uri="{91240B29-F687-4f45-9708-019B960494DF}">
-                <a14:hiddenLine xmlns:p14="http://schemas.microsoft.com/office/powerpoint/2010/main" xmlns:a14="http://schemas.microsoft.com/office/drawing/2010/main" xmlns:a16="http://schemas.microsoft.com/office/drawing/2014/main" xmlns="" w="9525">
+                <a14:hiddenLine xmlns="" xmlns:a16="http://schemas.microsoft.com/office/drawing/2014/main" xmlns:a14="http://schemas.microsoft.com/office/drawing/2010/main" xmlns:p14="http://schemas.microsoft.com/office/powerpoint/2010/main" w="9525">
                   <a:solidFill>
                     <a:srgbClr val="000000"/>
                   </a:solidFill>
@@ -26759,7 +26931,7 @@
             </a:ln>
             <a:extLst>
               <a:ext uri="{91240B29-F687-4f45-9708-019B960494DF}">
-                <a14:hiddenLine xmlns:p14="http://schemas.microsoft.com/office/powerpoint/2010/main" xmlns:a14="http://schemas.microsoft.com/office/drawing/2010/main" xmlns:a16="http://schemas.microsoft.com/office/drawing/2014/main" xmlns="" w="9525">
+                <a14:hiddenLine xmlns="" xmlns:a16="http://schemas.microsoft.com/office/drawing/2014/main" xmlns:a14="http://schemas.microsoft.com/office/drawing/2010/main" xmlns:p14="http://schemas.microsoft.com/office/powerpoint/2010/main" w="9525">
                   <a:solidFill>
                     <a:srgbClr val="000000"/>
                   </a:solidFill>
@@ -26871,7 +27043,7 @@
             </a:ln>
             <a:extLst>
               <a:ext uri="{91240B29-F687-4f45-9708-019B960494DF}">
-                <a14:hiddenLine xmlns:p14="http://schemas.microsoft.com/office/powerpoint/2010/main" xmlns:a14="http://schemas.microsoft.com/office/drawing/2010/main" xmlns:a16="http://schemas.microsoft.com/office/drawing/2014/main" xmlns="" w="9525">
+                <a14:hiddenLine xmlns="" xmlns:a16="http://schemas.microsoft.com/office/drawing/2014/main" xmlns:a14="http://schemas.microsoft.com/office/drawing/2010/main" xmlns:p14="http://schemas.microsoft.com/office/powerpoint/2010/main" w="9525">
                   <a:solidFill>
                     <a:srgbClr val="000000"/>
                   </a:solidFill>
@@ -26949,7 +27121,7 @@
             </a:ln>
             <a:extLst>
               <a:ext uri="{91240B29-F687-4f45-9708-019B960494DF}">
-                <a14:hiddenLine xmlns:p14="http://schemas.microsoft.com/office/powerpoint/2010/main" xmlns:a14="http://schemas.microsoft.com/office/drawing/2010/main" xmlns:a16="http://schemas.microsoft.com/office/drawing/2014/main" xmlns="" w="9525">
+                <a14:hiddenLine xmlns="" xmlns:a16="http://schemas.microsoft.com/office/drawing/2014/main" xmlns:a14="http://schemas.microsoft.com/office/drawing/2010/main" xmlns:p14="http://schemas.microsoft.com/office/powerpoint/2010/main" w="9525">
                   <a:solidFill>
                     <a:srgbClr val="000000"/>
                   </a:solidFill>
@@ -27061,7 +27233,7 @@
             </a:ln>
             <a:extLst>
               <a:ext uri="{91240B29-F687-4f45-9708-019B960494DF}">
-                <a14:hiddenLine xmlns:p14="http://schemas.microsoft.com/office/powerpoint/2010/main" xmlns:a14="http://schemas.microsoft.com/office/drawing/2010/main" xmlns:a16="http://schemas.microsoft.com/office/drawing/2014/main" xmlns="" w="9525">
+                <a14:hiddenLine xmlns="" xmlns:a16="http://schemas.microsoft.com/office/drawing/2014/main" xmlns:a14="http://schemas.microsoft.com/office/drawing/2010/main" xmlns:p14="http://schemas.microsoft.com/office/powerpoint/2010/main" w="9525">
                   <a:solidFill>
                     <a:srgbClr val="000000"/>
                   </a:solidFill>
@@ -27151,7 +27323,7 @@
             </a:ln>
             <a:extLst>
               <a:ext uri="{91240B29-F687-4f45-9708-019B960494DF}">
-                <a14:hiddenLine xmlns:p14="http://schemas.microsoft.com/office/powerpoint/2010/main" xmlns:a14="http://schemas.microsoft.com/office/drawing/2010/main" xmlns:a16="http://schemas.microsoft.com/office/drawing/2014/main" xmlns="" w="9525">
+                <a14:hiddenLine xmlns="" xmlns:a16="http://schemas.microsoft.com/office/drawing/2014/main" xmlns:a14="http://schemas.microsoft.com/office/drawing/2010/main" xmlns:p14="http://schemas.microsoft.com/office/powerpoint/2010/main" w="9525">
                   <a:solidFill>
                     <a:srgbClr val="000000"/>
                   </a:solidFill>
@@ -27263,7 +27435,7 @@
             </a:ln>
             <a:extLst>
               <a:ext uri="{91240B29-F687-4f45-9708-019B960494DF}">
-                <a14:hiddenLine xmlns:p14="http://schemas.microsoft.com/office/powerpoint/2010/main" xmlns:a14="http://schemas.microsoft.com/office/drawing/2010/main" xmlns:a16="http://schemas.microsoft.com/office/drawing/2014/main" xmlns="" w="9525">
+                <a14:hiddenLine xmlns="" xmlns:a16="http://schemas.microsoft.com/office/drawing/2014/main" xmlns:a14="http://schemas.microsoft.com/office/drawing/2010/main" xmlns:p14="http://schemas.microsoft.com/office/powerpoint/2010/main" w="9525">
                   <a:solidFill>
                     <a:srgbClr val="000000"/>
                   </a:solidFill>
@@ -27353,7 +27525,7 @@
             </a:ln>
             <a:extLst>
               <a:ext uri="{91240B29-F687-4f45-9708-019B960494DF}">
-                <a14:hiddenLine xmlns:p14="http://schemas.microsoft.com/office/powerpoint/2010/main" xmlns:a14="http://schemas.microsoft.com/office/drawing/2010/main" xmlns:a16="http://schemas.microsoft.com/office/drawing/2014/main" xmlns="" w="9525">
+                <a14:hiddenLine xmlns="" xmlns:a16="http://schemas.microsoft.com/office/drawing/2014/main" xmlns:a14="http://schemas.microsoft.com/office/drawing/2010/main" xmlns:p14="http://schemas.microsoft.com/office/powerpoint/2010/main" w="9525">
                   <a:solidFill>
                     <a:srgbClr val="000000"/>
                   </a:solidFill>
@@ -27465,7 +27637,7 @@
             </a:ln>
             <a:extLst>
               <a:ext uri="{91240B29-F687-4f45-9708-019B960494DF}">
-                <a14:hiddenLine xmlns:p14="http://schemas.microsoft.com/office/powerpoint/2010/main" xmlns:a14="http://schemas.microsoft.com/office/drawing/2010/main" xmlns:a16="http://schemas.microsoft.com/office/drawing/2014/main" xmlns="" w="9525">
+                <a14:hiddenLine xmlns="" xmlns:a16="http://schemas.microsoft.com/office/drawing/2014/main" xmlns:a14="http://schemas.microsoft.com/office/drawing/2010/main" xmlns:p14="http://schemas.microsoft.com/office/powerpoint/2010/main" w="9525">
                   <a:solidFill>
                     <a:srgbClr val="000000"/>
                   </a:solidFill>
@@ -27521,7 +27693,7 @@
             </a:ln>
             <a:extLst>
               <a:ext uri="{91240B29-F687-4f45-9708-019B960494DF}">
-                <a14:hiddenLine xmlns:p14="http://schemas.microsoft.com/office/powerpoint/2010/main" xmlns:a14="http://schemas.microsoft.com/office/drawing/2010/main" xmlns:a16="http://schemas.microsoft.com/office/drawing/2014/main" xmlns="" w="9525">
+                <a14:hiddenLine xmlns="" xmlns:a16="http://schemas.microsoft.com/office/drawing/2014/main" xmlns:a14="http://schemas.microsoft.com/office/drawing/2010/main" xmlns:p14="http://schemas.microsoft.com/office/powerpoint/2010/main" w="9525">
                   <a:solidFill>
                     <a:srgbClr val="000000"/>
                   </a:solidFill>
@@ -27633,7 +27805,7 @@
             </a:ln>
             <a:extLst>
               <a:ext uri="{91240B29-F687-4f45-9708-019B960494DF}">
-                <a14:hiddenLine xmlns:p14="http://schemas.microsoft.com/office/powerpoint/2010/main" xmlns:a14="http://schemas.microsoft.com/office/drawing/2010/main" xmlns:a16="http://schemas.microsoft.com/office/drawing/2014/main" xmlns="" w="9525">
+                <a14:hiddenLine xmlns="" xmlns:a16="http://schemas.microsoft.com/office/drawing/2014/main" xmlns:a14="http://schemas.microsoft.com/office/drawing/2010/main" xmlns:p14="http://schemas.microsoft.com/office/powerpoint/2010/main" w="9525">
                   <a:solidFill>
                     <a:srgbClr val="000000"/>
                   </a:solidFill>
@@ -27717,7 +27889,7 @@
             </a:ln>
             <a:extLst>
               <a:ext uri="{91240B29-F687-4f45-9708-019B960494DF}">
-                <a14:hiddenLine xmlns:p14="http://schemas.microsoft.com/office/powerpoint/2010/main" xmlns:a14="http://schemas.microsoft.com/office/drawing/2010/main" xmlns:a16="http://schemas.microsoft.com/office/drawing/2014/main" xmlns="" w="9525">
+                <a14:hiddenLine xmlns="" xmlns:a16="http://schemas.microsoft.com/office/drawing/2014/main" xmlns:a14="http://schemas.microsoft.com/office/drawing/2010/main" xmlns:p14="http://schemas.microsoft.com/office/powerpoint/2010/main" w="9525">
                   <a:solidFill>
                     <a:srgbClr val="000000"/>
                   </a:solidFill>
@@ -27801,7 +27973,7 @@
             </a:ln>
             <a:extLst>
               <a:ext uri="{91240B29-F687-4f45-9708-019B960494DF}">
-                <a14:hiddenLine xmlns:p14="http://schemas.microsoft.com/office/powerpoint/2010/main" xmlns:a14="http://schemas.microsoft.com/office/drawing/2010/main" xmlns:a16="http://schemas.microsoft.com/office/drawing/2014/main" xmlns="" w="9525">
+                <a14:hiddenLine xmlns="" xmlns:a16="http://schemas.microsoft.com/office/drawing/2014/main" xmlns:a14="http://schemas.microsoft.com/office/drawing/2010/main" xmlns:p14="http://schemas.microsoft.com/office/powerpoint/2010/main" w="9525">
                   <a:solidFill>
                     <a:srgbClr val="000000"/>
                   </a:solidFill>
@@ -27913,7 +28085,7 @@
             </a:ln>
             <a:extLst>
               <a:ext uri="{91240B29-F687-4f45-9708-019B960494DF}">
-                <a14:hiddenLine xmlns:p14="http://schemas.microsoft.com/office/powerpoint/2010/main" xmlns:a14="http://schemas.microsoft.com/office/drawing/2010/main" xmlns:a16="http://schemas.microsoft.com/office/drawing/2014/main" xmlns="" w="9525">
+                <a14:hiddenLine xmlns="" xmlns:a16="http://schemas.microsoft.com/office/drawing/2014/main" xmlns:a14="http://schemas.microsoft.com/office/drawing/2010/main" xmlns:p14="http://schemas.microsoft.com/office/powerpoint/2010/main" w="9525">
                   <a:solidFill>
                     <a:srgbClr val="000000"/>
                   </a:solidFill>
@@ -28003,7 +28175,7 @@
             </a:ln>
             <a:extLst>
               <a:ext uri="{91240B29-F687-4f45-9708-019B960494DF}">
-                <a14:hiddenLine xmlns:p14="http://schemas.microsoft.com/office/powerpoint/2010/main" xmlns:a14="http://schemas.microsoft.com/office/drawing/2010/main" xmlns:a16="http://schemas.microsoft.com/office/drawing/2014/main" xmlns="" w="9525">
+                <a14:hiddenLine xmlns="" xmlns:a16="http://schemas.microsoft.com/office/drawing/2014/main" xmlns:a14="http://schemas.microsoft.com/office/drawing/2010/main" xmlns:p14="http://schemas.microsoft.com/office/powerpoint/2010/main" w="9525">
                   <a:solidFill>
                     <a:srgbClr val="000000"/>
                   </a:solidFill>
@@ -28087,7 +28259,7 @@
             </a:ln>
             <a:extLst>
               <a:ext uri="{91240B29-F687-4f45-9708-019B960494DF}">
-                <a14:hiddenLine xmlns:p14="http://schemas.microsoft.com/office/powerpoint/2010/main" xmlns:a14="http://schemas.microsoft.com/office/drawing/2010/main" xmlns:a16="http://schemas.microsoft.com/office/drawing/2014/main" xmlns="" w="9525">
+                <a14:hiddenLine xmlns="" xmlns:a16="http://schemas.microsoft.com/office/drawing/2014/main" xmlns:a14="http://schemas.microsoft.com/office/drawing/2010/main" xmlns:p14="http://schemas.microsoft.com/office/powerpoint/2010/main" w="9525">
                   <a:solidFill>
                     <a:srgbClr val="000000"/>
                   </a:solidFill>
@@ -28199,7 +28371,7 @@
             </a:ln>
             <a:extLst>
               <a:ext uri="{91240B29-F687-4f45-9708-019B960494DF}">
-                <a14:hiddenLine xmlns:p14="http://schemas.microsoft.com/office/powerpoint/2010/main" xmlns:a14="http://schemas.microsoft.com/office/drawing/2010/main" xmlns:a16="http://schemas.microsoft.com/office/drawing/2014/main" xmlns="" w="9525">
+                <a14:hiddenLine xmlns="" xmlns:a16="http://schemas.microsoft.com/office/drawing/2014/main" xmlns:a14="http://schemas.microsoft.com/office/drawing/2010/main" xmlns:p14="http://schemas.microsoft.com/office/powerpoint/2010/main" w="9525">
                   <a:solidFill>
                     <a:srgbClr val="000000"/>
                   </a:solidFill>
@@ -28283,7 +28455,7 @@
             </a:ln>
             <a:extLst>
               <a:ext uri="{91240B29-F687-4f45-9708-019B960494DF}">
-                <a14:hiddenLine xmlns:p14="http://schemas.microsoft.com/office/powerpoint/2010/main" xmlns:a14="http://schemas.microsoft.com/office/drawing/2010/main" xmlns:a16="http://schemas.microsoft.com/office/drawing/2014/main" xmlns="" w="9525">
+                <a14:hiddenLine xmlns="" xmlns:a16="http://schemas.microsoft.com/office/drawing/2014/main" xmlns:a14="http://schemas.microsoft.com/office/drawing/2010/main" xmlns:p14="http://schemas.microsoft.com/office/powerpoint/2010/main" w="9525">
                   <a:solidFill>
                     <a:srgbClr val="000000"/>
                   </a:solidFill>
@@ -28395,7 +28567,7 @@
             </a:ln>
             <a:extLst>
               <a:ext uri="{91240B29-F687-4f45-9708-019B960494DF}">
-                <a14:hiddenLine xmlns:p14="http://schemas.microsoft.com/office/powerpoint/2010/main" xmlns:a14="http://schemas.microsoft.com/office/drawing/2010/main" xmlns:a16="http://schemas.microsoft.com/office/drawing/2014/main" xmlns="" w="9525">
+                <a14:hiddenLine xmlns="" xmlns:a16="http://schemas.microsoft.com/office/drawing/2014/main" xmlns:a14="http://schemas.microsoft.com/office/drawing/2010/main" xmlns:p14="http://schemas.microsoft.com/office/powerpoint/2010/main" w="9525">
                   <a:solidFill>
                     <a:srgbClr val="000000"/>
                   </a:solidFill>
@@ -28479,7 +28651,7 @@
             </a:ln>
             <a:extLst>
               <a:ext uri="{91240B29-F687-4f45-9708-019B960494DF}">
-                <a14:hiddenLine xmlns:p14="http://schemas.microsoft.com/office/powerpoint/2010/main" xmlns:a14="http://schemas.microsoft.com/office/drawing/2010/main" xmlns:a16="http://schemas.microsoft.com/office/drawing/2014/main" xmlns="" w="9525">
+                <a14:hiddenLine xmlns="" xmlns:a16="http://schemas.microsoft.com/office/drawing/2014/main" xmlns:a14="http://schemas.microsoft.com/office/drawing/2010/main" xmlns:p14="http://schemas.microsoft.com/office/powerpoint/2010/main" w="9525">
                   <a:solidFill>
                     <a:srgbClr val="000000"/>
                   </a:solidFill>
@@ -28591,7 +28763,7 @@
             </a:ln>
             <a:extLst>
               <a:ext uri="{91240B29-F687-4f45-9708-019B960494DF}">
-                <a14:hiddenLine xmlns:p14="http://schemas.microsoft.com/office/powerpoint/2010/main" xmlns:a14="http://schemas.microsoft.com/office/drawing/2010/main" xmlns:a16="http://schemas.microsoft.com/office/drawing/2014/main" xmlns="" w="9525">
+                <a14:hiddenLine xmlns="" xmlns:a16="http://schemas.microsoft.com/office/drawing/2014/main" xmlns:a14="http://schemas.microsoft.com/office/drawing/2010/main" xmlns:p14="http://schemas.microsoft.com/office/powerpoint/2010/main" w="9525">
                   <a:solidFill>
                     <a:srgbClr val="000000"/>
                   </a:solidFill>
@@ -28647,7 +28819,7 @@
             </a:ln>
             <a:extLst>
               <a:ext uri="{91240B29-F687-4f45-9708-019B960494DF}">
-                <a14:hiddenLine xmlns:p14="http://schemas.microsoft.com/office/powerpoint/2010/main" xmlns:a14="http://schemas.microsoft.com/office/drawing/2010/main" xmlns:a16="http://schemas.microsoft.com/office/drawing/2014/main" xmlns="" w="9525">
+                <a14:hiddenLine xmlns="" xmlns:a16="http://schemas.microsoft.com/office/drawing/2014/main" xmlns:a14="http://schemas.microsoft.com/office/drawing/2010/main" xmlns:p14="http://schemas.microsoft.com/office/powerpoint/2010/main" w="9525">
                   <a:solidFill>
                     <a:srgbClr val="000000"/>
                   </a:solidFill>
@@ -28734,7 +28906,7 @@
             </a:ln>
             <a:extLst>
               <a:ext uri="{91240B29-F687-4f45-9708-019B960494DF}">
-                <a14:hiddenLine xmlns:p14="http://schemas.microsoft.com/office/powerpoint/2010/main" xmlns:a14="http://schemas.microsoft.com/office/drawing/2010/main" xmlns:a16="http://schemas.microsoft.com/office/drawing/2014/main" xmlns="" w="9525">
+                <a14:hiddenLine xmlns="" xmlns:a16="http://schemas.microsoft.com/office/drawing/2014/main" xmlns:a14="http://schemas.microsoft.com/office/drawing/2010/main" xmlns:p14="http://schemas.microsoft.com/office/powerpoint/2010/main" w="9525">
                   <a:solidFill>
                     <a:srgbClr val="000000"/>
                   </a:solidFill>
@@ -28846,7 +29018,7 @@
             </a:ln>
             <a:extLst>
               <a:ext uri="{91240B29-F687-4f45-9708-019B960494DF}">
-                <a14:hiddenLine xmlns:p14="http://schemas.microsoft.com/office/powerpoint/2010/main" xmlns:a14="http://schemas.microsoft.com/office/drawing/2010/main" xmlns:a16="http://schemas.microsoft.com/office/drawing/2014/main" xmlns="" w="9525">
+                <a14:hiddenLine xmlns="" xmlns:a16="http://schemas.microsoft.com/office/drawing/2014/main" xmlns:a14="http://schemas.microsoft.com/office/drawing/2010/main" xmlns:p14="http://schemas.microsoft.com/office/powerpoint/2010/main" w="9525">
                   <a:solidFill>
                     <a:srgbClr val="000000"/>
                   </a:solidFill>
@@ -28930,7 +29102,7 @@
             </a:ln>
             <a:extLst>
               <a:ext uri="{91240B29-F687-4f45-9708-019B960494DF}">
-                <a14:hiddenLine xmlns:p14="http://schemas.microsoft.com/office/powerpoint/2010/main" xmlns:a14="http://schemas.microsoft.com/office/drawing/2010/main" xmlns:a16="http://schemas.microsoft.com/office/drawing/2014/main" xmlns="" w="9525">
+                <a14:hiddenLine xmlns="" xmlns:a16="http://schemas.microsoft.com/office/drawing/2014/main" xmlns:a14="http://schemas.microsoft.com/office/drawing/2010/main" xmlns:p14="http://schemas.microsoft.com/office/powerpoint/2010/main" w="9525">
                   <a:solidFill>
                     <a:srgbClr val="000000"/>
                   </a:solidFill>
@@ -29042,7 +29214,7 @@
             </a:ln>
             <a:extLst>
               <a:ext uri="{91240B29-F687-4f45-9708-019B960494DF}">
-                <a14:hiddenLine xmlns:p14="http://schemas.microsoft.com/office/powerpoint/2010/main" xmlns:a14="http://schemas.microsoft.com/office/drawing/2010/main" xmlns:a16="http://schemas.microsoft.com/office/drawing/2014/main" xmlns="" w="9525">
+                <a14:hiddenLine xmlns="" xmlns:a16="http://schemas.microsoft.com/office/drawing/2014/main" xmlns:a14="http://schemas.microsoft.com/office/drawing/2010/main" xmlns:p14="http://schemas.microsoft.com/office/powerpoint/2010/main" w="9525">
                   <a:solidFill>
                     <a:srgbClr val="000000"/>
                   </a:solidFill>
@@ -29154,7 +29326,7 @@
             </a:ln>
             <a:extLst>
               <a:ext uri="{91240B29-F687-4f45-9708-019B960494DF}">
-                <a14:hiddenLine xmlns:p14="http://schemas.microsoft.com/office/powerpoint/2010/main" xmlns:a14="http://schemas.microsoft.com/office/drawing/2010/main" xmlns:a16="http://schemas.microsoft.com/office/drawing/2014/main" xmlns="" w="9525">
+                <a14:hiddenLine xmlns="" xmlns:a16="http://schemas.microsoft.com/office/drawing/2014/main" xmlns:a14="http://schemas.microsoft.com/office/drawing/2010/main" xmlns:p14="http://schemas.microsoft.com/office/powerpoint/2010/main" w="9525">
                   <a:solidFill>
                     <a:srgbClr val="000000"/>
                   </a:solidFill>
@@ -29241,7 +29413,7 @@
             </a:ln>
             <a:extLst>
               <a:ext uri="{91240B29-F687-4f45-9708-019B960494DF}">
-                <a14:hiddenLine xmlns:p14="http://schemas.microsoft.com/office/powerpoint/2010/main" xmlns:a14="http://schemas.microsoft.com/office/drawing/2010/main" xmlns:a16="http://schemas.microsoft.com/office/drawing/2014/main" xmlns="" w="9525">
+                <a14:hiddenLine xmlns="" xmlns:a16="http://schemas.microsoft.com/office/drawing/2014/main" xmlns:a14="http://schemas.microsoft.com/office/drawing/2010/main" xmlns:p14="http://schemas.microsoft.com/office/powerpoint/2010/main" w="9525">
                   <a:solidFill>
                     <a:srgbClr val="000000"/>
                   </a:solidFill>
@@ -29325,7 +29497,7 @@
             </a:ln>
             <a:extLst>
               <a:ext uri="{91240B29-F687-4f45-9708-019B960494DF}">
-                <a14:hiddenLine xmlns:p14="http://schemas.microsoft.com/office/powerpoint/2010/main" xmlns:a14="http://schemas.microsoft.com/office/drawing/2010/main" xmlns:a16="http://schemas.microsoft.com/office/drawing/2014/main" xmlns="" w="9525">
+                <a14:hiddenLine xmlns="" xmlns:a16="http://schemas.microsoft.com/office/drawing/2014/main" xmlns:a14="http://schemas.microsoft.com/office/drawing/2010/main" xmlns:p14="http://schemas.microsoft.com/office/powerpoint/2010/main" w="9525">
                   <a:solidFill>
                     <a:srgbClr val="000000"/>
                   </a:solidFill>
@@ -29437,7 +29609,7 @@
             </a:ln>
             <a:extLst>
               <a:ext uri="{91240B29-F687-4f45-9708-019B960494DF}">
-                <a14:hiddenLine xmlns:p14="http://schemas.microsoft.com/office/powerpoint/2010/main" xmlns:a14="http://schemas.microsoft.com/office/drawing/2010/main" xmlns:a16="http://schemas.microsoft.com/office/drawing/2014/main" xmlns="" w="9525">
+                <a14:hiddenLine xmlns="" xmlns:a16="http://schemas.microsoft.com/office/drawing/2014/main" xmlns:a14="http://schemas.microsoft.com/office/drawing/2010/main" xmlns:p14="http://schemas.microsoft.com/office/powerpoint/2010/main" w="9525">
                   <a:solidFill>
                     <a:srgbClr val="000000"/>
                   </a:solidFill>
@@ -29549,7 +29721,7 @@
             </a:ln>
             <a:extLst>
               <a:ext uri="{91240B29-F687-4f45-9708-019B960494DF}">
-                <a14:hiddenLine xmlns:p14="http://schemas.microsoft.com/office/powerpoint/2010/main" xmlns:a14="http://schemas.microsoft.com/office/drawing/2010/main" xmlns:a16="http://schemas.microsoft.com/office/drawing/2014/main" xmlns="" w="9525">
+                <a14:hiddenLine xmlns="" xmlns:a16="http://schemas.microsoft.com/office/drawing/2014/main" xmlns:a14="http://schemas.microsoft.com/office/drawing/2010/main" xmlns:p14="http://schemas.microsoft.com/office/powerpoint/2010/main" w="9525">
                   <a:solidFill>
                     <a:srgbClr val="000000"/>
                   </a:solidFill>
@@ -29633,7 +29805,7 @@
             </a:ln>
             <a:extLst>
               <a:ext uri="{91240B29-F687-4f45-9708-019B960494DF}">
-                <a14:hiddenLine xmlns:p14="http://schemas.microsoft.com/office/powerpoint/2010/main" xmlns:a14="http://schemas.microsoft.com/office/drawing/2010/main" xmlns:a16="http://schemas.microsoft.com/office/drawing/2014/main" xmlns="" w="9525">
+                <a14:hiddenLine xmlns="" xmlns:a16="http://schemas.microsoft.com/office/drawing/2014/main" xmlns:a14="http://schemas.microsoft.com/office/drawing/2010/main" xmlns:p14="http://schemas.microsoft.com/office/powerpoint/2010/main" w="9525">
                   <a:solidFill>
                     <a:srgbClr val="000000"/>
                   </a:solidFill>
@@ -29775,7 +29947,7 @@
             </a:ln>
             <a:extLst>
               <a:ext uri="{91240B29-F687-4f45-9708-019B960494DF}">
-                <a14:hiddenLine xmlns:p14="http://schemas.microsoft.com/office/powerpoint/2010/main" xmlns:a14="http://schemas.microsoft.com/office/drawing/2010/main" xmlns:a16="http://schemas.microsoft.com/office/drawing/2014/main" xmlns="" w="9525">
+                <a14:hiddenLine xmlns="" xmlns:a16="http://schemas.microsoft.com/office/drawing/2014/main" xmlns:a14="http://schemas.microsoft.com/office/drawing/2010/main" xmlns:p14="http://schemas.microsoft.com/office/powerpoint/2010/main" w="9525">
                   <a:solidFill>
                     <a:srgbClr val="000000"/>
                   </a:solidFill>
@@ -29865,7 +30037,7 @@
             </a:ln>
             <a:extLst>
               <a:ext uri="{91240B29-F687-4f45-9708-019B960494DF}">
-                <a14:hiddenLine xmlns:p14="http://schemas.microsoft.com/office/powerpoint/2010/main" xmlns:a14="http://schemas.microsoft.com/office/drawing/2010/main" xmlns:a16="http://schemas.microsoft.com/office/drawing/2014/main" xmlns="" w="9525">
+                <a14:hiddenLine xmlns="" xmlns:a16="http://schemas.microsoft.com/office/drawing/2014/main" xmlns:a14="http://schemas.microsoft.com/office/drawing/2010/main" xmlns:p14="http://schemas.microsoft.com/office/powerpoint/2010/main" w="9525">
                   <a:solidFill>
                     <a:srgbClr val="000000"/>
                   </a:solidFill>
@@ -29977,7 +30149,7 @@
             </a:ln>
             <a:extLst>
               <a:ext uri="{91240B29-F687-4f45-9708-019B960494DF}">
-                <a14:hiddenLine xmlns:p14="http://schemas.microsoft.com/office/powerpoint/2010/main" xmlns:a14="http://schemas.microsoft.com/office/drawing/2010/main" xmlns:a16="http://schemas.microsoft.com/office/drawing/2014/main" xmlns="" w="9525">
+                <a14:hiddenLine xmlns="" xmlns:a16="http://schemas.microsoft.com/office/drawing/2014/main" xmlns:a14="http://schemas.microsoft.com/office/drawing/2010/main" xmlns:p14="http://schemas.microsoft.com/office/powerpoint/2010/main" w="9525">
                   <a:solidFill>
                     <a:srgbClr val="000000"/>
                   </a:solidFill>
@@ -30141,7 +30313,7 @@
             <a:noFill/>
             <a:extLst>
               <a:ext uri="{909E8E84-426E-40dd-AFC4-6F175D3DCCD1}">
-                <a14:hiddenFill xmlns:p14="http://schemas.microsoft.com/office/powerpoint/2010/main" xmlns:a14="http://schemas.microsoft.com/office/drawing/2010/main" xmlns:a16="http://schemas.microsoft.com/office/drawing/2014/main" xmlns="">
+                <a14:hiddenFill xmlns="" xmlns:a16="http://schemas.microsoft.com/office/drawing/2014/main" xmlns:a14="http://schemas.microsoft.com/office/drawing/2010/main" xmlns:p14="http://schemas.microsoft.com/office/powerpoint/2010/main">
                   <a:solidFill>
                     <a:srgbClr val="FFFFFF"/>
                   </a:solidFill>
@@ -30234,7 +30406,7 @@
             </a:ln>
             <a:extLst>
               <a:ext uri="{91240B29-F687-4f45-9708-019B960494DF}">
-                <a14:hiddenLine xmlns:p14="http://schemas.microsoft.com/office/powerpoint/2010/main" xmlns:a14="http://schemas.microsoft.com/office/drawing/2010/main" xmlns:a16="http://schemas.microsoft.com/office/drawing/2014/main" xmlns="" w="9525">
+                <a14:hiddenLine xmlns="" xmlns:a16="http://schemas.microsoft.com/office/drawing/2014/main" xmlns:a14="http://schemas.microsoft.com/office/drawing/2010/main" xmlns:p14="http://schemas.microsoft.com/office/powerpoint/2010/main" w="9525">
                   <a:solidFill>
                     <a:srgbClr val="000000"/>
                   </a:solidFill>
@@ -30346,7 +30518,7 @@
             </a:ln>
             <a:extLst>
               <a:ext uri="{91240B29-F687-4f45-9708-019B960494DF}">
-                <a14:hiddenLine xmlns:p14="http://schemas.microsoft.com/office/powerpoint/2010/main" xmlns:a14="http://schemas.microsoft.com/office/drawing/2010/main" xmlns:a16="http://schemas.microsoft.com/office/drawing/2014/main" xmlns="" w="9525">
+                <a14:hiddenLine xmlns="" xmlns:a16="http://schemas.microsoft.com/office/drawing/2014/main" xmlns:a14="http://schemas.microsoft.com/office/drawing/2010/main" xmlns:p14="http://schemas.microsoft.com/office/powerpoint/2010/main" w="9525">
                   <a:solidFill>
                     <a:srgbClr val="000000"/>
                   </a:solidFill>
@@ -30458,7 +30630,7 @@
             </a:ln>
             <a:extLst>
               <a:ext uri="{91240B29-F687-4f45-9708-019B960494DF}">
-                <a14:hiddenLine xmlns:p14="http://schemas.microsoft.com/office/powerpoint/2010/main" xmlns:a14="http://schemas.microsoft.com/office/drawing/2010/main" xmlns:a16="http://schemas.microsoft.com/office/drawing/2014/main" xmlns="" w="9525">
+                <a14:hiddenLine xmlns="" xmlns:a16="http://schemas.microsoft.com/office/drawing/2014/main" xmlns:a14="http://schemas.microsoft.com/office/drawing/2010/main" xmlns:p14="http://schemas.microsoft.com/office/powerpoint/2010/main" w="9525">
                   <a:solidFill>
                     <a:srgbClr val="000000"/>
                   </a:solidFill>
@@ -30542,7 +30714,7 @@
             </a:ln>
             <a:extLst>
               <a:ext uri="{91240B29-F687-4f45-9708-019B960494DF}">
-                <a14:hiddenLine xmlns:p14="http://schemas.microsoft.com/office/powerpoint/2010/main" xmlns:a14="http://schemas.microsoft.com/office/drawing/2010/main" xmlns:a16="http://schemas.microsoft.com/office/drawing/2014/main" xmlns="" w="9525">
+                <a14:hiddenLine xmlns="" xmlns:a16="http://schemas.microsoft.com/office/drawing/2014/main" xmlns:a14="http://schemas.microsoft.com/office/drawing/2010/main" xmlns:p14="http://schemas.microsoft.com/office/powerpoint/2010/main" w="9525">
                   <a:solidFill>
                     <a:srgbClr val="000000"/>
                   </a:solidFill>
@@ -30654,7 +30826,7 @@
             </a:ln>
             <a:extLst>
               <a:ext uri="{91240B29-F687-4f45-9708-019B960494DF}">
-                <a14:hiddenLine xmlns:p14="http://schemas.microsoft.com/office/powerpoint/2010/main" xmlns:a14="http://schemas.microsoft.com/office/drawing/2010/main" xmlns:a16="http://schemas.microsoft.com/office/drawing/2014/main" xmlns="" w="9525">
+                <a14:hiddenLine xmlns="" xmlns:a16="http://schemas.microsoft.com/office/drawing/2014/main" xmlns:a14="http://schemas.microsoft.com/office/drawing/2010/main" xmlns:p14="http://schemas.microsoft.com/office/powerpoint/2010/main" w="9525">
                   <a:solidFill>
                     <a:srgbClr val="000000"/>
                   </a:solidFill>
@@ -30738,7 +30910,7 @@
             </a:ln>
             <a:extLst>
               <a:ext uri="{91240B29-F687-4f45-9708-019B960494DF}">
-                <a14:hiddenLine xmlns:p14="http://schemas.microsoft.com/office/powerpoint/2010/main" xmlns:a14="http://schemas.microsoft.com/office/drawing/2010/main" xmlns:a16="http://schemas.microsoft.com/office/drawing/2014/main" xmlns="" w="9525">
+                <a14:hiddenLine xmlns="" xmlns:a16="http://schemas.microsoft.com/office/drawing/2014/main" xmlns:a14="http://schemas.microsoft.com/office/drawing/2010/main" xmlns:p14="http://schemas.microsoft.com/office/powerpoint/2010/main" w="9525">
                   <a:solidFill>
                     <a:srgbClr val="000000"/>
                   </a:solidFill>
@@ -30822,7 +30994,7 @@
             </a:ln>
             <a:extLst>
               <a:ext uri="{91240B29-F687-4f45-9708-019B960494DF}">
-                <a14:hiddenLine xmlns:p14="http://schemas.microsoft.com/office/powerpoint/2010/main" xmlns:a14="http://schemas.microsoft.com/office/drawing/2010/main" xmlns:a16="http://schemas.microsoft.com/office/drawing/2014/main" xmlns="" w="9525">
+                <a14:hiddenLine xmlns="" xmlns:a16="http://schemas.microsoft.com/office/drawing/2014/main" xmlns:a14="http://schemas.microsoft.com/office/drawing/2010/main" xmlns:p14="http://schemas.microsoft.com/office/powerpoint/2010/main" w="9525">
                   <a:solidFill>
                     <a:srgbClr val="000000"/>
                   </a:solidFill>
@@ -30934,7 +31106,7 @@
             </a:ln>
             <a:extLst>
               <a:ext uri="{91240B29-F687-4f45-9708-019B960494DF}">
-                <a14:hiddenLine xmlns:p14="http://schemas.microsoft.com/office/powerpoint/2010/main" xmlns:a14="http://schemas.microsoft.com/office/drawing/2010/main" xmlns:a16="http://schemas.microsoft.com/office/drawing/2014/main" xmlns="" w="9525">
+                <a14:hiddenLine xmlns="" xmlns:a16="http://schemas.microsoft.com/office/drawing/2014/main" xmlns:a14="http://schemas.microsoft.com/office/drawing/2010/main" xmlns:p14="http://schemas.microsoft.com/office/powerpoint/2010/main" w="9525">
                   <a:solidFill>
                     <a:srgbClr val="000000"/>
                   </a:solidFill>
@@ -31046,7 +31218,7 @@
             </a:ln>
             <a:extLst>
               <a:ext uri="{91240B29-F687-4f45-9708-019B960494DF}">
-                <a14:hiddenLine xmlns:p14="http://schemas.microsoft.com/office/powerpoint/2010/main" xmlns:a14="http://schemas.microsoft.com/office/drawing/2010/main" xmlns:a16="http://schemas.microsoft.com/office/drawing/2014/main" xmlns="" w="9525">
+                <a14:hiddenLine xmlns="" xmlns:a16="http://schemas.microsoft.com/office/drawing/2014/main" xmlns:a14="http://schemas.microsoft.com/office/drawing/2010/main" xmlns:p14="http://schemas.microsoft.com/office/powerpoint/2010/main" w="9525">
                   <a:solidFill>
                     <a:srgbClr val="000000"/>
                   </a:solidFill>
@@ -31130,7 +31302,7 @@
             </a:ln>
             <a:extLst>
               <a:ext uri="{91240B29-F687-4f45-9708-019B960494DF}">
-                <a14:hiddenLine xmlns:p14="http://schemas.microsoft.com/office/powerpoint/2010/main" xmlns:a14="http://schemas.microsoft.com/office/drawing/2010/main" xmlns:a16="http://schemas.microsoft.com/office/drawing/2014/main" xmlns="" w="9525">
+                <a14:hiddenLine xmlns="" xmlns:a16="http://schemas.microsoft.com/office/drawing/2014/main" xmlns:a14="http://schemas.microsoft.com/office/drawing/2010/main" xmlns:p14="http://schemas.microsoft.com/office/powerpoint/2010/main" w="9525">
                   <a:solidFill>
                     <a:srgbClr val="000000"/>
                   </a:solidFill>
@@ -31262,7 +31434,7 @@
             </a:ln>
             <a:extLst>
               <a:ext uri="{91240B29-F687-4f45-9708-019B960494DF}">
-                <a14:hiddenLine xmlns:p14="http://schemas.microsoft.com/office/powerpoint/2010/main" xmlns:a14="http://schemas.microsoft.com/office/drawing/2010/main" xmlns:a16="http://schemas.microsoft.com/office/drawing/2014/main" xmlns="" w="9525">
+                <a14:hiddenLine xmlns="" xmlns:a16="http://schemas.microsoft.com/office/drawing/2014/main" xmlns:a14="http://schemas.microsoft.com/office/drawing/2010/main" xmlns:p14="http://schemas.microsoft.com/office/powerpoint/2010/main" w="9525">
                   <a:solidFill>
                     <a:srgbClr val="000000"/>
                   </a:solidFill>
@@ -31390,7 +31562,7 @@
             </a:ln>
             <a:extLst>
               <a:ext uri="{91240B29-F687-4f45-9708-019B960494DF}">
-                <a14:hiddenLine xmlns:p14="http://schemas.microsoft.com/office/powerpoint/2010/main" xmlns:a14="http://schemas.microsoft.com/office/drawing/2010/main" xmlns:a16="http://schemas.microsoft.com/office/drawing/2014/main" xmlns="" w="9525">
+                <a14:hiddenLine xmlns="" xmlns:a16="http://schemas.microsoft.com/office/drawing/2014/main" xmlns:a14="http://schemas.microsoft.com/office/drawing/2010/main" xmlns:p14="http://schemas.microsoft.com/office/powerpoint/2010/main" w="9525">
                   <a:solidFill>
                     <a:srgbClr val="000000"/>
                   </a:solidFill>
@@ -31474,7 +31646,7 @@
             </a:ln>
             <a:extLst>
               <a:ext uri="{91240B29-F687-4f45-9708-019B960494DF}">
-                <a14:hiddenLine xmlns:p14="http://schemas.microsoft.com/office/powerpoint/2010/main" xmlns:a14="http://schemas.microsoft.com/office/drawing/2010/main" xmlns:a16="http://schemas.microsoft.com/office/drawing/2014/main" xmlns="" w="9525">
+                <a14:hiddenLine xmlns="" xmlns:a16="http://schemas.microsoft.com/office/drawing/2014/main" xmlns:a14="http://schemas.microsoft.com/office/drawing/2010/main" xmlns:p14="http://schemas.microsoft.com/office/powerpoint/2010/main" w="9525">
                   <a:solidFill>
                     <a:srgbClr val="000000"/>
                   </a:solidFill>
@@ -31558,7 +31730,7 @@
             </a:ln>
             <a:extLst>
               <a:ext uri="{91240B29-F687-4f45-9708-019B960494DF}">
-                <a14:hiddenLine xmlns:p14="http://schemas.microsoft.com/office/powerpoint/2010/main" xmlns:a14="http://schemas.microsoft.com/office/drawing/2010/main" xmlns:a16="http://schemas.microsoft.com/office/drawing/2014/main" xmlns="" w="9525">
+                <a14:hiddenLine xmlns="" xmlns:a16="http://schemas.microsoft.com/office/drawing/2014/main" xmlns:a14="http://schemas.microsoft.com/office/drawing/2010/main" xmlns:p14="http://schemas.microsoft.com/office/powerpoint/2010/main" w="9525">
                   <a:solidFill>
                     <a:srgbClr val="000000"/>
                   </a:solidFill>
@@ -31670,7 +31842,7 @@
             </a:ln>
             <a:extLst>
               <a:ext uri="{91240B29-F687-4f45-9708-019B960494DF}">
-                <a14:hiddenLine xmlns:p14="http://schemas.microsoft.com/office/powerpoint/2010/main" xmlns:a14="http://schemas.microsoft.com/office/drawing/2010/main" xmlns:a16="http://schemas.microsoft.com/office/drawing/2014/main" xmlns="" w="9525">
+                <a14:hiddenLine xmlns="" xmlns:a16="http://schemas.microsoft.com/office/drawing/2014/main" xmlns:a14="http://schemas.microsoft.com/office/drawing/2010/main" xmlns:p14="http://schemas.microsoft.com/office/powerpoint/2010/main" w="9525">
                   <a:solidFill>
                     <a:srgbClr val="000000"/>
                   </a:solidFill>
@@ -31726,7 +31898,7 @@
             </a:ln>
             <a:extLst>
               <a:ext uri="{91240B29-F687-4f45-9708-019B960494DF}">
-                <a14:hiddenLine xmlns:p14="http://schemas.microsoft.com/office/powerpoint/2010/main" xmlns:a14="http://schemas.microsoft.com/office/drawing/2010/main" xmlns:a16="http://schemas.microsoft.com/office/drawing/2014/main" xmlns="" w="9525">
+                <a14:hiddenLine xmlns="" xmlns:a16="http://schemas.microsoft.com/office/drawing/2014/main" xmlns:a14="http://schemas.microsoft.com/office/drawing/2010/main" xmlns:p14="http://schemas.microsoft.com/office/powerpoint/2010/main" w="9525">
                   <a:solidFill>
                     <a:srgbClr val="000000"/>
                   </a:solidFill>
@@ -31813,7 +31985,7 @@
             </a:ln>
             <a:extLst>
               <a:ext uri="{91240B29-F687-4f45-9708-019B960494DF}">
-                <a14:hiddenLine xmlns:p14="http://schemas.microsoft.com/office/powerpoint/2010/main" xmlns:a14="http://schemas.microsoft.com/office/drawing/2010/main" xmlns:a16="http://schemas.microsoft.com/office/drawing/2014/main" xmlns="" w="9525">
+                <a14:hiddenLine xmlns="" xmlns:a16="http://schemas.microsoft.com/office/drawing/2014/main" xmlns:a14="http://schemas.microsoft.com/office/drawing/2010/main" xmlns:p14="http://schemas.microsoft.com/office/powerpoint/2010/main" w="9525">
                   <a:solidFill>
                     <a:srgbClr val="000000"/>
                   </a:solidFill>
@@ -31925,7 +32097,7 @@
             </a:ln>
             <a:extLst>
               <a:ext uri="{91240B29-F687-4f45-9708-019B960494DF}">
-                <a14:hiddenLine xmlns:p14="http://schemas.microsoft.com/office/powerpoint/2010/main" xmlns:a14="http://schemas.microsoft.com/office/drawing/2010/main" xmlns:a16="http://schemas.microsoft.com/office/drawing/2014/main" xmlns="" w="9525">
+                <a14:hiddenLine xmlns="" xmlns:a16="http://schemas.microsoft.com/office/drawing/2014/main" xmlns:a14="http://schemas.microsoft.com/office/drawing/2010/main" xmlns:p14="http://schemas.microsoft.com/office/powerpoint/2010/main" w="9525">
                   <a:solidFill>
                     <a:srgbClr val="000000"/>
                   </a:solidFill>
@@ -32009,7 +32181,7 @@
             </a:ln>
             <a:extLst>
               <a:ext uri="{91240B29-F687-4f45-9708-019B960494DF}">
-                <a14:hiddenLine xmlns:p14="http://schemas.microsoft.com/office/powerpoint/2010/main" xmlns:a14="http://schemas.microsoft.com/office/drawing/2010/main" xmlns:a16="http://schemas.microsoft.com/office/drawing/2014/main" xmlns="" w="9525">
+                <a14:hiddenLine xmlns="" xmlns:a16="http://schemas.microsoft.com/office/drawing/2014/main" xmlns:a14="http://schemas.microsoft.com/office/drawing/2010/main" xmlns:p14="http://schemas.microsoft.com/office/powerpoint/2010/main" w="9525">
                   <a:solidFill>
                     <a:srgbClr val="000000"/>
                   </a:solidFill>
@@ -32121,7 +32293,7 @@
             </a:ln>
             <a:extLst>
               <a:ext uri="{91240B29-F687-4f45-9708-019B960494DF}">
-                <a14:hiddenLine xmlns:p14="http://schemas.microsoft.com/office/powerpoint/2010/main" xmlns:a14="http://schemas.microsoft.com/office/drawing/2010/main" xmlns:a16="http://schemas.microsoft.com/office/drawing/2014/main" xmlns="" w="9525">
+                <a14:hiddenLine xmlns="" xmlns:a16="http://schemas.microsoft.com/office/drawing/2014/main" xmlns:a14="http://schemas.microsoft.com/office/drawing/2010/main" xmlns:p14="http://schemas.microsoft.com/office/powerpoint/2010/main" w="9525">
                   <a:solidFill>
                     <a:srgbClr val="000000"/>
                   </a:solidFill>
@@ -32208,7 +32380,7 @@
             </a:ln>
             <a:extLst>
               <a:ext uri="{91240B29-F687-4f45-9708-019B960494DF}">
-                <a14:hiddenLine xmlns:p14="http://schemas.microsoft.com/office/powerpoint/2010/main" xmlns:a14="http://schemas.microsoft.com/office/drawing/2010/main" xmlns:a16="http://schemas.microsoft.com/office/drawing/2014/main" xmlns="" w="9525">
+                <a14:hiddenLine xmlns="" xmlns:a16="http://schemas.microsoft.com/office/drawing/2014/main" xmlns:a14="http://schemas.microsoft.com/office/drawing/2010/main" xmlns:p14="http://schemas.microsoft.com/office/powerpoint/2010/main" w="9525">
                   <a:solidFill>
                     <a:srgbClr val="000000"/>
                   </a:solidFill>
@@ -32292,7 +32464,7 @@
             </a:ln>
             <a:extLst>
               <a:ext uri="{91240B29-F687-4f45-9708-019B960494DF}">
-                <a14:hiddenLine xmlns:p14="http://schemas.microsoft.com/office/powerpoint/2010/main" xmlns:a14="http://schemas.microsoft.com/office/drawing/2010/main" xmlns:a16="http://schemas.microsoft.com/office/drawing/2014/main" xmlns="" w="9525">
+                <a14:hiddenLine xmlns="" xmlns:a16="http://schemas.microsoft.com/office/drawing/2014/main" xmlns:a14="http://schemas.microsoft.com/office/drawing/2010/main" xmlns:p14="http://schemas.microsoft.com/office/powerpoint/2010/main" w="9525">
                   <a:solidFill>
                     <a:srgbClr val="000000"/>
                   </a:solidFill>
@@ -32404,7 +32576,7 @@
             </a:ln>
             <a:extLst>
               <a:ext uri="{91240B29-F687-4f45-9708-019B960494DF}">
-                <a14:hiddenLine xmlns:p14="http://schemas.microsoft.com/office/powerpoint/2010/main" xmlns:a14="http://schemas.microsoft.com/office/drawing/2010/main" xmlns:a16="http://schemas.microsoft.com/office/drawing/2014/main" xmlns="" w="9525">
+                <a14:hiddenLine xmlns="" xmlns:a16="http://schemas.microsoft.com/office/drawing/2014/main" xmlns:a14="http://schemas.microsoft.com/office/drawing/2010/main" xmlns:p14="http://schemas.microsoft.com/office/powerpoint/2010/main" w="9525">
                   <a:solidFill>
                     <a:srgbClr val="000000"/>
                   </a:solidFill>
@@ -32516,7 +32688,7 @@
             </a:ln>
             <a:extLst>
               <a:ext uri="{91240B29-F687-4f45-9708-019B960494DF}">
-                <a14:hiddenLine xmlns:p14="http://schemas.microsoft.com/office/powerpoint/2010/main" xmlns:a14="http://schemas.microsoft.com/office/drawing/2010/main" xmlns:a16="http://schemas.microsoft.com/office/drawing/2014/main" xmlns="" w="9525">
+                <a14:hiddenLine xmlns="" xmlns:a16="http://schemas.microsoft.com/office/drawing/2014/main" xmlns:a14="http://schemas.microsoft.com/office/drawing/2010/main" xmlns:p14="http://schemas.microsoft.com/office/powerpoint/2010/main" w="9525">
                   <a:solidFill>
                     <a:srgbClr val="000000"/>
                   </a:solidFill>
@@ -32603,7 +32775,7 @@
             </a:ln>
             <a:extLst>
               <a:ext uri="{91240B29-F687-4f45-9708-019B960494DF}">
-                <a14:hiddenLine xmlns:p14="http://schemas.microsoft.com/office/powerpoint/2010/main" xmlns:a14="http://schemas.microsoft.com/office/drawing/2010/main" xmlns:a16="http://schemas.microsoft.com/office/drawing/2014/main" xmlns="" w="9525">
+                <a14:hiddenLine xmlns="" xmlns:a16="http://schemas.microsoft.com/office/drawing/2014/main" xmlns:a14="http://schemas.microsoft.com/office/drawing/2010/main" xmlns:p14="http://schemas.microsoft.com/office/powerpoint/2010/main" w="9525">
                   <a:solidFill>
                     <a:srgbClr val="000000"/>
                   </a:solidFill>
@@ -32745,7 +32917,7 @@
             </a:ln>
             <a:extLst>
               <a:ext uri="{91240B29-F687-4f45-9708-019B960494DF}">
-                <a14:hiddenLine xmlns:p14="http://schemas.microsoft.com/office/powerpoint/2010/main" xmlns:a14="http://schemas.microsoft.com/office/drawing/2010/main" xmlns:a16="http://schemas.microsoft.com/office/drawing/2014/main" xmlns="" w="9525">
+                <a14:hiddenLine xmlns="" xmlns:a16="http://schemas.microsoft.com/office/drawing/2014/main" xmlns:a14="http://schemas.microsoft.com/office/drawing/2010/main" xmlns:p14="http://schemas.microsoft.com/office/powerpoint/2010/main" w="9525">
                   <a:solidFill>
                     <a:srgbClr val="000000"/>
                   </a:solidFill>
@@ -32882,7 +33054,7 @@
             </a:ln>
             <a:extLst>
               <a:ext uri="{91240B29-F687-4f45-9708-019B960494DF}">
-                <a14:hiddenLine xmlns:p14="http://schemas.microsoft.com/office/powerpoint/2010/main" xmlns:a14="http://schemas.microsoft.com/office/drawing/2010/main" xmlns:a16="http://schemas.microsoft.com/office/drawing/2014/main" xmlns="" w="9525">
+                <a14:hiddenLine xmlns="" xmlns:a16="http://schemas.microsoft.com/office/drawing/2014/main" xmlns:a14="http://schemas.microsoft.com/office/drawing/2010/main" xmlns:p14="http://schemas.microsoft.com/office/powerpoint/2010/main" w="9525">
                   <a:solidFill>
                     <a:srgbClr val="000000"/>
                   </a:solidFill>
@@ -33019,7 +33191,7 @@
             </a:ln>
             <a:extLst>
               <a:ext uri="{91240B29-F687-4f45-9708-019B960494DF}">
-                <a14:hiddenLine xmlns:p14="http://schemas.microsoft.com/office/powerpoint/2010/main" xmlns:a14="http://schemas.microsoft.com/office/drawing/2010/main" xmlns:a16="http://schemas.microsoft.com/office/drawing/2014/main" xmlns="" w="9525">
+                <a14:hiddenLine xmlns="" xmlns:a16="http://schemas.microsoft.com/office/drawing/2014/main" xmlns:a14="http://schemas.microsoft.com/office/drawing/2010/main" xmlns:p14="http://schemas.microsoft.com/office/powerpoint/2010/main" w="9525">
                   <a:solidFill>
                     <a:srgbClr val="000000"/>
                   </a:solidFill>
@@ -33131,7 +33303,7 @@
             </a:ln>
             <a:extLst>
               <a:ext uri="{91240B29-F687-4f45-9708-019B960494DF}">
-                <a14:hiddenLine xmlns:p14="http://schemas.microsoft.com/office/powerpoint/2010/main" xmlns:a14="http://schemas.microsoft.com/office/drawing/2010/main" xmlns:a16="http://schemas.microsoft.com/office/drawing/2014/main" xmlns="" w="9525">
+                <a14:hiddenLine xmlns="" xmlns:a16="http://schemas.microsoft.com/office/drawing/2014/main" xmlns:a14="http://schemas.microsoft.com/office/drawing/2010/main" xmlns:p14="http://schemas.microsoft.com/office/powerpoint/2010/main" w="9525">
                   <a:solidFill>
                     <a:srgbClr val="000000"/>
                   </a:solidFill>
@@ -33218,7 +33390,7 @@
             </a:ln>
             <a:extLst>
               <a:ext uri="{91240B29-F687-4f45-9708-019B960494DF}">
-                <a14:hiddenLine xmlns:p14="http://schemas.microsoft.com/office/powerpoint/2010/main" xmlns:a14="http://schemas.microsoft.com/office/drawing/2010/main" xmlns:a16="http://schemas.microsoft.com/office/drawing/2014/main" xmlns="" w="9525">
+                <a14:hiddenLine xmlns="" xmlns:a16="http://schemas.microsoft.com/office/drawing/2014/main" xmlns:a14="http://schemas.microsoft.com/office/drawing/2010/main" xmlns:p14="http://schemas.microsoft.com/office/powerpoint/2010/main" w="9525">
                   <a:solidFill>
                     <a:srgbClr val="000000"/>
                   </a:solidFill>
@@ -33330,7 +33502,7 @@
             </a:ln>
             <a:extLst>
               <a:ext uri="{91240B29-F687-4f45-9708-019B960494DF}">
-                <a14:hiddenLine xmlns:p14="http://schemas.microsoft.com/office/powerpoint/2010/main" xmlns:a14="http://schemas.microsoft.com/office/drawing/2010/main" xmlns:a16="http://schemas.microsoft.com/office/drawing/2014/main" xmlns="" w="9525">
+                <a14:hiddenLine xmlns="" xmlns:a16="http://schemas.microsoft.com/office/drawing/2014/main" xmlns:a14="http://schemas.microsoft.com/office/drawing/2010/main" xmlns:p14="http://schemas.microsoft.com/office/powerpoint/2010/main" w="9525">
                   <a:solidFill>
                     <a:srgbClr val="000000"/>
                   </a:solidFill>
@@ -33420,7 +33592,7 @@
             </a:ln>
             <a:extLst>
               <a:ext uri="{91240B29-F687-4f45-9708-019B960494DF}">
-                <a14:hiddenLine xmlns:p14="http://schemas.microsoft.com/office/powerpoint/2010/main" xmlns:a14="http://schemas.microsoft.com/office/drawing/2010/main" xmlns:a16="http://schemas.microsoft.com/office/drawing/2014/main" xmlns="" w="9525">
+                <a14:hiddenLine xmlns="" xmlns:a16="http://schemas.microsoft.com/office/drawing/2014/main" xmlns:a14="http://schemas.microsoft.com/office/drawing/2010/main" xmlns:p14="http://schemas.microsoft.com/office/powerpoint/2010/main" w="9525">
                   <a:solidFill>
                     <a:srgbClr val="000000"/>
                   </a:solidFill>
@@ -33532,7 +33704,7 @@
             </a:ln>
             <a:extLst>
               <a:ext uri="{91240B29-F687-4f45-9708-019B960494DF}">
-                <a14:hiddenLine xmlns:p14="http://schemas.microsoft.com/office/powerpoint/2010/main" xmlns:a14="http://schemas.microsoft.com/office/drawing/2010/main" xmlns:a16="http://schemas.microsoft.com/office/drawing/2014/main" xmlns="" w="9525">
+                <a14:hiddenLine xmlns="" xmlns:a16="http://schemas.microsoft.com/office/drawing/2014/main" xmlns:a14="http://schemas.microsoft.com/office/drawing/2010/main" xmlns:p14="http://schemas.microsoft.com/office/powerpoint/2010/main" w="9525">
                   <a:solidFill>
                     <a:srgbClr val="000000"/>
                   </a:solidFill>
@@ -33622,7 +33794,7 @@
             </a:ln>
             <a:extLst>
               <a:ext uri="{91240B29-F687-4f45-9708-019B960494DF}">
-                <a14:hiddenLine xmlns:p14="http://schemas.microsoft.com/office/powerpoint/2010/main" xmlns:a14="http://schemas.microsoft.com/office/drawing/2010/main" xmlns:a16="http://schemas.microsoft.com/office/drawing/2014/main" xmlns="" w="9525">
+                <a14:hiddenLine xmlns="" xmlns:a16="http://schemas.microsoft.com/office/drawing/2014/main" xmlns:a14="http://schemas.microsoft.com/office/drawing/2010/main" xmlns:p14="http://schemas.microsoft.com/office/powerpoint/2010/main" w="9525">
                   <a:solidFill>
                     <a:srgbClr val="000000"/>
                   </a:solidFill>
@@ -33734,7 +33906,7 @@
             </a:ln>
             <a:extLst>
               <a:ext uri="{91240B29-F687-4f45-9708-019B960494DF}">
-                <a14:hiddenLine xmlns:p14="http://schemas.microsoft.com/office/powerpoint/2010/main" xmlns:a14="http://schemas.microsoft.com/office/drawing/2010/main" xmlns:a16="http://schemas.microsoft.com/office/drawing/2014/main" xmlns="" w="9525">
+                <a14:hiddenLine xmlns="" xmlns:a16="http://schemas.microsoft.com/office/drawing/2014/main" xmlns:a14="http://schemas.microsoft.com/office/drawing/2010/main" xmlns:p14="http://schemas.microsoft.com/office/powerpoint/2010/main" w="9525">
                   <a:solidFill>
                     <a:srgbClr val="000000"/>
                   </a:solidFill>
@@ -33790,7 +33962,7 @@
             </a:ln>
             <a:extLst>
               <a:ext uri="{91240B29-F687-4f45-9708-019B960494DF}">
-                <a14:hiddenLine xmlns:p14="http://schemas.microsoft.com/office/powerpoint/2010/main" xmlns:a14="http://schemas.microsoft.com/office/drawing/2010/main" xmlns:a16="http://schemas.microsoft.com/office/drawing/2014/main" xmlns="" w="9525">
+                <a14:hiddenLine xmlns="" xmlns:a16="http://schemas.microsoft.com/office/drawing/2014/main" xmlns:a14="http://schemas.microsoft.com/office/drawing/2010/main" xmlns:p14="http://schemas.microsoft.com/office/powerpoint/2010/main" w="9525">
                   <a:solidFill>
                     <a:srgbClr val="000000"/>
                   </a:solidFill>
@@ -33835,7 +34007,7 @@
         </p:spPr>
         <p:txBody>
           <a:bodyPr vert="horz" lIns="91440" tIns="45720" rIns="91440" bIns="45720" rtlCol="0" anchor="b">
-            <a:normAutofit/>
+            <a:normAutofit fontScale="92500"/>
           </a:bodyPr>
           <a:lstStyle>
             <a:lvl1pPr algn="l" defTabSz="914400" rtl="0" eaLnBrk="1" latinLnBrk="0" hangingPunct="1">
@@ -33858,8 +34030,20 @@
           </a:lstStyle>
           <a:p>
             <a:r>
-              <a:rPr lang="en-US" dirty="0"/>
-              <a:t>JOB 1: WATCH NEXT – </a:t>
+              <a:rPr lang="it-IT" dirty="0" err="1"/>
+              <a:t>LamBda</a:t>
+            </a:r>
+            <a:r>
+              <a:rPr lang="it-IT" dirty="0"/>
+              <a:t> 1: </a:t>
+            </a:r>
+            <a:r>
+              <a:rPr lang="it-IT" cap="none" dirty="0" err="1"/>
+              <a:t>Get_Watch_Next_By_Idx</a:t>
+            </a:r>
+            <a:r>
+              <a:rPr lang="it-IT" cap="none" dirty="0"/>
+              <a:t> - </a:t>
             </a:r>
             <a:r>
               <a:rPr lang="it-IT" dirty="0"/>
@@ -33947,114 +34131,6 @@
           <a:p>
             <a:pPr algn="ctr"/>
             <a:endParaRPr lang="en-US"/>
-          </a:p>
-        </p:txBody>
-      </p:sp>
-      <p:pic>
-        <p:nvPicPr>
-          <p:cNvPr id="7" name="Immagine 6">
-            <a:extLst>
-              <a:ext uri="{FF2B5EF4-FFF2-40B4-BE49-F238E27FC236}">
-                <a16:creationId xmlns:a16="http://schemas.microsoft.com/office/drawing/2014/main" id="{BE8BF23D-BFD5-AA30-A8FB-84D3713E8FC3}"/>
-              </a:ext>
-            </a:extLst>
-          </p:cNvPr>
-          <p:cNvPicPr>
-            <a:picLocks noChangeAspect="1"/>
-          </p:cNvPicPr>
-          <p:nvPr/>
-        </p:nvPicPr>
-        <p:blipFill rotWithShape="1">
-          <a:blip r:embed="rId4"/>
-          <a:srcRect b="7274"/>
-          <a:stretch/>
-        </p:blipFill>
-        <p:spPr>
-          <a:xfrm>
-            <a:off x="6267450" y="2993737"/>
-            <a:ext cx="5114926" cy="2430741"/>
-          </a:xfrm>
-          <a:prstGeom prst="rect">
-            <a:avLst/>
-          </a:prstGeom>
-        </p:spPr>
-      </p:pic>
-      <p:pic>
-        <p:nvPicPr>
-          <p:cNvPr id="8" name="Immagine 7">
-            <a:extLst>
-              <a:ext uri="{FF2B5EF4-FFF2-40B4-BE49-F238E27FC236}">
-                <a16:creationId xmlns:a16="http://schemas.microsoft.com/office/drawing/2014/main" id="{1CAE50F9-780E-534F-3670-618033AE0750}"/>
-              </a:ext>
-            </a:extLst>
-          </p:cNvPr>
-          <p:cNvPicPr>
-            <a:picLocks noChangeAspect="1"/>
-          </p:cNvPicPr>
-          <p:nvPr/>
-        </p:nvPicPr>
-        <p:blipFill rotWithShape="1">
-          <a:blip r:embed="rId5"/>
-          <a:srcRect r="11757"/>
-          <a:stretch/>
-        </p:blipFill>
-        <p:spPr>
-          <a:xfrm>
-            <a:off x="6332454" y="1018517"/>
-            <a:ext cx="4635583" cy="2206353"/>
-          </a:xfrm>
-          <a:prstGeom prst="rect">
-            <a:avLst/>
-          </a:prstGeom>
-        </p:spPr>
-      </p:pic>
-      <p:sp>
-        <p:nvSpPr>
-          <p:cNvPr id="11" name="CasellaDiTesto 10">
-            <a:extLst>
-              <a:ext uri="{FF2B5EF4-FFF2-40B4-BE49-F238E27FC236}">
-                <a16:creationId xmlns:a16="http://schemas.microsoft.com/office/drawing/2014/main" id="{B7E1B9D3-C7A9-3B2E-0618-5628A0A3E293}"/>
-              </a:ext>
-            </a:extLst>
-          </p:cNvPr>
-          <p:cNvSpPr txBox="1"/>
-          <p:nvPr/>
-        </p:nvSpPr>
-        <p:spPr>
-          <a:xfrm>
-            <a:off x="1220788" y="2513013"/>
-            <a:ext cx="4413248" cy="2800767"/>
-          </a:xfrm>
-          <a:prstGeom prst="rect">
-            <a:avLst/>
-          </a:prstGeom>
-          <a:noFill/>
-        </p:spPr>
-        <p:txBody>
-          <a:bodyPr wrap="square" rtlCol="0">
-            <a:spAutoFit/>
-          </a:bodyPr>
-          <a:lstStyle/>
-          <a:p>
-            <a:r>
-              <a:rPr lang="it-IT" sz="2200" dirty="0"/>
-              <a:t>I dati forniti sono stati puliti, eliminando gli id nulli.</a:t>
-            </a:r>
-            <a:br>
-              <a:rPr lang="it-IT" sz="2200" dirty="0"/>
-            </a:br>
-            <a:r>
-              <a:rPr lang="it-IT" sz="2200" dirty="0"/>
-              <a:t>Inoltre, una volta ottenuto il risultato desiderato, è stato settato l’id univoco di </a:t>
-            </a:r>
-            <a:r>
-              <a:rPr lang="it-IT" sz="2200" dirty="0" err="1"/>
-              <a:t>MongoDB</a:t>
-            </a:r>
-            <a:r>
-              <a:rPr lang="it-IT" sz="2200" dirty="0"/>
-              <a:t> (_id) con l’id del video, in modo da garantire unicità dei dati e facilitare la ricerca dei video e delle loro caratteristiche.</a:t>
-            </a:r>
           </a:p>
         </p:txBody>
       </p:sp>
@@ -34208,8 +34284,13 @@
           <a:p>
             <a:r>
               <a:rPr lang="it-IT" dirty="0"/>
-              <a:t>JOB 2: VIDEO BY TAG </a:t>
+              <a:t>LAMBDA 2: </a:t>
             </a:r>
+            <a:r>
+              <a:rPr lang="it-IT" cap="none" dirty="0"/>
+              <a:t>Login</a:t>
+            </a:r>
+            <a:endParaRPr lang="it-IT" dirty="0"/>
           </a:p>
         </p:txBody>
       </p:sp>
@@ -34242,85 +34323,10 @@
             <a:pPr marL="0" indent="0">
               <a:buNone/>
             </a:pPr>
-            <a:r>
-              <a:rPr lang="it-IT" dirty="0"/>
-              <a:t>Il secondo job </a:t>
-            </a:r>
-            <a:r>
-              <a:rPr lang="it-IT" dirty="0" err="1"/>
-              <a:t>PySpark</a:t>
-            </a:r>
-            <a:r>
-              <a:rPr lang="it-IT" dirty="0"/>
-              <a:t> realizzato ha lo scopo di raggruppare i video in base al loro tag di appartenenza, azione necessaria per implementare la divisione dei video in categorie all’interno della pagina principale dell’applicazione </a:t>
-            </a:r>
-            <a:r>
-              <a:rPr lang="it-IT" dirty="0" err="1"/>
-              <a:t>TEDxLearn</a:t>
-            </a:r>
-            <a:r>
-              <a:rPr lang="it-IT" dirty="0"/>
-              <a:t>.</a:t>
-            </a:r>
+            <a:endParaRPr lang="it-IT" dirty="0"/>
           </a:p>
         </p:txBody>
       </p:sp>
-      <p:pic>
-        <p:nvPicPr>
-          <p:cNvPr id="4" name="Immagine 3" descr="Immagine che contiene testo, schermata&#10;&#10;Descrizione generata automaticamente">
-            <a:extLst>
-              <a:ext uri="{FF2B5EF4-FFF2-40B4-BE49-F238E27FC236}">
-                <a16:creationId xmlns:a16="http://schemas.microsoft.com/office/drawing/2014/main" id="{BD2E1795-75DA-2B78-0226-D116E40D22AB}"/>
-              </a:ext>
-            </a:extLst>
-          </p:cNvPr>
-          <p:cNvPicPr>
-            <a:picLocks noChangeAspect="1"/>
-          </p:cNvPicPr>
-          <p:nvPr/>
-        </p:nvPicPr>
-        <p:blipFill>
-          <a:blip r:embed="rId2">
-            <a:extLst>
-              <a:ext uri="{28A0092B-C50C-407E-A947-70E740481C1C}">
-                <a14:useLocalDpi xmlns:a14="http://schemas.microsoft.com/office/drawing/2010/main" val="0"/>
-              </a:ext>
-            </a:extLst>
-          </a:blip>
-          <a:stretch>
-            <a:fillRect/>
-          </a:stretch>
-        </p:blipFill>
-        <p:spPr>
-          <a:xfrm>
-            <a:off x="8606436" y="1281180"/>
-            <a:ext cx="2153003" cy="4296660"/>
-          </a:xfrm>
-          <a:prstGeom prst="round2DiagRect">
-            <a:avLst>
-              <a:gd name="adj1" fmla="val 5608"/>
-              <a:gd name="adj2" fmla="val 0"/>
-            </a:avLst>
-          </a:prstGeom>
-          <a:ln w="19050" cap="sq">
-            <a:solidFill>
-              <a:schemeClr val="tx2">
-                <a:lumMod val="60000"/>
-                <a:lumOff val="40000"/>
-                <a:alpha val="60000"/>
-              </a:schemeClr>
-            </a:solidFill>
-            <a:miter lim="800000"/>
-          </a:ln>
-          <a:effectLst>
-            <a:outerShdw blurRad="88900" dist="38100" dir="5400000" algn="t" rotWithShape="0">
-              <a:prstClr val="black">
-                <a:alpha val="40000"/>
-              </a:prstClr>
-            </a:outerShdw>
-          </a:effectLst>
-        </p:spPr>
-      </p:pic>
     </p:spTree>
     <p:extLst>
       <p:ext uri="{BB962C8B-B14F-4D97-AF65-F5344CB8AC3E}">
@@ -34379,57 +34385,19 @@
           <a:p>
             <a:r>
               <a:rPr lang="it-IT" dirty="0"/>
-              <a:t>JOB 2: VIDEO BY TAG - SCRIPT</a:t>
+              <a:t>LAMBDA 2: </a:t>
+            </a:r>
+            <a:r>
+              <a:rPr lang="it-IT" cap="none" dirty="0"/>
+              <a:t>Login </a:t>
+            </a:r>
+            <a:r>
+              <a:rPr lang="it-IT" dirty="0"/>
+              <a:t>- SCRIPT</a:t>
             </a:r>
           </a:p>
         </p:txBody>
       </p:sp>
-      <p:pic>
-        <p:nvPicPr>
-          <p:cNvPr id="5" name="Immagine 4">
-            <a:extLst>
-              <a:ext uri="{FF2B5EF4-FFF2-40B4-BE49-F238E27FC236}">
-                <a16:creationId xmlns:a16="http://schemas.microsoft.com/office/drawing/2014/main" id="{46591A9F-7C62-8454-69B4-AE735F9A88A0}"/>
-              </a:ext>
-            </a:extLst>
-          </p:cNvPr>
-          <p:cNvPicPr>
-            <a:picLocks noChangeAspect="1"/>
-          </p:cNvPicPr>
-          <p:nvPr/>
-        </p:nvPicPr>
-        <p:blipFill>
-          <a:blip r:embed="rId2"/>
-          <a:stretch>
-            <a:fillRect/>
-          </a:stretch>
-        </p:blipFill>
-        <p:spPr>
-          <a:xfrm>
-            <a:off x="1141412" y="3987118"/>
-            <a:ext cx="9972039" cy="2279109"/>
-          </a:xfrm>
-          <a:prstGeom prst="round2DiagRect">
-            <a:avLst>
-              <a:gd name="adj1" fmla="val 16667"/>
-              <a:gd name="adj2" fmla="val 0"/>
-            </a:avLst>
-          </a:prstGeom>
-          <a:ln w="88900" cap="sq">
-            <a:solidFill>
-              <a:srgbClr val="FFFFFF"/>
-            </a:solidFill>
-            <a:miter lim="800000"/>
-          </a:ln>
-          <a:effectLst>
-            <a:outerShdw blurRad="254000" algn="tl" rotWithShape="0">
-              <a:srgbClr val="000000">
-                <a:alpha val="43000"/>
-              </a:srgbClr>
-            </a:outerShdw>
-          </a:effectLst>
-        </p:spPr>
-      </p:pic>
       <p:sp>
         <p:nvSpPr>
           <p:cNvPr id="8" name="CasellaDiTesto 7">
@@ -34445,7 +34413,7 @@
         <p:spPr>
           <a:xfrm>
             <a:off x="1141413" y="1808480"/>
-            <a:ext cx="9905998" cy="1938992"/>
+            <a:ext cx="9905998" cy="461665"/>
           </a:xfrm>
           <a:prstGeom prst="rect">
             <a:avLst/>
@@ -34458,17 +34426,7 @@
           </a:bodyPr>
           <a:lstStyle/>
           <a:p>
-            <a:r>
-              <a:rPr lang="it-IT" sz="2400" dirty="0"/>
-              <a:t>In questo job è stato riutilizzato il codice precedente, usato per trovare tutte le caratteristiche di un video e raggrupparle, e implementata la parte di raggruppamento per tag.</a:t>
-            </a:r>
-            <a:br>
-              <a:rPr lang="it-IT" sz="2400" dirty="0"/>
-            </a:br>
-            <a:r>
-              <a:rPr lang="it-IT" sz="2400" dirty="0"/>
-              <a:t>È stata necessaria un’operazione di controllo ed eliminazione di video duplicati nello stesso tag che si venivano a creare in seguito alle operazioni di join.</a:t>
-            </a:r>
+            <a:endParaRPr lang="it-IT" sz="2400" dirty="0"/>
           </a:p>
         </p:txBody>
       </p:sp>
@@ -34530,57 +34488,19 @@
           <a:p>
             <a:r>
               <a:rPr lang="it-IT" dirty="0"/>
-              <a:t>JOB 2: VIDEO BY TAG – RISULTATI MONGODB</a:t>
+              <a:t>LAMBDA 2: </a:t>
+            </a:r>
+            <a:r>
+              <a:rPr lang="it-IT" cap="none" dirty="0"/>
+              <a:t>Login </a:t>
+            </a:r>
+            <a:r>
+              <a:rPr lang="it-IT" dirty="0"/>
+              <a:t>– RISULTATI MONGODB</a:t>
             </a:r>
           </a:p>
         </p:txBody>
       </p:sp>
-      <p:pic>
-        <p:nvPicPr>
-          <p:cNvPr id="5" name="Immagine 4">
-            <a:extLst>
-              <a:ext uri="{FF2B5EF4-FFF2-40B4-BE49-F238E27FC236}">
-                <a16:creationId xmlns:a16="http://schemas.microsoft.com/office/drawing/2014/main" id="{1B13A64A-CB0C-8B41-0BB3-FC5CB4BD565F}"/>
-              </a:ext>
-            </a:extLst>
-          </p:cNvPr>
-          <p:cNvPicPr>
-            <a:picLocks noChangeAspect="1"/>
-          </p:cNvPicPr>
-          <p:nvPr/>
-        </p:nvPicPr>
-        <p:blipFill>
-          <a:blip r:embed="rId2"/>
-          <a:stretch>
-            <a:fillRect/>
-          </a:stretch>
-        </p:blipFill>
-        <p:spPr>
-          <a:xfrm>
-            <a:off x="2355327" y="3429000"/>
-            <a:ext cx="7478169" cy="2324424"/>
-          </a:xfrm>
-          <a:prstGeom prst="round2DiagRect">
-            <a:avLst>
-              <a:gd name="adj1" fmla="val 16667"/>
-              <a:gd name="adj2" fmla="val 0"/>
-            </a:avLst>
-          </a:prstGeom>
-          <a:ln w="88900" cap="sq">
-            <a:solidFill>
-              <a:srgbClr val="FFFFFF"/>
-            </a:solidFill>
-            <a:miter lim="800000"/>
-          </a:ln>
-          <a:effectLst>
-            <a:outerShdw blurRad="254000" algn="tl" rotWithShape="0">
-              <a:srgbClr val="000000">
-                <a:alpha val="43000"/>
-              </a:srgbClr>
-            </a:outerShdw>
-          </a:effectLst>
-        </p:spPr>
-      </p:pic>
       <p:sp>
         <p:nvSpPr>
           <p:cNvPr id="6" name="CasellaDiTesto 5">
@@ -34596,7 +34516,7 @@
         <p:spPr>
           <a:xfrm>
             <a:off x="1339609" y="1727200"/>
-            <a:ext cx="9509603" cy="830997"/>
+            <a:ext cx="9509603" cy="461665"/>
           </a:xfrm>
           <a:prstGeom prst="rect">
             <a:avLst/>
@@ -34609,10 +34529,7 @@
           </a:bodyPr>
           <a:lstStyle/>
           <a:p>
-            <a:r>
-              <a:rPr lang="it-IT" sz="2400" dirty="0"/>
-              <a:t>Anche in questo caso, per questioni di comodità di ricerca e di duplicazione dati, è stato deciso di porre come _id univoco il nome del tag.</a:t>
-            </a:r>
+            <a:endParaRPr lang="it-IT" sz="2400" dirty="0"/>
           </a:p>
         </p:txBody>
       </p:sp>
@@ -34630,6 +34547,94 @@
 </file>
 
 <file path=ppt/slides/slide8.xml><?xml version="1.0" encoding="utf-8"?>
+<p:sld xmlns:a="http://schemas.openxmlformats.org/drawingml/2006/main" xmlns:r="http://schemas.openxmlformats.org/officeDocument/2006/relationships" xmlns:p="http://schemas.openxmlformats.org/presentationml/2006/main">
+  <p:cSld>
+    <p:spTree>
+      <p:nvGrpSpPr>
+        <p:cNvPr id="1" name=""/>
+        <p:cNvGrpSpPr/>
+        <p:nvPr/>
+      </p:nvGrpSpPr>
+      <p:grpSpPr>
+        <a:xfrm>
+          <a:off x="0" y="0"/>
+          <a:ext cx="0" cy="0"/>
+          <a:chOff x="0" y="0"/>
+          <a:chExt cx="0" cy="0"/>
+        </a:xfrm>
+      </p:grpSpPr>
+      <p:sp>
+        <p:nvSpPr>
+          <p:cNvPr id="2" name="Titolo 1">
+            <a:extLst>
+              <a:ext uri="{FF2B5EF4-FFF2-40B4-BE49-F238E27FC236}">
+                <a16:creationId xmlns:a16="http://schemas.microsoft.com/office/drawing/2014/main" id="{A66231DA-16B3-0D0F-AB92-8FB577B6E34F}"/>
+              </a:ext>
+            </a:extLst>
+          </p:cNvPr>
+          <p:cNvSpPr>
+            <a:spLocks noGrp="1"/>
+          </p:cNvSpPr>
+          <p:nvPr>
+            <p:ph type="title"/>
+          </p:nvPr>
+        </p:nvSpPr>
+        <p:spPr/>
+        <p:txBody>
+          <a:bodyPr/>
+          <a:lstStyle/>
+          <a:p>
+            <a:r>
+              <a:rPr lang="it-IT" dirty="0"/>
+              <a:t>LAMBDA 3: </a:t>
+            </a:r>
+            <a:r>
+              <a:rPr lang="it-IT" cap="none" dirty="0"/>
+              <a:t>Add Note</a:t>
+            </a:r>
+            <a:endParaRPr lang="it-IT" dirty="0"/>
+          </a:p>
+        </p:txBody>
+      </p:sp>
+      <p:sp>
+        <p:nvSpPr>
+          <p:cNvPr id="3" name="Segnaposto contenuto 2">
+            <a:extLst>
+              <a:ext uri="{FF2B5EF4-FFF2-40B4-BE49-F238E27FC236}">
+                <a16:creationId xmlns:a16="http://schemas.microsoft.com/office/drawing/2014/main" id="{9E5BFEFD-9F48-F54A-2AC6-612FEC15FAAF}"/>
+              </a:ext>
+            </a:extLst>
+          </p:cNvPr>
+          <p:cNvSpPr>
+            <a:spLocks noGrp="1"/>
+          </p:cNvSpPr>
+          <p:nvPr>
+            <p:ph idx="1"/>
+          </p:nvPr>
+        </p:nvSpPr>
+        <p:spPr/>
+        <p:txBody>
+          <a:bodyPr/>
+          <a:lstStyle/>
+          <a:p>
+            <a:endParaRPr lang="it-IT" dirty="0"/>
+          </a:p>
+        </p:txBody>
+      </p:sp>
+    </p:spTree>
+    <p:extLst>
+      <p:ext uri="{BB962C8B-B14F-4D97-AF65-F5344CB8AC3E}">
+        <p14:creationId xmlns:p14="http://schemas.microsoft.com/office/powerpoint/2010/main" val="540628421"/>
+      </p:ext>
+    </p:extLst>
+  </p:cSld>
+  <p:clrMapOvr>
+    <a:masterClrMapping/>
+  </p:clrMapOvr>
+</p:sld>
+</file>
+
+<file path=ppt/slides/slide9.xml><?xml version="1.0" encoding="utf-8"?>
 <p:sld xmlns:a="http://schemas.openxmlformats.org/drawingml/2006/main" xmlns:r="http://schemas.openxmlformats.org/officeDocument/2006/relationships" xmlns:p="http://schemas.openxmlformats.org/presentationml/2006/main">
   <p:cSld>
     <p:spTree>

--- a/Presentazioni/TEDxLearn_part3.pptx
+++ b/Presentazioni/TEDxLearn_part3.pptx
@@ -133,7 +133,7 @@
   <pc:docChgLst>
     <pc:chgData name="FEDERICO CARRARA" userId="e93417db-f703-4389-ad82-be8964ade4b4" providerId="ADAL" clId="{E2414911-D0EA-43B6-A341-7D52769E6AA7}"/>
     <pc:docChg chg="undo custSel addSld delSld modSld">
-      <pc:chgData name="FEDERICO CARRARA" userId="e93417db-f703-4389-ad82-be8964ade4b4" providerId="ADAL" clId="{E2414911-D0EA-43B6-A341-7D52769E6AA7}" dt="2024-06-25T09:37:56.041" v="2693" actId="1076"/>
+      <pc:chgData name="FEDERICO CARRARA" userId="e93417db-f703-4389-ad82-be8964ade4b4" providerId="ADAL" clId="{E2414911-D0EA-43B6-A341-7D52769E6AA7}" dt="2024-06-26T13:46:59.193" v="3100" actId="20577"/>
       <pc:docMkLst>
         <pc:docMk/>
       </pc:docMkLst>
@@ -192,13 +192,13 @@
         </pc:picChg>
       </pc:sldChg>
       <pc:sldChg chg="modSp mod">
-        <pc:chgData name="FEDERICO CARRARA" userId="e93417db-f703-4389-ad82-be8964ade4b4" providerId="ADAL" clId="{E2414911-D0EA-43B6-A341-7D52769E6AA7}" dt="2024-06-25T08:24:10.232" v="551" actId="20577"/>
+        <pc:chgData name="FEDERICO CARRARA" userId="e93417db-f703-4389-ad82-be8964ade4b4" providerId="ADAL" clId="{E2414911-D0EA-43B6-A341-7D52769E6AA7}" dt="2024-06-26T13:46:59.193" v="3100" actId="20577"/>
         <pc:sldMkLst>
           <pc:docMk/>
           <pc:sldMk cId="2738979331" sldId="259"/>
         </pc:sldMkLst>
         <pc:spChg chg="mod">
-          <ac:chgData name="FEDERICO CARRARA" userId="e93417db-f703-4389-ad82-be8964ade4b4" providerId="ADAL" clId="{E2414911-D0EA-43B6-A341-7D52769E6AA7}" dt="2024-06-25T08:24:10.232" v="551" actId="20577"/>
+          <ac:chgData name="FEDERICO CARRARA" userId="e93417db-f703-4389-ad82-be8964ade4b4" providerId="ADAL" clId="{E2414911-D0EA-43B6-A341-7D52769E6AA7}" dt="2024-06-26T13:46:59.193" v="3100" actId="20577"/>
           <ac:spMkLst>
             <pc:docMk/>
             <pc:sldMk cId="2738979331" sldId="259"/>
@@ -357,7 +357,7 @@
         </pc:picChg>
       </pc:sldChg>
       <pc:sldChg chg="addSp delSp modSp mod">
-        <pc:chgData name="FEDERICO CARRARA" userId="e93417db-f703-4389-ad82-be8964ade4b4" providerId="ADAL" clId="{E2414911-D0EA-43B6-A341-7D52769E6AA7}" dt="2024-06-25T09:37:56.041" v="2693" actId="1076"/>
+        <pc:chgData name="FEDERICO CARRARA" userId="e93417db-f703-4389-ad82-be8964ade4b4" providerId="ADAL" clId="{E2414911-D0EA-43B6-A341-7D52769E6AA7}" dt="2024-06-25T14:24:54.167" v="2837" actId="1076"/>
         <pc:sldMkLst>
           <pc:docMk/>
           <pc:sldMk cId="1529259052" sldId="263"/>
@@ -387,7 +387,7 @@
           </ac:spMkLst>
         </pc:spChg>
         <pc:spChg chg="add mod">
-          <ac:chgData name="FEDERICO CARRARA" userId="e93417db-f703-4389-ad82-be8964ade4b4" providerId="ADAL" clId="{E2414911-D0EA-43B6-A341-7D52769E6AA7}" dt="2024-06-25T09:37:56.041" v="2693" actId="1076"/>
+          <ac:chgData name="FEDERICO CARRARA" userId="e93417db-f703-4389-ad82-be8964ade4b4" providerId="ADAL" clId="{E2414911-D0EA-43B6-A341-7D52769E6AA7}" dt="2024-06-25T14:24:54.167" v="2837" actId="1076"/>
           <ac:spMkLst>
             <pc:docMk/>
             <pc:sldMk cId="1529259052" sldId="263"/>
@@ -419,7 +419,7 @@
           </ac:picMkLst>
         </pc:picChg>
         <pc:picChg chg="add mod">
-          <ac:chgData name="FEDERICO CARRARA" userId="e93417db-f703-4389-ad82-be8964ade4b4" providerId="ADAL" clId="{E2414911-D0EA-43B6-A341-7D52769E6AA7}" dt="2024-06-25T09:37:39.769" v="2662" actId="1076"/>
+          <ac:chgData name="FEDERICO CARRARA" userId="e93417db-f703-4389-ad82-be8964ade4b4" providerId="ADAL" clId="{E2414911-D0EA-43B6-A341-7D52769E6AA7}" dt="2024-06-25T14:24:40.272" v="2835" actId="1076"/>
           <ac:picMkLst>
             <pc:docMk/>
             <pc:sldMk cId="1529259052" sldId="263"/>
@@ -5199,7 +5199,7 @@
           <a:p>
             <a:fld id="{867D2BB0-EC20-4E7E-BA61-C31A6B3B5362}" type="datetimeFigureOut">
               <a:rPr lang="it-IT" smtClean="0"/>
-              <a:t>25/06/2024</a:t>
+              <a:t>26/06/2024</a:t>
             </a:fld>
             <a:endParaRPr lang="it-IT"/>
           </a:p>
@@ -5466,7 +5466,7 @@
           <a:p>
             <a:fld id="{867D2BB0-EC20-4E7E-BA61-C31A6B3B5362}" type="datetimeFigureOut">
               <a:rPr lang="it-IT" smtClean="0"/>
-              <a:t>25/06/2024</a:t>
+              <a:t>26/06/2024</a:t>
             </a:fld>
             <a:endParaRPr lang="it-IT"/>
           </a:p>
@@ -5662,7 +5662,7 @@
           <a:p>
             <a:fld id="{867D2BB0-EC20-4E7E-BA61-C31A6B3B5362}" type="datetimeFigureOut">
               <a:rPr lang="it-IT" smtClean="0"/>
-              <a:t>25/06/2024</a:t>
+              <a:t>26/06/2024</a:t>
             </a:fld>
             <a:endParaRPr lang="it-IT"/>
           </a:p>
@@ -5925,7 +5925,7 @@
           <a:p>
             <a:fld id="{867D2BB0-EC20-4E7E-BA61-C31A6B3B5362}" type="datetimeFigureOut">
               <a:rPr lang="it-IT" smtClean="0"/>
-              <a:t>25/06/2024</a:t>
+              <a:t>26/06/2024</a:t>
             </a:fld>
             <a:endParaRPr lang="it-IT"/>
           </a:p>
@@ -6359,7 +6359,7 @@
           <a:p>
             <a:fld id="{867D2BB0-EC20-4E7E-BA61-C31A6B3B5362}" type="datetimeFigureOut">
               <a:rPr lang="it-IT" smtClean="0"/>
-              <a:t>25/06/2024</a:t>
+              <a:t>26/06/2024</a:t>
             </a:fld>
             <a:endParaRPr lang="it-IT"/>
           </a:p>
@@ -6905,7 +6905,7 @@
           <a:p>
             <a:fld id="{867D2BB0-EC20-4E7E-BA61-C31A6B3B5362}" type="datetimeFigureOut">
               <a:rPr lang="it-IT" smtClean="0"/>
-              <a:t>25/06/2024</a:t>
+              <a:t>26/06/2024</a:t>
             </a:fld>
             <a:endParaRPr lang="it-IT"/>
           </a:p>
@@ -7625,7 +7625,7 @@
           <a:p>
             <a:fld id="{867D2BB0-EC20-4E7E-BA61-C31A6B3B5362}" type="datetimeFigureOut">
               <a:rPr lang="it-IT" smtClean="0"/>
-              <a:t>25/06/2024</a:t>
+              <a:t>26/06/2024</a:t>
             </a:fld>
             <a:endParaRPr lang="it-IT"/>
           </a:p>
@@ -7795,7 +7795,7 @@
           <a:p>
             <a:fld id="{867D2BB0-EC20-4E7E-BA61-C31A6B3B5362}" type="datetimeFigureOut">
               <a:rPr lang="it-IT" smtClean="0"/>
-              <a:t>25/06/2024</a:t>
+              <a:t>26/06/2024</a:t>
             </a:fld>
             <a:endParaRPr lang="it-IT"/>
           </a:p>
@@ -7975,7 +7975,7 @@
           <a:p>
             <a:fld id="{867D2BB0-EC20-4E7E-BA61-C31A6B3B5362}" type="datetimeFigureOut">
               <a:rPr lang="it-IT" smtClean="0"/>
-              <a:t>25/06/2024</a:t>
+              <a:t>26/06/2024</a:t>
             </a:fld>
             <a:endParaRPr lang="it-IT"/>
           </a:p>
@@ -8145,7 +8145,7 @@
           <a:p>
             <a:fld id="{867D2BB0-EC20-4E7E-BA61-C31A6B3B5362}" type="datetimeFigureOut">
               <a:rPr lang="it-IT" smtClean="0"/>
-              <a:t>25/06/2024</a:t>
+              <a:t>26/06/2024</a:t>
             </a:fld>
             <a:endParaRPr lang="it-IT"/>
           </a:p>
@@ -8395,7 +8395,7 @@
           <a:p>
             <a:fld id="{867D2BB0-EC20-4E7E-BA61-C31A6B3B5362}" type="datetimeFigureOut">
               <a:rPr lang="it-IT" smtClean="0"/>
-              <a:t>25/06/2024</a:t>
+              <a:t>26/06/2024</a:t>
             </a:fld>
             <a:endParaRPr lang="it-IT"/>
           </a:p>
@@ -8627,7 +8627,7 @@
           <a:p>
             <a:fld id="{867D2BB0-EC20-4E7E-BA61-C31A6B3B5362}" type="datetimeFigureOut">
               <a:rPr lang="it-IT" smtClean="0"/>
-              <a:t>25/06/2024</a:t>
+              <a:t>26/06/2024</a:t>
             </a:fld>
             <a:endParaRPr lang="it-IT"/>
           </a:p>
@@ -9008,7 +9008,7 @@
           <a:p>
             <a:fld id="{867D2BB0-EC20-4E7E-BA61-C31A6B3B5362}" type="datetimeFigureOut">
               <a:rPr lang="it-IT" smtClean="0"/>
-              <a:t>25/06/2024</a:t>
+              <a:t>26/06/2024</a:t>
             </a:fld>
             <a:endParaRPr lang="it-IT"/>
           </a:p>
@@ -9126,7 +9126,7 @@
           <a:p>
             <a:fld id="{867D2BB0-EC20-4E7E-BA61-C31A6B3B5362}" type="datetimeFigureOut">
               <a:rPr lang="it-IT" smtClean="0"/>
-              <a:t>25/06/2024</a:t>
+              <a:t>26/06/2024</a:t>
             </a:fld>
             <a:endParaRPr lang="it-IT"/>
           </a:p>
@@ -9221,7 +9221,7 @@
           <a:p>
             <a:fld id="{867D2BB0-EC20-4E7E-BA61-C31A6B3B5362}" type="datetimeFigureOut">
               <a:rPr lang="it-IT" smtClean="0"/>
-              <a:t>25/06/2024</a:t>
+              <a:t>26/06/2024</a:t>
             </a:fld>
             <a:endParaRPr lang="it-IT"/>
           </a:p>
@@ -9470,7 +9470,7 @@
           <a:p>
             <a:fld id="{867D2BB0-EC20-4E7E-BA61-C31A6B3B5362}" type="datetimeFigureOut">
               <a:rPr lang="it-IT" smtClean="0"/>
-              <a:t>25/06/2024</a:t>
+              <a:t>26/06/2024</a:t>
             </a:fld>
             <a:endParaRPr lang="it-IT"/>
           </a:p>
@@ -9750,7 +9750,7 @@
           <a:p>
             <a:fld id="{867D2BB0-EC20-4E7E-BA61-C31A6B3B5362}" type="datetimeFigureOut">
               <a:rPr lang="it-IT" smtClean="0"/>
-              <a:t>25/06/2024</a:t>
+              <a:t>26/06/2024</a:t>
             </a:fld>
             <a:endParaRPr lang="it-IT"/>
           </a:p>
@@ -12817,7 +12817,7 @@
           <a:p>
             <a:fld id="{867D2BB0-EC20-4E7E-BA61-C31A6B3B5362}" type="datetimeFigureOut">
               <a:rPr lang="it-IT" smtClean="0"/>
-              <a:t>25/06/2024</a:t>
+              <a:t>26/06/2024</a:t>
             </a:fld>
             <a:endParaRPr lang="it-IT"/>
           </a:p>
@@ -16908,7 +16908,7 @@
         </p:blipFill>
         <p:spPr>
           <a:xfrm>
-            <a:off x="1573649" y="4699298"/>
+            <a:off x="6263637" y="4842193"/>
             <a:ext cx="4010585" cy="285790"/>
           </a:xfrm>
           <a:prstGeom prst="rect">
@@ -16965,7 +16965,7 @@
         </p:nvSpPr>
         <p:spPr>
           <a:xfrm>
-            <a:off x="1567609" y="4257368"/>
+            <a:off x="6263637" y="4376501"/>
             <a:ext cx="2618217" cy="369332"/>
           </a:xfrm>
           <a:prstGeom prst="rect">
@@ -17457,6 +17457,12 @@
             </a:r>
           </a:p>
           <a:p>
+            <a:r>
+              <a:rPr lang="it-IT" dirty="0"/>
+              <a:t>Impossibilità di conoscere la posizione geografica dei dati degli utenti salvati dall’applicazione, come invece richiesto dalle norme europee</a:t>
+            </a:r>
+          </a:p>
+          <a:p>
             <a:endParaRPr lang="it-IT" dirty="0"/>
           </a:p>
           <a:p>
@@ -17469,9 +17475,26 @@
             </a:r>
           </a:p>
           <a:p>
-            <a:pPr marL="0" indent="0">
-              <a:buNone/>
-            </a:pPr>
+            <a:r>
+              <a:rPr lang="it-IT" dirty="0"/>
+              <a:t>Introduzione della funzione di modifica delle note già salvate</a:t>
+            </a:r>
+          </a:p>
+          <a:p>
+            <a:r>
+              <a:rPr lang="it-IT" dirty="0"/>
+              <a:t>Si prevede di implementare un sistema per effettuare periodicamente lo </a:t>
+            </a:r>
+            <a:r>
+              <a:rPr lang="it-IT" dirty="0" err="1"/>
+              <a:t>scraping</a:t>
+            </a:r>
+            <a:r>
+              <a:rPr lang="it-IT" dirty="0"/>
+              <a:t> delle trascrizioni dei video</a:t>
+            </a:r>
+          </a:p>
+          <a:p>
             <a:endParaRPr lang="it-IT" dirty="0"/>
           </a:p>
           <a:p>

--- a/Presentazioni/TEDxLearn_part3.pptx
+++ b/Presentazioni/TEDxLearn_part3.pptx
@@ -133,7 +133,7 @@
   <pc:docChgLst>
     <pc:chgData name="FEDERICO CARRARA" userId="e93417db-f703-4389-ad82-be8964ade4b4" providerId="ADAL" clId="{E2414911-D0EA-43B6-A341-7D52769E6AA7}"/>
     <pc:docChg chg="undo custSel addSld delSld modSld">
-      <pc:chgData name="FEDERICO CARRARA" userId="e93417db-f703-4389-ad82-be8964ade4b4" providerId="ADAL" clId="{E2414911-D0EA-43B6-A341-7D52769E6AA7}" dt="2024-06-26T13:46:59.193" v="3100" actId="20577"/>
+      <pc:chgData name="FEDERICO CARRARA" userId="e93417db-f703-4389-ad82-be8964ade4b4" providerId="ADAL" clId="{E2414911-D0EA-43B6-A341-7D52769E6AA7}" dt="2024-06-26T14:45:48.114" v="3104" actId="5793"/>
       <pc:docMkLst>
         <pc:docMk/>
       </pc:docMkLst>
@@ -192,13 +192,13 @@
         </pc:picChg>
       </pc:sldChg>
       <pc:sldChg chg="modSp mod">
-        <pc:chgData name="FEDERICO CARRARA" userId="e93417db-f703-4389-ad82-be8964ade4b4" providerId="ADAL" clId="{E2414911-D0EA-43B6-A341-7D52769E6AA7}" dt="2024-06-26T13:46:59.193" v="3100" actId="20577"/>
+        <pc:chgData name="FEDERICO CARRARA" userId="e93417db-f703-4389-ad82-be8964ade4b4" providerId="ADAL" clId="{E2414911-D0EA-43B6-A341-7D52769E6AA7}" dt="2024-06-26T14:45:48.114" v="3104" actId="5793"/>
         <pc:sldMkLst>
           <pc:docMk/>
           <pc:sldMk cId="2738979331" sldId="259"/>
         </pc:sldMkLst>
         <pc:spChg chg="mod">
-          <ac:chgData name="FEDERICO CARRARA" userId="e93417db-f703-4389-ad82-be8964ade4b4" providerId="ADAL" clId="{E2414911-D0EA-43B6-A341-7D52769E6AA7}" dt="2024-06-26T13:46:59.193" v="3100" actId="20577"/>
+          <ac:chgData name="FEDERICO CARRARA" userId="e93417db-f703-4389-ad82-be8964ade4b4" providerId="ADAL" clId="{E2414911-D0EA-43B6-A341-7D52769E6AA7}" dt="2024-06-26T14:45:48.114" v="3104" actId="5793"/>
           <ac:spMkLst>
             <pc:docMk/>
             <pc:sldMk cId="2738979331" sldId="259"/>
@@ -974,7 +974,7 @@
           <a:noFill/>
           <a:extLst>
             <a:ext uri="{909E8E84-426E-40dd-AFC4-6F175D3DCCD1}">
-              <a14:hiddenFill xmlns:a14="http://schemas.microsoft.com/office/drawing/2010/main" xmlns="">
+              <a14:hiddenFill xmlns="" xmlns:a14="http://schemas.microsoft.com/office/drawing/2010/main">
                 <a:solidFill>
                   <a:srgbClr val="FFFFFF"/>
                 </a:solidFill>
@@ -1033,7 +1033,7 @@
             </a:ln>
             <a:extLst>
               <a:ext uri="{91240B29-F687-4f45-9708-019B960494DF}">
-                <a14:hiddenLine xmlns:a14="http://schemas.microsoft.com/office/drawing/2010/main" xmlns="" w="9525">
+                <a14:hiddenLine xmlns="" xmlns:a14="http://schemas.microsoft.com/office/drawing/2010/main" w="9525">
                   <a:solidFill>
                     <a:srgbClr val="000000"/>
                   </a:solidFill>
@@ -1123,7 +1123,7 @@
             </a:ln>
             <a:extLst>
               <a:ext uri="{91240B29-F687-4f45-9708-019B960494DF}">
-                <a14:hiddenLine xmlns:a14="http://schemas.microsoft.com/office/drawing/2010/main" xmlns="" w="9525">
+                <a14:hiddenLine xmlns="" xmlns:a14="http://schemas.microsoft.com/office/drawing/2010/main" w="9525">
                   <a:solidFill>
                     <a:srgbClr val="000000"/>
                   </a:solidFill>
@@ -1213,7 +1213,7 @@
             </a:ln>
             <a:extLst>
               <a:ext uri="{91240B29-F687-4f45-9708-019B960494DF}">
-                <a14:hiddenLine xmlns:a14="http://schemas.microsoft.com/office/drawing/2010/main" xmlns="" w="9525">
+                <a14:hiddenLine xmlns="" xmlns:a14="http://schemas.microsoft.com/office/drawing/2010/main" w="9525">
                   <a:solidFill>
                     <a:srgbClr val="000000"/>
                   </a:solidFill>
@@ -1247,7 +1247,7 @@
             </a:ln>
             <a:extLst>
               <a:ext uri="{91240B29-F687-4f45-9708-019B960494DF}">
-                <a14:hiddenLine xmlns:a14="http://schemas.microsoft.com/office/drawing/2010/main" xmlns="" w="9525">
+                <a14:hiddenLine xmlns="" xmlns:a14="http://schemas.microsoft.com/office/drawing/2010/main" w="9525">
                   <a:solidFill>
                     <a:srgbClr val="000000"/>
                   </a:solidFill>
@@ -1337,7 +1337,7 @@
             </a:ln>
             <a:extLst>
               <a:ext uri="{91240B29-F687-4f45-9708-019B960494DF}">
-                <a14:hiddenLine xmlns:a14="http://schemas.microsoft.com/office/drawing/2010/main" xmlns="" w="9525">
+                <a14:hiddenLine xmlns="" xmlns:a14="http://schemas.microsoft.com/office/drawing/2010/main" w="9525">
                   <a:solidFill>
                     <a:srgbClr val="000000"/>
                   </a:solidFill>
@@ -1399,7 +1399,7 @@
             </a:ln>
             <a:extLst>
               <a:ext uri="{91240B29-F687-4f45-9708-019B960494DF}">
-                <a14:hiddenLine xmlns:a14="http://schemas.microsoft.com/office/drawing/2010/main" xmlns="" w="9525">
+                <a14:hiddenLine xmlns="" xmlns:a14="http://schemas.microsoft.com/office/drawing/2010/main" w="9525">
                   <a:solidFill>
                     <a:srgbClr val="000000"/>
                   </a:solidFill>
@@ -1461,7 +1461,7 @@
             </a:ln>
             <a:extLst>
               <a:ext uri="{91240B29-F687-4f45-9708-019B960494DF}">
-                <a14:hiddenLine xmlns:a14="http://schemas.microsoft.com/office/drawing/2010/main" xmlns="" w="9525">
+                <a14:hiddenLine xmlns="" xmlns:a14="http://schemas.microsoft.com/office/drawing/2010/main" w="9525">
                   <a:solidFill>
                     <a:srgbClr val="000000"/>
                   </a:solidFill>
@@ -1551,7 +1551,7 @@
             </a:ln>
             <a:extLst>
               <a:ext uri="{91240B29-F687-4f45-9708-019B960494DF}">
-                <a14:hiddenLine xmlns:a14="http://schemas.microsoft.com/office/drawing/2010/main" xmlns="" w="9525">
+                <a14:hiddenLine xmlns="" xmlns:a14="http://schemas.microsoft.com/office/drawing/2010/main" w="9525">
                   <a:solidFill>
                     <a:srgbClr val="000000"/>
                   </a:solidFill>
@@ -1613,7 +1613,7 @@
             </a:ln>
             <a:extLst>
               <a:ext uri="{91240B29-F687-4f45-9708-019B960494DF}">
-                <a14:hiddenLine xmlns:a14="http://schemas.microsoft.com/office/drawing/2010/main" xmlns="" w="9525">
+                <a14:hiddenLine xmlns="" xmlns:a14="http://schemas.microsoft.com/office/drawing/2010/main" w="9525">
                   <a:solidFill>
                     <a:srgbClr val="000000"/>
                   </a:solidFill>
@@ -1675,7 +1675,7 @@
             </a:ln>
             <a:extLst>
               <a:ext uri="{91240B29-F687-4f45-9708-019B960494DF}">
-                <a14:hiddenLine xmlns:a14="http://schemas.microsoft.com/office/drawing/2010/main" xmlns="" w="9525">
+                <a14:hiddenLine xmlns="" xmlns:a14="http://schemas.microsoft.com/office/drawing/2010/main" w="9525">
                   <a:solidFill>
                     <a:srgbClr val="000000"/>
                   </a:solidFill>
@@ -1765,7 +1765,7 @@
             </a:ln>
             <a:extLst>
               <a:ext uri="{91240B29-F687-4f45-9708-019B960494DF}">
-                <a14:hiddenLine xmlns:a14="http://schemas.microsoft.com/office/drawing/2010/main" xmlns="" w="9525">
+                <a14:hiddenLine xmlns="" xmlns:a14="http://schemas.microsoft.com/office/drawing/2010/main" w="9525">
                   <a:solidFill>
                     <a:srgbClr val="000000"/>
                   </a:solidFill>
@@ -1855,7 +1855,7 @@
             </a:ln>
             <a:extLst>
               <a:ext uri="{91240B29-F687-4f45-9708-019B960494DF}">
-                <a14:hiddenLine xmlns:a14="http://schemas.microsoft.com/office/drawing/2010/main" xmlns="" w="9525">
+                <a14:hiddenLine xmlns="" xmlns:a14="http://schemas.microsoft.com/office/drawing/2010/main" w="9525">
                   <a:solidFill>
                     <a:srgbClr val="000000"/>
                   </a:solidFill>
@@ -1917,7 +1917,7 @@
             </a:ln>
             <a:extLst>
               <a:ext uri="{91240B29-F687-4f45-9708-019B960494DF}">
-                <a14:hiddenLine xmlns:a14="http://schemas.microsoft.com/office/drawing/2010/main" xmlns="" w="9525">
+                <a14:hiddenLine xmlns="" xmlns:a14="http://schemas.microsoft.com/office/drawing/2010/main" w="9525">
                   <a:solidFill>
                     <a:srgbClr val="000000"/>
                   </a:solidFill>
@@ -2027,7 +2027,7 @@
             </a:ln>
             <a:extLst>
               <a:ext uri="{91240B29-F687-4f45-9708-019B960494DF}">
-                <a14:hiddenLine xmlns:a14="http://schemas.microsoft.com/office/drawing/2010/main" xmlns="" w="9525">
+                <a14:hiddenLine xmlns="" xmlns:a14="http://schemas.microsoft.com/office/drawing/2010/main" w="9525">
                   <a:solidFill>
                     <a:srgbClr val="000000"/>
                   </a:solidFill>
@@ -2089,7 +2089,7 @@
             </a:ln>
             <a:extLst>
               <a:ext uri="{91240B29-F687-4f45-9708-019B960494DF}">
-                <a14:hiddenLine xmlns:a14="http://schemas.microsoft.com/office/drawing/2010/main" xmlns="" w="9525">
+                <a14:hiddenLine xmlns="" xmlns:a14="http://schemas.microsoft.com/office/drawing/2010/main" w="9525">
                   <a:solidFill>
                     <a:srgbClr val="000000"/>
                   </a:solidFill>
@@ -2179,7 +2179,7 @@
             </a:ln>
             <a:extLst>
               <a:ext uri="{91240B29-F687-4f45-9708-019B960494DF}">
-                <a14:hiddenLine xmlns:a14="http://schemas.microsoft.com/office/drawing/2010/main" xmlns="" w="9525">
+                <a14:hiddenLine xmlns="" xmlns:a14="http://schemas.microsoft.com/office/drawing/2010/main" w="9525">
                   <a:solidFill>
                     <a:srgbClr val="000000"/>
                   </a:solidFill>
@@ -2269,7 +2269,7 @@
             </a:ln>
             <a:extLst>
               <a:ext uri="{91240B29-F687-4f45-9708-019B960494DF}">
-                <a14:hiddenLine xmlns:a14="http://schemas.microsoft.com/office/drawing/2010/main" xmlns="" w="9525">
+                <a14:hiddenLine xmlns="" xmlns:a14="http://schemas.microsoft.com/office/drawing/2010/main" w="9525">
                   <a:solidFill>
                     <a:srgbClr val="000000"/>
                   </a:solidFill>
@@ -2331,7 +2331,7 @@
             </a:ln>
             <a:extLst>
               <a:ext uri="{91240B29-F687-4f45-9708-019B960494DF}">
-                <a14:hiddenLine xmlns:a14="http://schemas.microsoft.com/office/drawing/2010/main" xmlns="" w="9525">
+                <a14:hiddenLine xmlns="" xmlns:a14="http://schemas.microsoft.com/office/drawing/2010/main" w="9525">
                   <a:solidFill>
                     <a:srgbClr val="000000"/>
                   </a:solidFill>
@@ -2421,7 +2421,7 @@
             </a:ln>
             <a:extLst>
               <a:ext uri="{91240B29-F687-4f45-9708-019B960494DF}">
-                <a14:hiddenLine xmlns:a14="http://schemas.microsoft.com/office/drawing/2010/main" xmlns="" w="9525">
+                <a14:hiddenLine xmlns="" xmlns:a14="http://schemas.microsoft.com/office/drawing/2010/main" w="9525">
                   <a:solidFill>
                     <a:srgbClr val="000000"/>
                   </a:solidFill>
@@ -2511,7 +2511,7 @@
             </a:ln>
             <a:extLst>
               <a:ext uri="{91240B29-F687-4f45-9708-019B960494DF}">
-                <a14:hiddenLine xmlns:a14="http://schemas.microsoft.com/office/drawing/2010/main" xmlns="" w="9525">
+                <a14:hiddenLine xmlns="" xmlns:a14="http://schemas.microsoft.com/office/drawing/2010/main" w="9525">
                   <a:solidFill>
                     <a:srgbClr val="000000"/>
                   </a:solidFill>
@@ -2567,7 +2567,7 @@
             </a:ln>
             <a:extLst>
               <a:ext uri="{91240B29-F687-4f45-9708-019B960494DF}">
-                <a14:hiddenLine xmlns:a14="http://schemas.microsoft.com/office/drawing/2010/main" xmlns="" w="9525">
+                <a14:hiddenLine xmlns="" xmlns:a14="http://schemas.microsoft.com/office/drawing/2010/main" w="9525">
                   <a:solidFill>
                     <a:srgbClr val="000000"/>
                   </a:solidFill>
@@ -2657,7 +2657,7 @@
             </a:ln>
             <a:extLst>
               <a:ext uri="{91240B29-F687-4f45-9708-019B960494DF}">
-                <a14:hiddenLine xmlns:a14="http://schemas.microsoft.com/office/drawing/2010/main" xmlns="" w="9525">
+                <a14:hiddenLine xmlns="" xmlns:a14="http://schemas.microsoft.com/office/drawing/2010/main" w="9525">
                   <a:solidFill>
                     <a:srgbClr val="000000"/>
                   </a:solidFill>
@@ -2713,7 +2713,7 @@
             </a:ln>
             <a:extLst>
               <a:ext uri="{91240B29-F687-4f45-9708-019B960494DF}">
-                <a14:hiddenLine xmlns:a14="http://schemas.microsoft.com/office/drawing/2010/main" xmlns="" w="9525">
+                <a14:hiddenLine xmlns="" xmlns:a14="http://schemas.microsoft.com/office/drawing/2010/main" w="9525">
                   <a:solidFill>
                     <a:srgbClr val="000000"/>
                   </a:solidFill>
@@ -2803,7 +2803,7 @@
             </a:ln>
             <a:extLst>
               <a:ext uri="{91240B29-F687-4f45-9708-019B960494DF}">
-                <a14:hiddenLine xmlns:a14="http://schemas.microsoft.com/office/drawing/2010/main" xmlns="" w="9525">
+                <a14:hiddenLine xmlns="" xmlns:a14="http://schemas.microsoft.com/office/drawing/2010/main" w="9525">
                   <a:solidFill>
                     <a:srgbClr val="000000"/>
                   </a:solidFill>
@@ -2871,7 +2871,7 @@
             </a:ln>
             <a:extLst>
               <a:ext uri="{91240B29-F687-4f45-9708-019B960494DF}">
-                <a14:hiddenLine xmlns:a14="http://schemas.microsoft.com/office/drawing/2010/main" xmlns="" w="9525">
+                <a14:hiddenLine xmlns="" xmlns:a14="http://schemas.microsoft.com/office/drawing/2010/main" w="9525">
                   <a:solidFill>
                     <a:srgbClr val="000000"/>
                   </a:solidFill>
@@ -2961,7 +2961,7 @@
             </a:ln>
             <a:extLst>
               <a:ext uri="{91240B29-F687-4f45-9708-019B960494DF}">
-                <a14:hiddenLine xmlns:a14="http://schemas.microsoft.com/office/drawing/2010/main" xmlns="" w="9525">
+                <a14:hiddenLine xmlns="" xmlns:a14="http://schemas.microsoft.com/office/drawing/2010/main" w="9525">
                   <a:solidFill>
                     <a:srgbClr val="000000"/>
                   </a:solidFill>
@@ -3029,7 +3029,7 @@
             </a:ln>
             <a:extLst>
               <a:ext uri="{91240B29-F687-4f45-9708-019B960494DF}">
-                <a14:hiddenLine xmlns:a14="http://schemas.microsoft.com/office/drawing/2010/main" xmlns="" w="9525">
+                <a14:hiddenLine xmlns="" xmlns:a14="http://schemas.microsoft.com/office/drawing/2010/main" w="9525">
                   <a:solidFill>
                     <a:srgbClr val="000000"/>
                   </a:solidFill>
@@ -3119,7 +3119,7 @@
             </a:ln>
             <a:extLst>
               <a:ext uri="{91240B29-F687-4f45-9708-019B960494DF}">
-                <a14:hiddenLine xmlns:a14="http://schemas.microsoft.com/office/drawing/2010/main" xmlns="" w="9525">
+                <a14:hiddenLine xmlns="" xmlns:a14="http://schemas.microsoft.com/office/drawing/2010/main" w="9525">
                   <a:solidFill>
                     <a:srgbClr val="000000"/>
                   </a:solidFill>
@@ -3153,7 +3153,7 @@
             </a:ln>
             <a:extLst>
               <a:ext uri="{91240B29-F687-4f45-9708-019B960494DF}">
-                <a14:hiddenLine xmlns:a14="http://schemas.microsoft.com/office/drawing/2010/main" xmlns="" w="9525">
+                <a14:hiddenLine xmlns="" xmlns:a14="http://schemas.microsoft.com/office/drawing/2010/main" w="9525">
                   <a:solidFill>
                     <a:srgbClr val="000000"/>
                   </a:solidFill>
@@ -3243,7 +3243,7 @@
             </a:ln>
             <a:extLst>
               <a:ext uri="{91240B29-F687-4f45-9708-019B960494DF}">
-                <a14:hiddenLine xmlns:a14="http://schemas.microsoft.com/office/drawing/2010/main" xmlns="" w="9525">
+                <a14:hiddenLine xmlns="" xmlns:a14="http://schemas.microsoft.com/office/drawing/2010/main" w="9525">
                   <a:solidFill>
                     <a:srgbClr val="000000"/>
                   </a:solidFill>
@@ -3305,7 +3305,7 @@
             </a:ln>
             <a:extLst>
               <a:ext uri="{91240B29-F687-4f45-9708-019B960494DF}">
-                <a14:hiddenLine xmlns:a14="http://schemas.microsoft.com/office/drawing/2010/main" xmlns="" w="9525">
+                <a14:hiddenLine xmlns="" xmlns:a14="http://schemas.microsoft.com/office/drawing/2010/main" w="9525">
                   <a:solidFill>
                     <a:srgbClr val="000000"/>
                   </a:solidFill>
@@ -3367,7 +3367,7 @@
             </a:ln>
             <a:extLst>
               <a:ext uri="{91240B29-F687-4f45-9708-019B960494DF}">
-                <a14:hiddenLine xmlns:a14="http://schemas.microsoft.com/office/drawing/2010/main" xmlns="" w="9525">
+                <a14:hiddenLine xmlns="" xmlns:a14="http://schemas.microsoft.com/office/drawing/2010/main" w="9525">
                   <a:solidFill>
                     <a:srgbClr val="000000"/>
                   </a:solidFill>
@@ -3457,7 +3457,7 @@
             </a:ln>
             <a:extLst>
               <a:ext uri="{91240B29-F687-4f45-9708-019B960494DF}">
-                <a14:hiddenLine xmlns:a14="http://schemas.microsoft.com/office/drawing/2010/main" xmlns="" w="9525">
+                <a14:hiddenLine xmlns="" xmlns:a14="http://schemas.microsoft.com/office/drawing/2010/main" w="9525">
                   <a:solidFill>
                     <a:srgbClr val="000000"/>
                   </a:solidFill>
@@ -3525,7 +3525,7 @@
             </a:ln>
             <a:extLst>
               <a:ext uri="{91240B29-F687-4f45-9708-019B960494DF}">
-                <a14:hiddenLine xmlns:a14="http://schemas.microsoft.com/office/drawing/2010/main" xmlns="" w="9525">
+                <a14:hiddenLine xmlns="" xmlns:a14="http://schemas.microsoft.com/office/drawing/2010/main" w="9525">
                   <a:solidFill>
                     <a:srgbClr val="000000"/>
                   </a:solidFill>
@@ -3587,7 +3587,7 @@
             </a:ln>
             <a:extLst>
               <a:ext uri="{91240B29-F687-4f45-9708-019B960494DF}">
-                <a14:hiddenLine xmlns:a14="http://schemas.microsoft.com/office/drawing/2010/main" xmlns="" w="9525">
+                <a14:hiddenLine xmlns="" xmlns:a14="http://schemas.microsoft.com/office/drawing/2010/main" w="9525">
                   <a:solidFill>
                     <a:srgbClr val="000000"/>
                   </a:solidFill>
@@ -3677,7 +3677,7 @@
             </a:ln>
             <a:extLst>
               <a:ext uri="{91240B29-F687-4f45-9708-019B960494DF}">
-                <a14:hiddenLine xmlns:a14="http://schemas.microsoft.com/office/drawing/2010/main" xmlns="" w="9525">
+                <a14:hiddenLine xmlns="" xmlns:a14="http://schemas.microsoft.com/office/drawing/2010/main" w="9525">
                   <a:solidFill>
                     <a:srgbClr val="000000"/>
                   </a:solidFill>
@@ -3739,7 +3739,7 @@
             </a:ln>
             <a:extLst>
               <a:ext uri="{91240B29-F687-4f45-9708-019B960494DF}">
-                <a14:hiddenLine xmlns:a14="http://schemas.microsoft.com/office/drawing/2010/main" xmlns="" w="9525">
+                <a14:hiddenLine xmlns="" xmlns:a14="http://schemas.microsoft.com/office/drawing/2010/main" w="9525">
                   <a:solidFill>
                     <a:srgbClr val="000000"/>
                   </a:solidFill>
@@ -3829,7 +3829,7 @@
             </a:ln>
             <a:extLst>
               <a:ext uri="{91240B29-F687-4f45-9708-019B960494DF}">
-                <a14:hiddenLine xmlns:a14="http://schemas.microsoft.com/office/drawing/2010/main" xmlns="" w="9525">
+                <a14:hiddenLine xmlns="" xmlns:a14="http://schemas.microsoft.com/office/drawing/2010/main" w="9525">
                   <a:solidFill>
                     <a:srgbClr val="000000"/>
                   </a:solidFill>
@@ -3891,7 +3891,7 @@
             </a:ln>
             <a:extLst>
               <a:ext uri="{91240B29-F687-4f45-9708-019B960494DF}">
-                <a14:hiddenLine xmlns:a14="http://schemas.microsoft.com/office/drawing/2010/main" xmlns="" w="9525">
+                <a14:hiddenLine xmlns="" xmlns:a14="http://schemas.microsoft.com/office/drawing/2010/main" w="9525">
                   <a:solidFill>
                     <a:srgbClr val="000000"/>
                   </a:solidFill>
@@ -3981,7 +3981,7 @@
             </a:ln>
             <a:extLst>
               <a:ext uri="{91240B29-F687-4f45-9708-019B960494DF}">
-                <a14:hiddenLine xmlns:a14="http://schemas.microsoft.com/office/drawing/2010/main" xmlns="" w="9525">
+                <a14:hiddenLine xmlns="" xmlns:a14="http://schemas.microsoft.com/office/drawing/2010/main" w="9525">
                   <a:solidFill>
                     <a:srgbClr val="000000"/>
                   </a:solidFill>
@@ -4015,7 +4015,7 @@
             </a:ln>
             <a:extLst>
               <a:ext uri="{91240B29-F687-4f45-9708-019B960494DF}">
-                <a14:hiddenLine xmlns:a14="http://schemas.microsoft.com/office/drawing/2010/main" xmlns="" w="9525">
+                <a14:hiddenLine xmlns="" xmlns:a14="http://schemas.microsoft.com/office/drawing/2010/main" w="9525">
                   <a:solidFill>
                     <a:srgbClr val="000000"/>
                   </a:solidFill>
@@ -4080,7 +4080,7 @@
             </a:ln>
             <a:extLst>
               <a:ext uri="{91240B29-F687-4f45-9708-019B960494DF}">
-                <a14:hiddenLine xmlns:a14="http://schemas.microsoft.com/office/drawing/2010/main" xmlns="" w="9525">
+                <a14:hiddenLine xmlns="" xmlns:a14="http://schemas.microsoft.com/office/drawing/2010/main" w="9525">
                   <a:solidFill>
                     <a:srgbClr val="000000"/>
                   </a:solidFill>
@@ -4170,7 +4170,7 @@
             </a:ln>
             <a:extLst>
               <a:ext uri="{91240B29-F687-4f45-9708-019B960494DF}">
-                <a14:hiddenLine xmlns:a14="http://schemas.microsoft.com/office/drawing/2010/main" xmlns="" w="9525">
+                <a14:hiddenLine xmlns="" xmlns:a14="http://schemas.microsoft.com/office/drawing/2010/main" w="9525">
                   <a:solidFill>
                     <a:srgbClr val="000000"/>
                   </a:solidFill>
@@ -4232,7 +4232,7 @@
             </a:ln>
             <a:extLst>
               <a:ext uri="{91240B29-F687-4f45-9708-019B960494DF}">
-                <a14:hiddenLine xmlns:a14="http://schemas.microsoft.com/office/drawing/2010/main" xmlns="" w="9525">
+                <a14:hiddenLine xmlns="" xmlns:a14="http://schemas.microsoft.com/office/drawing/2010/main" w="9525">
                   <a:solidFill>
                     <a:srgbClr val="000000"/>
                   </a:solidFill>
@@ -4322,7 +4322,7 @@
             </a:ln>
             <a:extLst>
               <a:ext uri="{91240B29-F687-4f45-9708-019B960494DF}">
-                <a14:hiddenLine xmlns:a14="http://schemas.microsoft.com/office/drawing/2010/main" xmlns="" w="9525">
+                <a14:hiddenLine xmlns="" xmlns:a14="http://schemas.microsoft.com/office/drawing/2010/main" w="9525">
                   <a:solidFill>
                     <a:srgbClr val="000000"/>
                   </a:solidFill>
@@ -4412,7 +4412,7 @@
             </a:ln>
             <a:extLst>
               <a:ext uri="{91240B29-F687-4f45-9708-019B960494DF}">
-                <a14:hiddenLine xmlns:a14="http://schemas.microsoft.com/office/drawing/2010/main" xmlns="" w="9525">
+                <a14:hiddenLine xmlns="" xmlns:a14="http://schemas.microsoft.com/office/drawing/2010/main" w="9525">
                   <a:solidFill>
                     <a:srgbClr val="000000"/>
                   </a:solidFill>
@@ -4477,7 +4477,7 @@
             </a:ln>
             <a:extLst>
               <a:ext uri="{91240B29-F687-4f45-9708-019B960494DF}">
-                <a14:hiddenLine xmlns:a14="http://schemas.microsoft.com/office/drawing/2010/main" xmlns="" w="9525">
+                <a14:hiddenLine xmlns="" xmlns:a14="http://schemas.microsoft.com/office/drawing/2010/main" w="9525">
                   <a:solidFill>
                     <a:srgbClr val="000000"/>
                   </a:solidFill>
@@ -4539,7 +4539,7 @@
             </a:ln>
             <a:extLst>
               <a:ext uri="{91240B29-F687-4f45-9708-019B960494DF}">
-                <a14:hiddenLine xmlns:a14="http://schemas.microsoft.com/office/drawing/2010/main" xmlns="" w="9525">
+                <a14:hiddenLine xmlns="" xmlns:a14="http://schemas.microsoft.com/office/drawing/2010/main" w="9525">
                   <a:solidFill>
                     <a:srgbClr val="000000"/>
                   </a:solidFill>
@@ -4629,7 +4629,7 @@
             </a:ln>
             <a:extLst>
               <a:ext uri="{91240B29-F687-4f45-9708-019B960494DF}">
-                <a14:hiddenLine xmlns:a14="http://schemas.microsoft.com/office/drawing/2010/main" xmlns="" w="9525">
+                <a14:hiddenLine xmlns="" xmlns:a14="http://schemas.microsoft.com/office/drawing/2010/main" w="9525">
                   <a:solidFill>
                     <a:srgbClr val="000000"/>
                   </a:solidFill>
@@ -4719,7 +4719,7 @@
             </a:ln>
             <a:extLst>
               <a:ext uri="{91240B29-F687-4f45-9708-019B960494DF}">
-                <a14:hiddenLine xmlns:a14="http://schemas.microsoft.com/office/drawing/2010/main" xmlns="" w="9525">
+                <a14:hiddenLine xmlns="" xmlns:a14="http://schemas.microsoft.com/office/drawing/2010/main" w="9525">
                   <a:solidFill>
                     <a:srgbClr val="000000"/>
                   </a:solidFill>
@@ -4781,7 +4781,7 @@
             </a:ln>
             <a:extLst>
               <a:ext uri="{91240B29-F687-4f45-9708-019B960494DF}">
-                <a14:hiddenLine xmlns:a14="http://schemas.microsoft.com/office/drawing/2010/main" xmlns="" w="9525">
+                <a14:hiddenLine xmlns="" xmlns:a14="http://schemas.microsoft.com/office/drawing/2010/main" w="9525">
                   <a:solidFill>
                     <a:srgbClr val="000000"/>
                   </a:solidFill>
@@ -4901,7 +4901,7 @@
             </a:ln>
             <a:extLst>
               <a:ext uri="{91240B29-F687-4f45-9708-019B960494DF}">
-                <a14:hiddenLine xmlns:a14="http://schemas.microsoft.com/office/drawing/2010/main" xmlns="" w="9525">
+                <a14:hiddenLine xmlns="" xmlns:a14="http://schemas.microsoft.com/office/drawing/2010/main" w="9525">
                   <a:solidFill>
                     <a:srgbClr val="000000"/>
                   </a:solidFill>
@@ -4969,7 +4969,7 @@
             </a:ln>
             <a:extLst>
               <a:ext uri="{91240B29-F687-4f45-9708-019B960494DF}">
-                <a14:hiddenLine xmlns:a14="http://schemas.microsoft.com/office/drawing/2010/main" xmlns="" w="9525">
+                <a14:hiddenLine xmlns="" xmlns:a14="http://schemas.microsoft.com/office/drawing/2010/main" w="9525">
                   <a:solidFill>
                     <a:srgbClr val="000000"/>
                   </a:solidFill>
@@ -5059,7 +5059,7 @@
             </a:ln>
             <a:extLst>
               <a:ext uri="{91240B29-F687-4f45-9708-019B960494DF}">
-                <a14:hiddenLine xmlns:a14="http://schemas.microsoft.com/office/drawing/2010/main" xmlns="" w="9525">
+                <a14:hiddenLine xmlns="" xmlns:a14="http://schemas.microsoft.com/office/drawing/2010/main" w="9525">
                   <a:solidFill>
                     <a:srgbClr val="000000"/>
                   </a:solidFill>
@@ -9873,7 +9873,7 @@
           <a:noFill/>
           <a:extLst>
             <a:ext uri="{909E8E84-426E-40dd-AFC4-6F175D3DCCD1}">
-              <a14:hiddenFill xmlns:a14="http://schemas.microsoft.com/office/drawing/2010/main" xmlns="">
+              <a14:hiddenFill xmlns="" xmlns:a14="http://schemas.microsoft.com/office/drawing/2010/main">
                 <a:solidFill>
                   <a:srgbClr val="FFFFFF"/>
                 </a:solidFill>
@@ -9947,7 +9947,7 @@
               </a:ln>
               <a:extLst>
                 <a:ext uri="{91240B29-F687-4f45-9708-019B960494DF}">
-                  <a14:hiddenLine xmlns:a14="http://schemas.microsoft.com/office/drawing/2010/main" xmlns="" w="9525">
+                  <a14:hiddenLine xmlns="" xmlns:a14="http://schemas.microsoft.com/office/drawing/2010/main" w="9525">
                     <a:solidFill>
                       <a:srgbClr val="000000"/>
                     </a:solidFill>
@@ -10037,7 +10037,7 @@
               </a:ln>
               <a:extLst>
                 <a:ext uri="{91240B29-F687-4f45-9708-019B960494DF}">
-                  <a14:hiddenLine xmlns:a14="http://schemas.microsoft.com/office/drawing/2010/main" xmlns="" w="9525">
+                  <a14:hiddenLine xmlns="" xmlns:a14="http://schemas.microsoft.com/office/drawing/2010/main" w="9525">
                     <a:solidFill>
                       <a:srgbClr val="000000"/>
                     </a:solidFill>
@@ -10127,7 +10127,7 @@
               </a:ln>
               <a:extLst>
                 <a:ext uri="{91240B29-F687-4f45-9708-019B960494DF}">
-                  <a14:hiddenLine xmlns:a14="http://schemas.microsoft.com/office/drawing/2010/main" xmlns="" w="9525">
+                  <a14:hiddenLine xmlns="" xmlns:a14="http://schemas.microsoft.com/office/drawing/2010/main" w="9525">
                     <a:solidFill>
                       <a:srgbClr val="000000"/>
                     </a:solidFill>
@@ -10189,7 +10189,7 @@
               </a:ln>
               <a:extLst>
                 <a:ext uri="{91240B29-F687-4f45-9708-019B960494DF}">
-                  <a14:hiddenLine xmlns:a14="http://schemas.microsoft.com/office/drawing/2010/main" xmlns="" w="9525">
+                  <a14:hiddenLine xmlns="" xmlns:a14="http://schemas.microsoft.com/office/drawing/2010/main" w="9525">
                     <a:solidFill>
                       <a:srgbClr val="000000"/>
                     </a:solidFill>
@@ -10279,7 +10279,7 @@
               </a:ln>
               <a:extLst>
                 <a:ext uri="{91240B29-F687-4f45-9708-019B960494DF}">
-                  <a14:hiddenLine xmlns:a14="http://schemas.microsoft.com/office/drawing/2010/main" xmlns="" w="9525">
+                  <a14:hiddenLine xmlns="" xmlns:a14="http://schemas.microsoft.com/office/drawing/2010/main" w="9525">
                     <a:solidFill>
                       <a:srgbClr val="000000"/>
                     </a:solidFill>
@@ -10341,7 +10341,7 @@
               </a:ln>
               <a:extLst>
                 <a:ext uri="{91240B29-F687-4f45-9708-019B960494DF}">
-                  <a14:hiddenLine xmlns:a14="http://schemas.microsoft.com/office/drawing/2010/main" xmlns="" w="9525">
+                  <a14:hiddenLine xmlns="" xmlns:a14="http://schemas.microsoft.com/office/drawing/2010/main" w="9525">
                     <a:solidFill>
                       <a:srgbClr val="000000"/>
                     </a:solidFill>
@@ -10403,7 +10403,7 @@
               </a:ln>
               <a:extLst>
                 <a:ext uri="{91240B29-F687-4f45-9708-019B960494DF}">
-                  <a14:hiddenLine xmlns:a14="http://schemas.microsoft.com/office/drawing/2010/main" xmlns="" w="9525">
+                  <a14:hiddenLine xmlns="" xmlns:a14="http://schemas.microsoft.com/office/drawing/2010/main" w="9525">
                     <a:solidFill>
                       <a:srgbClr val="000000"/>
                     </a:solidFill>
@@ -10493,7 +10493,7 @@
               </a:ln>
               <a:extLst>
                 <a:ext uri="{91240B29-F687-4f45-9708-019B960494DF}">
-                  <a14:hiddenLine xmlns:a14="http://schemas.microsoft.com/office/drawing/2010/main" xmlns="" w="9525">
+                  <a14:hiddenLine xmlns="" xmlns:a14="http://schemas.microsoft.com/office/drawing/2010/main" w="9525">
                     <a:solidFill>
                       <a:srgbClr val="000000"/>
                     </a:solidFill>
@@ -10583,7 +10583,7 @@
               </a:ln>
               <a:extLst>
                 <a:ext uri="{91240B29-F687-4f45-9708-019B960494DF}">
-                  <a14:hiddenLine xmlns:a14="http://schemas.microsoft.com/office/drawing/2010/main" xmlns="" w="9525">
+                  <a14:hiddenLine xmlns="" xmlns:a14="http://schemas.microsoft.com/office/drawing/2010/main" w="9525">
                     <a:solidFill>
                       <a:srgbClr val="000000"/>
                     </a:solidFill>
@@ -10645,7 +10645,7 @@
               </a:ln>
               <a:extLst>
                 <a:ext uri="{91240B29-F687-4f45-9708-019B960494DF}">
-                  <a14:hiddenLine xmlns:a14="http://schemas.microsoft.com/office/drawing/2010/main" xmlns="" w="9525">
+                  <a14:hiddenLine xmlns="" xmlns:a14="http://schemas.microsoft.com/office/drawing/2010/main" w="9525">
                     <a:solidFill>
                       <a:srgbClr val="000000"/>
                     </a:solidFill>
@@ -10755,7 +10755,7 @@
               </a:ln>
               <a:extLst>
                 <a:ext uri="{91240B29-F687-4f45-9708-019B960494DF}">
-                  <a14:hiddenLine xmlns:a14="http://schemas.microsoft.com/office/drawing/2010/main" xmlns="" w="9525">
+                  <a14:hiddenLine xmlns="" xmlns:a14="http://schemas.microsoft.com/office/drawing/2010/main" w="9525">
                     <a:solidFill>
                       <a:srgbClr val="000000"/>
                     </a:solidFill>
@@ -10839,7 +10839,7 @@
               </a:ln>
               <a:extLst>
                 <a:ext uri="{91240B29-F687-4f45-9708-019B960494DF}">
-                  <a14:hiddenLine xmlns:a14="http://schemas.microsoft.com/office/drawing/2010/main" xmlns="" w="9525">
+                  <a14:hiddenLine xmlns="" xmlns:a14="http://schemas.microsoft.com/office/drawing/2010/main" w="9525">
                     <a:solidFill>
                       <a:srgbClr val="000000"/>
                     </a:solidFill>
@@ -10901,7 +10901,7 @@
               </a:ln>
               <a:extLst>
                 <a:ext uri="{91240B29-F687-4f45-9708-019B960494DF}">
-                  <a14:hiddenLine xmlns:a14="http://schemas.microsoft.com/office/drawing/2010/main" xmlns="" w="9525">
+                  <a14:hiddenLine xmlns="" xmlns:a14="http://schemas.microsoft.com/office/drawing/2010/main" w="9525">
                     <a:solidFill>
                       <a:srgbClr val="000000"/>
                     </a:solidFill>
@@ -10963,7 +10963,7 @@
               </a:ln>
               <a:extLst>
                 <a:ext uri="{91240B29-F687-4f45-9708-019B960494DF}">
-                  <a14:hiddenLine xmlns:a14="http://schemas.microsoft.com/office/drawing/2010/main" xmlns="" w="9525">
+                  <a14:hiddenLine xmlns="" xmlns:a14="http://schemas.microsoft.com/office/drawing/2010/main" w="9525">
                     <a:solidFill>
                       <a:srgbClr val="000000"/>
                     </a:solidFill>
@@ -11053,7 +11053,7 @@
               </a:ln>
               <a:extLst>
                 <a:ext uri="{91240B29-F687-4f45-9708-019B960494DF}">
-                  <a14:hiddenLine xmlns:a14="http://schemas.microsoft.com/office/drawing/2010/main" xmlns="" w="9525">
+                  <a14:hiddenLine xmlns="" xmlns:a14="http://schemas.microsoft.com/office/drawing/2010/main" w="9525">
                     <a:solidFill>
                       <a:srgbClr val="000000"/>
                     </a:solidFill>
@@ -11087,7 +11087,7 @@
               </a:ln>
               <a:extLst>
                 <a:ext uri="{91240B29-F687-4f45-9708-019B960494DF}">
-                  <a14:hiddenLine xmlns:a14="http://schemas.microsoft.com/office/drawing/2010/main" xmlns="" w="9525">
+                  <a14:hiddenLine xmlns="" xmlns:a14="http://schemas.microsoft.com/office/drawing/2010/main" w="9525">
                     <a:solidFill>
                       <a:srgbClr val="000000"/>
                     </a:solidFill>
@@ -11152,7 +11152,7 @@
               </a:ln>
               <a:extLst>
                 <a:ext uri="{91240B29-F687-4f45-9708-019B960494DF}">
-                  <a14:hiddenLine xmlns:a14="http://schemas.microsoft.com/office/drawing/2010/main" xmlns="" w="9525">
+                  <a14:hiddenLine xmlns="" xmlns:a14="http://schemas.microsoft.com/office/drawing/2010/main" w="9525">
                     <a:solidFill>
                       <a:srgbClr val="000000"/>
                     </a:solidFill>
@@ -11242,7 +11242,7 @@
               </a:ln>
               <a:extLst>
                 <a:ext uri="{91240B29-F687-4f45-9708-019B960494DF}">
-                  <a14:hiddenLine xmlns:a14="http://schemas.microsoft.com/office/drawing/2010/main" xmlns="" w="9525">
+                  <a14:hiddenLine xmlns="" xmlns:a14="http://schemas.microsoft.com/office/drawing/2010/main" w="9525">
                     <a:solidFill>
                       <a:srgbClr val="000000"/>
                     </a:solidFill>
@@ -11304,7 +11304,7 @@
               </a:ln>
               <a:extLst>
                 <a:ext uri="{91240B29-F687-4f45-9708-019B960494DF}">
-                  <a14:hiddenLine xmlns:a14="http://schemas.microsoft.com/office/drawing/2010/main" xmlns="" w="9525">
+                  <a14:hiddenLine xmlns="" xmlns:a14="http://schemas.microsoft.com/office/drawing/2010/main" w="9525">
                     <a:solidFill>
                       <a:srgbClr val="000000"/>
                     </a:solidFill>
@@ -11394,7 +11394,7 @@
               </a:ln>
               <a:extLst>
                 <a:ext uri="{91240B29-F687-4f45-9708-019B960494DF}">
-                  <a14:hiddenLine xmlns:a14="http://schemas.microsoft.com/office/drawing/2010/main" xmlns="" w="9525">
+                  <a14:hiddenLine xmlns="" xmlns:a14="http://schemas.microsoft.com/office/drawing/2010/main" w="9525">
                     <a:solidFill>
                       <a:srgbClr val="000000"/>
                     </a:solidFill>
@@ -11459,7 +11459,7 @@
               </a:ln>
               <a:extLst>
                 <a:ext uri="{91240B29-F687-4f45-9708-019B960494DF}">
-                  <a14:hiddenLine xmlns:a14="http://schemas.microsoft.com/office/drawing/2010/main" xmlns="" w="9525">
+                  <a14:hiddenLine xmlns="" xmlns:a14="http://schemas.microsoft.com/office/drawing/2010/main" w="9525">
                     <a:solidFill>
                       <a:srgbClr val="000000"/>
                     </a:solidFill>
@@ -11521,7 +11521,7 @@
               </a:ln>
               <a:extLst>
                 <a:ext uri="{91240B29-F687-4f45-9708-019B960494DF}">
-                  <a14:hiddenLine xmlns:a14="http://schemas.microsoft.com/office/drawing/2010/main" xmlns="" w="9525">
+                  <a14:hiddenLine xmlns="" xmlns:a14="http://schemas.microsoft.com/office/drawing/2010/main" w="9525">
                     <a:solidFill>
                       <a:srgbClr val="000000"/>
                     </a:solidFill>
@@ -11611,7 +11611,7 @@
               </a:ln>
               <a:extLst>
                 <a:ext uri="{91240B29-F687-4f45-9708-019B960494DF}">
-                  <a14:hiddenLine xmlns:a14="http://schemas.microsoft.com/office/drawing/2010/main" xmlns="" w="9525">
+                  <a14:hiddenLine xmlns="" xmlns:a14="http://schemas.microsoft.com/office/drawing/2010/main" w="9525">
                     <a:solidFill>
                       <a:srgbClr val="000000"/>
                     </a:solidFill>
@@ -11701,7 +11701,7 @@
               </a:ln>
               <a:extLst>
                 <a:ext uri="{91240B29-F687-4f45-9708-019B960494DF}">
-                  <a14:hiddenLine xmlns:a14="http://schemas.microsoft.com/office/drawing/2010/main" xmlns="" w="9525">
+                  <a14:hiddenLine xmlns="" xmlns:a14="http://schemas.microsoft.com/office/drawing/2010/main" w="9525">
                     <a:solidFill>
                       <a:srgbClr val="000000"/>
                     </a:solidFill>
@@ -11766,7 +11766,7 @@
               </a:ln>
               <a:extLst>
                 <a:ext uri="{91240B29-F687-4f45-9708-019B960494DF}">
-                  <a14:hiddenLine xmlns:a14="http://schemas.microsoft.com/office/drawing/2010/main" xmlns="" w="9525">
+                  <a14:hiddenLine xmlns="" xmlns:a14="http://schemas.microsoft.com/office/drawing/2010/main" w="9525">
                     <a:solidFill>
                       <a:srgbClr val="000000"/>
                     </a:solidFill>
@@ -11886,7 +11886,7 @@
               </a:ln>
               <a:extLst>
                 <a:ext uri="{91240B29-F687-4f45-9708-019B960494DF}">
-                  <a14:hiddenLine xmlns:a14="http://schemas.microsoft.com/office/drawing/2010/main" xmlns="" w="9525">
+                  <a14:hiddenLine xmlns="" xmlns:a14="http://schemas.microsoft.com/office/drawing/2010/main" w="9525">
                     <a:solidFill>
                       <a:srgbClr val="000000"/>
                     </a:solidFill>
@@ -11967,7 +11967,7 @@
               </a:ln>
               <a:extLst>
                 <a:ext uri="{91240B29-F687-4f45-9708-019B960494DF}">
-                  <a14:hiddenLine xmlns:a14="http://schemas.microsoft.com/office/drawing/2010/main" xmlns="" w="9525">
+                  <a14:hiddenLine xmlns="" xmlns:a14="http://schemas.microsoft.com/office/drawing/2010/main" w="9525">
                     <a:solidFill>
                       <a:srgbClr val="000000"/>
                     </a:solidFill>
@@ -12082,7 +12082,7 @@
               </a:ln>
               <a:extLst>
                 <a:ext uri="{91240B29-F687-4f45-9708-019B960494DF}">
-                  <a14:hiddenLine xmlns:a14="http://schemas.microsoft.com/office/drawing/2010/main" xmlns="" w="9525">
+                  <a14:hiddenLine xmlns="" xmlns:a14="http://schemas.microsoft.com/office/drawing/2010/main" w="9525">
                     <a:solidFill>
                       <a:srgbClr val="000000"/>
                     </a:solidFill>
@@ -12172,7 +12172,7 @@
               </a:ln>
               <a:extLst>
                 <a:ext uri="{91240B29-F687-4f45-9708-019B960494DF}">
-                  <a14:hiddenLine xmlns:a14="http://schemas.microsoft.com/office/drawing/2010/main" xmlns="" w="9525">
+                  <a14:hiddenLine xmlns="" xmlns:a14="http://schemas.microsoft.com/office/drawing/2010/main" w="9525">
                     <a:solidFill>
                       <a:srgbClr val="000000"/>
                     </a:solidFill>
@@ -12237,7 +12237,7 @@
               </a:ln>
               <a:extLst>
                 <a:ext uri="{91240B29-F687-4f45-9708-019B960494DF}">
-                  <a14:hiddenLine xmlns:a14="http://schemas.microsoft.com/office/drawing/2010/main" xmlns="" w="9525">
+                  <a14:hiddenLine xmlns="" xmlns:a14="http://schemas.microsoft.com/office/drawing/2010/main" w="9525">
                     <a:solidFill>
                       <a:srgbClr val="000000"/>
                     </a:solidFill>
@@ -12327,7 +12327,7 @@
               </a:ln>
               <a:extLst>
                 <a:ext uri="{91240B29-F687-4f45-9708-019B960494DF}">
-                  <a14:hiddenLine xmlns:a14="http://schemas.microsoft.com/office/drawing/2010/main" xmlns="" w="9525">
+                  <a14:hiddenLine xmlns="" xmlns:a14="http://schemas.microsoft.com/office/drawing/2010/main" w="9525">
                     <a:solidFill>
                       <a:srgbClr val="000000"/>
                     </a:solidFill>
@@ -12395,7 +12395,7 @@
               </a:ln>
               <a:extLst>
                 <a:ext uri="{91240B29-F687-4f45-9708-019B960494DF}">
-                  <a14:hiddenLine xmlns:a14="http://schemas.microsoft.com/office/drawing/2010/main" xmlns="" w="9525">
+                  <a14:hiddenLine xmlns="" xmlns:a14="http://schemas.microsoft.com/office/drawing/2010/main" w="9525">
                     <a:solidFill>
                       <a:srgbClr val="000000"/>
                     </a:solidFill>
@@ -12485,7 +12485,7 @@
               </a:ln>
               <a:extLst>
                 <a:ext uri="{91240B29-F687-4f45-9708-019B960494DF}">
-                  <a14:hiddenLine xmlns:a14="http://schemas.microsoft.com/office/drawing/2010/main" xmlns="" w="9525">
+                  <a14:hiddenLine xmlns="" xmlns:a14="http://schemas.microsoft.com/office/drawing/2010/main" w="9525">
                     <a:solidFill>
                       <a:srgbClr val="000000"/>
                     </a:solidFill>
@@ -12553,7 +12553,7 @@
               </a:ln>
               <a:extLst>
                 <a:ext uri="{91240B29-F687-4f45-9708-019B960494DF}">
-                  <a14:hiddenLine xmlns:a14="http://schemas.microsoft.com/office/drawing/2010/main" xmlns="" w="9525">
+                  <a14:hiddenLine xmlns="" xmlns:a14="http://schemas.microsoft.com/office/drawing/2010/main" w="9525">
                     <a:solidFill>
                       <a:srgbClr val="000000"/>
                     </a:solidFill>
@@ -12643,7 +12643,7 @@
               </a:ln>
               <a:extLst>
                 <a:ext uri="{91240B29-F687-4f45-9708-019B960494DF}">
-                  <a14:hiddenLine xmlns:a14="http://schemas.microsoft.com/office/drawing/2010/main" xmlns="" w="9525">
+                  <a14:hiddenLine xmlns="" xmlns:a14="http://schemas.microsoft.com/office/drawing/2010/main" w="9525">
                     <a:solidFill>
                       <a:srgbClr val="000000"/>
                     </a:solidFill>
@@ -12677,7 +12677,7 @@
               </a:ln>
               <a:extLst>
                 <a:ext uri="{91240B29-F687-4f45-9708-019B960494DF}">
-                  <a14:hiddenLine xmlns:a14="http://schemas.microsoft.com/office/drawing/2010/main" xmlns="" w="9525">
+                  <a14:hiddenLine xmlns="" xmlns:a14="http://schemas.microsoft.com/office/drawing/2010/main" w="9525">
                     <a:solidFill>
                       <a:srgbClr val="000000"/>
                     </a:solidFill>
@@ -13409,7 +13409,7 @@
             <a:noFill/>
             <a:extLst>
               <a:ext uri="{909E8E84-426E-40dd-AFC4-6F175D3DCCD1}">
-                <a14:hiddenFill xmlns="" xmlns:a16="http://schemas.microsoft.com/office/drawing/2014/main" xmlns:p14="http://schemas.microsoft.com/office/powerpoint/2010/main" xmlns:a14="http://schemas.microsoft.com/office/drawing/2010/main">
+                <a14:hiddenFill xmlns:a14="http://schemas.microsoft.com/office/drawing/2010/main" xmlns:p14="http://schemas.microsoft.com/office/powerpoint/2010/main" xmlns:a16="http://schemas.microsoft.com/office/drawing/2014/main" xmlns="">
                   <a:solidFill>
                     <a:srgbClr val="FFFFFF"/>
                   </a:solidFill>
@@ -17463,6 +17463,9 @@
             </a:r>
           </a:p>
           <a:p>
+            <a:pPr marL="0" indent="0">
+              <a:buNone/>
+            </a:pPr>
             <a:endParaRPr lang="it-IT" dirty="0"/>
           </a:p>
           <a:p>
